--- a/fabric notes/【2020.12.26】Fabric Network Runtime Architecture.pptx
+++ b/fabric notes/【2020.12.26】Fabric Network Runtime Architecture.pptx
@@ -12,17 +12,26 @@
     <p:sldId id="262" r:id="rId6"/>
     <p:sldId id="259" r:id="rId7"/>
     <p:sldId id="264" r:id="rId8"/>
-    <p:sldId id="265" r:id="rId9"/>
-    <p:sldId id="266" r:id="rId10"/>
-    <p:sldId id="267" r:id="rId11"/>
-    <p:sldId id="263" r:id="rId12"/>
-    <p:sldId id="260" r:id="rId13"/>
-    <p:sldId id="268" r:id="rId14"/>
-    <p:sldId id="269" r:id="rId15"/>
-    <p:sldId id="270" r:id="rId16"/>
-    <p:sldId id="272" r:id="rId17"/>
-    <p:sldId id="271" r:id="rId18"/>
-    <p:sldId id="273" r:id="rId19"/>
+    <p:sldId id="279" r:id="rId9"/>
+    <p:sldId id="274" r:id="rId10"/>
+    <p:sldId id="275" r:id="rId11"/>
+    <p:sldId id="284" r:id="rId12"/>
+    <p:sldId id="280" r:id="rId13"/>
+    <p:sldId id="265" r:id="rId14"/>
+    <p:sldId id="277" r:id="rId15"/>
+    <p:sldId id="266" r:id="rId16"/>
+    <p:sldId id="281" r:id="rId17"/>
+    <p:sldId id="282" r:id="rId18"/>
+    <p:sldId id="267" r:id="rId19"/>
+    <p:sldId id="283" r:id="rId20"/>
+    <p:sldId id="263" r:id="rId21"/>
+    <p:sldId id="260" r:id="rId22"/>
+    <p:sldId id="268" r:id="rId23"/>
+    <p:sldId id="269" r:id="rId24"/>
+    <p:sldId id="270" r:id="rId25"/>
+    <p:sldId id="272" r:id="rId26"/>
+    <p:sldId id="271" r:id="rId27"/>
+    <p:sldId id="273" r:id="rId28"/>
   </p:sldIdLst>
   <p:sldSz cx="12192000" cy="6858000"/>
   <p:notesSz cx="6858000" cy="9144000"/>
@@ -3359,7 +3368,12 @@
             <p:ph type="ctrTitle"/>
           </p:nvPr>
         </p:nvSpPr>
-        <p:spPr/>
+        <p:spPr>
+          <a:xfrm>
+            <a:off x="1524000" y="1122363"/>
+            <a:ext cx="9144000" cy="2387600"/>
+          </a:xfrm>
+        </p:spPr>
         <p:txBody>
           <a:bodyPr>
             <a:normAutofit/>
@@ -3492,7 +3506,7 @@
           <a:p>
             <a:r>
               <a:rPr lang="en-US" altLang="zh-CN" dirty="0"/>
-              <a:t>4. Client</a:t>
+              <a:t>1. Peer</a:t>
             </a:r>
             <a:endParaRPr lang="zh-CN" altLang="en-US" dirty="0"/>
           </a:p>
@@ -3516,17 +3530,36 @@
         </p:nvSpPr>
         <p:spPr/>
         <p:txBody>
-          <a:bodyPr/>
-          <a:lstStyle/>
-          <a:p>
-            <a:endParaRPr lang="zh-CN" altLang="en-US"/>
+          <a:bodyPr>
+            <a:normAutofit/>
+          </a:bodyPr>
+          <a:lstStyle/>
+          <a:p>
+            <a:r>
+              <a:rPr lang="en-US" altLang="zh-CN" dirty="0"/>
+              <a:t>Ledger</a:t>
+            </a:r>
+          </a:p>
+          <a:p>
+            <a:pPr lvl="1"/>
+            <a:r>
+              <a:rPr lang="en-US" altLang="zh-CN" dirty="0"/>
+              <a:t>Blockchain</a:t>
+            </a:r>
+          </a:p>
+          <a:p>
+            <a:pPr lvl="1"/>
+            <a:r>
+              <a:rPr lang="en-US" altLang="zh-CN" dirty="0"/>
+              <a:t>World State DB</a:t>
+            </a:r>
           </a:p>
         </p:txBody>
       </p:sp>
     </p:spTree>
     <p:extLst>
       <p:ext uri="{BB962C8B-B14F-4D97-AF65-F5344CB8AC3E}">
-        <p14:creationId xmlns:p14="http://schemas.microsoft.com/office/powerpoint/2010/main" val="2632436869"/>
+        <p14:creationId xmlns:p14="http://schemas.microsoft.com/office/powerpoint/2010/main" val="3171075019"/>
       </p:ext>
     </p:extLst>
   </p:cSld>
@@ -3558,23 +3591,47 @@
           <p:cNvPr id="2" name="标题 1">
             <a:extLst>
               <a:ext uri="{FF2B5EF4-FFF2-40B4-BE49-F238E27FC236}">
-                <a16:creationId xmlns:a16="http://schemas.microsoft.com/office/drawing/2014/main" id="{696A5807-AB6E-4F45-99F4-9C05A7BD8CDB}"/>
-              </a:ext>
-            </a:extLst>
-          </p:cNvPr>
-          <p:cNvSpPr>
-            <a:spLocks noGrp="1"/>
-          </p:cNvSpPr>
-          <p:nvPr>
-            <p:ph type="ctrTitle"/>
-          </p:nvPr>
-        </p:nvSpPr>
-        <p:spPr>
-          <a:xfrm>
-            <a:off x="600173" y="2910526"/>
-            <a:ext cx="10991654" cy="1036948"/>
-          </a:xfrm>
-        </p:spPr>
+                <a16:creationId xmlns:a16="http://schemas.microsoft.com/office/drawing/2014/main" id="{59E53C8E-1407-48C7-BC53-331B3B3C2F84}"/>
+              </a:ext>
+            </a:extLst>
+          </p:cNvPr>
+          <p:cNvSpPr>
+            <a:spLocks noGrp="1"/>
+          </p:cNvSpPr>
+          <p:nvPr>
+            <p:ph type="title"/>
+          </p:nvPr>
+        </p:nvSpPr>
+        <p:spPr/>
+        <p:txBody>
+          <a:bodyPr/>
+          <a:lstStyle/>
+          <a:p>
+            <a:r>
+              <a:rPr lang="en-US" altLang="zh-CN" dirty="0"/>
+              <a:t>1. Peer</a:t>
+            </a:r>
+            <a:endParaRPr lang="zh-CN" altLang="en-US" dirty="0"/>
+          </a:p>
+        </p:txBody>
+      </p:sp>
+      <p:sp>
+        <p:nvSpPr>
+          <p:cNvPr id="3" name="内容占位符 2">
+            <a:extLst>
+              <a:ext uri="{FF2B5EF4-FFF2-40B4-BE49-F238E27FC236}">
+                <a16:creationId xmlns:a16="http://schemas.microsoft.com/office/drawing/2014/main" id="{1A9EC2D7-6463-4A6F-90EE-399D9456DD0A}"/>
+              </a:ext>
+            </a:extLst>
+          </p:cNvPr>
+          <p:cNvSpPr>
+            <a:spLocks noGrp="1"/>
+          </p:cNvSpPr>
+          <p:nvPr>
+            <p:ph idx="1"/>
+          </p:nvPr>
+        </p:nvSpPr>
+        <p:spPr/>
         <p:txBody>
           <a:bodyPr>
             <a:normAutofit/>
@@ -3583,7 +3640,28 @@
           <a:p>
             <a:r>
               <a:rPr lang="en-US" altLang="zh-CN" dirty="0"/>
-              <a:t>Part 3: Relationship</a:t>
+              <a:t>Ledger</a:t>
+            </a:r>
+          </a:p>
+          <a:p>
+            <a:pPr lvl="1"/>
+            <a:r>
+              <a:rPr lang="en-US" altLang="zh-CN" dirty="0"/>
+              <a:t>Private Data</a:t>
+            </a:r>
+          </a:p>
+          <a:p>
+            <a:pPr lvl="2"/>
+            <a:r>
+              <a:rPr lang="en-US" altLang="zh-CN" dirty="0"/>
+              <a:t>Private Block</a:t>
+            </a:r>
+          </a:p>
+          <a:p>
+            <a:pPr lvl="2"/>
+            <a:r>
+              <a:rPr lang="en-US" altLang="zh-CN" dirty="0"/>
+              <a:t>Private DB</a:t>
             </a:r>
             <a:endParaRPr lang="zh-CN" altLang="en-US" dirty="0"/>
           </a:p>
@@ -3592,7 +3670,7 @@
     </p:spTree>
     <p:extLst>
       <p:ext uri="{BB962C8B-B14F-4D97-AF65-F5344CB8AC3E}">
-        <p14:creationId xmlns:p14="http://schemas.microsoft.com/office/powerpoint/2010/main" val="2168299143"/>
+        <p14:creationId xmlns:p14="http://schemas.microsoft.com/office/powerpoint/2010/main" val="3019408843"/>
       </p:ext>
     </p:extLst>
   </p:cSld>
@@ -3624,7 +3702,7 @@
           <p:cNvPr id="2" name="标题 1">
             <a:extLst>
               <a:ext uri="{FF2B5EF4-FFF2-40B4-BE49-F238E27FC236}">
-                <a16:creationId xmlns:a16="http://schemas.microsoft.com/office/drawing/2014/main" id="{B18E5749-3309-40D0-9D48-3E5BAA273743}"/>
+                <a16:creationId xmlns:a16="http://schemas.microsoft.com/office/drawing/2014/main" id="{59E53C8E-1407-48C7-BC53-331B3B3C2F84}"/>
               </a:ext>
             </a:extLst>
           </p:cNvPr>
@@ -3642,7 +3720,7 @@
           <a:p>
             <a:r>
               <a:rPr lang="en-US" altLang="zh-CN" dirty="0"/>
-              <a:t>Relationship</a:t>
+              <a:t>1. Peer</a:t>
             </a:r>
             <a:endParaRPr lang="zh-CN" altLang="en-US" dirty="0"/>
           </a:p>
@@ -3653,7 +3731,7 @@
           <p:cNvPr id="3" name="内容占位符 2">
             <a:extLst>
               <a:ext uri="{FF2B5EF4-FFF2-40B4-BE49-F238E27FC236}">
-                <a16:creationId xmlns:a16="http://schemas.microsoft.com/office/drawing/2014/main" id="{9BE7B45D-BB17-4BDE-B867-C42ADECCD1E2}"/>
+                <a16:creationId xmlns:a16="http://schemas.microsoft.com/office/drawing/2014/main" id="{1A9EC2D7-6463-4A6F-90EE-399D9456DD0A}"/>
               </a:ext>
             </a:extLst>
           </p:cNvPr>
@@ -3666,24 +3744,14 @@
         </p:nvSpPr>
         <p:spPr/>
         <p:txBody>
-          <a:bodyPr/>
-          <a:lstStyle/>
-          <a:p>
-            <a:r>
-              <a:rPr lang="en-US" altLang="zh-CN" dirty="0"/>
-              <a:t>Channel</a:t>
-            </a:r>
-          </a:p>
-          <a:p>
-            <a:r>
-              <a:rPr lang="en-US" altLang="zh-CN" dirty="0"/>
-              <a:t>Organization</a:t>
-            </a:r>
-          </a:p>
-          <a:p>
-            <a:r>
-              <a:rPr lang="en-US" altLang="zh-CN" dirty="0"/>
-              <a:t>Cluster</a:t>
+          <a:bodyPr>
+            <a:normAutofit/>
+          </a:bodyPr>
+          <a:lstStyle/>
+          <a:p>
+            <a:r>
+              <a:rPr lang="en-US" altLang="zh-CN" dirty="0"/>
+              <a:t>Gossip Protocol</a:t>
             </a:r>
             <a:endParaRPr lang="zh-CN" altLang="en-US" dirty="0"/>
           </a:p>
@@ -3692,7 +3760,7 @@
     </p:spTree>
     <p:extLst>
       <p:ext uri="{BB962C8B-B14F-4D97-AF65-F5344CB8AC3E}">
-        <p14:creationId xmlns:p14="http://schemas.microsoft.com/office/powerpoint/2010/main" val="1707294991"/>
+        <p14:creationId xmlns:p14="http://schemas.microsoft.com/office/powerpoint/2010/main" val="4232179613"/>
       </p:ext>
     </p:extLst>
   </p:cSld>
@@ -3724,7 +3792,7 @@
           <p:cNvPr id="2" name="标题 1">
             <a:extLst>
               <a:ext uri="{FF2B5EF4-FFF2-40B4-BE49-F238E27FC236}">
-                <a16:creationId xmlns:a16="http://schemas.microsoft.com/office/drawing/2014/main" id="{5B5BD595-6FDE-4046-9128-0F88029BEAB5}"/>
+                <a16:creationId xmlns:a16="http://schemas.microsoft.com/office/drawing/2014/main" id="{59E53C8E-1407-48C7-BC53-331B3B3C2F84}"/>
               </a:ext>
             </a:extLst>
           </p:cNvPr>
@@ -3742,50 +3810,49 @@
           <a:p>
             <a:r>
               <a:rPr lang="en-US" altLang="zh-CN" dirty="0"/>
-              <a:t>1. Channel</a:t>
+              <a:t>2. </a:t>
+            </a:r>
+            <a:r>
+              <a:rPr lang="en-US" altLang="zh-CN" dirty="0" err="1"/>
+              <a:t>Orderer</a:t>
             </a:r>
             <a:endParaRPr lang="zh-CN" altLang="en-US" dirty="0"/>
           </a:p>
         </p:txBody>
       </p:sp>
-      <p:pic>
-        <p:nvPicPr>
-          <p:cNvPr id="5" name="内容占位符 4">
-            <a:extLst>
-              <a:ext uri="{FF2B5EF4-FFF2-40B4-BE49-F238E27FC236}">
-                <a16:creationId xmlns:a16="http://schemas.microsoft.com/office/drawing/2014/main" id="{875FF4A2-9E35-4017-AFA8-93ADFE5E4A8F}"/>
-              </a:ext>
-            </a:extLst>
-          </p:cNvPr>
-          <p:cNvPicPr>
-            <a:picLocks noGrp="1" noChangeAspect="1"/>
-          </p:cNvPicPr>
+      <p:sp>
+        <p:nvSpPr>
+          <p:cNvPr id="3" name="内容占位符 2">
+            <a:extLst>
+              <a:ext uri="{FF2B5EF4-FFF2-40B4-BE49-F238E27FC236}">
+                <a16:creationId xmlns:a16="http://schemas.microsoft.com/office/drawing/2014/main" id="{1A9EC2D7-6463-4A6F-90EE-399D9456DD0A}"/>
+              </a:ext>
+            </a:extLst>
+          </p:cNvPr>
+          <p:cNvSpPr>
+            <a:spLocks noGrp="1"/>
+          </p:cNvSpPr>
           <p:nvPr>
             <p:ph idx="1"/>
           </p:nvPr>
-        </p:nvPicPr>
-        <p:blipFill rotWithShape="1">
-          <a:blip r:embed="rId2">
-            <a:extLst>
-              <a:ext uri="{28A0092B-C50C-407E-A947-70E740481C1C}">
-                <a14:useLocalDpi xmlns:a14="http://schemas.microsoft.com/office/drawing/2010/main" val="0"/>
-              </a:ext>
-            </a:extLst>
-          </a:blip>
-          <a:srcRect l="788" t="3406" r="563" b="2502"/>
-          <a:stretch/>
-        </p:blipFill>
-        <p:spPr>
-          <a:xfrm>
-            <a:off x="1393696" y="1300899"/>
-            <a:ext cx="9404607" cy="5389398"/>
-          </a:xfrm>
-        </p:spPr>
-      </p:pic>
+        </p:nvSpPr>
+        <p:spPr/>
+        <p:txBody>
+          <a:bodyPr/>
+          <a:lstStyle/>
+          <a:p>
+            <a:r>
+              <a:rPr lang="en-US" altLang="zh-CN" dirty="0"/>
+              <a:t>【】</a:t>
+            </a:r>
+            <a:endParaRPr lang="zh-CN" altLang="en-US" dirty="0"/>
+          </a:p>
+        </p:txBody>
+      </p:sp>
     </p:spTree>
     <p:extLst>
       <p:ext uri="{BB962C8B-B14F-4D97-AF65-F5344CB8AC3E}">
-        <p14:creationId xmlns:p14="http://schemas.microsoft.com/office/powerpoint/2010/main" val="4084507356"/>
+        <p14:creationId xmlns:p14="http://schemas.microsoft.com/office/powerpoint/2010/main" val="2814125316"/>
       </p:ext>
     </p:extLst>
   </p:cSld>
@@ -3817,7 +3884,7 @@
           <p:cNvPr id="2" name="标题 1">
             <a:extLst>
               <a:ext uri="{FF2B5EF4-FFF2-40B4-BE49-F238E27FC236}">
-                <a16:creationId xmlns:a16="http://schemas.microsoft.com/office/drawing/2014/main" id="{5B5BD595-6FDE-4046-9128-0F88029BEAB5}"/>
+                <a16:creationId xmlns:a16="http://schemas.microsoft.com/office/drawing/2014/main" id="{59E53C8E-1407-48C7-BC53-331B3B3C2F84}"/>
               </a:ext>
             </a:extLst>
           </p:cNvPr>
@@ -3835,7 +3902,11 @@
           <a:p>
             <a:r>
               <a:rPr lang="en-US" altLang="zh-CN" dirty="0"/>
-              <a:t>2. Organization</a:t>
+              <a:t>2. </a:t>
+            </a:r>
+            <a:r>
+              <a:rPr lang="en-US" altLang="zh-CN" dirty="0" err="1"/>
+              <a:t>Orderer</a:t>
             </a:r>
             <a:endParaRPr lang="zh-CN" altLang="en-US" dirty="0"/>
           </a:p>
@@ -3846,7 +3917,7 @@
           <p:cNvPr id="3" name="内容占位符 2">
             <a:extLst>
               <a:ext uri="{FF2B5EF4-FFF2-40B4-BE49-F238E27FC236}">
-                <a16:creationId xmlns:a16="http://schemas.microsoft.com/office/drawing/2014/main" id="{5E588D8C-DB9F-475A-AF72-093F98B6FD4E}"/>
+                <a16:creationId xmlns:a16="http://schemas.microsoft.com/office/drawing/2014/main" id="{1A9EC2D7-6463-4A6F-90EE-399D9456DD0A}"/>
               </a:ext>
             </a:extLst>
           </p:cNvPr>
@@ -3862,14 +3933,18 @@
           <a:bodyPr/>
           <a:lstStyle/>
           <a:p>
-            <a:endParaRPr lang="zh-CN" altLang="en-US"/>
+            <a:r>
+              <a:rPr lang="en-US" altLang="zh-CN" dirty="0"/>
+              <a:t>Order Proxy</a:t>
+            </a:r>
+            <a:endParaRPr lang="zh-CN" altLang="en-US" dirty="0"/>
           </a:p>
         </p:txBody>
       </p:sp>
     </p:spTree>
     <p:extLst>
       <p:ext uri="{BB962C8B-B14F-4D97-AF65-F5344CB8AC3E}">
-        <p14:creationId xmlns:p14="http://schemas.microsoft.com/office/powerpoint/2010/main" val="4192744937"/>
+        <p14:creationId xmlns:p14="http://schemas.microsoft.com/office/powerpoint/2010/main" val="2572309467"/>
       </p:ext>
     </p:extLst>
   </p:cSld>
@@ -3901,7 +3976,7 @@
           <p:cNvPr id="2" name="标题 1">
             <a:extLst>
               <a:ext uri="{FF2B5EF4-FFF2-40B4-BE49-F238E27FC236}">
-                <a16:creationId xmlns:a16="http://schemas.microsoft.com/office/drawing/2014/main" id="{5B5BD595-6FDE-4046-9128-0F88029BEAB5}"/>
+                <a16:creationId xmlns:a16="http://schemas.microsoft.com/office/drawing/2014/main" id="{59E53C8E-1407-48C7-BC53-331B3B3C2F84}"/>
               </a:ext>
             </a:extLst>
           </p:cNvPr>
@@ -3919,7 +3994,7 @@
           <a:p>
             <a:r>
               <a:rPr lang="en-US" altLang="zh-CN" dirty="0"/>
-              <a:t>3. Cluster</a:t>
+              <a:t>3. CA</a:t>
             </a:r>
             <a:endParaRPr lang="zh-CN" altLang="en-US" dirty="0"/>
           </a:p>
@@ -3930,7 +4005,7 @@
           <p:cNvPr id="3" name="内容占位符 2">
             <a:extLst>
               <a:ext uri="{FF2B5EF4-FFF2-40B4-BE49-F238E27FC236}">
-                <a16:creationId xmlns:a16="http://schemas.microsoft.com/office/drawing/2014/main" id="{5E588D8C-DB9F-475A-AF72-093F98B6FD4E}"/>
+                <a16:creationId xmlns:a16="http://schemas.microsoft.com/office/drawing/2014/main" id="{1A9EC2D7-6463-4A6F-90EE-399D9456DD0A}"/>
               </a:ext>
             </a:extLst>
           </p:cNvPr>
@@ -3946,14 +4021,31 @@
           <a:bodyPr/>
           <a:lstStyle/>
           <a:p>
-            <a:endParaRPr lang="zh-CN" altLang="en-US"/>
+            <a:r>
+              <a:rPr lang="en-US" altLang="zh-CN" dirty="0"/>
+              <a:t>CA Server</a:t>
+            </a:r>
+          </a:p>
+          <a:p>
+            <a:pPr lvl="1"/>
+            <a:r>
+              <a:rPr lang="en-US" altLang="zh-CN" dirty="0"/>
+              <a:t>Root CA</a:t>
+            </a:r>
+          </a:p>
+          <a:p>
+            <a:pPr lvl="1"/>
+            <a:r>
+              <a:rPr lang="en-US" altLang="zh-CN" dirty="0"/>
+              <a:t>Intermediate CA</a:t>
+            </a:r>
           </a:p>
         </p:txBody>
       </p:sp>
     </p:spTree>
     <p:extLst>
       <p:ext uri="{BB962C8B-B14F-4D97-AF65-F5344CB8AC3E}">
-        <p14:creationId xmlns:p14="http://schemas.microsoft.com/office/powerpoint/2010/main" val="3865429583"/>
+        <p14:creationId xmlns:p14="http://schemas.microsoft.com/office/powerpoint/2010/main" val="3649070300"/>
       </p:ext>
     </p:extLst>
   </p:cSld>
@@ -3980,45 +4072,67 @@
           <a:chExt cx="0" cy="0"/>
         </a:xfrm>
       </p:grpSpPr>
-      <p:pic>
-        <p:nvPicPr>
-          <p:cNvPr id="5" name="内容占位符 4">
-            <a:extLst>
-              <a:ext uri="{FF2B5EF4-FFF2-40B4-BE49-F238E27FC236}">
-                <a16:creationId xmlns:a16="http://schemas.microsoft.com/office/drawing/2014/main" id="{A37F4608-D9ED-4B8B-8A43-F2D75B6C9EF2}"/>
-              </a:ext>
-            </a:extLst>
-          </p:cNvPr>
-          <p:cNvPicPr>
-            <a:picLocks noGrp="1" noChangeAspect="1"/>
-          </p:cNvPicPr>
+      <p:sp>
+        <p:nvSpPr>
+          <p:cNvPr id="2" name="标题 1">
+            <a:extLst>
+              <a:ext uri="{FF2B5EF4-FFF2-40B4-BE49-F238E27FC236}">
+                <a16:creationId xmlns:a16="http://schemas.microsoft.com/office/drawing/2014/main" id="{59E53C8E-1407-48C7-BC53-331B3B3C2F84}"/>
+              </a:ext>
+            </a:extLst>
+          </p:cNvPr>
+          <p:cNvSpPr>
+            <a:spLocks noGrp="1"/>
+          </p:cNvSpPr>
+          <p:nvPr>
+            <p:ph type="title"/>
+          </p:nvPr>
+        </p:nvSpPr>
+        <p:spPr/>
+        <p:txBody>
+          <a:bodyPr/>
+          <a:lstStyle/>
+          <a:p>
+            <a:r>
+              <a:rPr lang="en-US" altLang="zh-CN" dirty="0"/>
+              <a:t>3. CA</a:t>
+            </a:r>
+            <a:endParaRPr lang="zh-CN" altLang="en-US" dirty="0"/>
+          </a:p>
+        </p:txBody>
+      </p:sp>
+      <p:sp>
+        <p:nvSpPr>
+          <p:cNvPr id="3" name="内容占位符 2">
+            <a:extLst>
+              <a:ext uri="{FF2B5EF4-FFF2-40B4-BE49-F238E27FC236}">
+                <a16:creationId xmlns:a16="http://schemas.microsoft.com/office/drawing/2014/main" id="{1A9EC2D7-6463-4A6F-90EE-399D9456DD0A}"/>
+              </a:ext>
+            </a:extLst>
+          </p:cNvPr>
+          <p:cNvSpPr>
+            <a:spLocks noGrp="1"/>
+          </p:cNvSpPr>
           <p:nvPr>
             <p:ph idx="1"/>
           </p:nvPr>
-        </p:nvPicPr>
-        <p:blipFill>
-          <a:blip r:embed="rId2">
-            <a:extLst>
-              <a:ext uri="{28A0092B-C50C-407E-A947-70E740481C1C}">
-                <a14:useLocalDpi xmlns:a14="http://schemas.microsoft.com/office/drawing/2010/main" val="0"/>
-              </a:ext>
-            </a:extLst>
-          </a:blip>
-          <a:stretch>
-            <a:fillRect/>
-          </a:stretch>
-        </p:blipFill>
-        <p:spPr>
-          <a:xfrm>
-            <a:off x="838200" y="503074"/>
-            <a:ext cx="10988346" cy="5851852"/>
-          </a:xfrm>
-        </p:spPr>
-      </p:pic>
+        </p:nvSpPr>
+        <p:spPr/>
+        <p:txBody>
+          <a:bodyPr/>
+          <a:lstStyle/>
+          <a:p>
+            <a:r>
+              <a:rPr lang="en-US" altLang="zh-CN" dirty="0"/>
+              <a:t>CA Client</a:t>
+            </a:r>
+          </a:p>
+        </p:txBody>
+      </p:sp>
     </p:spTree>
     <p:extLst>
       <p:ext uri="{BB962C8B-B14F-4D97-AF65-F5344CB8AC3E}">
-        <p14:creationId xmlns:p14="http://schemas.microsoft.com/office/powerpoint/2010/main" val="810970279"/>
+        <p14:creationId xmlns:p14="http://schemas.microsoft.com/office/powerpoint/2010/main" val="207023413"/>
       </p:ext>
     </p:extLst>
   </p:cSld>
@@ -4050,41 +4164,62 @@
           <p:cNvPr id="2" name="标题 1">
             <a:extLst>
               <a:ext uri="{FF2B5EF4-FFF2-40B4-BE49-F238E27FC236}">
-                <a16:creationId xmlns:a16="http://schemas.microsoft.com/office/drawing/2014/main" id="{696A5807-AB6E-4F45-99F4-9C05A7BD8CDB}"/>
-              </a:ext>
-            </a:extLst>
-          </p:cNvPr>
-          <p:cNvSpPr>
-            <a:spLocks noGrp="1"/>
-          </p:cNvSpPr>
-          <p:nvPr>
-            <p:ph type="ctrTitle"/>
-          </p:nvPr>
-        </p:nvSpPr>
-        <p:spPr>
-          <a:xfrm>
-            <a:off x="600173" y="2910526"/>
-            <a:ext cx="10991654" cy="1036948"/>
-          </a:xfrm>
-        </p:spPr>
-        <p:txBody>
-          <a:bodyPr>
-            <a:normAutofit/>
-          </a:bodyPr>
-          <a:lstStyle/>
-          <a:p>
-            <a:r>
-              <a:rPr lang="en-US" altLang="zh-CN" dirty="0"/>
-              <a:t>Part 4: Conclusion</a:t>
+                <a16:creationId xmlns:a16="http://schemas.microsoft.com/office/drawing/2014/main" id="{59E53C8E-1407-48C7-BC53-331B3B3C2F84}"/>
+              </a:ext>
+            </a:extLst>
+          </p:cNvPr>
+          <p:cNvSpPr>
+            <a:spLocks noGrp="1"/>
+          </p:cNvSpPr>
+          <p:nvPr>
+            <p:ph type="title"/>
+          </p:nvPr>
+        </p:nvSpPr>
+        <p:spPr/>
+        <p:txBody>
+          <a:bodyPr/>
+          <a:lstStyle/>
+          <a:p>
+            <a:r>
+              <a:rPr lang="en-US" altLang="zh-CN" dirty="0"/>
+              <a:t>3. CA</a:t>
             </a:r>
             <a:endParaRPr lang="zh-CN" altLang="en-US" dirty="0"/>
+          </a:p>
+        </p:txBody>
+      </p:sp>
+      <p:sp>
+        <p:nvSpPr>
+          <p:cNvPr id="3" name="内容占位符 2">
+            <a:extLst>
+              <a:ext uri="{FF2B5EF4-FFF2-40B4-BE49-F238E27FC236}">
+                <a16:creationId xmlns:a16="http://schemas.microsoft.com/office/drawing/2014/main" id="{1A9EC2D7-6463-4A6F-90EE-399D9456DD0A}"/>
+              </a:ext>
+            </a:extLst>
+          </p:cNvPr>
+          <p:cNvSpPr>
+            <a:spLocks noGrp="1"/>
+          </p:cNvSpPr>
+          <p:nvPr>
+            <p:ph idx="1"/>
+          </p:nvPr>
+        </p:nvSpPr>
+        <p:spPr/>
+        <p:txBody>
+          <a:bodyPr/>
+          <a:lstStyle/>
+          <a:p>
+            <a:r>
+              <a:rPr lang="en-US" altLang="zh-CN" dirty="0"/>
+              <a:t>MSP</a:t>
+            </a:r>
           </a:p>
         </p:txBody>
       </p:sp>
     </p:spTree>
     <p:extLst>
       <p:ext uri="{BB962C8B-B14F-4D97-AF65-F5344CB8AC3E}">
-        <p14:creationId xmlns:p14="http://schemas.microsoft.com/office/powerpoint/2010/main" val="663967091"/>
+        <p14:creationId xmlns:p14="http://schemas.microsoft.com/office/powerpoint/2010/main" val="147809833"/>
       </p:ext>
     </p:extLst>
   </p:cSld>
@@ -4116,7 +4251,7 @@
           <p:cNvPr id="2" name="标题 1">
             <a:extLst>
               <a:ext uri="{FF2B5EF4-FFF2-40B4-BE49-F238E27FC236}">
-                <a16:creationId xmlns:a16="http://schemas.microsoft.com/office/drawing/2014/main" id="{CA7A440B-0107-47E9-B9B0-FBE8FC629893}"/>
+                <a16:creationId xmlns:a16="http://schemas.microsoft.com/office/drawing/2014/main" id="{59E53C8E-1407-48C7-BC53-331B3B3C2F84}"/>
               </a:ext>
             </a:extLst>
           </p:cNvPr>
@@ -4132,7 +4267,11 @@
           <a:bodyPr/>
           <a:lstStyle/>
           <a:p>
-            <a:endParaRPr lang="zh-CN" altLang="en-US"/>
+            <a:r>
+              <a:rPr lang="en-US" altLang="zh-CN" dirty="0"/>
+              <a:t>4. Client</a:t>
+            </a:r>
+            <a:endParaRPr lang="zh-CN" altLang="en-US" dirty="0"/>
           </a:p>
         </p:txBody>
       </p:sp>
@@ -4141,7 +4280,7 @@
           <p:cNvPr id="3" name="内容占位符 2">
             <a:extLst>
               <a:ext uri="{FF2B5EF4-FFF2-40B4-BE49-F238E27FC236}">
-                <a16:creationId xmlns:a16="http://schemas.microsoft.com/office/drawing/2014/main" id="{119A45B3-732F-4A23-9448-263E08E0F288}"/>
+                <a16:creationId xmlns:a16="http://schemas.microsoft.com/office/drawing/2014/main" id="{1A9EC2D7-6463-4A6F-90EE-399D9456DD0A}"/>
               </a:ext>
             </a:extLst>
           </p:cNvPr>
@@ -4157,14 +4296,106 @@
           <a:bodyPr/>
           <a:lstStyle/>
           <a:p>
-            <a:endParaRPr lang="zh-CN" altLang="en-US"/>
+            <a:r>
+              <a:rPr lang="en-US" altLang="zh-CN" dirty="0"/>
+              <a:t>Application</a:t>
+            </a:r>
+            <a:endParaRPr lang="zh-CN" altLang="en-US" dirty="0"/>
           </a:p>
         </p:txBody>
       </p:sp>
     </p:spTree>
     <p:extLst>
       <p:ext uri="{BB962C8B-B14F-4D97-AF65-F5344CB8AC3E}">
-        <p14:creationId xmlns:p14="http://schemas.microsoft.com/office/powerpoint/2010/main" val="1647399641"/>
+        <p14:creationId xmlns:p14="http://schemas.microsoft.com/office/powerpoint/2010/main" val="2632436869"/>
+      </p:ext>
+    </p:extLst>
+  </p:cSld>
+  <p:clrMapOvr>
+    <a:masterClrMapping/>
+  </p:clrMapOvr>
+</p:sld>
+</file>
+
+<file path=ppt/slides/slide19.xml><?xml version="1.0" encoding="utf-8"?>
+<p:sld xmlns:a="http://schemas.openxmlformats.org/drawingml/2006/main" xmlns:r="http://schemas.openxmlformats.org/officeDocument/2006/relationships" xmlns:p="http://schemas.openxmlformats.org/presentationml/2006/main">
+  <p:cSld>
+    <p:spTree>
+      <p:nvGrpSpPr>
+        <p:cNvPr id="1" name=""/>
+        <p:cNvGrpSpPr/>
+        <p:nvPr/>
+      </p:nvGrpSpPr>
+      <p:grpSpPr>
+        <a:xfrm>
+          <a:off x="0" y="0"/>
+          <a:ext cx="0" cy="0"/>
+          <a:chOff x="0" y="0"/>
+          <a:chExt cx="0" cy="0"/>
+        </a:xfrm>
+      </p:grpSpPr>
+      <p:sp>
+        <p:nvSpPr>
+          <p:cNvPr id="2" name="标题 1">
+            <a:extLst>
+              <a:ext uri="{FF2B5EF4-FFF2-40B4-BE49-F238E27FC236}">
+                <a16:creationId xmlns:a16="http://schemas.microsoft.com/office/drawing/2014/main" id="{59E53C8E-1407-48C7-BC53-331B3B3C2F84}"/>
+              </a:ext>
+            </a:extLst>
+          </p:cNvPr>
+          <p:cNvSpPr>
+            <a:spLocks noGrp="1"/>
+          </p:cNvSpPr>
+          <p:nvPr>
+            <p:ph type="title"/>
+          </p:nvPr>
+        </p:nvSpPr>
+        <p:spPr/>
+        <p:txBody>
+          <a:bodyPr/>
+          <a:lstStyle/>
+          <a:p>
+            <a:r>
+              <a:rPr lang="en-US" altLang="zh-CN" dirty="0"/>
+              <a:t>4. Client</a:t>
+            </a:r>
+            <a:endParaRPr lang="zh-CN" altLang="en-US" dirty="0"/>
+          </a:p>
+        </p:txBody>
+      </p:sp>
+      <p:sp>
+        <p:nvSpPr>
+          <p:cNvPr id="3" name="内容占位符 2">
+            <a:extLst>
+              <a:ext uri="{FF2B5EF4-FFF2-40B4-BE49-F238E27FC236}">
+                <a16:creationId xmlns:a16="http://schemas.microsoft.com/office/drawing/2014/main" id="{1A9EC2D7-6463-4A6F-90EE-399D9456DD0A}"/>
+              </a:ext>
+            </a:extLst>
+          </p:cNvPr>
+          <p:cNvSpPr>
+            <a:spLocks noGrp="1"/>
+          </p:cNvSpPr>
+          <p:nvPr>
+            <p:ph idx="1"/>
+          </p:nvPr>
+        </p:nvSpPr>
+        <p:spPr/>
+        <p:txBody>
+          <a:bodyPr/>
+          <a:lstStyle/>
+          <a:p>
+            <a:r>
+              <a:rPr lang="en-US" altLang="zh-CN" dirty="0"/>
+              <a:t>SDK</a:t>
+            </a:r>
+            <a:endParaRPr lang="zh-CN" altLang="en-US" dirty="0"/>
+          </a:p>
+        </p:txBody>
+      </p:sp>
+    </p:spTree>
+    <p:extLst>
+      <p:ext uri="{BB962C8B-B14F-4D97-AF65-F5344CB8AC3E}">
+        <p14:creationId xmlns:p14="http://schemas.microsoft.com/office/powerpoint/2010/main" val="3429407026"/>
       </p:ext>
     </p:extLst>
   </p:cSld>
@@ -4271,6 +4502,644 @@
     <p:extLst>
       <p:ext uri="{BB962C8B-B14F-4D97-AF65-F5344CB8AC3E}">
         <p14:creationId xmlns:p14="http://schemas.microsoft.com/office/powerpoint/2010/main" val="1026712134"/>
+      </p:ext>
+    </p:extLst>
+  </p:cSld>
+  <p:clrMapOvr>
+    <a:masterClrMapping/>
+  </p:clrMapOvr>
+</p:sld>
+</file>
+
+<file path=ppt/slides/slide20.xml><?xml version="1.0" encoding="utf-8"?>
+<p:sld xmlns:a="http://schemas.openxmlformats.org/drawingml/2006/main" xmlns:r="http://schemas.openxmlformats.org/officeDocument/2006/relationships" xmlns:p="http://schemas.openxmlformats.org/presentationml/2006/main">
+  <p:cSld>
+    <p:spTree>
+      <p:nvGrpSpPr>
+        <p:cNvPr id="1" name=""/>
+        <p:cNvGrpSpPr/>
+        <p:nvPr/>
+      </p:nvGrpSpPr>
+      <p:grpSpPr>
+        <a:xfrm>
+          <a:off x="0" y="0"/>
+          <a:ext cx="0" cy="0"/>
+          <a:chOff x="0" y="0"/>
+          <a:chExt cx="0" cy="0"/>
+        </a:xfrm>
+      </p:grpSpPr>
+      <p:sp>
+        <p:nvSpPr>
+          <p:cNvPr id="2" name="标题 1">
+            <a:extLst>
+              <a:ext uri="{FF2B5EF4-FFF2-40B4-BE49-F238E27FC236}">
+                <a16:creationId xmlns:a16="http://schemas.microsoft.com/office/drawing/2014/main" id="{696A5807-AB6E-4F45-99F4-9C05A7BD8CDB}"/>
+              </a:ext>
+            </a:extLst>
+          </p:cNvPr>
+          <p:cNvSpPr>
+            <a:spLocks noGrp="1"/>
+          </p:cNvSpPr>
+          <p:nvPr>
+            <p:ph type="ctrTitle"/>
+          </p:nvPr>
+        </p:nvSpPr>
+        <p:spPr>
+          <a:xfrm>
+            <a:off x="600173" y="2910526"/>
+            <a:ext cx="10991654" cy="1036948"/>
+          </a:xfrm>
+        </p:spPr>
+        <p:txBody>
+          <a:bodyPr>
+            <a:normAutofit/>
+          </a:bodyPr>
+          <a:lstStyle/>
+          <a:p>
+            <a:r>
+              <a:rPr lang="en-US" altLang="zh-CN" dirty="0"/>
+              <a:t>Part 3: Relationship</a:t>
+            </a:r>
+            <a:endParaRPr lang="zh-CN" altLang="en-US" dirty="0"/>
+          </a:p>
+        </p:txBody>
+      </p:sp>
+    </p:spTree>
+    <p:extLst>
+      <p:ext uri="{BB962C8B-B14F-4D97-AF65-F5344CB8AC3E}">
+        <p14:creationId xmlns:p14="http://schemas.microsoft.com/office/powerpoint/2010/main" val="2168299143"/>
+      </p:ext>
+    </p:extLst>
+  </p:cSld>
+  <p:clrMapOvr>
+    <a:masterClrMapping/>
+  </p:clrMapOvr>
+</p:sld>
+</file>
+
+<file path=ppt/slides/slide21.xml><?xml version="1.0" encoding="utf-8"?>
+<p:sld xmlns:a="http://schemas.openxmlformats.org/drawingml/2006/main" xmlns:r="http://schemas.openxmlformats.org/officeDocument/2006/relationships" xmlns:p="http://schemas.openxmlformats.org/presentationml/2006/main">
+  <p:cSld>
+    <p:spTree>
+      <p:nvGrpSpPr>
+        <p:cNvPr id="1" name=""/>
+        <p:cNvGrpSpPr/>
+        <p:nvPr/>
+      </p:nvGrpSpPr>
+      <p:grpSpPr>
+        <a:xfrm>
+          <a:off x="0" y="0"/>
+          <a:ext cx="0" cy="0"/>
+          <a:chOff x="0" y="0"/>
+          <a:chExt cx="0" cy="0"/>
+        </a:xfrm>
+      </p:grpSpPr>
+      <p:sp>
+        <p:nvSpPr>
+          <p:cNvPr id="2" name="标题 1">
+            <a:extLst>
+              <a:ext uri="{FF2B5EF4-FFF2-40B4-BE49-F238E27FC236}">
+                <a16:creationId xmlns:a16="http://schemas.microsoft.com/office/drawing/2014/main" id="{B18E5749-3309-40D0-9D48-3E5BAA273743}"/>
+              </a:ext>
+            </a:extLst>
+          </p:cNvPr>
+          <p:cNvSpPr>
+            <a:spLocks noGrp="1"/>
+          </p:cNvSpPr>
+          <p:nvPr>
+            <p:ph type="title"/>
+          </p:nvPr>
+        </p:nvSpPr>
+        <p:spPr/>
+        <p:txBody>
+          <a:bodyPr/>
+          <a:lstStyle/>
+          <a:p>
+            <a:r>
+              <a:rPr lang="en-US" altLang="zh-CN" dirty="0"/>
+              <a:t>Relationship</a:t>
+            </a:r>
+            <a:endParaRPr lang="zh-CN" altLang="en-US" dirty="0"/>
+          </a:p>
+        </p:txBody>
+      </p:sp>
+      <p:sp>
+        <p:nvSpPr>
+          <p:cNvPr id="3" name="内容占位符 2">
+            <a:extLst>
+              <a:ext uri="{FF2B5EF4-FFF2-40B4-BE49-F238E27FC236}">
+                <a16:creationId xmlns:a16="http://schemas.microsoft.com/office/drawing/2014/main" id="{9BE7B45D-BB17-4BDE-B867-C42ADECCD1E2}"/>
+              </a:ext>
+            </a:extLst>
+          </p:cNvPr>
+          <p:cNvSpPr>
+            <a:spLocks noGrp="1"/>
+          </p:cNvSpPr>
+          <p:nvPr>
+            <p:ph idx="1"/>
+          </p:nvPr>
+        </p:nvSpPr>
+        <p:spPr/>
+        <p:txBody>
+          <a:bodyPr/>
+          <a:lstStyle/>
+          <a:p>
+            <a:r>
+              <a:rPr lang="en-US" altLang="zh-CN" dirty="0"/>
+              <a:t>Channel</a:t>
+            </a:r>
+          </a:p>
+          <a:p>
+            <a:r>
+              <a:rPr lang="en-US" altLang="zh-CN" dirty="0"/>
+              <a:t>Organization</a:t>
+            </a:r>
+          </a:p>
+          <a:p>
+            <a:r>
+              <a:rPr lang="en-US" altLang="zh-CN" dirty="0"/>
+              <a:t>Cluster</a:t>
+            </a:r>
+            <a:endParaRPr lang="zh-CN" altLang="en-US" dirty="0"/>
+          </a:p>
+        </p:txBody>
+      </p:sp>
+    </p:spTree>
+    <p:extLst>
+      <p:ext uri="{BB962C8B-B14F-4D97-AF65-F5344CB8AC3E}">
+        <p14:creationId xmlns:p14="http://schemas.microsoft.com/office/powerpoint/2010/main" val="1707294991"/>
+      </p:ext>
+    </p:extLst>
+  </p:cSld>
+  <p:clrMapOvr>
+    <a:masterClrMapping/>
+  </p:clrMapOvr>
+</p:sld>
+</file>
+
+<file path=ppt/slides/slide22.xml><?xml version="1.0" encoding="utf-8"?>
+<p:sld xmlns:a="http://schemas.openxmlformats.org/drawingml/2006/main" xmlns:r="http://schemas.openxmlformats.org/officeDocument/2006/relationships" xmlns:p="http://schemas.openxmlformats.org/presentationml/2006/main">
+  <p:cSld>
+    <p:spTree>
+      <p:nvGrpSpPr>
+        <p:cNvPr id="1" name=""/>
+        <p:cNvGrpSpPr/>
+        <p:nvPr/>
+      </p:nvGrpSpPr>
+      <p:grpSpPr>
+        <a:xfrm>
+          <a:off x="0" y="0"/>
+          <a:ext cx="0" cy="0"/>
+          <a:chOff x="0" y="0"/>
+          <a:chExt cx="0" cy="0"/>
+        </a:xfrm>
+      </p:grpSpPr>
+      <p:sp>
+        <p:nvSpPr>
+          <p:cNvPr id="2" name="标题 1">
+            <a:extLst>
+              <a:ext uri="{FF2B5EF4-FFF2-40B4-BE49-F238E27FC236}">
+                <a16:creationId xmlns:a16="http://schemas.microsoft.com/office/drawing/2014/main" id="{5B5BD595-6FDE-4046-9128-0F88029BEAB5}"/>
+              </a:ext>
+            </a:extLst>
+          </p:cNvPr>
+          <p:cNvSpPr>
+            <a:spLocks noGrp="1"/>
+          </p:cNvSpPr>
+          <p:nvPr>
+            <p:ph type="title"/>
+          </p:nvPr>
+        </p:nvSpPr>
+        <p:spPr/>
+        <p:txBody>
+          <a:bodyPr/>
+          <a:lstStyle/>
+          <a:p>
+            <a:r>
+              <a:rPr lang="en-US" altLang="zh-CN" dirty="0"/>
+              <a:t>1. Channel</a:t>
+            </a:r>
+            <a:endParaRPr lang="zh-CN" altLang="en-US" dirty="0"/>
+          </a:p>
+        </p:txBody>
+      </p:sp>
+      <p:pic>
+        <p:nvPicPr>
+          <p:cNvPr id="5" name="内容占位符 4">
+            <a:extLst>
+              <a:ext uri="{FF2B5EF4-FFF2-40B4-BE49-F238E27FC236}">
+                <a16:creationId xmlns:a16="http://schemas.microsoft.com/office/drawing/2014/main" id="{875FF4A2-9E35-4017-AFA8-93ADFE5E4A8F}"/>
+              </a:ext>
+            </a:extLst>
+          </p:cNvPr>
+          <p:cNvPicPr>
+            <a:picLocks noGrp="1" noChangeAspect="1"/>
+          </p:cNvPicPr>
+          <p:nvPr>
+            <p:ph idx="1"/>
+          </p:nvPr>
+        </p:nvPicPr>
+        <p:blipFill rotWithShape="1">
+          <a:blip r:embed="rId2">
+            <a:extLst>
+              <a:ext uri="{28A0092B-C50C-407E-A947-70E740481C1C}">
+                <a14:useLocalDpi xmlns:a14="http://schemas.microsoft.com/office/drawing/2010/main" val="0"/>
+              </a:ext>
+            </a:extLst>
+          </a:blip>
+          <a:srcRect l="788" t="3406" r="563" b="2502"/>
+          <a:stretch/>
+        </p:blipFill>
+        <p:spPr>
+          <a:xfrm>
+            <a:off x="1393696" y="1300899"/>
+            <a:ext cx="9404607" cy="5389398"/>
+          </a:xfrm>
+        </p:spPr>
+      </p:pic>
+    </p:spTree>
+    <p:extLst>
+      <p:ext uri="{BB962C8B-B14F-4D97-AF65-F5344CB8AC3E}">
+        <p14:creationId xmlns:p14="http://schemas.microsoft.com/office/powerpoint/2010/main" val="4084507356"/>
+      </p:ext>
+    </p:extLst>
+  </p:cSld>
+  <p:clrMapOvr>
+    <a:masterClrMapping/>
+  </p:clrMapOvr>
+</p:sld>
+</file>
+
+<file path=ppt/slides/slide23.xml><?xml version="1.0" encoding="utf-8"?>
+<p:sld xmlns:a="http://schemas.openxmlformats.org/drawingml/2006/main" xmlns:r="http://schemas.openxmlformats.org/officeDocument/2006/relationships" xmlns:p="http://schemas.openxmlformats.org/presentationml/2006/main">
+  <p:cSld>
+    <p:spTree>
+      <p:nvGrpSpPr>
+        <p:cNvPr id="1" name=""/>
+        <p:cNvGrpSpPr/>
+        <p:nvPr/>
+      </p:nvGrpSpPr>
+      <p:grpSpPr>
+        <a:xfrm>
+          <a:off x="0" y="0"/>
+          <a:ext cx="0" cy="0"/>
+          <a:chOff x="0" y="0"/>
+          <a:chExt cx="0" cy="0"/>
+        </a:xfrm>
+      </p:grpSpPr>
+      <p:sp>
+        <p:nvSpPr>
+          <p:cNvPr id="2" name="标题 1">
+            <a:extLst>
+              <a:ext uri="{FF2B5EF4-FFF2-40B4-BE49-F238E27FC236}">
+                <a16:creationId xmlns:a16="http://schemas.microsoft.com/office/drawing/2014/main" id="{5B5BD595-6FDE-4046-9128-0F88029BEAB5}"/>
+              </a:ext>
+            </a:extLst>
+          </p:cNvPr>
+          <p:cNvSpPr>
+            <a:spLocks noGrp="1"/>
+          </p:cNvSpPr>
+          <p:nvPr>
+            <p:ph type="title"/>
+          </p:nvPr>
+        </p:nvSpPr>
+        <p:spPr/>
+        <p:txBody>
+          <a:bodyPr/>
+          <a:lstStyle/>
+          <a:p>
+            <a:r>
+              <a:rPr lang="en-US" altLang="zh-CN" dirty="0"/>
+              <a:t>2. Organization</a:t>
+            </a:r>
+            <a:endParaRPr lang="zh-CN" altLang="en-US" dirty="0"/>
+          </a:p>
+        </p:txBody>
+      </p:sp>
+      <p:sp>
+        <p:nvSpPr>
+          <p:cNvPr id="3" name="内容占位符 2">
+            <a:extLst>
+              <a:ext uri="{FF2B5EF4-FFF2-40B4-BE49-F238E27FC236}">
+                <a16:creationId xmlns:a16="http://schemas.microsoft.com/office/drawing/2014/main" id="{5E588D8C-DB9F-475A-AF72-093F98B6FD4E}"/>
+              </a:ext>
+            </a:extLst>
+          </p:cNvPr>
+          <p:cNvSpPr>
+            <a:spLocks noGrp="1"/>
+          </p:cNvSpPr>
+          <p:nvPr>
+            <p:ph idx="1"/>
+          </p:nvPr>
+        </p:nvSpPr>
+        <p:spPr/>
+        <p:txBody>
+          <a:bodyPr/>
+          <a:lstStyle/>
+          <a:p>
+            <a:endParaRPr lang="zh-CN" altLang="en-US"/>
+          </a:p>
+        </p:txBody>
+      </p:sp>
+    </p:spTree>
+    <p:extLst>
+      <p:ext uri="{BB962C8B-B14F-4D97-AF65-F5344CB8AC3E}">
+        <p14:creationId xmlns:p14="http://schemas.microsoft.com/office/powerpoint/2010/main" val="4192744937"/>
+      </p:ext>
+    </p:extLst>
+  </p:cSld>
+  <p:clrMapOvr>
+    <a:masterClrMapping/>
+  </p:clrMapOvr>
+</p:sld>
+</file>
+
+<file path=ppt/slides/slide24.xml><?xml version="1.0" encoding="utf-8"?>
+<p:sld xmlns:a="http://schemas.openxmlformats.org/drawingml/2006/main" xmlns:r="http://schemas.openxmlformats.org/officeDocument/2006/relationships" xmlns:p="http://schemas.openxmlformats.org/presentationml/2006/main">
+  <p:cSld>
+    <p:spTree>
+      <p:nvGrpSpPr>
+        <p:cNvPr id="1" name=""/>
+        <p:cNvGrpSpPr/>
+        <p:nvPr/>
+      </p:nvGrpSpPr>
+      <p:grpSpPr>
+        <a:xfrm>
+          <a:off x="0" y="0"/>
+          <a:ext cx="0" cy="0"/>
+          <a:chOff x="0" y="0"/>
+          <a:chExt cx="0" cy="0"/>
+        </a:xfrm>
+      </p:grpSpPr>
+      <p:sp>
+        <p:nvSpPr>
+          <p:cNvPr id="2" name="标题 1">
+            <a:extLst>
+              <a:ext uri="{FF2B5EF4-FFF2-40B4-BE49-F238E27FC236}">
+                <a16:creationId xmlns:a16="http://schemas.microsoft.com/office/drawing/2014/main" id="{5B5BD595-6FDE-4046-9128-0F88029BEAB5}"/>
+              </a:ext>
+            </a:extLst>
+          </p:cNvPr>
+          <p:cNvSpPr>
+            <a:spLocks noGrp="1"/>
+          </p:cNvSpPr>
+          <p:nvPr>
+            <p:ph type="title"/>
+          </p:nvPr>
+        </p:nvSpPr>
+        <p:spPr/>
+        <p:txBody>
+          <a:bodyPr/>
+          <a:lstStyle/>
+          <a:p>
+            <a:r>
+              <a:rPr lang="en-US" altLang="zh-CN" dirty="0"/>
+              <a:t>3. Cluster</a:t>
+            </a:r>
+            <a:endParaRPr lang="zh-CN" altLang="en-US" dirty="0"/>
+          </a:p>
+        </p:txBody>
+      </p:sp>
+      <p:sp>
+        <p:nvSpPr>
+          <p:cNvPr id="3" name="内容占位符 2">
+            <a:extLst>
+              <a:ext uri="{FF2B5EF4-FFF2-40B4-BE49-F238E27FC236}">
+                <a16:creationId xmlns:a16="http://schemas.microsoft.com/office/drawing/2014/main" id="{5E588D8C-DB9F-475A-AF72-093F98B6FD4E}"/>
+              </a:ext>
+            </a:extLst>
+          </p:cNvPr>
+          <p:cNvSpPr>
+            <a:spLocks noGrp="1"/>
+          </p:cNvSpPr>
+          <p:nvPr>
+            <p:ph idx="1"/>
+          </p:nvPr>
+        </p:nvSpPr>
+        <p:spPr/>
+        <p:txBody>
+          <a:bodyPr/>
+          <a:lstStyle/>
+          <a:p>
+            <a:endParaRPr lang="zh-CN" altLang="en-US"/>
+          </a:p>
+        </p:txBody>
+      </p:sp>
+    </p:spTree>
+    <p:extLst>
+      <p:ext uri="{BB962C8B-B14F-4D97-AF65-F5344CB8AC3E}">
+        <p14:creationId xmlns:p14="http://schemas.microsoft.com/office/powerpoint/2010/main" val="3865429583"/>
+      </p:ext>
+    </p:extLst>
+  </p:cSld>
+  <p:clrMapOvr>
+    <a:masterClrMapping/>
+  </p:clrMapOvr>
+</p:sld>
+</file>
+
+<file path=ppt/slides/slide25.xml><?xml version="1.0" encoding="utf-8"?>
+<p:sld xmlns:a="http://schemas.openxmlformats.org/drawingml/2006/main" xmlns:r="http://schemas.openxmlformats.org/officeDocument/2006/relationships" xmlns:p="http://schemas.openxmlformats.org/presentationml/2006/main">
+  <p:cSld>
+    <p:spTree>
+      <p:nvGrpSpPr>
+        <p:cNvPr id="1" name=""/>
+        <p:cNvGrpSpPr/>
+        <p:nvPr/>
+      </p:nvGrpSpPr>
+      <p:grpSpPr>
+        <a:xfrm>
+          <a:off x="0" y="0"/>
+          <a:ext cx="0" cy="0"/>
+          <a:chOff x="0" y="0"/>
+          <a:chExt cx="0" cy="0"/>
+        </a:xfrm>
+      </p:grpSpPr>
+      <p:pic>
+        <p:nvPicPr>
+          <p:cNvPr id="5" name="内容占位符 4">
+            <a:extLst>
+              <a:ext uri="{FF2B5EF4-FFF2-40B4-BE49-F238E27FC236}">
+                <a16:creationId xmlns:a16="http://schemas.microsoft.com/office/drawing/2014/main" id="{A37F4608-D9ED-4B8B-8A43-F2D75B6C9EF2}"/>
+              </a:ext>
+            </a:extLst>
+          </p:cNvPr>
+          <p:cNvPicPr>
+            <a:picLocks noGrp="1" noChangeAspect="1"/>
+          </p:cNvPicPr>
+          <p:nvPr>
+            <p:ph idx="1"/>
+          </p:nvPr>
+        </p:nvPicPr>
+        <p:blipFill>
+          <a:blip r:embed="rId2">
+            <a:extLst>
+              <a:ext uri="{28A0092B-C50C-407E-A947-70E740481C1C}">
+                <a14:useLocalDpi xmlns:a14="http://schemas.microsoft.com/office/drawing/2010/main" val="0"/>
+              </a:ext>
+            </a:extLst>
+          </a:blip>
+          <a:stretch>
+            <a:fillRect/>
+          </a:stretch>
+        </p:blipFill>
+        <p:spPr>
+          <a:xfrm>
+            <a:off x="838200" y="503074"/>
+            <a:ext cx="10988346" cy="5851852"/>
+          </a:xfrm>
+        </p:spPr>
+      </p:pic>
+    </p:spTree>
+    <p:extLst>
+      <p:ext uri="{BB962C8B-B14F-4D97-AF65-F5344CB8AC3E}">
+        <p14:creationId xmlns:p14="http://schemas.microsoft.com/office/powerpoint/2010/main" val="810970279"/>
+      </p:ext>
+    </p:extLst>
+  </p:cSld>
+  <p:clrMapOvr>
+    <a:masterClrMapping/>
+  </p:clrMapOvr>
+</p:sld>
+</file>
+
+<file path=ppt/slides/slide26.xml><?xml version="1.0" encoding="utf-8"?>
+<p:sld xmlns:a="http://schemas.openxmlformats.org/drawingml/2006/main" xmlns:r="http://schemas.openxmlformats.org/officeDocument/2006/relationships" xmlns:p="http://schemas.openxmlformats.org/presentationml/2006/main">
+  <p:cSld>
+    <p:spTree>
+      <p:nvGrpSpPr>
+        <p:cNvPr id="1" name=""/>
+        <p:cNvGrpSpPr/>
+        <p:nvPr/>
+      </p:nvGrpSpPr>
+      <p:grpSpPr>
+        <a:xfrm>
+          <a:off x="0" y="0"/>
+          <a:ext cx="0" cy="0"/>
+          <a:chOff x="0" y="0"/>
+          <a:chExt cx="0" cy="0"/>
+        </a:xfrm>
+      </p:grpSpPr>
+      <p:sp>
+        <p:nvSpPr>
+          <p:cNvPr id="2" name="标题 1">
+            <a:extLst>
+              <a:ext uri="{FF2B5EF4-FFF2-40B4-BE49-F238E27FC236}">
+                <a16:creationId xmlns:a16="http://schemas.microsoft.com/office/drawing/2014/main" id="{696A5807-AB6E-4F45-99F4-9C05A7BD8CDB}"/>
+              </a:ext>
+            </a:extLst>
+          </p:cNvPr>
+          <p:cNvSpPr>
+            <a:spLocks noGrp="1"/>
+          </p:cNvSpPr>
+          <p:nvPr>
+            <p:ph type="ctrTitle"/>
+          </p:nvPr>
+        </p:nvSpPr>
+        <p:spPr>
+          <a:xfrm>
+            <a:off x="600173" y="2910526"/>
+            <a:ext cx="10991654" cy="1036948"/>
+          </a:xfrm>
+        </p:spPr>
+        <p:txBody>
+          <a:bodyPr>
+            <a:normAutofit/>
+          </a:bodyPr>
+          <a:lstStyle/>
+          <a:p>
+            <a:r>
+              <a:rPr lang="en-US" altLang="zh-CN" dirty="0"/>
+              <a:t>Part 4: Conclusion</a:t>
+            </a:r>
+            <a:endParaRPr lang="zh-CN" altLang="en-US" dirty="0"/>
+          </a:p>
+        </p:txBody>
+      </p:sp>
+    </p:spTree>
+    <p:extLst>
+      <p:ext uri="{BB962C8B-B14F-4D97-AF65-F5344CB8AC3E}">
+        <p14:creationId xmlns:p14="http://schemas.microsoft.com/office/powerpoint/2010/main" val="663967091"/>
+      </p:ext>
+    </p:extLst>
+  </p:cSld>
+  <p:clrMapOvr>
+    <a:masterClrMapping/>
+  </p:clrMapOvr>
+</p:sld>
+</file>
+
+<file path=ppt/slides/slide27.xml><?xml version="1.0" encoding="utf-8"?>
+<p:sld xmlns:a="http://schemas.openxmlformats.org/drawingml/2006/main" xmlns:r="http://schemas.openxmlformats.org/officeDocument/2006/relationships" xmlns:p="http://schemas.openxmlformats.org/presentationml/2006/main">
+  <p:cSld>
+    <p:spTree>
+      <p:nvGrpSpPr>
+        <p:cNvPr id="1" name=""/>
+        <p:cNvGrpSpPr/>
+        <p:nvPr/>
+      </p:nvGrpSpPr>
+      <p:grpSpPr>
+        <a:xfrm>
+          <a:off x="0" y="0"/>
+          <a:ext cx="0" cy="0"/>
+          <a:chOff x="0" y="0"/>
+          <a:chExt cx="0" cy="0"/>
+        </a:xfrm>
+      </p:grpSpPr>
+      <p:sp>
+        <p:nvSpPr>
+          <p:cNvPr id="2" name="标题 1">
+            <a:extLst>
+              <a:ext uri="{FF2B5EF4-FFF2-40B4-BE49-F238E27FC236}">
+                <a16:creationId xmlns:a16="http://schemas.microsoft.com/office/drawing/2014/main" id="{CA7A440B-0107-47E9-B9B0-FBE8FC629893}"/>
+              </a:ext>
+            </a:extLst>
+          </p:cNvPr>
+          <p:cNvSpPr>
+            <a:spLocks noGrp="1"/>
+          </p:cNvSpPr>
+          <p:nvPr>
+            <p:ph type="title"/>
+          </p:nvPr>
+        </p:nvSpPr>
+        <p:spPr/>
+        <p:txBody>
+          <a:bodyPr/>
+          <a:lstStyle/>
+          <a:p>
+            <a:endParaRPr lang="zh-CN" altLang="en-US"/>
+          </a:p>
+        </p:txBody>
+      </p:sp>
+      <p:sp>
+        <p:nvSpPr>
+          <p:cNvPr id="3" name="内容占位符 2">
+            <a:extLst>
+              <a:ext uri="{FF2B5EF4-FFF2-40B4-BE49-F238E27FC236}">
+                <a16:creationId xmlns:a16="http://schemas.microsoft.com/office/drawing/2014/main" id="{119A45B3-732F-4A23-9448-263E08E0F288}"/>
+              </a:ext>
+            </a:extLst>
+          </p:cNvPr>
+          <p:cNvSpPr>
+            <a:spLocks noGrp="1"/>
+          </p:cNvSpPr>
+          <p:nvPr>
+            <p:ph idx="1"/>
+          </p:nvPr>
+        </p:nvSpPr>
+        <p:spPr/>
+        <p:txBody>
+          <a:bodyPr/>
+          <a:lstStyle/>
+          <a:p>
+            <a:endParaRPr lang="zh-CN" altLang="en-US"/>
+          </a:p>
+        </p:txBody>
+      </p:sp>
+    </p:spTree>
+    <p:extLst>
+      <p:ext uri="{BB962C8B-B14F-4D97-AF65-F5344CB8AC3E}">
+        <p14:creationId xmlns:p14="http://schemas.microsoft.com/office/powerpoint/2010/main" val="1647399641"/>
       </p:ext>
     </p:extLst>
   </p:cSld>
@@ -4416,14 +5285,13 @@
               </a:ext>
             </a:extLst>
           </a:blip>
-          <a:stretch>
-            <a:fillRect/>
-          </a:stretch>
+          <a:srcRect/>
+          <a:stretch/>
         </p:blipFill>
         <p:spPr>
           <a:xfrm>
-            <a:off x="838200" y="1348082"/>
-            <a:ext cx="10515600" cy="5382656"/>
+            <a:off x="838200" y="1348083"/>
+            <a:ext cx="10515600" cy="5382654"/>
           </a:xfrm>
         </p:spPr>
       </p:pic>
@@ -4677,10 +5545,43 @@
         </p:nvSpPr>
         <p:spPr/>
         <p:txBody>
-          <a:bodyPr/>
-          <a:lstStyle/>
-          <a:p>
-            <a:endParaRPr lang="zh-CN" altLang="en-US"/>
+          <a:bodyPr>
+            <a:normAutofit/>
+          </a:bodyPr>
+          <a:lstStyle/>
+          <a:p>
+            <a:r>
+              <a:rPr lang="en-US" altLang="zh-CN" dirty="0"/>
+              <a:t>Roles</a:t>
+            </a:r>
+          </a:p>
+          <a:p>
+            <a:pPr lvl="1"/>
+            <a:r>
+              <a:rPr lang="en-US" altLang="zh-CN" dirty="0"/>
+              <a:t>Committer</a:t>
+            </a:r>
+          </a:p>
+          <a:p>
+            <a:pPr lvl="1"/>
+            <a:r>
+              <a:rPr lang="en-US" altLang="zh-CN" dirty="0"/>
+              <a:t>Endorser</a:t>
+            </a:r>
+          </a:p>
+          <a:p>
+            <a:pPr lvl="1"/>
+            <a:r>
+              <a:rPr lang="en-US" altLang="zh-CN" dirty="0"/>
+              <a:t>Anchor</a:t>
+            </a:r>
+          </a:p>
+          <a:p>
+            <a:pPr lvl="1"/>
+            <a:r>
+              <a:rPr lang="en-US" altLang="zh-CN" dirty="0"/>
+              <a:t>Leader</a:t>
+            </a:r>
           </a:p>
         </p:txBody>
       </p:sp>
@@ -4737,11 +5638,7 @@
           <a:p>
             <a:r>
               <a:rPr lang="en-US" altLang="zh-CN" dirty="0"/>
-              <a:t>2. </a:t>
-            </a:r>
-            <a:r>
-              <a:rPr lang="en-US" altLang="zh-CN" dirty="0" err="1"/>
-              <a:t>Orderer</a:t>
+              <a:t>1. Peer</a:t>
             </a:r>
             <a:endParaRPr lang="zh-CN" altLang="en-US" dirty="0"/>
           </a:p>
@@ -4765,17 +5662,97 @@
         </p:nvSpPr>
         <p:spPr/>
         <p:txBody>
-          <a:bodyPr/>
-          <a:lstStyle/>
-          <a:p>
-            <a:endParaRPr lang="zh-CN" altLang="en-US"/>
+          <a:bodyPr>
+            <a:normAutofit/>
+          </a:bodyPr>
+          <a:lstStyle/>
+          <a:p>
+            <a:r>
+              <a:rPr lang="en-US" altLang="zh-CN" dirty="0"/>
+              <a:t>Roles</a:t>
+            </a:r>
+          </a:p>
+          <a:p>
+            <a:pPr lvl="1"/>
+            <a:r>
+              <a:rPr lang="en-US" altLang="zh-CN" dirty="0"/>
+              <a:t>Endorser Proxy:</a:t>
+            </a:r>
+          </a:p>
+          <a:p>
+            <a:pPr marL="457200" lvl="1" indent="0">
+              <a:buNone/>
+            </a:pPr>
+            <a:endParaRPr lang="en-US" altLang="zh-CN" dirty="0"/>
+          </a:p>
+          <a:p>
+            <a:pPr marL="457200" lvl="1" indent="0">
+              <a:buNone/>
+            </a:pPr>
+            <a:endParaRPr lang="en-US" altLang="zh-CN" dirty="0"/>
+          </a:p>
+          <a:p>
+            <a:pPr marL="457200" lvl="1" indent="0">
+              <a:buNone/>
+            </a:pPr>
+            <a:r>
+              <a:rPr lang="en-US" altLang="zh-CN" i="1" dirty="0"/>
+              <a:t>P = {AND(P1, P2), OR(P1, P2), </a:t>
+            </a:r>
+            <a:r>
+              <a:rPr lang="en-US" altLang="zh-CN" i="1" dirty="0" err="1"/>
+              <a:t>OutOf</a:t>
+            </a:r>
+            <a:r>
+              <a:rPr lang="en-US" altLang="zh-CN" i="1" dirty="0"/>
+              <a:t>(m, P1, P2, ..., </a:t>
+            </a:r>
+            <a:r>
+              <a:rPr lang="en-US" altLang="zh-CN" i="1" dirty="0" err="1"/>
+              <a:t>Pn</a:t>
+            </a:r>
+            <a:r>
+              <a:rPr lang="en-US" altLang="zh-CN" i="1" dirty="0"/>
+              <a:t>),</a:t>
+            </a:r>
+            <a:r>
+              <a:rPr lang="zh-CN" altLang="en-US" i="1" dirty="0"/>
+              <a:t> </a:t>
+            </a:r>
+            <a:r>
+              <a:rPr lang="en-US" altLang="zh-CN" i="1" dirty="0"/>
+              <a:t>m &lt;= n}</a:t>
+            </a:r>
+          </a:p>
+          <a:p>
+            <a:pPr marL="457200" lvl="1" indent="0">
+              <a:buNone/>
+            </a:pPr>
+            <a:endParaRPr lang="en-US" altLang="zh-CN" i="1" dirty="0"/>
+          </a:p>
+          <a:p>
+            <a:pPr marL="457200" lvl="1" indent="0">
+              <a:buNone/>
+            </a:pPr>
+            <a:r>
+              <a:rPr lang="en-US" altLang="zh-CN" dirty="0"/>
+              <a:t>【</a:t>
+            </a:r>
+            <a:r>
+              <a:rPr lang="zh-CN" altLang="en-US" dirty="0"/>
+              <a:t>策略实例</a:t>
+            </a:r>
+            <a:r>
+              <a:rPr lang="en-US" altLang="zh-CN" dirty="0"/>
+              <a:t>】</a:t>
+            </a:r>
           </a:p>
         </p:txBody>
       </p:sp>
     </p:spTree>
     <p:extLst>
       <p:ext uri="{BB962C8B-B14F-4D97-AF65-F5344CB8AC3E}">
-        <p14:creationId xmlns:p14="http://schemas.microsoft.com/office/powerpoint/2010/main" val="2814125316"/>
+        <p14:creationId xmlns:p14="http://schemas.microsoft.com/office/powerpoint/2010/main" val="1267457324"/>
       </p:ext>
     </p:extLst>
   </p:cSld>
@@ -4825,7 +5802,7 @@
           <a:p>
             <a:r>
               <a:rPr lang="en-US" altLang="zh-CN" dirty="0"/>
-              <a:t>3. CA</a:t>
+              <a:t>1. Peer</a:t>
             </a:r>
             <a:endParaRPr lang="zh-CN" altLang="en-US" dirty="0"/>
           </a:p>
@@ -4849,17 +5826,22 @@
         </p:nvSpPr>
         <p:spPr/>
         <p:txBody>
-          <a:bodyPr/>
-          <a:lstStyle/>
-          <a:p>
-            <a:endParaRPr lang="zh-CN" altLang="en-US"/>
+          <a:bodyPr>
+            <a:normAutofit/>
+          </a:bodyPr>
+          <a:lstStyle/>
+          <a:p>
+            <a:r>
+              <a:rPr lang="en-US" altLang="zh-CN" dirty="0"/>
+              <a:t>Chain Code</a:t>
+            </a:r>
           </a:p>
         </p:txBody>
       </p:sp>
     </p:spTree>
     <p:extLst>
       <p:ext uri="{BB962C8B-B14F-4D97-AF65-F5344CB8AC3E}">
-        <p14:creationId xmlns:p14="http://schemas.microsoft.com/office/powerpoint/2010/main" val="3649070300"/>
+        <p14:creationId xmlns:p14="http://schemas.microsoft.com/office/powerpoint/2010/main" val="3571862158"/>
       </p:ext>
     </p:extLst>
   </p:cSld>

--- a/fabric notes/【2020.12.26】Fabric Network Runtime Architecture.pptx
+++ b/fabric notes/【2020.12.26】Fabric Network Runtime Architecture.pptx
@@ -2,7 +2,7 @@
 <file path=ppt/presentation.xml><?xml version="1.0" encoding="utf-8"?>
 <p:presentation xmlns:a="http://schemas.openxmlformats.org/drawingml/2006/main" xmlns:r="http://schemas.openxmlformats.org/officeDocument/2006/relationships" xmlns:p="http://schemas.openxmlformats.org/presentationml/2006/main" saveSubsetFonts="1">
   <p:sldMasterIdLst>
-    <p:sldMasterId id="2147483648" r:id="rId1"/>
+    <p:sldMasterId id="2147483660" r:id="rId1"/>
   </p:sldMasterIdLst>
   <p:sldIdLst>
     <p:sldId id="256" r:id="rId2"/>
@@ -12,34 +12,36 @@
     <p:sldId id="262" r:id="rId6"/>
     <p:sldId id="259" r:id="rId7"/>
     <p:sldId id="264" r:id="rId8"/>
-    <p:sldId id="279" r:id="rId9"/>
-    <p:sldId id="274" r:id="rId10"/>
-    <p:sldId id="275" r:id="rId11"/>
-    <p:sldId id="284" r:id="rId12"/>
-    <p:sldId id="280" r:id="rId13"/>
-    <p:sldId id="265" r:id="rId14"/>
-    <p:sldId id="277" r:id="rId15"/>
-    <p:sldId id="266" r:id="rId16"/>
-    <p:sldId id="281" r:id="rId17"/>
-    <p:sldId id="282" r:id="rId18"/>
-    <p:sldId id="267" r:id="rId19"/>
-    <p:sldId id="283" r:id="rId20"/>
-    <p:sldId id="263" r:id="rId21"/>
-    <p:sldId id="260" r:id="rId22"/>
-    <p:sldId id="268" r:id="rId23"/>
-    <p:sldId id="269" r:id="rId24"/>
-    <p:sldId id="270" r:id="rId25"/>
-    <p:sldId id="272" r:id="rId26"/>
-    <p:sldId id="271" r:id="rId27"/>
-    <p:sldId id="273" r:id="rId28"/>
+    <p:sldId id="285" r:id="rId9"/>
+    <p:sldId id="279" r:id="rId10"/>
+    <p:sldId id="274" r:id="rId11"/>
+    <p:sldId id="275" r:id="rId12"/>
+    <p:sldId id="284" r:id="rId13"/>
+    <p:sldId id="280" r:id="rId14"/>
+    <p:sldId id="265" r:id="rId15"/>
+    <p:sldId id="277" r:id="rId16"/>
+    <p:sldId id="266" r:id="rId17"/>
+    <p:sldId id="281" r:id="rId18"/>
+    <p:sldId id="282" r:id="rId19"/>
+    <p:sldId id="267" r:id="rId20"/>
+    <p:sldId id="283" r:id="rId21"/>
+    <p:sldId id="263" r:id="rId22"/>
+    <p:sldId id="260" r:id="rId23"/>
+    <p:sldId id="268" r:id="rId24"/>
+    <p:sldId id="269" r:id="rId25"/>
+    <p:sldId id="270" r:id="rId26"/>
+    <p:sldId id="272" r:id="rId27"/>
+    <p:sldId id="271" r:id="rId28"/>
+    <p:sldId id="273" r:id="rId29"/>
+    <p:sldId id="286" r:id="rId30"/>
   </p:sldIdLst>
   <p:sldSz cx="12192000" cy="6858000"/>
   <p:notesSz cx="6858000" cy="9144000"/>
   <p:defaultTextStyle>
     <a:defPPr>
-      <a:defRPr lang="zh-CN"/>
+      <a:defRPr lang="en-US"/>
     </a:defPPr>
-    <a:lvl1pPr marL="0" algn="l" defTabSz="914400" rtl="0" eaLnBrk="1" latinLnBrk="0" hangingPunct="1">
+    <a:lvl1pPr marL="0" algn="l" defTabSz="457200" rtl="0" eaLnBrk="1" latinLnBrk="0" hangingPunct="1">
       <a:defRPr sz="1800" kern="1200">
         <a:solidFill>
           <a:schemeClr val="tx1"/>
@@ -49,7 +51,7 @@
         <a:cs typeface="+mn-cs"/>
       </a:defRPr>
     </a:lvl1pPr>
-    <a:lvl2pPr marL="457200" algn="l" defTabSz="914400" rtl="0" eaLnBrk="1" latinLnBrk="0" hangingPunct="1">
+    <a:lvl2pPr marL="457200" algn="l" defTabSz="457200" rtl="0" eaLnBrk="1" latinLnBrk="0" hangingPunct="1">
       <a:defRPr sz="1800" kern="1200">
         <a:solidFill>
           <a:schemeClr val="tx1"/>
@@ -59,7 +61,7 @@
         <a:cs typeface="+mn-cs"/>
       </a:defRPr>
     </a:lvl2pPr>
-    <a:lvl3pPr marL="914400" algn="l" defTabSz="914400" rtl="0" eaLnBrk="1" latinLnBrk="0" hangingPunct="1">
+    <a:lvl3pPr marL="914400" algn="l" defTabSz="457200" rtl="0" eaLnBrk="1" latinLnBrk="0" hangingPunct="1">
       <a:defRPr sz="1800" kern="1200">
         <a:solidFill>
           <a:schemeClr val="tx1"/>
@@ -69,7 +71,7 @@
         <a:cs typeface="+mn-cs"/>
       </a:defRPr>
     </a:lvl3pPr>
-    <a:lvl4pPr marL="1371600" algn="l" defTabSz="914400" rtl="0" eaLnBrk="1" latinLnBrk="0" hangingPunct="1">
+    <a:lvl4pPr marL="1371600" algn="l" defTabSz="457200" rtl="0" eaLnBrk="1" latinLnBrk="0" hangingPunct="1">
       <a:defRPr sz="1800" kern="1200">
         <a:solidFill>
           <a:schemeClr val="tx1"/>
@@ -79,7 +81,7 @@
         <a:cs typeface="+mn-cs"/>
       </a:defRPr>
     </a:lvl4pPr>
-    <a:lvl5pPr marL="1828800" algn="l" defTabSz="914400" rtl="0" eaLnBrk="1" latinLnBrk="0" hangingPunct="1">
+    <a:lvl5pPr marL="1828800" algn="l" defTabSz="457200" rtl="0" eaLnBrk="1" latinLnBrk="0" hangingPunct="1">
       <a:defRPr sz="1800" kern="1200">
         <a:solidFill>
           <a:schemeClr val="tx1"/>
@@ -89,7 +91,7 @@
         <a:cs typeface="+mn-cs"/>
       </a:defRPr>
     </a:lvl5pPr>
-    <a:lvl6pPr marL="2286000" algn="l" defTabSz="914400" rtl="0" eaLnBrk="1" latinLnBrk="0" hangingPunct="1">
+    <a:lvl6pPr marL="2286000" algn="l" defTabSz="457200" rtl="0" eaLnBrk="1" latinLnBrk="0" hangingPunct="1">
       <a:defRPr sz="1800" kern="1200">
         <a:solidFill>
           <a:schemeClr val="tx1"/>
@@ -99,7 +101,7 @@
         <a:cs typeface="+mn-cs"/>
       </a:defRPr>
     </a:lvl6pPr>
-    <a:lvl7pPr marL="2743200" algn="l" defTabSz="914400" rtl="0" eaLnBrk="1" latinLnBrk="0" hangingPunct="1">
+    <a:lvl7pPr marL="2743200" algn="l" defTabSz="457200" rtl="0" eaLnBrk="1" latinLnBrk="0" hangingPunct="1">
       <a:defRPr sz="1800" kern="1200">
         <a:solidFill>
           <a:schemeClr val="tx1"/>
@@ -109,7 +111,7 @@
         <a:cs typeface="+mn-cs"/>
       </a:defRPr>
     </a:lvl7pPr>
-    <a:lvl8pPr marL="3200400" algn="l" defTabSz="914400" rtl="0" eaLnBrk="1" latinLnBrk="0" hangingPunct="1">
+    <a:lvl8pPr marL="3200400" algn="l" defTabSz="457200" rtl="0" eaLnBrk="1" latinLnBrk="0" hangingPunct="1">
       <a:defRPr sz="1800" kern="1200">
         <a:solidFill>
           <a:schemeClr val="tx1"/>
@@ -119,7 +121,7 @@
         <a:cs typeface="+mn-cs"/>
       </a:defRPr>
     </a:lvl8pPr>
-    <a:lvl9pPr marL="3657600" algn="l" defTabSz="914400" rtl="0" eaLnBrk="1" latinLnBrk="0" hangingPunct="1">
+    <a:lvl9pPr marL="3657600" algn="l" defTabSz="457200" rtl="0" eaLnBrk="1" latinLnBrk="0" hangingPunct="1">
       <a:defRPr sz="1800" kern="1200">
         <a:solidFill>
           <a:schemeClr val="tx1"/>
@@ -157,13 +159,7 @@
       </p:grpSpPr>
       <p:sp>
         <p:nvSpPr>
-          <p:cNvPr id="2" name="标题 1">
-            <a:extLst>
-              <a:ext uri="{FF2B5EF4-FFF2-40B4-BE49-F238E27FC236}">
-                <a16:creationId xmlns:a16="http://schemas.microsoft.com/office/drawing/2014/main" id="{71F5179E-E31D-4CA3-AE84-7826BB4B1AEF}"/>
-              </a:ext>
-            </a:extLst>
-          </p:cNvPr>
+          <p:cNvPr id="2" name="Title 1"/>
           <p:cNvSpPr>
             <a:spLocks noGrp="1"/>
           </p:cNvSpPr>
@@ -189,18 +185,13 @@
               <a:rPr lang="zh-CN" altLang="en-US"/>
               <a:t>单击此处编辑母版标题样式</a:t>
             </a:r>
-          </a:p>
-        </p:txBody>
-      </p:sp>
-      <p:sp>
-        <p:nvSpPr>
-          <p:cNvPr id="3" name="副标题 2">
-            <a:extLst>
-              <a:ext uri="{FF2B5EF4-FFF2-40B4-BE49-F238E27FC236}">
-                <a16:creationId xmlns:a16="http://schemas.microsoft.com/office/drawing/2014/main" id="{8EBE1B59-D5EF-490E-A788-B6A11B049E27}"/>
-              </a:ext>
-            </a:extLst>
-          </p:cNvPr>
+            <a:endParaRPr lang="en-US" dirty="0"/>
+          </a:p>
+        </p:txBody>
+      </p:sp>
+      <p:sp>
+        <p:nvSpPr>
+          <p:cNvPr id="3" name="Subtitle 2"/>
           <p:cNvSpPr>
             <a:spLocks noGrp="1"/>
           </p:cNvSpPr>
@@ -259,18 +250,13 @@
               <a:rPr lang="zh-CN" altLang="en-US"/>
               <a:t>单击此处编辑母版副标题样式</a:t>
             </a:r>
-          </a:p>
-        </p:txBody>
-      </p:sp>
-      <p:sp>
-        <p:nvSpPr>
-          <p:cNvPr id="4" name="日期占位符 3">
-            <a:extLst>
-              <a:ext uri="{FF2B5EF4-FFF2-40B4-BE49-F238E27FC236}">
-                <a16:creationId xmlns:a16="http://schemas.microsoft.com/office/drawing/2014/main" id="{7FF8003C-4893-4751-8902-D1B1A027F591}"/>
-              </a:ext>
-            </a:extLst>
-          </p:cNvPr>
+            <a:endParaRPr lang="en-US" dirty="0"/>
+          </a:p>
+        </p:txBody>
+      </p:sp>
+      <p:sp>
+        <p:nvSpPr>
+          <p:cNvPr id="4" name="Date Placeholder 3"/>
           <p:cNvSpPr>
             <a:spLocks noGrp="1"/>
           </p:cNvSpPr>
@@ -285,7 +271,7 @@
           <a:p>
             <a:fld id="{D1FC40BD-DF71-48B5-9F6E-F69B92E103E9}" type="datetimeFigureOut">
               <a:rPr lang="zh-CN" altLang="en-US" smtClean="0"/>
-              <a:t>2020/12/26</a:t>
+              <a:t>2020/12/27</a:t>
             </a:fld>
             <a:endParaRPr lang="zh-CN" altLang="en-US"/>
           </a:p>
@@ -293,13 +279,7 @@
       </p:sp>
       <p:sp>
         <p:nvSpPr>
-          <p:cNvPr id="5" name="页脚占位符 4">
-            <a:extLst>
-              <a:ext uri="{FF2B5EF4-FFF2-40B4-BE49-F238E27FC236}">
-                <a16:creationId xmlns:a16="http://schemas.microsoft.com/office/drawing/2014/main" id="{C9C2E9D9-D52B-47D0-B5B6-34D7734DC69E}"/>
-              </a:ext>
-            </a:extLst>
-          </p:cNvPr>
+          <p:cNvPr id="5" name="Footer Placeholder 4"/>
           <p:cNvSpPr>
             <a:spLocks noGrp="1"/>
           </p:cNvSpPr>
@@ -318,13 +298,7 @@
       </p:sp>
       <p:sp>
         <p:nvSpPr>
-          <p:cNvPr id="6" name="灯片编号占位符 5">
-            <a:extLst>
-              <a:ext uri="{FF2B5EF4-FFF2-40B4-BE49-F238E27FC236}">
-                <a16:creationId xmlns:a16="http://schemas.microsoft.com/office/drawing/2014/main" id="{52984C6A-2452-49F7-B912-59C03589C71E}"/>
-              </a:ext>
-            </a:extLst>
-          </p:cNvPr>
+          <p:cNvPr id="6" name="Slide Number Placeholder 5"/>
           <p:cNvSpPr>
             <a:spLocks noGrp="1"/>
           </p:cNvSpPr>
@@ -348,7 +322,7 @@
     </p:spTree>
     <p:extLst>
       <p:ext uri="{BB962C8B-B14F-4D97-AF65-F5344CB8AC3E}">
-        <p14:creationId xmlns:p14="http://schemas.microsoft.com/office/powerpoint/2010/main" val="2570777044"/>
+        <p14:creationId xmlns:p14="http://schemas.microsoft.com/office/powerpoint/2010/main" val="2296978195"/>
       </p:ext>
     </p:extLst>
   </p:cSld>
@@ -377,13 +351,7 @@
       </p:grpSpPr>
       <p:sp>
         <p:nvSpPr>
-          <p:cNvPr id="2" name="标题 1">
-            <a:extLst>
-              <a:ext uri="{FF2B5EF4-FFF2-40B4-BE49-F238E27FC236}">
-                <a16:creationId xmlns:a16="http://schemas.microsoft.com/office/drawing/2014/main" id="{D4060524-359B-4E06-BA9B-F219A18F9356}"/>
-              </a:ext>
-            </a:extLst>
-          </p:cNvPr>
+          <p:cNvPr id="2" name="Title 1"/>
           <p:cNvSpPr>
             <a:spLocks noGrp="1"/>
           </p:cNvSpPr>
@@ -400,18 +368,13 @@
               <a:rPr lang="zh-CN" altLang="en-US"/>
               <a:t>单击此处编辑母版标题样式</a:t>
             </a:r>
-          </a:p>
-        </p:txBody>
-      </p:sp>
-      <p:sp>
-        <p:nvSpPr>
-          <p:cNvPr id="3" name="竖排文字占位符 2">
-            <a:extLst>
-              <a:ext uri="{FF2B5EF4-FFF2-40B4-BE49-F238E27FC236}">
-                <a16:creationId xmlns:a16="http://schemas.microsoft.com/office/drawing/2014/main" id="{AC7FF994-4F1E-4747-8C9E-4323C55B19B9}"/>
-              </a:ext>
-            </a:extLst>
-          </p:cNvPr>
+            <a:endParaRPr lang="en-US" dirty="0"/>
+          </a:p>
+        </p:txBody>
+      </p:sp>
+      <p:sp>
+        <p:nvSpPr>
+          <p:cNvPr id="3" name="Vertical Text Placeholder 2"/>
           <p:cNvSpPr>
             <a:spLocks noGrp="1"/>
           </p:cNvSpPr>
@@ -457,18 +420,13 @@
               <a:rPr lang="zh-CN" altLang="en-US"/>
               <a:t>五级</a:t>
             </a:r>
-          </a:p>
-        </p:txBody>
-      </p:sp>
-      <p:sp>
-        <p:nvSpPr>
-          <p:cNvPr id="4" name="日期占位符 3">
-            <a:extLst>
-              <a:ext uri="{FF2B5EF4-FFF2-40B4-BE49-F238E27FC236}">
-                <a16:creationId xmlns:a16="http://schemas.microsoft.com/office/drawing/2014/main" id="{9F4D9A04-DCB0-4F82-BAC5-B1B9A825B626}"/>
-              </a:ext>
-            </a:extLst>
-          </p:cNvPr>
+            <a:endParaRPr lang="en-US" dirty="0"/>
+          </a:p>
+        </p:txBody>
+      </p:sp>
+      <p:sp>
+        <p:nvSpPr>
+          <p:cNvPr id="4" name="Date Placeholder 3"/>
           <p:cNvSpPr>
             <a:spLocks noGrp="1"/>
           </p:cNvSpPr>
@@ -483,7 +441,7 @@
           <a:p>
             <a:fld id="{D1FC40BD-DF71-48B5-9F6E-F69B92E103E9}" type="datetimeFigureOut">
               <a:rPr lang="zh-CN" altLang="en-US" smtClean="0"/>
-              <a:t>2020/12/26</a:t>
+              <a:t>2020/12/27</a:t>
             </a:fld>
             <a:endParaRPr lang="zh-CN" altLang="en-US"/>
           </a:p>
@@ -491,13 +449,7 @@
       </p:sp>
       <p:sp>
         <p:nvSpPr>
-          <p:cNvPr id="5" name="页脚占位符 4">
-            <a:extLst>
-              <a:ext uri="{FF2B5EF4-FFF2-40B4-BE49-F238E27FC236}">
-                <a16:creationId xmlns:a16="http://schemas.microsoft.com/office/drawing/2014/main" id="{1A8A1338-4773-45BB-A502-197DB95BC983}"/>
-              </a:ext>
-            </a:extLst>
-          </p:cNvPr>
+          <p:cNvPr id="5" name="Footer Placeholder 4"/>
           <p:cNvSpPr>
             <a:spLocks noGrp="1"/>
           </p:cNvSpPr>
@@ -516,13 +468,7 @@
       </p:sp>
       <p:sp>
         <p:nvSpPr>
-          <p:cNvPr id="6" name="灯片编号占位符 5">
-            <a:extLst>
-              <a:ext uri="{FF2B5EF4-FFF2-40B4-BE49-F238E27FC236}">
-                <a16:creationId xmlns:a16="http://schemas.microsoft.com/office/drawing/2014/main" id="{4C034465-64DE-4477-931F-7C0577146B80}"/>
-              </a:ext>
-            </a:extLst>
-          </p:cNvPr>
+          <p:cNvPr id="6" name="Slide Number Placeholder 5"/>
           <p:cNvSpPr>
             <a:spLocks noGrp="1"/>
           </p:cNvSpPr>
@@ -546,7 +492,7 @@
     </p:spTree>
     <p:extLst>
       <p:ext uri="{BB962C8B-B14F-4D97-AF65-F5344CB8AC3E}">
-        <p14:creationId xmlns:p14="http://schemas.microsoft.com/office/powerpoint/2010/main" val="3657201901"/>
+        <p14:creationId xmlns:p14="http://schemas.microsoft.com/office/powerpoint/2010/main" val="749506420"/>
       </p:ext>
     </p:extLst>
   </p:cSld>
@@ -575,13 +521,7 @@
       </p:grpSpPr>
       <p:sp>
         <p:nvSpPr>
-          <p:cNvPr id="2" name="竖排标题 1">
-            <a:extLst>
-              <a:ext uri="{FF2B5EF4-FFF2-40B4-BE49-F238E27FC236}">
-                <a16:creationId xmlns:a16="http://schemas.microsoft.com/office/drawing/2014/main" id="{3DDEC391-E541-415D-A190-FF161C253BAB}"/>
-              </a:ext>
-            </a:extLst>
-          </p:cNvPr>
+          <p:cNvPr id="2" name="Vertical Title 1"/>
           <p:cNvSpPr>
             <a:spLocks noGrp="1"/>
           </p:cNvSpPr>
@@ -603,18 +543,13 @@
               <a:rPr lang="zh-CN" altLang="en-US"/>
               <a:t>单击此处编辑母版标题样式</a:t>
             </a:r>
-          </a:p>
-        </p:txBody>
-      </p:sp>
-      <p:sp>
-        <p:nvSpPr>
-          <p:cNvPr id="3" name="竖排文字占位符 2">
-            <a:extLst>
-              <a:ext uri="{FF2B5EF4-FFF2-40B4-BE49-F238E27FC236}">
-                <a16:creationId xmlns:a16="http://schemas.microsoft.com/office/drawing/2014/main" id="{CAD18141-B1E4-409F-AAF3-11E041C5CBD4}"/>
-              </a:ext>
-            </a:extLst>
-          </p:cNvPr>
+            <a:endParaRPr lang="en-US" dirty="0"/>
+          </a:p>
+        </p:txBody>
+      </p:sp>
+      <p:sp>
+        <p:nvSpPr>
+          <p:cNvPr id="3" name="Vertical Text Placeholder 2"/>
           <p:cNvSpPr>
             <a:spLocks noGrp="1"/>
           </p:cNvSpPr>
@@ -665,18 +600,13 @@
               <a:rPr lang="zh-CN" altLang="en-US"/>
               <a:t>五级</a:t>
             </a:r>
-          </a:p>
-        </p:txBody>
-      </p:sp>
-      <p:sp>
-        <p:nvSpPr>
-          <p:cNvPr id="4" name="日期占位符 3">
-            <a:extLst>
-              <a:ext uri="{FF2B5EF4-FFF2-40B4-BE49-F238E27FC236}">
-                <a16:creationId xmlns:a16="http://schemas.microsoft.com/office/drawing/2014/main" id="{BFA7E0EC-D254-4D43-BD62-42F951845FD5}"/>
-              </a:ext>
-            </a:extLst>
-          </p:cNvPr>
+            <a:endParaRPr lang="en-US" dirty="0"/>
+          </a:p>
+        </p:txBody>
+      </p:sp>
+      <p:sp>
+        <p:nvSpPr>
+          <p:cNvPr id="4" name="Date Placeholder 3"/>
           <p:cNvSpPr>
             <a:spLocks noGrp="1"/>
           </p:cNvSpPr>
@@ -691,7 +621,7 @@
           <a:p>
             <a:fld id="{D1FC40BD-DF71-48B5-9F6E-F69B92E103E9}" type="datetimeFigureOut">
               <a:rPr lang="zh-CN" altLang="en-US" smtClean="0"/>
-              <a:t>2020/12/26</a:t>
+              <a:t>2020/12/27</a:t>
             </a:fld>
             <a:endParaRPr lang="zh-CN" altLang="en-US"/>
           </a:p>
@@ -699,13 +629,7 @@
       </p:sp>
       <p:sp>
         <p:nvSpPr>
-          <p:cNvPr id="5" name="页脚占位符 4">
-            <a:extLst>
-              <a:ext uri="{FF2B5EF4-FFF2-40B4-BE49-F238E27FC236}">
-                <a16:creationId xmlns:a16="http://schemas.microsoft.com/office/drawing/2014/main" id="{332C9ED2-642E-42FE-AA84-7DACAC0EB54D}"/>
-              </a:ext>
-            </a:extLst>
-          </p:cNvPr>
+          <p:cNvPr id="5" name="Footer Placeholder 4"/>
           <p:cNvSpPr>
             <a:spLocks noGrp="1"/>
           </p:cNvSpPr>
@@ -724,13 +648,7 @@
       </p:sp>
       <p:sp>
         <p:nvSpPr>
-          <p:cNvPr id="6" name="灯片编号占位符 5">
-            <a:extLst>
-              <a:ext uri="{FF2B5EF4-FFF2-40B4-BE49-F238E27FC236}">
-                <a16:creationId xmlns:a16="http://schemas.microsoft.com/office/drawing/2014/main" id="{020BF37F-9BD5-4867-B7FD-95B7752EB59F}"/>
-              </a:ext>
-            </a:extLst>
-          </p:cNvPr>
+          <p:cNvPr id="6" name="Slide Number Placeholder 5"/>
           <p:cNvSpPr>
             <a:spLocks noGrp="1"/>
           </p:cNvSpPr>
@@ -754,7 +672,7 @@
     </p:spTree>
     <p:extLst>
       <p:ext uri="{BB962C8B-B14F-4D97-AF65-F5344CB8AC3E}">
-        <p14:creationId xmlns:p14="http://schemas.microsoft.com/office/powerpoint/2010/main" val="1877667636"/>
+        <p14:creationId xmlns:p14="http://schemas.microsoft.com/office/powerpoint/2010/main" val="4153747735"/>
       </p:ext>
     </p:extLst>
   </p:cSld>
@@ -783,13 +701,7 @@
       </p:grpSpPr>
       <p:sp>
         <p:nvSpPr>
-          <p:cNvPr id="2" name="标题 1">
-            <a:extLst>
-              <a:ext uri="{FF2B5EF4-FFF2-40B4-BE49-F238E27FC236}">
-                <a16:creationId xmlns:a16="http://schemas.microsoft.com/office/drawing/2014/main" id="{F6BDE3FF-AE3B-4A90-B1C0-8B69A7657A80}"/>
-              </a:ext>
-            </a:extLst>
-          </p:cNvPr>
+          <p:cNvPr id="2" name="Title 1"/>
           <p:cNvSpPr>
             <a:spLocks noGrp="1"/>
           </p:cNvSpPr>
@@ -806,18 +718,13 @@
               <a:rPr lang="zh-CN" altLang="en-US"/>
               <a:t>单击此处编辑母版标题样式</a:t>
             </a:r>
-          </a:p>
-        </p:txBody>
-      </p:sp>
-      <p:sp>
-        <p:nvSpPr>
-          <p:cNvPr id="3" name="内容占位符 2">
-            <a:extLst>
-              <a:ext uri="{FF2B5EF4-FFF2-40B4-BE49-F238E27FC236}">
-                <a16:creationId xmlns:a16="http://schemas.microsoft.com/office/drawing/2014/main" id="{5071CE90-5698-4713-98D0-7E049BDF38D8}"/>
-              </a:ext>
-            </a:extLst>
-          </p:cNvPr>
+            <a:endParaRPr lang="en-US" dirty="0"/>
+          </a:p>
+        </p:txBody>
+      </p:sp>
+      <p:sp>
+        <p:nvSpPr>
+          <p:cNvPr id="3" name="Content Placeholder 2"/>
           <p:cNvSpPr>
             <a:spLocks noGrp="1"/>
           </p:cNvSpPr>
@@ -863,18 +770,13 @@
               <a:rPr lang="zh-CN" altLang="en-US"/>
               <a:t>五级</a:t>
             </a:r>
-          </a:p>
-        </p:txBody>
-      </p:sp>
-      <p:sp>
-        <p:nvSpPr>
-          <p:cNvPr id="4" name="日期占位符 3">
-            <a:extLst>
-              <a:ext uri="{FF2B5EF4-FFF2-40B4-BE49-F238E27FC236}">
-                <a16:creationId xmlns:a16="http://schemas.microsoft.com/office/drawing/2014/main" id="{399757DF-3F6A-4CEC-958B-D783BBD80D76}"/>
-              </a:ext>
-            </a:extLst>
-          </p:cNvPr>
+            <a:endParaRPr lang="en-US" dirty="0"/>
+          </a:p>
+        </p:txBody>
+      </p:sp>
+      <p:sp>
+        <p:nvSpPr>
+          <p:cNvPr id="4" name="Date Placeholder 3"/>
           <p:cNvSpPr>
             <a:spLocks noGrp="1"/>
           </p:cNvSpPr>
@@ -889,7 +791,7 @@
           <a:p>
             <a:fld id="{D1FC40BD-DF71-48B5-9F6E-F69B92E103E9}" type="datetimeFigureOut">
               <a:rPr lang="zh-CN" altLang="en-US" smtClean="0"/>
-              <a:t>2020/12/26</a:t>
+              <a:t>2020/12/27</a:t>
             </a:fld>
             <a:endParaRPr lang="zh-CN" altLang="en-US"/>
           </a:p>
@@ -897,13 +799,7 @@
       </p:sp>
       <p:sp>
         <p:nvSpPr>
-          <p:cNvPr id="5" name="页脚占位符 4">
-            <a:extLst>
-              <a:ext uri="{FF2B5EF4-FFF2-40B4-BE49-F238E27FC236}">
-                <a16:creationId xmlns:a16="http://schemas.microsoft.com/office/drawing/2014/main" id="{C22FE332-FE75-48B3-8C39-2FC6B111452B}"/>
-              </a:ext>
-            </a:extLst>
-          </p:cNvPr>
+          <p:cNvPr id="5" name="Footer Placeholder 4"/>
           <p:cNvSpPr>
             <a:spLocks noGrp="1"/>
           </p:cNvSpPr>
@@ -922,13 +818,7 @@
       </p:sp>
       <p:sp>
         <p:nvSpPr>
-          <p:cNvPr id="6" name="灯片编号占位符 5">
-            <a:extLst>
-              <a:ext uri="{FF2B5EF4-FFF2-40B4-BE49-F238E27FC236}">
-                <a16:creationId xmlns:a16="http://schemas.microsoft.com/office/drawing/2014/main" id="{E9F5CC68-BB58-4CF7-93E2-856A4B0054CA}"/>
-              </a:ext>
-            </a:extLst>
-          </p:cNvPr>
+          <p:cNvPr id="6" name="Slide Number Placeholder 5"/>
           <p:cNvSpPr>
             <a:spLocks noGrp="1"/>
           </p:cNvSpPr>
@@ -952,7 +842,7 @@
     </p:spTree>
     <p:extLst>
       <p:ext uri="{BB962C8B-B14F-4D97-AF65-F5344CB8AC3E}">
-        <p14:creationId xmlns:p14="http://schemas.microsoft.com/office/powerpoint/2010/main" val="4223823188"/>
+        <p14:creationId xmlns:p14="http://schemas.microsoft.com/office/powerpoint/2010/main" val="1297442857"/>
       </p:ext>
     </p:extLst>
   </p:cSld>
@@ -981,13 +871,7 @@
       </p:grpSpPr>
       <p:sp>
         <p:nvSpPr>
-          <p:cNvPr id="2" name="标题 1">
-            <a:extLst>
-              <a:ext uri="{FF2B5EF4-FFF2-40B4-BE49-F238E27FC236}">
-                <a16:creationId xmlns:a16="http://schemas.microsoft.com/office/drawing/2014/main" id="{A830D148-2D7B-42D7-AB60-7609C01BB519}"/>
-              </a:ext>
-            </a:extLst>
-          </p:cNvPr>
+          <p:cNvPr id="2" name="Title 1"/>
           <p:cNvSpPr>
             <a:spLocks noGrp="1"/>
           </p:cNvSpPr>
@@ -1013,18 +897,13 @@
               <a:rPr lang="zh-CN" altLang="en-US"/>
               <a:t>单击此处编辑母版标题样式</a:t>
             </a:r>
-          </a:p>
-        </p:txBody>
-      </p:sp>
-      <p:sp>
-        <p:nvSpPr>
-          <p:cNvPr id="3" name="文本占位符 2">
-            <a:extLst>
-              <a:ext uri="{FF2B5EF4-FFF2-40B4-BE49-F238E27FC236}">
-                <a16:creationId xmlns:a16="http://schemas.microsoft.com/office/drawing/2014/main" id="{A4A24252-2443-49F6-9EF7-3AE413F600D8}"/>
-              </a:ext>
-            </a:extLst>
-          </p:cNvPr>
+            <a:endParaRPr lang="en-US" dirty="0"/>
+          </a:p>
+        </p:txBody>
+      </p:sp>
+      <p:sp>
+        <p:nvSpPr>
+          <p:cNvPr id="3" name="Text Placeholder 2"/>
           <p:cNvSpPr>
             <a:spLocks noGrp="1"/>
           </p:cNvSpPr>
@@ -1143,13 +1022,7 @@
       </p:sp>
       <p:sp>
         <p:nvSpPr>
-          <p:cNvPr id="4" name="日期占位符 3">
-            <a:extLst>
-              <a:ext uri="{FF2B5EF4-FFF2-40B4-BE49-F238E27FC236}">
-                <a16:creationId xmlns:a16="http://schemas.microsoft.com/office/drawing/2014/main" id="{1D05C7E8-01B5-4829-B8A4-13BE0FF4C541}"/>
-              </a:ext>
-            </a:extLst>
-          </p:cNvPr>
+          <p:cNvPr id="4" name="Date Placeholder 3"/>
           <p:cNvSpPr>
             <a:spLocks noGrp="1"/>
           </p:cNvSpPr>
@@ -1164,7 +1037,7 @@
           <a:p>
             <a:fld id="{D1FC40BD-DF71-48B5-9F6E-F69B92E103E9}" type="datetimeFigureOut">
               <a:rPr lang="zh-CN" altLang="en-US" smtClean="0"/>
-              <a:t>2020/12/26</a:t>
+              <a:t>2020/12/27</a:t>
             </a:fld>
             <a:endParaRPr lang="zh-CN" altLang="en-US"/>
           </a:p>
@@ -1172,13 +1045,7 @@
       </p:sp>
       <p:sp>
         <p:nvSpPr>
-          <p:cNvPr id="5" name="页脚占位符 4">
-            <a:extLst>
-              <a:ext uri="{FF2B5EF4-FFF2-40B4-BE49-F238E27FC236}">
-                <a16:creationId xmlns:a16="http://schemas.microsoft.com/office/drawing/2014/main" id="{1AD8CE79-18F7-4BC4-9F4A-4DDAF306842D}"/>
-              </a:ext>
-            </a:extLst>
-          </p:cNvPr>
+          <p:cNvPr id="5" name="Footer Placeholder 4"/>
           <p:cNvSpPr>
             <a:spLocks noGrp="1"/>
           </p:cNvSpPr>
@@ -1197,13 +1064,7 @@
       </p:sp>
       <p:sp>
         <p:nvSpPr>
-          <p:cNvPr id="6" name="灯片编号占位符 5">
-            <a:extLst>
-              <a:ext uri="{FF2B5EF4-FFF2-40B4-BE49-F238E27FC236}">
-                <a16:creationId xmlns:a16="http://schemas.microsoft.com/office/drawing/2014/main" id="{3C3C96C6-E4A3-46F3-9975-93BE47FA31A4}"/>
-              </a:ext>
-            </a:extLst>
-          </p:cNvPr>
+          <p:cNvPr id="6" name="Slide Number Placeholder 5"/>
           <p:cNvSpPr>
             <a:spLocks noGrp="1"/>
           </p:cNvSpPr>
@@ -1227,7 +1088,7 @@
     </p:spTree>
     <p:extLst>
       <p:ext uri="{BB962C8B-B14F-4D97-AF65-F5344CB8AC3E}">
-        <p14:creationId xmlns:p14="http://schemas.microsoft.com/office/powerpoint/2010/main" val="60836320"/>
+        <p14:creationId xmlns:p14="http://schemas.microsoft.com/office/powerpoint/2010/main" val="3456103256"/>
       </p:ext>
     </p:extLst>
   </p:cSld>
@@ -1256,13 +1117,7 @@
       </p:grpSpPr>
       <p:sp>
         <p:nvSpPr>
-          <p:cNvPr id="2" name="标题 1">
-            <a:extLst>
-              <a:ext uri="{FF2B5EF4-FFF2-40B4-BE49-F238E27FC236}">
-                <a16:creationId xmlns:a16="http://schemas.microsoft.com/office/drawing/2014/main" id="{F1ED7D40-E58B-432E-89D2-5AEAE261E47B}"/>
-              </a:ext>
-            </a:extLst>
-          </p:cNvPr>
+          <p:cNvPr id="2" name="Title 1"/>
           <p:cNvSpPr>
             <a:spLocks noGrp="1"/>
           </p:cNvSpPr>
@@ -1279,18 +1134,13 @@
               <a:rPr lang="zh-CN" altLang="en-US"/>
               <a:t>单击此处编辑母版标题样式</a:t>
             </a:r>
-          </a:p>
-        </p:txBody>
-      </p:sp>
-      <p:sp>
-        <p:nvSpPr>
-          <p:cNvPr id="3" name="内容占位符 2">
-            <a:extLst>
-              <a:ext uri="{FF2B5EF4-FFF2-40B4-BE49-F238E27FC236}">
-                <a16:creationId xmlns:a16="http://schemas.microsoft.com/office/drawing/2014/main" id="{E964D11C-3525-4C64-AB7C-BE7E73F6DC9E}"/>
-              </a:ext>
-            </a:extLst>
-          </p:cNvPr>
+            <a:endParaRPr lang="en-US" dirty="0"/>
+          </a:p>
+        </p:txBody>
+      </p:sp>
+      <p:sp>
+        <p:nvSpPr>
+          <p:cNvPr id="3" name="Content Placeholder 2"/>
           <p:cNvSpPr>
             <a:spLocks noGrp="1"/>
           </p:cNvSpPr>
@@ -1341,18 +1191,13 @@
               <a:rPr lang="zh-CN" altLang="en-US"/>
               <a:t>五级</a:t>
             </a:r>
-          </a:p>
-        </p:txBody>
-      </p:sp>
-      <p:sp>
-        <p:nvSpPr>
-          <p:cNvPr id="4" name="内容占位符 3">
-            <a:extLst>
-              <a:ext uri="{FF2B5EF4-FFF2-40B4-BE49-F238E27FC236}">
-                <a16:creationId xmlns:a16="http://schemas.microsoft.com/office/drawing/2014/main" id="{C41A833E-37E2-4072-99C0-963CCE62F4F1}"/>
-              </a:ext>
-            </a:extLst>
-          </p:cNvPr>
+            <a:endParaRPr lang="en-US" dirty="0"/>
+          </a:p>
+        </p:txBody>
+      </p:sp>
+      <p:sp>
+        <p:nvSpPr>
+          <p:cNvPr id="4" name="Content Placeholder 3"/>
           <p:cNvSpPr>
             <a:spLocks noGrp="1"/>
           </p:cNvSpPr>
@@ -1403,18 +1248,13 @@
               <a:rPr lang="zh-CN" altLang="en-US"/>
               <a:t>五级</a:t>
             </a:r>
-          </a:p>
-        </p:txBody>
-      </p:sp>
-      <p:sp>
-        <p:nvSpPr>
-          <p:cNvPr id="5" name="日期占位符 4">
-            <a:extLst>
-              <a:ext uri="{FF2B5EF4-FFF2-40B4-BE49-F238E27FC236}">
-                <a16:creationId xmlns:a16="http://schemas.microsoft.com/office/drawing/2014/main" id="{ABB3FBF1-1DD2-46D0-9D07-B00D32BFF106}"/>
-              </a:ext>
-            </a:extLst>
-          </p:cNvPr>
+            <a:endParaRPr lang="en-US" dirty="0"/>
+          </a:p>
+        </p:txBody>
+      </p:sp>
+      <p:sp>
+        <p:nvSpPr>
+          <p:cNvPr id="5" name="Date Placeholder 4"/>
           <p:cNvSpPr>
             <a:spLocks noGrp="1"/>
           </p:cNvSpPr>
@@ -1429,7 +1269,7 @@
           <a:p>
             <a:fld id="{D1FC40BD-DF71-48B5-9F6E-F69B92E103E9}" type="datetimeFigureOut">
               <a:rPr lang="zh-CN" altLang="en-US" smtClean="0"/>
-              <a:t>2020/12/26</a:t>
+              <a:t>2020/12/27</a:t>
             </a:fld>
             <a:endParaRPr lang="zh-CN" altLang="en-US"/>
           </a:p>
@@ -1437,13 +1277,7 @@
       </p:sp>
       <p:sp>
         <p:nvSpPr>
-          <p:cNvPr id="6" name="页脚占位符 5">
-            <a:extLst>
-              <a:ext uri="{FF2B5EF4-FFF2-40B4-BE49-F238E27FC236}">
-                <a16:creationId xmlns:a16="http://schemas.microsoft.com/office/drawing/2014/main" id="{B27FA3D4-CAED-49D3-8B48-252E30AFAA18}"/>
-              </a:ext>
-            </a:extLst>
-          </p:cNvPr>
+          <p:cNvPr id="6" name="Footer Placeholder 5"/>
           <p:cNvSpPr>
             <a:spLocks noGrp="1"/>
           </p:cNvSpPr>
@@ -1462,13 +1296,7 @@
       </p:sp>
       <p:sp>
         <p:nvSpPr>
-          <p:cNvPr id="7" name="灯片编号占位符 6">
-            <a:extLst>
-              <a:ext uri="{FF2B5EF4-FFF2-40B4-BE49-F238E27FC236}">
-                <a16:creationId xmlns:a16="http://schemas.microsoft.com/office/drawing/2014/main" id="{9B349A65-146D-4CB8-83BC-4518F48B68CF}"/>
-              </a:ext>
-            </a:extLst>
-          </p:cNvPr>
+          <p:cNvPr id="7" name="Slide Number Placeholder 6"/>
           <p:cNvSpPr>
             <a:spLocks noGrp="1"/>
           </p:cNvSpPr>
@@ -1492,7 +1320,7 @@
     </p:spTree>
     <p:extLst>
       <p:ext uri="{BB962C8B-B14F-4D97-AF65-F5344CB8AC3E}">
-        <p14:creationId xmlns:p14="http://schemas.microsoft.com/office/powerpoint/2010/main" val="1656737274"/>
+        <p14:creationId xmlns:p14="http://schemas.microsoft.com/office/powerpoint/2010/main" val="1751670119"/>
       </p:ext>
     </p:extLst>
   </p:cSld>
@@ -1521,13 +1349,7 @@
       </p:grpSpPr>
       <p:sp>
         <p:nvSpPr>
-          <p:cNvPr id="2" name="标题 1">
-            <a:extLst>
-              <a:ext uri="{FF2B5EF4-FFF2-40B4-BE49-F238E27FC236}">
-                <a16:creationId xmlns:a16="http://schemas.microsoft.com/office/drawing/2014/main" id="{F21341FE-1576-4EF0-AA73-DC8895B816D0}"/>
-              </a:ext>
-            </a:extLst>
-          </p:cNvPr>
+          <p:cNvPr id="2" name="Title 1"/>
           <p:cNvSpPr>
             <a:spLocks noGrp="1"/>
           </p:cNvSpPr>
@@ -1549,18 +1371,13 @@
               <a:rPr lang="zh-CN" altLang="en-US"/>
               <a:t>单击此处编辑母版标题样式</a:t>
             </a:r>
-          </a:p>
-        </p:txBody>
-      </p:sp>
-      <p:sp>
-        <p:nvSpPr>
-          <p:cNvPr id="3" name="文本占位符 2">
-            <a:extLst>
-              <a:ext uri="{FF2B5EF4-FFF2-40B4-BE49-F238E27FC236}">
-                <a16:creationId xmlns:a16="http://schemas.microsoft.com/office/drawing/2014/main" id="{EAF2F8C9-EAB4-4271-BB33-F2FEDE5592A6}"/>
-              </a:ext>
-            </a:extLst>
-          </p:cNvPr>
+            <a:endParaRPr lang="en-US" dirty="0"/>
+          </a:p>
+        </p:txBody>
+      </p:sp>
+      <p:sp>
+        <p:nvSpPr>
+          <p:cNvPr id="3" name="Text Placeholder 2"/>
           <p:cNvSpPr>
             <a:spLocks noGrp="1"/>
           </p:cNvSpPr>
@@ -1625,13 +1442,7 @@
       </p:sp>
       <p:sp>
         <p:nvSpPr>
-          <p:cNvPr id="4" name="内容占位符 3">
-            <a:extLst>
-              <a:ext uri="{FF2B5EF4-FFF2-40B4-BE49-F238E27FC236}">
-                <a16:creationId xmlns:a16="http://schemas.microsoft.com/office/drawing/2014/main" id="{E2EDF54F-785C-4D7E-90B5-E9FBE3C86A00}"/>
-              </a:ext>
-            </a:extLst>
-          </p:cNvPr>
+          <p:cNvPr id="4" name="Content Placeholder 3"/>
           <p:cNvSpPr>
             <a:spLocks noGrp="1"/>
           </p:cNvSpPr>
@@ -1682,18 +1493,13 @@
               <a:rPr lang="zh-CN" altLang="en-US"/>
               <a:t>五级</a:t>
             </a:r>
-          </a:p>
-        </p:txBody>
-      </p:sp>
-      <p:sp>
-        <p:nvSpPr>
-          <p:cNvPr id="5" name="文本占位符 4">
-            <a:extLst>
-              <a:ext uri="{FF2B5EF4-FFF2-40B4-BE49-F238E27FC236}">
-                <a16:creationId xmlns:a16="http://schemas.microsoft.com/office/drawing/2014/main" id="{389AD720-A866-4835-B0CD-E208ECBA1C68}"/>
-              </a:ext>
-            </a:extLst>
-          </p:cNvPr>
+            <a:endParaRPr lang="en-US" dirty="0"/>
+          </a:p>
+        </p:txBody>
+      </p:sp>
+      <p:sp>
+        <p:nvSpPr>
+          <p:cNvPr id="5" name="Text Placeholder 4"/>
           <p:cNvSpPr>
             <a:spLocks noGrp="1"/>
           </p:cNvSpPr>
@@ -1758,13 +1564,7 @@
       </p:sp>
       <p:sp>
         <p:nvSpPr>
-          <p:cNvPr id="6" name="内容占位符 5">
-            <a:extLst>
-              <a:ext uri="{FF2B5EF4-FFF2-40B4-BE49-F238E27FC236}">
-                <a16:creationId xmlns:a16="http://schemas.microsoft.com/office/drawing/2014/main" id="{7799673A-77E8-4560-9BE1-956B2D49F3E2}"/>
-              </a:ext>
-            </a:extLst>
-          </p:cNvPr>
+          <p:cNvPr id="6" name="Content Placeholder 5"/>
           <p:cNvSpPr>
             <a:spLocks noGrp="1"/>
           </p:cNvSpPr>
@@ -1815,18 +1615,13 @@
               <a:rPr lang="zh-CN" altLang="en-US"/>
               <a:t>五级</a:t>
             </a:r>
-          </a:p>
-        </p:txBody>
-      </p:sp>
-      <p:sp>
-        <p:nvSpPr>
-          <p:cNvPr id="7" name="日期占位符 6">
-            <a:extLst>
-              <a:ext uri="{FF2B5EF4-FFF2-40B4-BE49-F238E27FC236}">
-                <a16:creationId xmlns:a16="http://schemas.microsoft.com/office/drawing/2014/main" id="{3E54C089-3BBC-40BA-A189-FB0E153B6267}"/>
-              </a:ext>
-            </a:extLst>
-          </p:cNvPr>
+            <a:endParaRPr lang="en-US" dirty="0"/>
+          </a:p>
+        </p:txBody>
+      </p:sp>
+      <p:sp>
+        <p:nvSpPr>
+          <p:cNvPr id="7" name="Date Placeholder 6"/>
           <p:cNvSpPr>
             <a:spLocks noGrp="1"/>
           </p:cNvSpPr>
@@ -1841,7 +1636,7 @@
           <a:p>
             <a:fld id="{D1FC40BD-DF71-48B5-9F6E-F69B92E103E9}" type="datetimeFigureOut">
               <a:rPr lang="zh-CN" altLang="en-US" smtClean="0"/>
-              <a:t>2020/12/26</a:t>
+              <a:t>2020/12/27</a:t>
             </a:fld>
             <a:endParaRPr lang="zh-CN" altLang="en-US"/>
           </a:p>
@@ -1849,13 +1644,7 @@
       </p:sp>
       <p:sp>
         <p:nvSpPr>
-          <p:cNvPr id="8" name="页脚占位符 7">
-            <a:extLst>
-              <a:ext uri="{FF2B5EF4-FFF2-40B4-BE49-F238E27FC236}">
-                <a16:creationId xmlns:a16="http://schemas.microsoft.com/office/drawing/2014/main" id="{21A65F4F-9283-467D-8FEA-20EBA63060F3}"/>
-              </a:ext>
-            </a:extLst>
-          </p:cNvPr>
+          <p:cNvPr id="8" name="Footer Placeholder 7"/>
           <p:cNvSpPr>
             <a:spLocks noGrp="1"/>
           </p:cNvSpPr>
@@ -1874,13 +1663,7 @@
       </p:sp>
       <p:sp>
         <p:nvSpPr>
-          <p:cNvPr id="9" name="灯片编号占位符 8">
-            <a:extLst>
-              <a:ext uri="{FF2B5EF4-FFF2-40B4-BE49-F238E27FC236}">
-                <a16:creationId xmlns:a16="http://schemas.microsoft.com/office/drawing/2014/main" id="{0630ED0B-9610-4329-9337-28C4D01B57BE}"/>
-              </a:ext>
-            </a:extLst>
-          </p:cNvPr>
+          <p:cNvPr id="9" name="Slide Number Placeholder 8"/>
           <p:cNvSpPr>
             <a:spLocks noGrp="1"/>
           </p:cNvSpPr>
@@ -1904,7 +1687,7 @@
     </p:spTree>
     <p:extLst>
       <p:ext uri="{BB962C8B-B14F-4D97-AF65-F5344CB8AC3E}">
-        <p14:creationId xmlns:p14="http://schemas.microsoft.com/office/powerpoint/2010/main" val="3254631978"/>
+        <p14:creationId xmlns:p14="http://schemas.microsoft.com/office/powerpoint/2010/main" val="3187526651"/>
       </p:ext>
     </p:extLst>
   </p:cSld>
@@ -1933,13 +1716,7 @@
       </p:grpSpPr>
       <p:sp>
         <p:nvSpPr>
-          <p:cNvPr id="2" name="标题 1">
-            <a:extLst>
-              <a:ext uri="{FF2B5EF4-FFF2-40B4-BE49-F238E27FC236}">
-                <a16:creationId xmlns:a16="http://schemas.microsoft.com/office/drawing/2014/main" id="{6B5DD1AC-F6DD-4D85-9FA8-608C1E9FCD50}"/>
-              </a:ext>
-            </a:extLst>
-          </p:cNvPr>
+          <p:cNvPr id="2" name="Title 1"/>
           <p:cNvSpPr>
             <a:spLocks noGrp="1"/>
           </p:cNvSpPr>
@@ -1956,18 +1733,13 @@
               <a:rPr lang="zh-CN" altLang="en-US"/>
               <a:t>单击此处编辑母版标题样式</a:t>
             </a:r>
-          </a:p>
-        </p:txBody>
-      </p:sp>
-      <p:sp>
-        <p:nvSpPr>
-          <p:cNvPr id="3" name="日期占位符 2">
-            <a:extLst>
-              <a:ext uri="{FF2B5EF4-FFF2-40B4-BE49-F238E27FC236}">
-                <a16:creationId xmlns:a16="http://schemas.microsoft.com/office/drawing/2014/main" id="{1EE0BFF1-B301-49CD-9053-39DD4E805D2E}"/>
-              </a:ext>
-            </a:extLst>
-          </p:cNvPr>
+            <a:endParaRPr lang="en-US" dirty="0"/>
+          </a:p>
+        </p:txBody>
+      </p:sp>
+      <p:sp>
+        <p:nvSpPr>
+          <p:cNvPr id="3" name="Date Placeholder 2"/>
           <p:cNvSpPr>
             <a:spLocks noGrp="1"/>
           </p:cNvSpPr>
@@ -1982,7 +1754,7 @@
           <a:p>
             <a:fld id="{D1FC40BD-DF71-48B5-9F6E-F69B92E103E9}" type="datetimeFigureOut">
               <a:rPr lang="zh-CN" altLang="en-US" smtClean="0"/>
-              <a:t>2020/12/26</a:t>
+              <a:t>2020/12/27</a:t>
             </a:fld>
             <a:endParaRPr lang="zh-CN" altLang="en-US"/>
           </a:p>
@@ -1990,13 +1762,7 @@
       </p:sp>
       <p:sp>
         <p:nvSpPr>
-          <p:cNvPr id="4" name="页脚占位符 3">
-            <a:extLst>
-              <a:ext uri="{FF2B5EF4-FFF2-40B4-BE49-F238E27FC236}">
-                <a16:creationId xmlns:a16="http://schemas.microsoft.com/office/drawing/2014/main" id="{E53262E8-F374-4ABF-A165-2C02CF0E586B}"/>
-              </a:ext>
-            </a:extLst>
-          </p:cNvPr>
+          <p:cNvPr id="4" name="Footer Placeholder 3"/>
           <p:cNvSpPr>
             <a:spLocks noGrp="1"/>
           </p:cNvSpPr>
@@ -2015,13 +1781,7 @@
       </p:sp>
       <p:sp>
         <p:nvSpPr>
-          <p:cNvPr id="5" name="灯片编号占位符 4">
-            <a:extLst>
-              <a:ext uri="{FF2B5EF4-FFF2-40B4-BE49-F238E27FC236}">
-                <a16:creationId xmlns:a16="http://schemas.microsoft.com/office/drawing/2014/main" id="{1FBED433-3794-4235-A7E9-CBA63FBF17C4}"/>
-              </a:ext>
-            </a:extLst>
-          </p:cNvPr>
+          <p:cNvPr id="5" name="Slide Number Placeholder 4"/>
           <p:cNvSpPr>
             <a:spLocks noGrp="1"/>
           </p:cNvSpPr>
@@ -2045,7 +1805,7 @@
     </p:spTree>
     <p:extLst>
       <p:ext uri="{BB962C8B-B14F-4D97-AF65-F5344CB8AC3E}">
-        <p14:creationId xmlns:p14="http://schemas.microsoft.com/office/powerpoint/2010/main" val="523516273"/>
+        <p14:creationId xmlns:p14="http://schemas.microsoft.com/office/powerpoint/2010/main" val="3096568727"/>
       </p:ext>
     </p:extLst>
   </p:cSld>
@@ -2074,13 +1834,7 @@
       </p:grpSpPr>
       <p:sp>
         <p:nvSpPr>
-          <p:cNvPr id="2" name="日期占位符 1">
-            <a:extLst>
-              <a:ext uri="{FF2B5EF4-FFF2-40B4-BE49-F238E27FC236}">
-                <a16:creationId xmlns:a16="http://schemas.microsoft.com/office/drawing/2014/main" id="{1DB7B0E7-5FE2-429B-AA53-9A8B5EBCA260}"/>
-              </a:ext>
-            </a:extLst>
-          </p:cNvPr>
+          <p:cNvPr id="2" name="Date Placeholder 1"/>
           <p:cNvSpPr>
             <a:spLocks noGrp="1"/>
           </p:cNvSpPr>
@@ -2095,7 +1849,7 @@
           <a:p>
             <a:fld id="{D1FC40BD-DF71-48B5-9F6E-F69B92E103E9}" type="datetimeFigureOut">
               <a:rPr lang="zh-CN" altLang="en-US" smtClean="0"/>
-              <a:t>2020/12/26</a:t>
+              <a:t>2020/12/27</a:t>
             </a:fld>
             <a:endParaRPr lang="zh-CN" altLang="en-US"/>
           </a:p>
@@ -2103,13 +1857,7 @@
       </p:sp>
       <p:sp>
         <p:nvSpPr>
-          <p:cNvPr id="3" name="页脚占位符 2">
-            <a:extLst>
-              <a:ext uri="{FF2B5EF4-FFF2-40B4-BE49-F238E27FC236}">
-                <a16:creationId xmlns:a16="http://schemas.microsoft.com/office/drawing/2014/main" id="{1289C254-D352-4CF3-BE9D-AD8139EDEAD6}"/>
-              </a:ext>
-            </a:extLst>
-          </p:cNvPr>
+          <p:cNvPr id="3" name="Footer Placeholder 2"/>
           <p:cNvSpPr>
             <a:spLocks noGrp="1"/>
           </p:cNvSpPr>
@@ -2128,13 +1876,7 @@
       </p:sp>
       <p:sp>
         <p:nvSpPr>
-          <p:cNvPr id="4" name="灯片编号占位符 3">
-            <a:extLst>
-              <a:ext uri="{FF2B5EF4-FFF2-40B4-BE49-F238E27FC236}">
-                <a16:creationId xmlns:a16="http://schemas.microsoft.com/office/drawing/2014/main" id="{B5BB7461-2C08-48EB-BBA7-4EFFF2C249CD}"/>
-              </a:ext>
-            </a:extLst>
-          </p:cNvPr>
+          <p:cNvPr id="4" name="Slide Number Placeholder 3"/>
           <p:cNvSpPr>
             <a:spLocks noGrp="1"/>
           </p:cNvSpPr>
@@ -2158,7 +1900,7 @@
     </p:spTree>
     <p:extLst>
       <p:ext uri="{BB962C8B-B14F-4D97-AF65-F5344CB8AC3E}">
-        <p14:creationId xmlns:p14="http://schemas.microsoft.com/office/powerpoint/2010/main" val="1529199943"/>
+        <p14:creationId xmlns:p14="http://schemas.microsoft.com/office/powerpoint/2010/main" val="3038859768"/>
       </p:ext>
     </p:extLst>
   </p:cSld>
@@ -2187,13 +1929,7 @@
       </p:grpSpPr>
       <p:sp>
         <p:nvSpPr>
-          <p:cNvPr id="2" name="标题 1">
-            <a:extLst>
-              <a:ext uri="{FF2B5EF4-FFF2-40B4-BE49-F238E27FC236}">
-                <a16:creationId xmlns:a16="http://schemas.microsoft.com/office/drawing/2014/main" id="{C1BEA7CA-F453-4B75-BA2A-F75CC53F0C6E}"/>
-              </a:ext>
-            </a:extLst>
-          </p:cNvPr>
+          <p:cNvPr id="2" name="Title 1"/>
           <p:cNvSpPr>
             <a:spLocks noGrp="1"/>
           </p:cNvSpPr>
@@ -2219,18 +1955,13 @@
               <a:rPr lang="zh-CN" altLang="en-US"/>
               <a:t>单击此处编辑母版标题样式</a:t>
             </a:r>
-          </a:p>
-        </p:txBody>
-      </p:sp>
-      <p:sp>
-        <p:nvSpPr>
-          <p:cNvPr id="3" name="内容占位符 2">
-            <a:extLst>
-              <a:ext uri="{FF2B5EF4-FFF2-40B4-BE49-F238E27FC236}">
-                <a16:creationId xmlns:a16="http://schemas.microsoft.com/office/drawing/2014/main" id="{34F1B498-7621-4627-917B-A8F67F3BF0B7}"/>
-              </a:ext>
-            </a:extLst>
-          </p:cNvPr>
+            <a:endParaRPr lang="en-US" dirty="0"/>
+          </a:p>
+        </p:txBody>
+      </p:sp>
+      <p:sp>
+        <p:nvSpPr>
+          <p:cNvPr id="3" name="Content Placeholder 2"/>
           <p:cNvSpPr>
             <a:spLocks noGrp="1"/>
           </p:cNvSpPr>
@@ -2309,18 +2040,13 @@
               <a:rPr lang="zh-CN" altLang="en-US"/>
               <a:t>五级</a:t>
             </a:r>
-          </a:p>
-        </p:txBody>
-      </p:sp>
-      <p:sp>
-        <p:nvSpPr>
-          <p:cNvPr id="4" name="文本占位符 3">
-            <a:extLst>
-              <a:ext uri="{FF2B5EF4-FFF2-40B4-BE49-F238E27FC236}">
-                <a16:creationId xmlns:a16="http://schemas.microsoft.com/office/drawing/2014/main" id="{1F8EEAF1-2C3C-4233-AED7-92813AFB421C}"/>
-              </a:ext>
-            </a:extLst>
-          </p:cNvPr>
+            <a:endParaRPr lang="en-US" dirty="0"/>
+          </a:p>
+        </p:txBody>
+      </p:sp>
+      <p:sp>
+        <p:nvSpPr>
+          <p:cNvPr id="4" name="Text Placeholder 3"/>
           <p:cNvSpPr>
             <a:spLocks noGrp="1"/>
           </p:cNvSpPr>
@@ -2385,13 +2111,7 @@
       </p:sp>
       <p:sp>
         <p:nvSpPr>
-          <p:cNvPr id="5" name="日期占位符 4">
-            <a:extLst>
-              <a:ext uri="{FF2B5EF4-FFF2-40B4-BE49-F238E27FC236}">
-                <a16:creationId xmlns:a16="http://schemas.microsoft.com/office/drawing/2014/main" id="{27098CAF-12CC-4CD0-8624-3A5AF6189584}"/>
-              </a:ext>
-            </a:extLst>
-          </p:cNvPr>
+          <p:cNvPr id="5" name="Date Placeholder 4"/>
           <p:cNvSpPr>
             <a:spLocks noGrp="1"/>
           </p:cNvSpPr>
@@ -2406,7 +2126,7 @@
           <a:p>
             <a:fld id="{D1FC40BD-DF71-48B5-9F6E-F69B92E103E9}" type="datetimeFigureOut">
               <a:rPr lang="zh-CN" altLang="en-US" smtClean="0"/>
-              <a:t>2020/12/26</a:t>
+              <a:t>2020/12/27</a:t>
             </a:fld>
             <a:endParaRPr lang="zh-CN" altLang="en-US"/>
           </a:p>
@@ -2414,13 +2134,7 @@
       </p:sp>
       <p:sp>
         <p:nvSpPr>
-          <p:cNvPr id="6" name="页脚占位符 5">
-            <a:extLst>
-              <a:ext uri="{FF2B5EF4-FFF2-40B4-BE49-F238E27FC236}">
-                <a16:creationId xmlns:a16="http://schemas.microsoft.com/office/drawing/2014/main" id="{52CFA367-A1B8-44FF-B318-D2AEA2004F55}"/>
-              </a:ext>
-            </a:extLst>
-          </p:cNvPr>
+          <p:cNvPr id="6" name="Footer Placeholder 5"/>
           <p:cNvSpPr>
             <a:spLocks noGrp="1"/>
           </p:cNvSpPr>
@@ -2439,13 +2153,7 @@
       </p:sp>
       <p:sp>
         <p:nvSpPr>
-          <p:cNvPr id="7" name="灯片编号占位符 6">
-            <a:extLst>
-              <a:ext uri="{FF2B5EF4-FFF2-40B4-BE49-F238E27FC236}">
-                <a16:creationId xmlns:a16="http://schemas.microsoft.com/office/drawing/2014/main" id="{C82D2EAE-B35A-45C6-877A-3AC81FF8F9E7}"/>
-              </a:ext>
-            </a:extLst>
-          </p:cNvPr>
+          <p:cNvPr id="7" name="Slide Number Placeholder 6"/>
           <p:cNvSpPr>
             <a:spLocks noGrp="1"/>
           </p:cNvSpPr>
@@ -2469,7 +2177,7 @@
     </p:spTree>
     <p:extLst>
       <p:ext uri="{BB962C8B-B14F-4D97-AF65-F5344CB8AC3E}">
-        <p14:creationId xmlns:p14="http://schemas.microsoft.com/office/powerpoint/2010/main" val="552444675"/>
+        <p14:creationId xmlns:p14="http://schemas.microsoft.com/office/powerpoint/2010/main" val="692928522"/>
       </p:ext>
     </p:extLst>
   </p:cSld>
@@ -2498,13 +2206,7 @@
       </p:grpSpPr>
       <p:sp>
         <p:nvSpPr>
-          <p:cNvPr id="2" name="标题 1">
-            <a:extLst>
-              <a:ext uri="{FF2B5EF4-FFF2-40B4-BE49-F238E27FC236}">
-                <a16:creationId xmlns:a16="http://schemas.microsoft.com/office/drawing/2014/main" id="{14882197-5985-4D35-883F-E15714847CF6}"/>
-              </a:ext>
-            </a:extLst>
-          </p:cNvPr>
+          <p:cNvPr id="2" name="Title 1"/>
           <p:cNvSpPr>
             <a:spLocks noGrp="1"/>
           </p:cNvSpPr>
@@ -2530,20 +2232,15 @@
               <a:rPr lang="zh-CN" altLang="en-US"/>
               <a:t>单击此处编辑母版标题样式</a:t>
             </a:r>
-          </a:p>
-        </p:txBody>
-      </p:sp>
-      <p:sp>
-        <p:nvSpPr>
-          <p:cNvPr id="3" name="图片占位符 2">
-            <a:extLst>
-              <a:ext uri="{FF2B5EF4-FFF2-40B4-BE49-F238E27FC236}">
-                <a16:creationId xmlns:a16="http://schemas.microsoft.com/office/drawing/2014/main" id="{E02154F1-4AC8-482A-A2A9-FF85268BB4ED}"/>
-              </a:ext>
-            </a:extLst>
-          </p:cNvPr>
-          <p:cNvSpPr>
-            <a:spLocks noGrp="1"/>
+            <a:endParaRPr lang="en-US" dirty="0"/>
+          </a:p>
+        </p:txBody>
+      </p:sp>
+      <p:sp>
+        <p:nvSpPr>
+          <p:cNvPr id="3" name="Picture Placeholder 2"/>
+          <p:cNvSpPr>
+            <a:spLocks noGrp="1" noChangeAspect="1"/>
           </p:cNvSpPr>
           <p:nvPr>
             <p:ph type="pic" idx="1"/>
@@ -2556,7 +2253,7 @@
           </a:xfrm>
         </p:spPr>
         <p:txBody>
-          <a:bodyPr/>
+          <a:bodyPr anchor="t"/>
           <a:lstStyle>
             <a:lvl1pPr marL="0" indent="0">
               <a:buNone/>
@@ -2596,19 +2293,17 @@
             </a:lvl9pPr>
           </a:lstStyle>
           <a:p>
-            <a:endParaRPr lang="zh-CN" altLang="en-US"/>
-          </a:p>
-        </p:txBody>
-      </p:sp>
-      <p:sp>
-        <p:nvSpPr>
-          <p:cNvPr id="4" name="文本占位符 3">
-            <a:extLst>
-              <a:ext uri="{FF2B5EF4-FFF2-40B4-BE49-F238E27FC236}">
-                <a16:creationId xmlns:a16="http://schemas.microsoft.com/office/drawing/2014/main" id="{91C19812-9133-4D89-8D84-C6E6792F2B23}"/>
-              </a:ext>
-            </a:extLst>
-          </p:cNvPr>
+            <a:r>
+              <a:rPr lang="zh-CN" altLang="en-US"/>
+              <a:t>单击图标添加图片</a:t>
+            </a:r>
+            <a:endParaRPr lang="en-US" dirty="0"/>
+          </a:p>
+        </p:txBody>
+      </p:sp>
+      <p:sp>
+        <p:nvSpPr>
+          <p:cNvPr id="4" name="Text Placeholder 3"/>
           <p:cNvSpPr>
             <a:spLocks noGrp="1"/>
           </p:cNvSpPr>
@@ -2673,13 +2368,7 @@
       </p:sp>
       <p:sp>
         <p:nvSpPr>
-          <p:cNvPr id="5" name="日期占位符 4">
-            <a:extLst>
-              <a:ext uri="{FF2B5EF4-FFF2-40B4-BE49-F238E27FC236}">
-                <a16:creationId xmlns:a16="http://schemas.microsoft.com/office/drawing/2014/main" id="{E3FE0591-076E-41AD-83D1-453DB8FC47DE}"/>
-              </a:ext>
-            </a:extLst>
-          </p:cNvPr>
+          <p:cNvPr id="5" name="Date Placeholder 4"/>
           <p:cNvSpPr>
             <a:spLocks noGrp="1"/>
           </p:cNvSpPr>
@@ -2694,7 +2383,7 @@
           <a:p>
             <a:fld id="{D1FC40BD-DF71-48B5-9F6E-F69B92E103E9}" type="datetimeFigureOut">
               <a:rPr lang="zh-CN" altLang="en-US" smtClean="0"/>
-              <a:t>2020/12/26</a:t>
+              <a:t>2020/12/27</a:t>
             </a:fld>
             <a:endParaRPr lang="zh-CN" altLang="en-US"/>
           </a:p>
@@ -2702,13 +2391,7 @@
       </p:sp>
       <p:sp>
         <p:nvSpPr>
-          <p:cNvPr id="6" name="页脚占位符 5">
-            <a:extLst>
-              <a:ext uri="{FF2B5EF4-FFF2-40B4-BE49-F238E27FC236}">
-                <a16:creationId xmlns:a16="http://schemas.microsoft.com/office/drawing/2014/main" id="{065880A7-CB17-4C28-9B86-DF4B64C1A7FD}"/>
-              </a:ext>
-            </a:extLst>
-          </p:cNvPr>
+          <p:cNvPr id="6" name="Footer Placeholder 5"/>
           <p:cNvSpPr>
             <a:spLocks noGrp="1"/>
           </p:cNvSpPr>
@@ -2727,13 +2410,7 @@
       </p:sp>
       <p:sp>
         <p:nvSpPr>
-          <p:cNvPr id="7" name="灯片编号占位符 6">
-            <a:extLst>
-              <a:ext uri="{FF2B5EF4-FFF2-40B4-BE49-F238E27FC236}">
-                <a16:creationId xmlns:a16="http://schemas.microsoft.com/office/drawing/2014/main" id="{DA25539F-BB87-439E-8CE2-C0F7939EC17C}"/>
-              </a:ext>
-            </a:extLst>
-          </p:cNvPr>
+          <p:cNvPr id="7" name="Slide Number Placeholder 6"/>
           <p:cNvSpPr>
             <a:spLocks noGrp="1"/>
           </p:cNvSpPr>
@@ -2757,7 +2434,7 @@
     </p:spTree>
     <p:extLst>
       <p:ext uri="{BB962C8B-B14F-4D97-AF65-F5344CB8AC3E}">
-        <p14:creationId xmlns:p14="http://schemas.microsoft.com/office/powerpoint/2010/main" val="3249497533"/>
+        <p14:creationId xmlns:p14="http://schemas.microsoft.com/office/powerpoint/2010/main" val="675170089"/>
       </p:ext>
     </p:extLst>
   </p:cSld>
@@ -2791,13 +2468,7 @@
       </p:grpSpPr>
       <p:sp>
         <p:nvSpPr>
-          <p:cNvPr id="2" name="标题占位符 1">
-            <a:extLst>
-              <a:ext uri="{FF2B5EF4-FFF2-40B4-BE49-F238E27FC236}">
-                <a16:creationId xmlns:a16="http://schemas.microsoft.com/office/drawing/2014/main" id="{EC873C2E-5174-4B24-8106-BAE30B205933}"/>
-              </a:ext>
-            </a:extLst>
-          </p:cNvPr>
+          <p:cNvPr id="2" name="Title Placeholder 1"/>
           <p:cNvSpPr>
             <a:spLocks noGrp="1"/>
           </p:cNvSpPr>
@@ -2824,18 +2495,13 @@
               <a:rPr lang="zh-CN" altLang="en-US"/>
               <a:t>单击此处编辑母版标题样式</a:t>
             </a:r>
-          </a:p>
-        </p:txBody>
-      </p:sp>
-      <p:sp>
-        <p:nvSpPr>
-          <p:cNvPr id="3" name="文本占位符 2">
-            <a:extLst>
-              <a:ext uri="{FF2B5EF4-FFF2-40B4-BE49-F238E27FC236}">
-                <a16:creationId xmlns:a16="http://schemas.microsoft.com/office/drawing/2014/main" id="{36044E3C-2DA4-41BA-89CB-B3EA400B8D89}"/>
-              </a:ext>
-            </a:extLst>
-          </p:cNvPr>
+            <a:endParaRPr lang="en-US" dirty="0"/>
+          </a:p>
+        </p:txBody>
+      </p:sp>
+      <p:sp>
+        <p:nvSpPr>
+          <p:cNvPr id="3" name="Text Placeholder 2"/>
           <p:cNvSpPr>
             <a:spLocks noGrp="1"/>
           </p:cNvSpPr>
@@ -2891,18 +2557,13 @@
               <a:rPr lang="zh-CN" altLang="en-US"/>
               <a:t>五级</a:t>
             </a:r>
-          </a:p>
-        </p:txBody>
-      </p:sp>
-      <p:sp>
-        <p:nvSpPr>
-          <p:cNvPr id="4" name="日期占位符 3">
-            <a:extLst>
-              <a:ext uri="{FF2B5EF4-FFF2-40B4-BE49-F238E27FC236}">
-                <a16:creationId xmlns:a16="http://schemas.microsoft.com/office/drawing/2014/main" id="{08E02445-3D2A-4FD5-A2D8-904901C0F2B2}"/>
-              </a:ext>
-            </a:extLst>
-          </p:cNvPr>
+            <a:endParaRPr lang="en-US" dirty="0"/>
+          </a:p>
+        </p:txBody>
+      </p:sp>
+      <p:sp>
+        <p:nvSpPr>
+          <p:cNvPr id="4" name="Date Placeholder 3"/>
           <p:cNvSpPr>
             <a:spLocks noGrp="1"/>
           </p:cNvSpPr>
@@ -2935,7 +2596,7 @@
           <a:p>
             <a:fld id="{D1FC40BD-DF71-48B5-9F6E-F69B92E103E9}" type="datetimeFigureOut">
               <a:rPr lang="zh-CN" altLang="en-US" smtClean="0"/>
-              <a:t>2020/12/26</a:t>
+              <a:t>2020/12/27</a:t>
             </a:fld>
             <a:endParaRPr lang="zh-CN" altLang="en-US"/>
           </a:p>
@@ -2943,13 +2604,7 @@
       </p:sp>
       <p:sp>
         <p:nvSpPr>
-          <p:cNvPr id="5" name="页脚占位符 4">
-            <a:extLst>
-              <a:ext uri="{FF2B5EF4-FFF2-40B4-BE49-F238E27FC236}">
-                <a16:creationId xmlns:a16="http://schemas.microsoft.com/office/drawing/2014/main" id="{85AB6712-2B27-4307-8EFD-886AD1068B8D}"/>
-              </a:ext>
-            </a:extLst>
-          </p:cNvPr>
+          <p:cNvPr id="5" name="Footer Placeholder 4"/>
           <p:cNvSpPr>
             <a:spLocks noGrp="1"/>
           </p:cNvSpPr>
@@ -2986,13 +2641,7 @@
       </p:sp>
       <p:sp>
         <p:nvSpPr>
-          <p:cNvPr id="6" name="灯片编号占位符 5">
-            <a:extLst>
-              <a:ext uri="{FF2B5EF4-FFF2-40B4-BE49-F238E27FC236}">
-                <a16:creationId xmlns:a16="http://schemas.microsoft.com/office/drawing/2014/main" id="{796C9E99-E8DD-4656-B96E-7ADD12881A46}"/>
-              </a:ext>
-            </a:extLst>
-          </p:cNvPr>
+          <p:cNvPr id="6" name="Slide Number Placeholder 5"/>
           <p:cNvSpPr>
             <a:spLocks noGrp="1"/>
           </p:cNvSpPr>
@@ -3034,23 +2683,23 @@
     </p:spTree>
     <p:extLst>
       <p:ext uri="{BB962C8B-B14F-4D97-AF65-F5344CB8AC3E}">
-        <p14:creationId xmlns:p14="http://schemas.microsoft.com/office/powerpoint/2010/main" val="3374168615"/>
+        <p14:creationId xmlns:p14="http://schemas.microsoft.com/office/powerpoint/2010/main" val="3750443041"/>
       </p:ext>
     </p:extLst>
   </p:cSld>
   <p:clrMap bg1="lt1" tx1="dk1" bg2="lt2" tx2="dk2" accent1="accent1" accent2="accent2" accent3="accent3" accent4="accent4" accent5="accent5" accent6="accent6" hlink="hlink" folHlink="folHlink"/>
   <p:sldLayoutIdLst>
-    <p:sldLayoutId id="2147483649" r:id="rId1"/>
-    <p:sldLayoutId id="2147483650" r:id="rId2"/>
-    <p:sldLayoutId id="2147483651" r:id="rId3"/>
-    <p:sldLayoutId id="2147483652" r:id="rId4"/>
-    <p:sldLayoutId id="2147483653" r:id="rId5"/>
-    <p:sldLayoutId id="2147483654" r:id="rId6"/>
-    <p:sldLayoutId id="2147483655" r:id="rId7"/>
-    <p:sldLayoutId id="2147483656" r:id="rId8"/>
-    <p:sldLayoutId id="2147483657" r:id="rId9"/>
-    <p:sldLayoutId id="2147483658" r:id="rId10"/>
-    <p:sldLayoutId id="2147483659" r:id="rId11"/>
+    <p:sldLayoutId id="2147483661" r:id="rId1"/>
+    <p:sldLayoutId id="2147483662" r:id="rId2"/>
+    <p:sldLayoutId id="2147483663" r:id="rId3"/>
+    <p:sldLayoutId id="2147483664" r:id="rId4"/>
+    <p:sldLayoutId id="2147483665" r:id="rId5"/>
+    <p:sldLayoutId id="2147483666" r:id="rId6"/>
+    <p:sldLayoutId id="2147483667" r:id="rId7"/>
+    <p:sldLayoutId id="2147483668" r:id="rId8"/>
+    <p:sldLayoutId id="2147483669" r:id="rId9"/>
+    <p:sldLayoutId id="2147483670" r:id="rId10"/>
+    <p:sldLayoutId id="2147483671" r:id="rId11"/>
   </p:sldLayoutIdLst>
   <p:txStyles>
     <p:titleStyle>
@@ -3238,7 +2887,7 @@
     </p:bodyStyle>
     <p:otherStyle>
       <a:defPPr>
-        <a:defRPr lang="zh-CN"/>
+        <a:defRPr lang="en-US"/>
       </a:defPPr>
       <a:lvl1pPr marL="0" algn="l" defTabSz="914400" rtl="0" eaLnBrk="1" latinLnBrk="0" hangingPunct="1">
         <a:defRPr sz="1800" kern="1200">
@@ -3368,12 +3017,7 @@
             <p:ph type="ctrTitle"/>
           </p:nvPr>
         </p:nvSpPr>
-        <p:spPr>
-          <a:xfrm>
-            <a:off x="1524000" y="1122363"/>
-            <a:ext cx="9144000" cy="2387600"/>
-          </a:xfrm>
-        </p:spPr>
+        <p:spPr/>
         <p:txBody>
           <a:bodyPr>
             <a:normAutofit/>
@@ -3537,21 +3181,7 @@
           <a:p>
             <a:r>
               <a:rPr lang="en-US" altLang="zh-CN" dirty="0"/>
-              <a:t>Ledger</a:t>
-            </a:r>
-          </a:p>
-          <a:p>
-            <a:pPr lvl="1"/>
-            <a:r>
-              <a:rPr lang="en-US" altLang="zh-CN" dirty="0"/>
-              <a:t>Blockchain</a:t>
-            </a:r>
-          </a:p>
-          <a:p>
-            <a:pPr lvl="1"/>
-            <a:r>
-              <a:rPr lang="en-US" altLang="zh-CN" dirty="0"/>
-              <a:t>World State DB</a:t>
+              <a:t>Chain Code</a:t>
             </a:r>
           </a:p>
         </p:txBody>
@@ -3559,7 +3189,7 @@
     </p:spTree>
     <p:extLst>
       <p:ext uri="{BB962C8B-B14F-4D97-AF65-F5344CB8AC3E}">
-        <p14:creationId xmlns:p14="http://schemas.microsoft.com/office/powerpoint/2010/main" val="3171075019"/>
+        <p14:creationId xmlns:p14="http://schemas.microsoft.com/office/powerpoint/2010/main" val="3571862158"/>
       </p:ext>
     </p:extLst>
   </p:cSld>
@@ -3647,30 +3277,22 @@
             <a:pPr lvl="1"/>
             <a:r>
               <a:rPr lang="en-US" altLang="zh-CN" dirty="0"/>
-              <a:t>Private Data</a:t>
-            </a:r>
-          </a:p>
-          <a:p>
-            <a:pPr lvl="2"/>
-            <a:r>
-              <a:rPr lang="en-US" altLang="zh-CN" dirty="0"/>
-              <a:t>Private Block</a:t>
-            </a:r>
-          </a:p>
-          <a:p>
-            <a:pPr lvl="2"/>
-            <a:r>
-              <a:rPr lang="en-US" altLang="zh-CN" dirty="0"/>
-              <a:t>Private DB</a:t>
-            </a:r>
-            <a:endParaRPr lang="zh-CN" altLang="en-US" dirty="0"/>
+              <a:t>Blockchain</a:t>
+            </a:r>
+          </a:p>
+          <a:p>
+            <a:pPr lvl="1"/>
+            <a:r>
+              <a:rPr lang="en-US" altLang="zh-CN" dirty="0"/>
+              <a:t>World State DB</a:t>
+            </a:r>
           </a:p>
         </p:txBody>
       </p:sp>
     </p:spTree>
     <p:extLst>
       <p:ext uri="{BB962C8B-B14F-4D97-AF65-F5344CB8AC3E}">
-        <p14:creationId xmlns:p14="http://schemas.microsoft.com/office/powerpoint/2010/main" val="3019408843"/>
+        <p14:creationId xmlns:p14="http://schemas.microsoft.com/office/powerpoint/2010/main" val="3171075019"/>
       </p:ext>
     </p:extLst>
   </p:cSld>
@@ -3751,7 +3373,28 @@
           <a:p>
             <a:r>
               <a:rPr lang="en-US" altLang="zh-CN" dirty="0"/>
-              <a:t>Gossip Protocol</a:t>
+              <a:t>Ledger</a:t>
+            </a:r>
+          </a:p>
+          <a:p>
+            <a:pPr lvl="1"/>
+            <a:r>
+              <a:rPr lang="en-US" altLang="zh-CN" dirty="0"/>
+              <a:t>Private Data</a:t>
+            </a:r>
+          </a:p>
+          <a:p>
+            <a:pPr lvl="2"/>
+            <a:r>
+              <a:rPr lang="en-US" altLang="zh-CN" dirty="0"/>
+              <a:t>Private Block</a:t>
+            </a:r>
+          </a:p>
+          <a:p>
+            <a:pPr lvl="2"/>
+            <a:r>
+              <a:rPr lang="en-US" altLang="zh-CN" dirty="0"/>
+              <a:t>Private DB</a:t>
             </a:r>
             <a:endParaRPr lang="zh-CN" altLang="en-US" dirty="0"/>
           </a:p>
@@ -3760,7 +3403,7 @@
     </p:spTree>
     <p:extLst>
       <p:ext uri="{BB962C8B-B14F-4D97-AF65-F5344CB8AC3E}">
-        <p14:creationId xmlns:p14="http://schemas.microsoft.com/office/powerpoint/2010/main" val="4232179613"/>
+        <p14:creationId xmlns:p14="http://schemas.microsoft.com/office/powerpoint/2010/main" val="3019408843"/>
       </p:ext>
     </p:extLst>
   </p:cSld>
@@ -3810,11 +3453,7 @@
           <a:p>
             <a:r>
               <a:rPr lang="en-US" altLang="zh-CN" dirty="0"/>
-              <a:t>2. </a:t>
-            </a:r>
-            <a:r>
-              <a:rPr lang="en-US" altLang="zh-CN" dirty="0" err="1"/>
-              <a:t>Orderer</a:t>
+              <a:t>1. Peer</a:t>
             </a:r>
             <a:endParaRPr lang="zh-CN" altLang="en-US" dirty="0"/>
           </a:p>
@@ -3838,12 +3477,14 @@
         </p:nvSpPr>
         <p:spPr/>
         <p:txBody>
-          <a:bodyPr/>
-          <a:lstStyle/>
-          <a:p>
-            <a:r>
-              <a:rPr lang="en-US" altLang="zh-CN" dirty="0"/>
-              <a:t>【】</a:t>
+          <a:bodyPr>
+            <a:normAutofit/>
+          </a:bodyPr>
+          <a:lstStyle/>
+          <a:p>
+            <a:r>
+              <a:rPr lang="en-US" altLang="zh-CN" dirty="0"/>
+              <a:t>Gossip Protocol</a:t>
             </a:r>
             <a:endParaRPr lang="zh-CN" altLang="en-US" dirty="0"/>
           </a:p>
@@ -3852,7 +3493,7 @@
     </p:spTree>
     <p:extLst>
       <p:ext uri="{BB962C8B-B14F-4D97-AF65-F5344CB8AC3E}">
-        <p14:creationId xmlns:p14="http://schemas.microsoft.com/office/powerpoint/2010/main" val="2814125316"/>
+        <p14:creationId xmlns:p14="http://schemas.microsoft.com/office/powerpoint/2010/main" val="4232179613"/>
       </p:ext>
     </p:extLst>
   </p:cSld>
@@ -3935,7 +3576,7 @@
           <a:p>
             <a:r>
               <a:rPr lang="en-US" altLang="zh-CN" dirty="0"/>
-              <a:t>Order Proxy</a:t>
+              <a:t>【】</a:t>
             </a:r>
             <a:endParaRPr lang="zh-CN" altLang="en-US" dirty="0"/>
           </a:p>
@@ -3944,7 +3585,7 @@
     </p:spTree>
     <p:extLst>
       <p:ext uri="{BB962C8B-B14F-4D97-AF65-F5344CB8AC3E}">
-        <p14:creationId xmlns:p14="http://schemas.microsoft.com/office/powerpoint/2010/main" val="2572309467"/>
+        <p14:creationId xmlns:p14="http://schemas.microsoft.com/office/powerpoint/2010/main" val="2814125316"/>
       </p:ext>
     </p:extLst>
   </p:cSld>
@@ -3994,7 +3635,11 @@
           <a:p>
             <a:r>
               <a:rPr lang="en-US" altLang="zh-CN" dirty="0"/>
-              <a:t>3. CA</a:t>
+              <a:t>2. </a:t>
+            </a:r>
+            <a:r>
+              <a:rPr lang="en-US" altLang="zh-CN" dirty="0" err="1"/>
+              <a:t>Orderer</a:t>
             </a:r>
             <a:endParaRPr lang="zh-CN" altLang="en-US" dirty="0"/>
           </a:p>
@@ -4023,29 +3668,16 @@
           <a:p>
             <a:r>
               <a:rPr lang="en-US" altLang="zh-CN" dirty="0"/>
-              <a:t>CA Server</a:t>
-            </a:r>
-          </a:p>
-          <a:p>
-            <a:pPr lvl="1"/>
-            <a:r>
-              <a:rPr lang="en-US" altLang="zh-CN" dirty="0"/>
-              <a:t>Root CA</a:t>
-            </a:r>
-          </a:p>
-          <a:p>
-            <a:pPr lvl="1"/>
-            <a:r>
-              <a:rPr lang="en-US" altLang="zh-CN" dirty="0"/>
-              <a:t>Intermediate CA</a:t>
-            </a:r>
+              <a:t>Order Proxy</a:t>
+            </a:r>
+            <a:endParaRPr lang="zh-CN" altLang="en-US" dirty="0"/>
           </a:p>
         </p:txBody>
       </p:sp>
     </p:spTree>
     <p:extLst>
       <p:ext uri="{BB962C8B-B14F-4D97-AF65-F5344CB8AC3E}">
-        <p14:creationId xmlns:p14="http://schemas.microsoft.com/office/powerpoint/2010/main" val="3649070300"/>
+        <p14:creationId xmlns:p14="http://schemas.microsoft.com/office/powerpoint/2010/main" val="2572309467"/>
       </p:ext>
     </p:extLst>
   </p:cSld>
@@ -4124,7 +3756,21 @@
           <a:p>
             <a:r>
               <a:rPr lang="en-US" altLang="zh-CN" dirty="0"/>
-              <a:t>CA Client</a:t>
+              <a:t>CA Server</a:t>
+            </a:r>
+          </a:p>
+          <a:p>
+            <a:pPr lvl="1"/>
+            <a:r>
+              <a:rPr lang="en-US" altLang="zh-CN" dirty="0"/>
+              <a:t>Root CA</a:t>
+            </a:r>
+          </a:p>
+          <a:p>
+            <a:pPr lvl="1"/>
+            <a:r>
+              <a:rPr lang="en-US" altLang="zh-CN" dirty="0"/>
+              <a:t>Intermediate CA</a:t>
             </a:r>
           </a:p>
         </p:txBody>
@@ -4132,7 +3778,7 @@
     </p:spTree>
     <p:extLst>
       <p:ext uri="{BB962C8B-B14F-4D97-AF65-F5344CB8AC3E}">
-        <p14:creationId xmlns:p14="http://schemas.microsoft.com/office/powerpoint/2010/main" val="207023413"/>
+        <p14:creationId xmlns:p14="http://schemas.microsoft.com/office/powerpoint/2010/main" val="3649070300"/>
       </p:ext>
     </p:extLst>
   </p:cSld>
@@ -4211,7 +3857,7 @@
           <a:p>
             <a:r>
               <a:rPr lang="en-US" altLang="zh-CN" dirty="0"/>
-              <a:t>MSP</a:t>
+              <a:t>CA Client</a:t>
             </a:r>
           </a:p>
         </p:txBody>
@@ -4219,7 +3865,7 @@
     </p:spTree>
     <p:extLst>
       <p:ext uri="{BB962C8B-B14F-4D97-AF65-F5344CB8AC3E}">
-        <p14:creationId xmlns:p14="http://schemas.microsoft.com/office/powerpoint/2010/main" val="147809833"/>
+        <p14:creationId xmlns:p14="http://schemas.microsoft.com/office/powerpoint/2010/main" val="207023413"/>
       </p:ext>
     </p:extLst>
   </p:cSld>
@@ -4269,7 +3915,7 @@
           <a:p>
             <a:r>
               <a:rPr lang="en-US" altLang="zh-CN" dirty="0"/>
-              <a:t>4. Client</a:t>
+              <a:t>3. CA</a:t>
             </a:r>
             <a:endParaRPr lang="zh-CN" altLang="en-US" dirty="0"/>
           </a:p>
@@ -4298,16 +3944,15 @@
           <a:p>
             <a:r>
               <a:rPr lang="en-US" altLang="zh-CN" dirty="0"/>
-              <a:t>Application</a:t>
-            </a:r>
-            <a:endParaRPr lang="zh-CN" altLang="en-US" dirty="0"/>
+              <a:t>MSP</a:t>
+            </a:r>
           </a:p>
         </p:txBody>
       </p:sp>
     </p:spTree>
     <p:extLst>
       <p:ext uri="{BB962C8B-B14F-4D97-AF65-F5344CB8AC3E}">
-        <p14:creationId xmlns:p14="http://schemas.microsoft.com/office/powerpoint/2010/main" val="2632436869"/>
+        <p14:creationId xmlns:p14="http://schemas.microsoft.com/office/powerpoint/2010/main" val="147809833"/>
       </p:ext>
     </p:extLst>
   </p:cSld>
@@ -4386,7 +4031,7 @@
           <a:p>
             <a:r>
               <a:rPr lang="en-US" altLang="zh-CN" dirty="0"/>
-              <a:t>SDK</a:t>
+              <a:t>Application</a:t>
             </a:r>
             <a:endParaRPr lang="zh-CN" altLang="en-US" dirty="0"/>
           </a:p>
@@ -4395,7 +4040,7 @@
     </p:spTree>
     <p:extLst>
       <p:ext uri="{BB962C8B-B14F-4D97-AF65-F5344CB8AC3E}">
-        <p14:creationId xmlns:p14="http://schemas.microsoft.com/office/powerpoint/2010/main" val="3429407026"/>
+        <p14:creationId xmlns:p14="http://schemas.microsoft.com/office/powerpoint/2010/main" val="2632436869"/>
       </p:ext>
     </p:extLst>
   </p:cSld>
@@ -4480,7 +4125,7 @@
           <a:p>
             <a:r>
               <a:rPr lang="en-US" altLang="zh-CN" dirty="0"/>
-              <a:t>Component</a:t>
+              <a:t>Roles</a:t>
             </a:r>
           </a:p>
           <a:p>
@@ -4533,7 +4178,7 @@
           <p:cNvPr id="2" name="标题 1">
             <a:extLst>
               <a:ext uri="{FF2B5EF4-FFF2-40B4-BE49-F238E27FC236}">
-                <a16:creationId xmlns:a16="http://schemas.microsoft.com/office/drawing/2014/main" id="{696A5807-AB6E-4F45-99F4-9C05A7BD8CDB}"/>
+                <a16:creationId xmlns:a16="http://schemas.microsoft.com/office/drawing/2014/main" id="{59E53C8E-1407-48C7-BC53-331B3B3C2F84}"/>
               </a:ext>
             </a:extLst>
           </p:cNvPr>
@@ -4541,24 +4186,46 @@
             <a:spLocks noGrp="1"/>
           </p:cNvSpPr>
           <p:nvPr>
-            <p:ph type="ctrTitle"/>
-          </p:nvPr>
-        </p:nvSpPr>
-        <p:spPr>
-          <a:xfrm>
-            <a:off x="600173" y="2910526"/>
-            <a:ext cx="10991654" cy="1036948"/>
-          </a:xfrm>
-        </p:spPr>
-        <p:txBody>
-          <a:bodyPr>
-            <a:normAutofit/>
-          </a:bodyPr>
-          <a:lstStyle/>
-          <a:p>
-            <a:r>
-              <a:rPr lang="en-US" altLang="zh-CN" dirty="0"/>
-              <a:t>Part 3: Relationship</a:t>
+            <p:ph type="title"/>
+          </p:nvPr>
+        </p:nvSpPr>
+        <p:spPr/>
+        <p:txBody>
+          <a:bodyPr/>
+          <a:lstStyle/>
+          <a:p>
+            <a:r>
+              <a:rPr lang="en-US" altLang="zh-CN" dirty="0"/>
+              <a:t>4. Client</a:t>
+            </a:r>
+            <a:endParaRPr lang="zh-CN" altLang="en-US" dirty="0"/>
+          </a:p>
+        </p:txBody>
+      </p:sp>
+      <p:sp>
+        <p:nvSpPr>
+          <p:cNvPr id="3" name="内容占位符 2">
+            <a:extLst>
+              <a:ext uri="{FF2B5EF4-FFF2-40B4-BE49-F238E27FC236}">
+                <a16:creationId xmlns:a16="http://schemas.microsoft.com/office/drawing/2014/main" id="{1A9EC2D7-6463-4A6F-90EE-399D9456DD0A}"/>
+              </a:ext>
+            </a:extLst>
+          </p:cNvPr>
+          <p:cNvSpPr>
+            <a:spLocks noGrp="1"/>
+          </p:cNvSpPr>
+          <p:nvPr>
+            <p:ph idx="1"/>
+          </p:nvPr>
+        </p:nvSpPr>
+        <p:spPr/>
+        <p:txBody>
+          <a:bodyPr/>
+          <a:lstStyle/>
+          <a:p>
+            <a:r>
+              <a:rPr lang="en-US" altLang="zh-CN" dirty="0"/>
+              <a:t>SDK</a:t>
             </a:r>
             <a:endParaRPr lang="zh-CN" altLang="en-US" dirty="0"/>
           </a:p>
@@ -4567,7 +4234,7 @@
     </p:spTree>
     <p:extLst>
       <p:ext uri="{BB962C8B-B14F-4D97-AF65-F5344CB8AC3E}">
-        <p14:creationId xmlns:p14="http://schemas.microsoft.com/office/powerpoint/2010/main" val="2168299143"/>
+        <p14:creationId xmlns:p14="http://schemas.microsoft.com/office/powerpoint/2010/main" val="3429407026"/>
       </p:ext>
     </p:extLst>
   </p:cSld>
@@ -4599,6 +4266,72 @@
           <p:cNvPr id="2" name="标题 1">
             <a:extLst>
               <a:ext uri="{FF2B5EF4-FFF2-40B4-BE49-F238E27FC236}">
+                <a16:creationId xmlns:a16="http://schemas.microsoft.com/office/drawing/2014/main" id="{696A5807-AB6E-4F45-99F4-9C05A7BD8CDB}"/>
+              </a:ext>
+            </a:extLst>
+          </p:cNvPr>
+          <p:cNvSpPr>
+            <a:spLocks noGrp="1"/>
+          </p:cNvSpPr>
+          <p:nvPr>
+            <p:ph type="ctrTitle"/>
+          </p:nvPr>
+        </p:nvSpPr>
+        <p:spPr>
+          <a:xfrm>
+            <a:off x="600173" y="2910526"/>
+            <a:ext cx="10991654" cy="1036948"/>
+          </a:xfrm>
+        </p:spPr>
+        <p:txBody>
+          <a:bodyPr>
+            <a:normAutofit/>
+          </a:bodyPr>
+          <a:lstStyle/>
+          <a:p>
+            <a:r>
+              <a:rPr lang="en-US" altLang="zh-CN" dirty="0"/>
+              <a:t>Part 3: Relationship</a:t>
+            </a:r>
+            <a:endParaRPr lang="zh-CN" altLang="en-US" dirty="0"/>
+          </a:p>
+        </p:txBody>
+      </p:sp>
+    </p:spTree>
+    <p:extLst>
+      <p:ext uri="{BB962C8B-B14F-4D97-AF65-F5344CB8AC3E}">
+        <p14:creationId xmlns:p14="http://schemas.microsoft.com/office/powerpoint/2010/main" val="2168299143"/>
+      </p:ext>
+    </p:extLst>
+  </p:cSld>
+  <p:clrMapOvr>
+    <a:masterClrMapping/>
+  </p:clrMapOvr>
+</p:sld>
+</file>
+
+<file path=ppt/slides/slide22.xml><?xml version="1.0" encoding="utf-8"?>
+<p:sld xmlns:a="http://schemas.openxmlformats.org/drawingml/2006/main" xmlns:r="http://schemas.openxmlformats.org/officeDocument/2006/relationships" xmlns:p="http://schemas.openxmlformats.org/presentationml/2006/main">
+  <p:cSld>
+    <p:spTree>
+      <p:nvGrpSpPr>
+        <p:cNvPr id="1" name=""/>
+        <p:cNvGrpSpPr/>
+        <p:nvPr/>
+      </p:nvGrpSpPr>
+      <p:grpSpPr>
+        <a:xfrm>
+          <a:off x="0" y="0"/>
+          <a:ext cx="0" cy="0"/>
+          <a:chOff x="0" y="0"/>
+          <a:chExt cx="0" cy="0"/>
+        </a:xfrm>
+      </p:grpSpPr>
+      <p:sp>
+        <p:nvSpPr>
+          <p:cNvPr id="2" name="标题 1">
+            <a:extLst>
+              <a:ext uri="{FF2B5EF4-FFF2-40B4-BE49-F238E27FC236}">
                 <a16:creationId xmlns:a16="http://schemas.microsoft.com/office/drawing/2014/main" id="{B18E5749-3309-40D0-9D48-3E5BAA273743}"/>
               </a:ext>
             </a:extLst>
@@ -4677,7 +4410,7 @@
 </p:sld>
 </file>
 
-<file path=ppt/slides/slide22.xml><?xml version="1.0" encoding="utf-8"?>
+<file path=ppt/slides/slide23.xml><?xml version="1.0" encoding="utf-8"?>
 <p:sld xmlns:a="http://schemas.openxmlformats.org/drawingml/2006/main" xmlns:r="http://schemas.openxmlformats.org/officeDocument/2006/relationships" xmlns:p="http://schemas.openxmlformats.org/presentationml/2006/main">
   <p:cSld>
     <p:spTree>
@@ -4770,90 +4503,6 @@
 </p:sld>
 </file>
 
-<file path=ppt/slides/slide23.xml><?xml version="1.0" encoding="utf-8"?>
-<p:sld xmlns:a="http://schemas.openxmlformats.org/drawingml/2006/main" xmlns:r="http://schemas.openxmlformats.org/officeDocument/2006/relationships" xmlns:p="http://schemas.openxmlformats.org/presentationml/2006/main">
-  <p:cSld>
-    <p:spTree>
-      <p:nvGrpSpPr>
-        <p:cNvPr id="1" name=""/>
-        <p:cNvGrpSpPr/>
-        <p:nvPr/>
-      </p:nvGrpSpPr>
-      <p:grpSpPr>
-        <a:xfrm>
-          <a:off x="0" y="0"/>
-          <a:ext cx="0" cy="0"/>
-          <a:chOff x="0" y="0"/>
-          <a:chExt cx="0" cy="0"/>
-        </a:xfrm>
-      </p:grpSpPr>
-      <p:sp>
-        <p:nvSpPr>
-          <p:cNvPr id="2" name="标题 1">
-            <a:extLst>
-              <a:ext uri="{FF2B5EF4-FFF2-40B4-BE49-F238E27FC236}">
-                <a16:creationId xmlns:a16="http://schemas.microsoft.com/office/drawing/2014/main" id="{5B5BD595-6FDE-4046-9128-0F88029BEAB5}"/>
-              </a:ext>
-            </a:extLst>
-          </p:cNvPr>
-          <p:cNvSpPr>
-            <a:spLocks noGrp="1"/>
-          </p:cNvSpPr>
-          <p:nvPr>
-            <p:ph type="title"/>
-          </p:nvPr>
-        </p:nvSpPr>
-        <p:spPr/>
-        <p:txBody>
-          <a:bodyPr/>
-          <a:lstStyle/>
-          <a:p>
-            <a:r>
-              <a:rPr lang="en-US" altLang="zh-CN" dirty="0"/>
-              <a:t>2. Organization</a:t>
-            </a:r>
-            <a:endParaRPr lang="zh-CN" altLang="en-US" dirty="0"/>
-          </a:p>
-        </p:txBody>
-      </p:sp>
-      <p:sp>
-        <p:nvSpPr>
-          <p:cNvPr id="3" name="内容占位符 2">
-            <a:extLst>
-              <a:ext uri="{FF2B5EF4-FFF2-40B4-BE49-F238E27FC236}">
-                <a16:creationId xmlns:a16="http://schemas.microsoft.com/office/drawing/2014/main" id="{5E588D8C-DB9F-475A-AF72-093F98B6FD4E}"/>
-              </a:ext>
-            </a:extLst>
-          </p:cNvPr>
-          <p:cNvSpPr>
-            <a:spLocks noGrp="1"/>
-          </p:cNvSpPr>
-          <p:nvPr>
-            <p:ph idx="1"/>
-          </p:nvPr>
-        </p:nvSpPr>
-        <p:spPr/>
-        <p:txBody>
-          <a:bodyPr/>
-          <a:lstStyle/>
-          <a:p>
-            <a:endParaRPr lang="zh-CN" altLang="en-US"/>
-          </a:p>
-        </p:txBody>
-      </p:sp>
-    </p:spTree>
-    <p:extLst>
-      <p:ext uri="{BB962C8B-B14F-4D97-AF65-F5344CB8AC3E}">
-        <p14:creationId xmlns:p14="http://schemas.microsoft.com/office/powerpoint/2010/main" val="4192744937"/>
-      </p:ext>
-    </p:extLst>
-  </p:cSld>
-  <p:clrMapOvr>
-    <a:masterClrMapping/>
-  </p:clrMapOvr>
-</p:sld>
-</file>
-
 <file path=ppt/slides/slide24.xml><?xml version="1.0" encoding="utf-8"?>
 <p:sld xmlns:a="http://schemas.openxmlformats.org/drawingml/2006/main" xmlns:r="http://schemas.openxmlformats.org/officeDocument/2006/relationships" xmlns:p="http://schemas.openxmlformats.org/presentationml/2006/main">
   <p:cSld>
@@ -4894,6 +4543,90 @@
           <a:p>
             <a:r>
               <a:rPr lang="en-US" altLang="zh-CN" dirty="0"/>
+              <a:t>2. Organization</a:t>
+            </a:r>
+            <a:endParaRPr lang="zh-CN" altLang="en-US" dirty="0"/>
+          </a:p>
+        </p:txBody>
+      </p:sp>
+      <p:sp>
+        <p:nvSpPr>
+          <p:cNvPr id="3" name="内容占位符 2">
+            <a:extLst>
+              <a:ext uri="{FF2B5EF4-FFF2-40B4-BE49-F238E27FC236}">
+                <a16:creationId xmlns:a16="http://schemas.microsoft.com/office/drawing/2014/main" id="{5E588D8C-DB9F-475A-AF72-093F98B6FD4E}"/>
+              </a:ext>
+            </a:extLst>
+          </p:cNvPr>
+          <p:cNvSpPr>
+            <a:spLocks noGrp="1"/>
+          </p:cNvSpPr>
+          <p:nvPr>
+            <p:ph idx="1"/>
+          </p:nvPr>
+        </p:nvSpPr>
+        <p:spPr/>
+        <p:txBody>
+          <a:bodyPr/>
+          <a:lstStyle/>
+          <a:p>
+            <a:endParaRPr lang="zh-CN" altLang="en-US"/>
+          </a:p>
+        </p:txBody>
+      </p:sp>
+    </p:spTree>
+    <p:extLst>
+      <p:ext uri="{BB962C8B-B14F-4D97-AF65-F5344CB8AC3E}">
+        <p14:creationId xmlns:p14="http://schemas.microsoft.com/office/powerpoint/2010/main" val="4192744937"/>
+      </p:ext>
+    </p:extLst>
+  </p:cSld>
+  <p:clrMapOvr>
+    <a:masterClrMapping/>
+  </p:clrMapOvr>
+</p:sld>
+</file>
+
+<file path=ppt/slides/slide25.xml><?xml version="1.0" encoding="utf-8"?>
+<p:sld xmlns:a="http://schemas.openxmlformats.org/drawingml/2006/main" xmlns:r="http://schemas.openxmlformats.org/officeDocument/2006/relationships" xmlns:p="http://schemas.openxmlformats.org/presentationml/2006/main">
+  <p:cSld>
+    <p:spTree>
+      <p:nvGrpSpPr>
+        <p:cNvPr id="1" name=""/>
+        <p:cNvGrpSpPr/>
+        <p:nvPr/>
+      </p:nvGrpSpPr>
+      <p:grpSpPr>
+        <a:xfrm>
+          <a:off x="0" y="0"/>
+          <a:ext cx="0" cy="0"/>
+          <a:chOff x="0" y="0"/>
+          <a:chExt cx="0" cy="0"/>
+        </a:xfrm>
+      </p:grpSpPr>
+      <p:sp>
+        <p:nvSpPr>
+          <p:cNvPr id="2" name="标题 1">
+            <a:extLst>
+              <a:ext uri="{FF2B5EF4-FFF2-40B4-BE49-F238E27FC236}">
+                <a16:creationId xmlns:a16="http://schemas.microsoft.com/office/drawing/2014/main" id="{5B5BD595-6FDE-4046-9128-0F88029BEAB5}"/>
+              </a:ext>
+            </a:extLst>
+          </p:cNvPr>
+          <p:cNvSpPr>
+            <a:spLocks noGrp="1"/>
+          </p:cNvSpPr>
+          <p:nvPr>
+            <p:ph type="title"/>
+          </p:nvPr>
+        </p:nvSpPr>
+        <p:spPr/>
+        <p:txBody>
+          <a:bodyPr/>
+          <a:lstStyle/>
+          <a:p>
+            <a:r>
+              <a:rPr lang="en-US" altLang="zh-CN" dirty="0"/>
               <a:t>3. Cluster</a:t>
             </a:r>
             <a:endParaRPr lang="zh-CN" altLang="en-US" dirty="0"/>
@@ -4938,7 +4671,7 @@
 </p:sld>
 </file>
 
-<file path=ppt/slides/slide25.xml><?xml version="1.0" encoding="utf-8"?>
+<file path=ppt/slides/slide26.xml><?xml version="1.0" encoding="utf-8"?>
 <p:sld xmlns:a="http://schemas.openxmlformats.org/drawingml/2006/main" xmlns:r="http://schemas.openxmlformats.org/officeDocument/2006/relationships" xmlns:p="http://schemas.openxmlformats.org/presentationml/2006/main">
   <p:cSld>
     <p:spTree>
@@ -5003,72 +4736,6 @@
 </p:sld>
 </file>
 
-<file path=ppt/slides/slide26.xml><?xml version="1.0" encoding="utf-8"?>
-<p:sld xmlns:a="http://schemas.openxmlformats.org/drawingml/2006/main" xmlns:r="http://schemas.openxmlformats.org/officeDocument/2006/relationships" xmlns:p="http://schemas.openxmlformats.org/presentationml/2006/main">
-  <p:cSld>
-    <p:spTree>
-      <p:nvGrpSpPr>
-        <p:cNvPr id="1" name=""/>
-        <p:cNvGrpSpPr/>
-        <p:nvPr/>
-      </p:nvGrpSpPr>
-      <p:grpSpPr>
-        <a:xfrm>
-          <a:off x="0" y="0"/>
-          <a:ext cx="0" cy="0"/>
-          <a:chOff x="0" y="0"/>
-          <a:chExt cx="0" cy="0"/>
-        </a:xfrm>
-      </p:grpSpPr>
-      <p:sp>
-        <p:nvSpPr>
-          <p:cNvPr id="2" name="标题 1">
-            <a:extLst>
-              <a:ext uri="{FF2B5EF4-FFF2-40B4-BE49-F238E27FC236}">
-                <a16:creationId xmlns:a16="http://schemas.microsoft.com/office/drawing/2014/main" id="{696A5807-AB6E-4F45-99F4-9C05A7BD8CDB}"/>
-              </a:ext>
-            </a:extLst>
-          </p:cNvPr>
-          <p:cNvSpPr>
-            <a:spLocks noGrp="1"/>
-          </p:cNvSpPr>
-          <p:nvPr>
-            <p:ph type="ctrTitle"/>
-          </p:nvPr>
-        </p:nvSpPr>
-        <p:spPr>
-          <a:xfrm>
-            <a:off x="600173" y="2910526"/>
-            <a:ext cx="10991654" cy="1036948"/>
-          </a:xfrm>
-        </p:spPr>
-        <p:txBody>
-          <a:bodyPr>
-            <a:normAutofit/>
-          </a:bodyPr>
-          <a:lstStyle/>
-          <a:p>
-            <a:r>
-              <a:rPr lang="en-US" altLang="zh-CN" dirty="0"/>
-              <a:t>Part 4: Conclusion</a:t>
-            </a:r>
-            <a:endParaRPr lang="zh-CN" altLang="en-US" dirty="0"/>
-          </a:p>
-        </p:txBody>
-      </p:sp>
-    </p:spTree>
-    <p:extLst>
-      <p:ext uri="{BB962C8B-B14F-4D97-AF65-F5344CB8AC3E}">
-        <p14:creationId xmlns:p14="http://schemas.microsoft.com/office/powerpoint/2010/main" val="663967091"/>
-      </p:ext>
-    </p:extLst>
-  </p:cSld>
-  <p:clrMapOvr>
-    <a:masterClrMapping/>
-  </p:clrMapOvr>
-</p:sld>
-</file>
-
 <file path=ppt/slides/slide27.xml><?xml version="1.0" encoding="utf-8"?>
 <p:sld xmlns:a="http://schemas.openxmlformats.org/drawingml/2006/main" xmlns:r="http://schemas.openxmlformats.org/officeDocument/2006/relationships" xmlns:p="http://schemas.openxmlformats.org/presentationml/2006/main">
   <p:cSld>
@@ -5091,6 +4758,72 @@
           <p:cNvPr id="2" name="标题 1">
             <a:extLst>
               <a:ext uri="{FF2B5EF4-FFF2-40B4-BE49-F238E27FC236}">
+                <a16:creationId xmlns:a16="http://schemas.microsoft.com/office/drawing/2014/main" id="{696A5807-AB6E-4F45-99F4-9C05A7BD8CDB}"/>
+              </a:ext>
+            </a:extLst>
+          </p:cNvPr>
+          <p:cNvSpPr>
+            <a:spLocks noGrp="1"/>
+          </p:cNvSpPr>
+          <p:nvPr>
+            <p:ph type="ctrTitle"/>
+          </p:nvPr>
+        </p:nvSpPr>
+        <p:spPr>
+          <a:xfrm>
+            <a:off x="600173" y="2910526"/>
+            <a:ext cx="10991654" cy="1036948"/>
+          </a:xfrm>
+        </p:spPr>
+        <p:txBody>
+          <a:bodyPr>
+            <a:normAutofit/>
+          </a:bodyPr>
+          <a:lstStyle/>
+          <a:p>
+            <a:r>
+              <a:rPr lang="en-US" altLang="zh-CN" dirty="0"/>
+              <a:t>Part 4: Conclusion</a:t>
+            </a:r>
+            <a:endParaRPr lang="zh-CN" altLang="en-US" dirty="0"/>
+          </a:p>
+        </p:txBody>
+      </p:sp>
+    </p:spTree>
+    <p:extLst>
+      <p:ext uri="{BB962C8B-B14F-4D97-AF65-F5344CB8AC3E}">
+        <p14:creationId xmlns:p14="http://schemas.microsoft.com/office/powerpoint/2010/main" val="663967091"/>
+      </p:ext>
+    </p:extLst>
+  </p:cSld>
+  <p:clrMapOvr>
+    <a:masterClrMapping/>
+  </p:clrMapOvr>
+</p:sld>
+</file>
+
+<file path=ppt/slides/slide28.xml><?xml version="1.0" encoding="utf-8"?>
+<p:sld xmlns:a="http://schemas.openxmlformats.org/drawingml/2006/main" xmlns:r="http://schemas.openxmlformats.org/officeDocument/2006/relationships" xmlns:p="http://schemas.openxmlformats.org/presentationml/2006/main">
+  <p:cSld>
+    <p:spTree>
+      <p:nvGrpSpPr>
+        <p:cNvPr id="1" name=""/>
+        <p:cNvGrpSpPr/>
+        <p:nvPr/>
+      </p:nvGrpSpPr>
+      <p:grpSpPr>
+        <a:xfrm>
+          <a:off x="0" y="0"/>
+          <a:ext cx="0" cy="0"/>
+          <a:chOff x="0" y="0"/>
+          <a:chExt cx="0" cy="0"/>
+        </a:xfrm>
+      </p:grpSpPr>
+      <p:sp>
+        <p:nvSpPr>
+          <p:cNvPr id="2" name="标题 1">
+            <a:extLst>
+              <a:ext uri="{FF2B5EF4-FFF2-40B4-BE49-F238E27FC236}">
                 <a16:creationId xmlns:a16="http://schemas.microsoft.com/office/drawing/2014/main" id="{CA7A440B-0107-47E9-B9B0-FBE8FC629893}"/>
               </a:ext>
             </a:extLst>
@@ -5140,6 +4873,72 @@
     <p:extLst>
       <p:ext uri="{BB962C8B-B14F-4D97-AF65-F5344CB8AC3E}">
         <p14:creationId xmlns:p14="http://schemas.microsoft.com/office/powerpoint/2010/main" val="1647399641"/>
+      </p:ext>
+    </p:extLst>
+  </p:cSld>
+  <p:clrMapOvr>
+    <a:masterClrMapping/>
+  </p:clrMapOvr>
+</p:sld>
+</file>
+
+<file path=ppt/slides/slide29.xml><?xml version="1.0" encoding="utf-8"?>
+<p:sld xmlns:a="http://schemas.openxmlformats.org/drawingml/2006/main" xmlns:r="http://schemas.openxmlformats.org/officeDocument/2006/relationships" xmlns:p="http://schemas.openxmlformats.org/presentationml/2006/main">
+  <p:cSld>
+    <p:spTree>
+      <p:nvGrpSpPr>
+        <p:cNvPr id="1" name=""/>
+        <p:cNvGrpSpPr/>
+        <p:nvPr/>
+      </p:nvGrpSpPr>
+      <p:grpSpPr>
+        <a:xfrm>
+          <a:off x="0" y="0"/>
+          <a:ext cx="0" cy="0"/>
+          <a:chOff x="0" y="0"/>
+          <a:chExt cx="0" cy="0"/>
+        </a:xfrm>
+      </p:grpSpPr>
+      <p:sp>
+        <p:nvSpPr>
+          <p:cNvPr id="2" name="标题 1">
+            <a:extLst>
+              <a:ext uri="{FF2B5EF4-FFF2-40B4-BE49-F238E27FC236}">
+                <a16:creationId xmlns:a16="http://schemas.microsoft.com/office/drawing/2014/main" id="{696A5807-AB6E-4F45-99F4-9C05A7BD8CDB}"/>
+              </a:ext>
+            </a:extLst>
+          </p:cNvPr>
+          <p:cNvSpPr>
+            <a:spLocks noGrp="1"/>
+          </p:cNvSpPr>
+          <p:nvPr>
+            <p:ph type="ctrTitle"/>
+          </p:nvPr>
+        </p:nvSpPr>
+        <p:spPr>
+          <a:xfrm>
+            <a:off x="600173" y="2910526"/>
+            <a:ext cx="10991654" cy="1036948"/>
+          </a:xfrm>
+        </p:spPr>
+        <p:txBody>
+          <a:bodyPr>
+            <a:normAutofit/>
+          </a:bodyPr>
+          <a:lstStyle/>
+          <a:p>
+            <a:r>
+              <a:rPr lang="en-US" altLang="zh-CN" dirty="0"/>
+              <a:t>Thank you</a:t>
+            </a:r>
+            <a:endParaRPr lang="zh-CN" altLang="en-US" dirty="0"/>
+          </a:p>
+        </p:txBody>
+      </p:sp>
+    </p:spTree>
+    <p:extLst>
+      <p:ext uri="{BB962C8B-B14F-4D97-AF65-F5344CB8AC3E}">
+        <p14:creationId xmlns:p14="http://schemas.microsoft.com/office/powerpoint/2010/main" val="3895718049"/>
       </p:ext>
     </p:extLst>
   </p:cSld>
@@ -5285,13 +5084,12 @@
               </a:ext>
             </a:extLst>
           </a:blip>
-          <a:srcRect/>
           <a:stretch/>
         </p:blipFill>
         <p:spPr>
           <a:xfrm>
-            <a:off x="838200" y="1348083"/>
-            <a:ext cx="10515600" cy="5382654"/>
+            <a:off x="1062082" y="1329178"/>
+            <a:ext cx="10385985" cy="5316309"/>
           </a:xfrm>
         </p:spPr>
       </p:pic>
@@ -5355,7 +5153,7 @@
           <a:p>
             <a:r>
               <a:rPr lang="en-US" altLang="zh-CN" dirty="0"/>
-              <a:t>Part 2: Component</a:t>
+              <a:t>Part 2: Roles</a:t>
             </a:r>
             <a:endParaRPr lang="zh-CN" altLang="en-US" dirty="0"/>
           </a:p>
@@ -5552,32 +5350,22 @@
           <a:p>
             <a:r>
               <a:rPr lang="en-US" altLang="zh-CN" dirty="0"/>
-              <a:t>Roles</a:t>
-            </a:r>
-          </a:p>
-          <a:p>
-            <a:pPr lvl="1"/>
-            <a:r>
-              <a:rPr lang="en-US" altLang="zh-CN" dirty="0"/>
               <a:t>Committer</a:t>
             </a:r>
           </a:p>
           <a:p>
-            <a:pPr lvl="1"/>
             <a:r>
               <a:rPr lang="en-US" altLang="zh-CN" dirty="0"/>
               <a:t>Endorser</a:t>
             </a:r>
           </a:p>
           <a:p>
-            <a:pPr lvl="1"/>
             <a:r>
               <a:rPr lang="en-US" altLang="zh-CN" dirty="0"/>
               <a:t>Anchor</a:t>
             </a:r>
           </a:p>
           <a:p>
-            <a:pPr lvl="1"/>
             <a:r>
               <a:rPr lang="en-US" altLang="zh-CN" dirty="0"/>
               <a:t>Leader</a:t>
@@ -5669,90 +5457,40 @@
           <a:p>
             <a:r>
               <a:rPr lang="en-US" altLang="zh-CN" dirty="0"/>
-              <a:t>Roles</a:t>
-            </a:r>
-          </a:p>
-          <a:p>
-            <a:pPr lvl="1"/>
-            <a:r>
-              <a:rPr lang="en-US" altLang="zh-CN" dirty="0"/>
-              <a:t>Endorser Proxy:</a:t>
-            </a:r>
-          </a:p>
-          <a:p>
-            <a:pPr marL="457200" lvl="1" indent="0">
-              <a:buNone/>
-            </a:pPr>
+              <a:t>Committer</a:t>
+            </a:r>
+          </a:p>
+          <a:p>
+            <a:r>
+              <a:rPr lang="en-US" altLang="zh-CN" dirty="0"/>
+              <a:t>Endorser</a:t>
+            </a:r>
+          </a:p>
+          <a:p>
+            <a:r>
+              <a:rPr lang="en-US" altLang="zh-CN" dirty="0"/>
+              <a:t>Anchor</a:t>
+            </a:r>
+          </a:p>
+          <a:p>
+            <a:r>
+              <a:rPr lang="en-US" altLang="zh-CN" dirty="0"/>
+              <a:t>Leader</a:t>
+            </a:r>
+          </a:p>
+          <a:p>
+            <a:r>
+              <a:rPr lang="zh-CN" altLang="en-US" dirty="0"/>
+              <a:t>上面四者的对比表</a:t>
+            </a:r>
             <a:endParaRPr lang="en-US" altLang="zh-CN" dirty="0"/>
-          </a:p>
-          <a:p>
-            <a:pPr marL="457200" lvl="1" indent="0">
-              <a:buNone/>
-            </a:pPr>
-            <a:endParaRPr lang="en-US" altLang="zh-CN" dirty="0"/>
-          </a:p>
-          <a:p>
-            <a:pPr marL="457200" lvl="1" indent="0">
-              <a:buNone/>
-            </a:pPr>
-            <a:r>
-              <a:rPr lang="en-US" altLang="zh-CN" i="1" dirty="0"/>
-              <a:t>P = {AND(P1, P2), OR(P1, P2), </a:t>
-            </a:r>
-            <a:r>
-              <a:rPr lang="en-US" altLang="zh-CN" i="1" dirty="0" err="1"/>
-              <a:t>OutOf</a:t>
-            </a:r>
-            <a:r>
-              <a:rPr lang="en-US" altLang="zh-CN" i="1" dirty="0"/>
-              <a:t>(m, P1, P2, ..., </a:t>
-            </a:r>
-            <a:r>
-              <a:rPr lang="en-US" altLang="zh-CN" i="1" dirty="0" err="1"/>
-              <a:t>Pn</a:t>
-            </a:r>
-            <a:r>
-              <a:rPr lang="en-US" altLang="zh-CN" i="1" dirty="0"/>
-              <a:t>),</a:t>
-            </a:r>
-            <a:r>
-              <a:rPr lang="zh-CN" altLang="en-US" i="1" dirty="0"/>
-              <a:t> </a:t>
-            </a:r>
-            <a:r>
-              <a:rPr lang="en-US" altLang="zh-CN" i="1" dirty="0"/>
-              <a:t>m &lt;= n}</a:t>
-            </a:r>
-          </a:p>
-          <a:p>
-            <a:pPr marL="457200" lvl="1" indent="0">
-              <a:buNone/>
-            </a:pPr>
-            <a:endParaRPr lang="en-US" altLang="zh-CN" i="1" dirty="0"/>
-          </a:p>
-          <a:p>
-            <a:pPr marL="457200" lvl="1" indent="0">
-              <a:buNone/>
-            </a:pPr>
-            <a:r>
-              <a:rPr lang="en-US" altLang="zh-CN" dirty="0"/>
-              <a:t>【</a:t>
-            </a:r>
-            <a:r>
-              <a:rPr lang="zh-CN" altLang="en-US" dirty="0"/>
-              <a:t>策略实例</a:t>
-            </a:r>
-            <a:r>
-              <a:rPr lang="en-US" altLang="zh-CN" dirty="0"/>
-              <a:t>】</a:t>
-            </a:r>
           </a:p>
         </p:txBody>
       </p:sp>
     </p:spTree>
     <p:extLst>
       <p:ext uri="{BB962C8B-B14F-4D97-AF65-F5344CB8AC3E}">
-        <p14:creationId xmlns:p14="http://schemas.microsoft.com/office/powerpoint/2010/main" val="1267457324"/>
+        <p14:creationId xmlns:p14="http://schemas.microsoft.com/office/powerpoint/2010/main" val="3207605567"/>
       </p:ext>
     </p:extLst>
   </p:cSld>
@@ -5833,7 +5571,75 @@
           <a:p>
             <a:r>
               <a:rPr lang="en-US" altLang="zh-CN" dirty="0"/>
-              <a:t>Chain Code</a:t>
+              <a:t>Endorser Proxy:</a:t>
+            </a:r>
+          </a:p>
+          <a:p>
+            <a:pPr marL="457200" lvl="1" indent="0">
+              <a:buNone/>
+            </a:pPr>
+            <a:endParaRPr lang="en-US" altLang="zh-CN" dirty="0"/>
+          </a:p>
+          <a:p>
+            <a:pPr marL="457200" lvl="1" indent="0">
+              <a:buNone/>
+            </a:pPr>
+            <a:endParaRPr lang="en-US" altLang="zh-CN" dirty="0"/>
+          </a:p>
+          <a:p>
+            <a:pPr marL="457200" lvl="1" indent="0">
+              <a:buNone/>
+            </a:pPr>
+            <a:r>
+              <a:rPr lang="en-US" altLang="zh-CN" i="1" dirty="0"/>
+              <a:t>P = {AND(P1, P2), OR(P1, P2), </a:t>
+            </a:r>
+            <a:r>
+              <a:rPr lang="en-US" altLang="zh-CN" i="1" dirty="0" err="1"/>
+              <a:t>OutOf</a:t>
+            </a:r>
+            <a:r>
+              <a:rPr lang="en-US" altLang="zh-CN" i="1" dirty="0"/>
+              <a:t>(m, P1, P2, ..., </a:t>
+            </a:r>
+            <a:r>
+              <a:rPr lang="en-US" altLang="zh-CN" i="1" dirty="0" err="1"/>
+              <a:t>Pn</a:t>
+            </a:r>
+            <a:r>
+              <a:rPr lang="en-US" altLang="zh-CN" i="1" dirty="0"/>
+              <a:t>),</a:t>
+            </a:r>
+            <a:r>
+              <a:rPr lang="zh-CN" altLang="en-US" i="1" dirty="0"/>
+              <a:t> </a:t>
+            </a:r>
+            <a:r>
+              <a:rPr lang="en-US" altLang="zh-CN" i="1" dirty="0"/>
+              <a:t>m &lt;= n}</a:t>
+            </a:r>
+          </a:p>
+          <a:p>
+            <a:pPr marL="457200" lvl="1" indent="0">
+              <a:buNone/>
+            </a:pPr>
+            <a:endParaRPr lang="en-US" altLang="zh-CN" i="1" dirty="0"/>
+          </a:p>
+          <a:p>
+            <a:pPr marL="457200" lvl="1" indent="0">
+              <a:buNone/>
+            </a:pPr>
+            <a:r>
+              <a:rPr lang="en-US" altLang="zh-CN" dirty="0"/>
+              <a:t>【</a:t>
+            </a:r>
+            <a:r>
+              <a:rPr lang="zh-CN" altLang="en-US" dirty="0"/>
+              <a:t>策略实例</a:t>
+            </a:r>
+            <a:r>
+              <a:rPr lang="en-US" altLang="zh-CN" dirty="0"/>
+              <a:t>】</a:t>
             </a:r>
           </a:p>
         </p:txBody>
@@ -5841,7 +5647,7 @@
     </p:spTree>
     <p:extLst>
       <p:ext uri="{BB962C8B-B14F-4D97-AF65-F5344CB8AC3E}">
-        <p14:creationId xmlns:p14="http://schemas.microsoft.com/office/powerpoint/2010/main" val="3571862158"/>
+        <p14:creationId xmlns:p14="http://schemas.microsoft.com/office/powerpoint/2010/main" val="1267457324"/>
       </p:ext>
     </p:extLst>
   </p:cSld>
@@ -5852,9 +5658,9 @@
 </file>
 
 <file path=ppt/theme/theme1.xml><?xml version="1.0" encoding="utf-8"?>
-<a:theme xmlns:a="http://schemas.openxmlformats.org/drawingml/2006/main" name="Office 主题​​">
+<a:theme xmlns:a="http://schemas.openxmlformats.org/drawingml/2006/main" name="Office Theme">
   <a:themeElements>
-    <a:clrScheme name="Office">
+    <a:clrScheme name="Office 主题​​">
       <a:dk1>
         <a:sysClr val="windowText" lastClr="000000"/>
       </a:dk1>
@@ -5868,22 +5674,22 @@
         <a:srgbClr val="E7E6E6"/>
       </a:lt2>
       <a:accent1>
-        <a:srgbClr val="4472C4"/>
+        <a:srgbClr val="1D9A78"/>
       </a:accent1>
       <a:accent2>
-        <a:srgbClr val="ED7D31"/>
+        <a:srgbClr val="8BC145"/>
       </a:accent2>
       <a:accent3>
-        <a:srgbClr val="A5A5A5"/>
+        <a:srgbClr val="36AFCE"/>
       </a:accent3>
       <a:accent4>
-        <a:srgbClr val="FFC000"/>
+        <a:srgbClr val="1D6FA9"/>
       </a:accent4>
       <a:accent5>
-        <a:srgbClr val="5B9BD5"/>
+        <a:srgbClr val="B74919"/>
       </a:accent5>
       <a:accent6>
-        <a:srgbClr val="70AD47"/>
+        <a:srgbClr val="F19D19"/>
       </a:accent6>
       <a:hlink>
         <a:srgbClr val="0563C1"/>
@@ -5892,9 +5698,9 @@
         <a:srgbClr val="954F72"/>
       </a:folHlink>
     </a:clrScheme>
-    <a:fontScheme name="Office">
+    <a:fontScheme name="Office 主题​​">
       <a:majorFont>
-        <a:latin typeface="等线 Light" panose="020F0302020204030204"/>
+        <a:latin typeface="Calibri Light" panose="020F0302020204030204"/>
         <a:ea typeface=""/>
         <a:cs typeface=""/>
         <a:font script="Jpan" typeface="游ゴシック Light"/>
@@ -5927,26 +5733,9 @@
         <a:font script="Viet" typeface="Times New Roman"/>
         <a:font script="Uigh" typeface="Microsoft Uighur"/>
         <a:font script="Geor" typeface="Sylfaen"/>
-        <a:font script="Armn" typeface="Arial"/>
-        <a:font script="Bugi" typeface="Leelawadee UI"/>
-        <a:font script="Bopo" typeface="Microsoft JhengHei"/>
-        <a:font script="Java" typeface="Javanese Text"/>
-        <a:font script="Lisu" typeface="Segoe UI"/>
-        <a:font script="Mymr" typeface="Myanmar Text"/>
-        <a:font script="Nkoo" typeface="Ebrima"/>
-        <a:font script="Olck" typeface="Nirmala UI"/>
-        <a:font script="Osma" typeface="Ebrima"/>
-        <a:font script="Phag" typeface="Phagspa"/>
-        <a:font script="Syrn" typeface="Estrangelo Edessa"/>
-        <a:font script="Syrj" typeface="Estrangelo Edessa"/>
-        <a:font script="Syre" typeface="Estrangelo Edessa"/>
-        <a:font script="Sora" typeface="Nirmala UI"/>
-        <a:font script="Tale" typeface="Microsoft Tai Le"/>
-        <a:font script="Talu" typeface="Microsoft New Tai Lue"/>
-        <a:font script="Tfng" typeface="Ebrima"/>
       </a:majorFont>
       <a:minorFont>
-        <a:latin typeface="等线" panose="020F0502020204030204"/>
+        <a:latin typeface="Calibri" panose="020F0502020204030204"/>
         <a:ea typeface=""/>
         <a:cs typeface=""/>
         <a:font script="Jpan" typeface="游ゴシック"/>
@@ -5979,26 +5768,9 @@
         <a:font script="Viet" typeface="Arial"/>
         <a:font script="Uigh" typeface="Microsoft Uighur"/>
         <a:font script="Geor" typeface="Sylfaen"/>
-        <a:font script="Armn" typeface="Arial"/>
-        <a:font script="Bugi" typeface="Leelawadee UI"/>
-        <a:font script="Bopo" typeface="Microsoft JhengHei"/>
-        <a:font script="Java" typeface="Javanese Text"/>
-        <a:font script="Lisu" typeface="Segoe UI"/>
-        <a:font script="Mymr" typeface="Myanmar Text"/>
-        <a:font script="Nkoo" typeface="Ebrima"/>
-        <a:font script="Olck" typeface="Nirmala UI"/>
-        <a:font script="Osma" typeface="Ebrima"/>
-        <a:font script="Phag" typeface="Phagspa"/>
-        <a:font script="Syrn" typeface="Estrangelo Edessa"/>
-        <a:font script="Syrj" typeface="Estrangelo Edessa"/>
-        <a:font script="Syre" typeface="Estrangelo Edessa"/>
-        <a:font script="Sora" typeface="Nirmala UI"/>
-        <a:font script="Tale" typeface="Microsoft Tai Le"/>
-        <a:font script="Talu" typeface="Microsoft New Tai Lue"/>
-        <a:font script="Tfng" typeface="Ebrima"/>
       </a:minorFont>
     </a:fontScheme>
-    <a:fmtScheme name="Office">
+    <a:fmtScheme name="Office 主题​​">
       <a:fillStyleLst>
         <a:solidFill>
           <a:schemeClr val="phClr"/>
@@ -6140,7 +5912,7 @@
   <a:extraClrSchemeLst/>
   <a:extLst>
     <a:ext uri="{05A4C25C-085E-4340-85A3-A5531E510DB2}">
-      <thm15:themeFamily xmlns:thm15="http://schemas.microsoft.com/office/thememl/2012/main" name="Office Theme" id="{62F939B6-93AF-4DB8-9C6B-D6C7DFDC589F}" vid="{4A3C46E8-61CC-4603-A589-7422A47A8E4A}"/>
+      <thm15:themeFamily xmlns:thm15="http://schemas.microsoft.com/office/thememl/2012/main" name="Office Theme" id="{62F939B6-93AF-4DB8-9C6B-D6C7DFDC589F}" vid="{AE6F2518-B084-4896-AF52-66CC2144AA26}"/>
     </a:ext>
   </a:extLst>
 </a:theme>

--- a/fabric notes/【2020.12.26】Fabric Network Runtime Architecture.pptx
+++ b/fabric notes/【2020.12.26】Fabric Network Runtime Architecture.pptx
@@ -7,12 +7,12 @@
   <p:sldIdLst>
     <p:sldId id="256" r:id="rId2"/>
     <p:sldId id="257" r:id="rId3"/>
-    <p:sldId id="261" r:id="rId4"/>
-    <p:sldId id="258" r:id="rId5"/>
-    <p:sldId id="262" r:id="rId6"/>
-    <p:sldId id="259" r:id="rId7"/>
-    <p:sldId id="264" r:id="rId8"/>
-    <p:sldId id="285" r:id="rId9"/>
+    <p:sldId id="287" r:id="rId4"/>
+    <p:sldId id="261" r:id="rId5"/>
+    <p:sldId id="258" r:id="rId6"/>
+    <p:sldId id="262" r:id="rId7"/>
+    <p:sldId id="259" r:id="rId8"/>
+    <p:sldId id="264" r:id="rId9"/>
     <p:sldId id="279" r:id="rId10"/>
     <p:sldId id="274" r:id="rId11"/>
     <p:sldId id="275" r:id="rId12"/>
@@ -271,7 +271,7 @@
           <a:p>
             <a:fld id="{D1FC40BD-DF71-48B5-9F6E-F69B92E103E9}" type="datetimeFigureOut">
               <a:rPr lang="zh-CN" altLang="en-US" smtClean="0"/>
-              <a:t>2020/12/27</a:t>
+              <a:t>2021/1/25</a:t>
             </a:fld>
             <a:endParaRPr lang="zh-CN" altLang="en-US"/>
           </a:p>
@@ -441,7 +441,7 @@
           <a:p>
             <a:fld id="{D1FC40BD-DF71-48B5-9F6E-F69B92E103E9}" type="datetimeFigureOut">
               <a:rPr lang="zh-CN" altLang="en-US" smtClean="0"/>
-              <a:t>2020/12/27</a:t>
+              <a:t>2021/1/25</a:t>
             </a:fld>
             <a:endParaRPr lang="zh-CN" altLang="en-US"/>
           </a:p>
@@ -621,7 +621,7 @@
           <a:p>
             <a:fld id="{D1FC40BD-DF71-48B5-9F6E-F69B92E103E9}" type="datetimeFigureOut">
               <a:rPr lang="zh-CN" altLang="en-US" smtClean="0"/>
-              <a:t>2020/12/27</a:t>
+              <a:t>2021/1/25</a:t>
             </a:fld>
             <a:endParaRPr lang="zh-CN" altLang="en-US"/>
           </a:p>
@@ -791,7 +791,7 @@
           <a:p>
             <a:fld id="{D1FC40BD-DF71-48B5-9F6E-F69B92E103E9}" type="datetimeFigureOut">
               <a:rPr lang="zh-CN" altLang="en-US" smtClean="0"/>
-              <a:t>2020/12/27</a:t>
+              <a:t>2021/1/25</a:t>
             </a:fld>
             <a:endParaRPr lang="zh-CN" altLang="en-US"/>
           </a:p>
@@ -1037,7 +1037,7 @@
           <a:p>
             <a:fld id="{D1FC40BD-DF71-48B5-9F6E-F69B92E103E9}" type="datetimeFigureOut">
               <a:rPr lang="zh-CN" altLang="en-US" smtClean="0"/>
-              <a:t>2020/12/27</a:t>
+              <a:t>2021/1/25</a:t>
             </a:fld>
             <a:endParaRPr lang="zh-CN" altLang="en-US"/>
           </a:p>
@@ -1269,7 +1269,7 @@
           <a:p>
             <a:fld id="{D1FC40BD-DF71-48B5-9F6E-F69B92E103E9}" type="datetimeFigureOut">
               <a:rPr lang="zh-CN" altLang="en-US" smtClean="0"/>
-              <a:t>2020/12/27</a:t>
+              <a:t>2021/1/25</a:t>
             </a:fld>
             <a:endParaRPr lang="zh-CN" altLang="en-US"/>
           </a:p>
@@ -1636,7 +1636,7 @@
           <a:p>
             <a:fld id="{D1FC40BD-DF71-48B5-9F6E-F69B92E103E9}" type="datetimeFigureOut">
               <a:rPr lang="zh-CN" altLang="en-US" smtClean="0"/>
-              <a:t>2020/12/27</a:t>
+              <a:t>2021/1/25</a:t>
             </a:fld>
             <a:endParaRPr lang="zh-CN" altLang="en-US"/>
           </a:p>
@@ -1754,7 +1754,7 @@
           <a:p>
             <a:fld id="{D1FC40BD-DF71-48B5-9F6E-F69B92E103E9}" type="datetimeFigureOut">
               <a:rPr lang="zh-CN" altLang="en-US" smtClean="0"/>
-              <a:t>2020/12/27</a:t>
+              <a:t>2021/1/25</a:t>
             </a:fld>
             <a:endParaRPr lang="zh-CN" altLang="en-US"/>
           </a:p>
@@ -1849,7 +1849,7 @@
           <a:p>
             <a:fld id="{D1FC40BD-DF71-48B5-9F6E-F69B92E103E9}" type="datetimeFigureOut">
               <a:rPr lang="zh-CN" altLang="en-US" smtClean="0"/>
-              <a:t>2020/12/27</a:t>
+              <a:t>2021/1/25</a:t>
             </a:fld>
             <a:endParaRPr lang="zh-CN" altLang="en-US"/>
           </a:p>
@@ -2126,7 +2126,7 @@
           <a:p>
             <a:fld id="{D1FC40BD-DF71-48B5-9F6E-F69B92E103E9}" type="datetimeFigureOut">
               <a:rPr lang="zh-CN" altLang="en-US" smtClean="0"/>
-              <a:t>2020/12/27</a:t>
+              <a:t>2021/1/25</a:t>
             </a:fld>
             <a:endParaRPr lang="zh-CN" altLang="en-US"/>
           </a:p>
@@ -2383,7 +2383,7 @@
           <a:p>
             <a:fld id="{D1FC40BD-DF71-48B5-9F6E-F69B92E103E9}" type="datetimeFigureOut">
               <a:rPr lang="zh-CN" altLang="en-US" smtClean="0"/>
-              <a:t>2020/12/27</a:t>
+              <a:t>2021/1/25</a:t>
             </a:fld>
             <a:endParaRPr lang="zh-CN" altLang="en-US"/>
           </a:p>
@@ -2596,7 +2596,7 @@
           <a:p>
             <a:fld id="{D1FC40BD-DF71-48B5-9F6E-F69B92E103E9}" type="datetimeFigureOut">
               <a:rPr lang="zh-CN" altLang="en-US" smtClean="0"/>
-              <a:t>2020/12/27</a:t>
+              <a:t>2021/1/25</a:t>
             </a:fld>
             <a:endParaRPr lang="zh-CN" altLang="en-US"/>
           </a:p>
@@ -4970,6 +4970,127 @@
           <p:cNvPr id="2" name="标题 1">
             <a:extLst>
               <a:ext uri="{FF2B5EF4-FFF2-40B4-BE49-F238E27FC236}">
+                <a16:creationId xmlns:a16="http://schemas.microsoft.com/office/drawing/2014/main" id="{15944CD4-1B6A-433B-B6E6-D095AF38BEF0}"/>
+              </a:ext>
+            </a:extLst>
+          </p:cNvPr>
+          <p:cNvSpPr>
+            <a:spLocks noGrp="1"/>
+          </p:cNvSpPr>
+          <p:nvPr>
+            <p:ph type="title"/>
+          </p:nvPr>
+        </p:nvSpPr>
+        <p:spPr/>
+        <p:txBody>
+          <a:bodyPr/>
+          <a:lstStyle/>
+          <a:p>
+            <a:r>
+              <a:rPr lang="en-US" altLang="zh-CN" dirty="0"/>
+              <a:t>Learning Advices</a:t>
+            </a:r>
+            <a:endParaRPr lang="zh-CN" altLang="en-US" dirty="0"/>
+          </a:p>
+        </p:txBody>
+      </p:sp>
+      <p:sp>
+        <p:nvSpPr>
+          <p:cNvPr id="3" name="内容占位符 2">
+            <a:extLst>
+              <a:ext uri="{FF2B5EF4-FFF2-40B4-BE49-F238E27FC236}">
+                <a16:creationId xmlns:a16="http://schemas.microsoft.com/office/drawing/2014/main" id="{3DBF0078-5C63-4251-B3FA-67849BB3E746}"/>
+              </a:ext>
+            </a:extLst>
+          </p:cNvPr>
+          <p:cNvSpPr>
+            <a:spLocks noGrp="1"/>
+          </p:cNvSpPr>
+          <p:nvPr>
+            <p:ph idx="1"/>
+          </p:nvPr>
+        </p:nvSpPr>
+        <p:spPr/>
+        <p:txBody>
+          <a:bodyPr/>
+          <a:lstStyle/>
+          <a:p>
+            <a:r>
+              <a:rPr lang="zh-CN" altLang="en-US" dirty="0"/>
+              <a:t>内容冗杂</a:t>
+            </a:r>
+            <a:endParaRPr lang="en-US" altLang="zh-CN" dirty="0"/>
+          </a:p>
+          <a:p>
+            <a:r>
+              <a:rPr lang="zh-CN" altLang="en-US" dirty="0"/>
+              <a:t>难度颇高</a:t>
+            </a:r>
+            <a:endParaRPr lang="en-US" altLang="zh-CN" dirty="0"/>
+          </a:p>
+          <a:p>
+            <a:endParaRPr lang="en-US" altLang="zh-CN" dirty="0"/>
+          </a:p>
+          <a:p>
+            <a:endParaRPr lang="en-US" altLang="zh-CN" dirty="0"/>
+          </a:p>
+          <a:p>
+            <a:r>
+              <a:rPr lang="zh-CN" altLang="en-US"/>
+              <a:t>思路清晰（图）</a:t>
+            </a:r>
+            <a:endParaRPr lang="en-US" altLang="zh-CN" dirty="0"/>
+          </a:p>
+          <a:p>
+            <a:r>
+              <a:rPr lang="zh-CN" altLang="en-US" dirty="0"/>
+              <a:t>懂得取舍</a:t>
+            </a:r>
+            <a:endParaRPr lang="en-US" altLang="zh-CN" dirty="0"/>
+          </a:p>
+          <a:p>
+            <a:r>
+              <a:rPr lang="zh-CN" altLang="en-US" dirty="0"/>
+              <a:t>优先实践</a:t>
+            </a:r>
+          </a:p>
+        </p:txBody>
+      </p:sp>
+    </p:spTree>
+    <p:extLst>
+      <p:ext uri="{BB962C8B-B14F-4D97-AF65-F5344CB8AC3E}">
+        <p14:creationId xmlns:p14="http://schemas.microsoft.com/office/powerpoint/2010/main" val="329322590"/>
+      </p:ext>
+    </p:extLst>
+  </p:cSld>
+  <p:clrMapOvr>
+    <a:masterClrMapping/>
+  </p:clrMapOvr>
+</p:sld>
+</file>
+
+<file path=ppt/slides/slide4.xml><?xml version="1.0" encoding="utf-8"?>
+<p:sld xmlns:a="http://schemas.openxmlformats.org/drawingml/2006/main" xmlns:r="http://schemas.openxmlformats.org/officeDocument/2006/relationships" xmlns:p="http://schemas.openxmlformats.org/presentationml/2006/main">
+  <p:cSld>
+    <p:spTree>
+      <p:nvGrpSpPr>
+        <p:cNvPr id="1" name=""/>
+        <p:cNvGrpSpPr/>
+        <p:nvPr/>
+      </p:nvGrpSpPr>
+      <p:grpSpPr>
+        <a:xfrm>
+          <a:off x="0" y="0"/>
+          <a:ext cx="0" cy="0"/>
+          <a:chOff x="0" y="0"/>
+          <a:chExt cx="0" cy="0"/>
+        </a:xfrm>
+      </p:grpSpPr>
+      <p:sp>
+        <p:nvSpPr>
+          <p:cNvPr id="2" name="标题 1">
+            <a:extLst>
+              <a:ext uri="{FF2B5EF4-FFF2-40B4-BE49-F238E27FC236}">
                 <a16:creationId xmlns:a16="http://schemas.microsoft.com/office/drawing/2014/main" id="{696A5807-AB6E-4F45-99F4-9C05A7BD8CDB}"/>
               </a:ext>
             </a:extLst>
@@ -5014,7 +5135,7 @@
 </p:sld>
 </file>
 
-<file path=ppt/slides/slide4.xml><?xml version="1.0" encoding="utf-8"?>
+<file path=ppt/slides/slide5.xml><?xml version="1.0" encoding="utf-8"?>
 <p:sld xmlns:a="http://schemas.openxmlformats.org/drawingml/2006/main" xmlns:r="http://schemas.openxmlformats.org/officeDocument/2006/relationships" xmlns:p="http://schemas.openxmlformats.org/presentationml/2006/main">
   <p:cSld>
     <p:spTree>
@@ -5106,72 +5227,6 @@
 </p:sld>
 </file>
 
-<file path=ppt/slides/slide5.xml><?xml version="1.0" encoding="utf-8"?>
-<p:sld xmlns:a="http://schemas.openxmlformats.org/drawingml/2006/main" xmlns:r="http://schemas.openxmlformats.org/officeDocument/2006/relationships" xmlns:p="http://schemas.openxmlformats.org/presentationml/2006/main">
-  <p:cSld>
-    <p:spTree>
-      <p:nvGrpSpPr>
-        <p:cNvPr id="1" name=""/>
-        <p:cNvGrpSpPr/>
-        <p:nvPr/>
-      </p:nvGrpSpPr>
-      <p:grpSpPr>
-        <a:xfrm>
-          <a:off x="0" y="0"/>
-          <a:ext cx="0" cy="0"/>
-          <a:chOff x="0" y="0"/>
-          <a:chExt cx="0" cy="0"/>
-        </a:xfrm>
-      </p:grpSpPr>
-      <p:sp>
-        <p:nvSpPr>
-          <p:cNvPr id="2" name="标题 1">
-            <a:extLst>
-              <a:ext uri="{FF2B5EF4-FFF2-40B4-BE49-F238E27FC236}">
-                <a16:creationId xmlns:a16="http://schemas.microsoft.com/office/drawing/2014/main" id="{696A5807-AB6E-4F45-99F4-9C05A7BD8CDB}"/>
-              </a:ext>
-            </a:extLst>
-          </p:cNvPr>
-          <p:cNvSpPr>
-            <a:spLocks noGrp="1"/>
-          </p:cNvSpPr>
-          <p:nvPr>
-            <p:ph type="ctrTitle"/>
-          </p:nvPr>
-        </p:nvSpPr>
-        <p:spPr>
-          <a:xfrm>
-            <a:off x="600173" y="2910526"/>
-            <a:ext cx="10991654" cy="1036948"/>
-          </a:xfrm>
-        </p:spPr>
-        <p:txBody>
-          <a:bodyPr>
-            <a:normAutofit/>
-          </a:bodyPr>
-          <a:lstStyle/>
-          <a:p>
-            <a:r>
-              <a:rPr lang="en-US" altLang="zh-CN" dirty="0"/>
-              <a:t>Part 2: Roles</a:t>
-            </a:r>
-            <a:endParaRPr lang="zh-CN" altLang="en-US" dirty="0"/>
-          </a:p>
-        </p:txBody>
-      </p:sp>
-    </p:spTree>
-    <p:extLst>
-      <p:ext uri="{BB962C8B-B14F-4D97-AF65-F5344CB8AC3E}">
-        <p14:creationId xmlns:p14="http://schemas.microsoft.com/office/powerpoint/2010/main" val="2051143597"/>
-      </p:ext>
-    </p:extLst>
-  </p:cSld>
-  <p:clrMapOvr>
-    <a:masterClrMapping/>
-  </p:clrMapOvr>
-</p:sld>
-</file>
-
 <file path=ppt/slides/slide6.xml><?xml version="1.0" encoding="utf-8"?>
 <p:sld xmlns:a="http://schemas.openxmlformats.org/drawingml/2006/main" xmlns:r="http://schemas.openxmlformats.org/officeDocument/2006/relationships" xmlns:p="http://schemas.openxmlformats.org/presentationml/2006/main">
   <p:cSld>
@@ -5194,7 +5249,7 @@
           <p:cNvPr id="2" name="标题 1">
             <a:extLst>
               <a:ext uri="{FF2B5EF4-FFF2-40B4-BE49-F238E27FC236}">
-                <a16:creationId xmlns:a16="http://schemas.microsoft.com/office/drawing/2014/main" id="{F7E0BEEC-56C0-4E11-A9AA-06CF97929BAE}"/>
+                <a16:creationId xmlns:a16="http://schemas.microsoft.com/office/drawing/2014/main" id="{696A5807-AB6E-4F45-99F4-9C05A7BD8CDB}"/>
               </a:ext>
             </a:extLst>
           </p:cNvPr>
@@ -5202,65 +5257,24 @@
             <a:spLocks noGrp="1"/>
           </p:cNvSpPr>
           <p:nvPr>
-            <p:ph type="title"/>
-          </p:nvPr>
-        </p:nvSpPr>
-        <p:spPr/>
-        <p:txBody>
-          <a:bodyPr/>
-          <a:lstStyle/>
-          <a:p>
-            <a:r>
-              <a:rPr lang="en-US" altLang="zh-CN" dirty="0"/>
-              <a:t>Component</a:t>
-            </a:r>
-            <a:endParaRPr lang="zh-CN" altLang="en-US" dirty="0"/>
-          </a:p>
-        </p:txBody>
-      </p:sp>
-      <p:sp>
-        <p:nvSpPr>
-          <p:cNvPr id="3" name="内容占位符 2">
-            <a:extLst>
-              <a:ext uri="{FF2B5EF4-FFF2-40B4-BE49-F238E27FC236}">
-                <a16:creationId xmlns:a16="http://schemas.microsoft.com/office/drawing/2014/main" id="{DCC224A1-EDDC-4BA9-A214-FDD0A5B4DE1D}"/>
-              </a:ext>
-            </a:extLst>
-          </p:cNvPr>
-          <p:cNvSpPr>
-            <a:spLocks noGrp="1"/>
-          </p:cNvSpPr>
-          <p:nvPr>
-            <p:ph idx="1"/>
-          </p:nvPr>
-        </p:nvSpPr>
-        <p:spPr/>
-        <p:txBody>
-          <a:bodyPr/>
-          <a:lstStyle/>
-          <a:p>
-            <a:r>
-              <a:rPr lang="en-US" altLang="zh-CN" dirty="0"/>
-              <a:t>Peer</a:t>
-            </a:r>
-          </a:p>
-          <a:p>
-            <a:r>
-              <a:rPr lang="en-US" altLang="zh-CN" dirty="0" err="1"/>
-              <a:t>Orderer</a:t>
-            </a:r>
-            <a:endParaRPr lang="en-US" altLang="zh-CN" dirty="0"/>
-          </a:p>
-          <a:p>
-            <a:r>
-              <a:rPr lang="en-US" altLang="zh-CN" dirty="0"/>
-              <a:t>CA</a:t>
-            </a:r>
-          </a:p>
-          <a:p>
-            <a:r>
-              <a:rPr lang="en-US" altLang="zh-CN" dirty="0"/>
-              <a:t>Client</a:t>
+            <p:ph type="ctrTitle"/>
+          </p:nvPr>
+        </p:nvSpPr>
+        <p:spPr>
+          <a:xfrm>
+            <a:off x="600173" y="2910526"/>
+            <a:ext cx="10991654" cy="1036948"/>
+          </a:xfrm>
+        </p:spPr>
+        <p:txBody>
+          <a:bodyPr>
+            <a:normAutofit/>
+          </a:bodyPr>
+          <a:lstStyle/>
+          <a:p>
+            <a:r>
+              <a:rPr lang="en-US" altLang="zh-CN" dirty="0"/>
+              <a:t>Part 2: Roles</a:t>
             </a:r>
             <a:endParaRPr lang="zh-CN" altLang="en-US" dirty="0"/>
           </a:p>
@@ -5269,7 +5283,7 @@
     </p:spTree>
     <p:extLst>
       <p:ext uri="{BB962C8B-B14F-4D97-AF65-F5344CB8AC3E}">
-        <p14:creationId xmlns:p14="http://schemas.microsoft.com/office/powerpoint/2010/main" val="3302952869"/>
+        <p14:creationId xmlns:p14="http://schemas.microsoft.com/office/powerpoint/2010/main" val="2051143597"/>
       </p:ext>
     </p:extLst>
   </p:cSld>
@@ -5301,7 +5315,7 @@
           <p:cNvPr id="2" name="标题 1">
             <a:extLst>
               <a:ext uri="{FF2B5EF4-FFF2-40B4-BE49-F238E27FC236}">
-                <a16:creationId xmlns:a16="http://schemas.microsoft.com/office/drawing/2014/main" id="{59E53C8E-1407-48C7-BC53-331B3B3C2F84}"/>
+                <a16:creationId xmlns:a16="http://schemas.microsoft.com/office/drawing/2014/main" id="{F7E0BEEC-56C0-4E11-A9AA-06CF97929BAE}"/>
               </a:ext>
             </a:extLst>
           </p:cNvPr>
@@ -5319,7 +5333,7 @@
           <a:p>
             <a:r>
               <a:rPr lang="en-US" altLang="zh-CN" dirty="0"/>
-              <a:t>1. Peer</a:t>
+              <a:t>Roles</a:t>
             </a:r>
             <a:endParaRPr lang="zh-CN" altLang="en-US" dirty="0"/>
           </a:p>
@@ -5330,7 +5344,7 @@
           <p:cNvPr id="3" name="内容占位符 2">
             <a:extLst>
               <a:ext uri="{FF2B5EF4-FFF2-40B4-BE49-F238E27FC236}">
-                <a16:creationId xmlns:a16="http://schemas.microsoft.com/office/drawing/2014/main" id="{1A9EC2D7-6463-4A6F-90EE-399D9456DD0A}"/>
+                <a16:creationId xmlns:a16="http://schemas.microsoft.com/office/drawing/2014/main" id="{DCC224A1-EDDC-4BA9-A214-FDD0A5B4DE1D}"/>
               </a:ext>
             </a:extLst>
           </p:cNvPr>
@@ -5343,40 +5357,40 @@
         </p:nvSpPr>
         <p:spPr/>
         <p:txBody>
-          <a:bodyPr>
-            <a:normAutofit/>
-          </a:bodyPr>
-          <a:lstStyle/>
-          <a:p>
-            <a:r>
-              <a:rPr lang="en-US" altLang="zh-CN" dirty="0"/>
-              <a:t>Committer</a:t>
-            </a:r>
-          </a:p>
-          <a:p>
-            <a:r>
-              <a:rPr lang="en-US" altLang="zh-CN" dirty="0"/>
-              <a:t>Endorser</a:t>
-            </a:r>
-          </a:p>
-          <a:p>
-            <a:r>
-              <a:rPr lang="en-US" altLang="zh-CN" dirty="0"/>
-              <a:t>Anchor</a:t>
-            </a:r>
-          </a:p>
-          <a:p>
-            <a:r>
-              <a:rPr lang="en-US" altLang="zh-CN" dirty="0"/>
-              <a:t>Leader</a:t>
-            </a:r>
+          <a:bodyPr/>
+          <a:lstStyle/>
+          <a:p>
+            <a:r>
+              <a:rPr lang="en-US" altLang="zh-CN" dirty="0"/>
+              <a:t>Peer</a:t>
+            </a:r>
+          </a:p>
+          <a:p>
+            <a:r>
+              <a:rPr lang="en-US" altLang="zh-CN" dirty="0" err="1"/>
+              <a:t>Orderer</a:t>
+            </a:r>
+            <a:endParaRPr lang="en-US" altLang="zh-CN" dirty="0"/>
+          </a:p>
+          <a:p>
+            <a:r>
+              <a:rPr lang="en-US" altLang="zh-CN" dirty="0"/>
+              <a:t>CA</a:t>
+            </a:r>
+          </a:p>
+          <a:p>
+            <a:r>
+              <a:rPr lang="en-US" altLang="zh-CN" dirty="0"/>
+              <a:t>Client</a:t>
+            </a:r>
+            <a:endParaRPr lang="zh-CN" altLang="en-US" dirty="0"/>
           </a:p>
         </p:txBody>
       </p:sp>
     </p:spTree>
     <p:extLst>
       <p:ext uri="{BB962C8B-B14F-4D97-AF65-F5344CB8AC3E}">
-        <p14:creationId xmlns:p14="http://schemas.microsoft.com/office/powerpoint/2010/main" val="3119354160"/>
+        <p14:creationId xmlns:p14="http://schemas.microsoft.com/office/powerpoint/2010/main" val="3302952869"/>
       </p:ext>
     </p:extLst>
   </p:cSld>
@@ -5478,19 +5492,12 @@
               <a:t>Leader</a:t>
             </a:r>
           </a:p>
-          <a:p>
-            <a:r>
-              <a:rPr lang="zh-CN" altLang="en-US" dirty="0"/>
-              <a:t>上面四者的对比表</a:t>
-            </a:r>
-            <a:endParaRPr lang="en-US" altLang="zh-CN" dirty="0"/>
-          </a:p>
         </p:txBody>
       </p:sp>
     </p:spTree>
     <p:extLst>
       <p:ext uri="{BB962C8B-B14F-4D97-AF65-F5344CB8AC3E}">
-        <p14:creationId xmlns:p14="http://schemas.microsoft.com/office/powerpoint/2010/main" val="3207605567"/>
+        <p14:creationId xmlns:p14="http://schemas.microsoft.com/office/powerpoint/2010/main" val="3119354160"/>
       </p:ext>
     </p:extLst>
   </p:cSld>

--- a/fabric notes/【2020.12.26】Fabric Network Runtime Architecture.pptx
+++ b/fabric notes/【2020.12.26】Fabric Network Runtime Architecture.pptx
@@ -14,26 +14,20 @@
     <p:sldId id="259" r:id="rId8"/>
     <p:sldId id="264" r:id="rId9"/>
     <p:sldId id="279" r:id="rId10"/>
-    <p:sldId id="274" r:id="rId11"/>
-    <p:sldId id="275" r:id="rId12"/>
-    <p:sldId id="284" r:id="rId13"/>
-    <p:sldId id="280" r:id="rId14"/>
-    <p:sldId id="265" r:id="rId15"/>
-    <p:sldId id="277" r:id="rId16"/>
-    <p:sldId id="266" r:id="rId17"/>
-    <p:sldId id="281" r:id="rId18"/>
-    <p:sldId id="282" r:id="rId19"/>
-    <p:sldId id="267" r:id="rId20"/>
-    <p:sldId id="283" r:id="rId21"/>
-    <p:sldId id="263" r:id="rId22"/>
-    <p:sldId id="260" r:id="rId23"/>
-    <p:sldId id="268" r:id="rId24"/>
-    <p:sldId id="269" r:id="rId25"/>
-    <p:sldId id="270" r:id="rId26"/>
-    <p:sldId id="272" r:id="rId27"/>
-    <p:sldId id="271" r:id="rId28"/>
-    <p:sldId id="273" r:id="rId29"/>
-    <p:sldId id="286" r:id="rId30"/>
+    <p:sldId id="275" r:id="rId11"/>
+    <p:sldId id="288" r:id="rId12"/>
+    <p:sldId id="265" r:id="rId13"/>
+    <p:sldId id="277" r:id="rId14"/>
+    <p:sldId id="266" r:id="rId15"/>
+    <p:sldId id="267" r:id="rId16"/>
+    <p:sldId id="263" r:id="rId17"/>
+    <p:sldId id="260" r:id="rId18"/>
+    <p:sldId id="268" r:id="rId19"/>
+    <p:sldId id="269" r:id="rId20"/>
+    <p:sldId id="270" r:id="rId21"/>
+    <p:sldId id="272" r:id="rId22"/>
+    <p:sldId id="271" r:id="rId23"/>
+    <p:sldId id="286" r:id="rId24"/>
   </p:sldIdLst>
   <p:sldSz cx="12192000" cy="6858000"/>
   <p:notesSz cx="6858000" cy="9144000"/>
@@ -140,6 +134,2778 @@
 </p:presentation>
 </file>
 
+<file path=ppt/diagrams/colors1.xml><?xml version="1.0" encoding="utf-8"?>
+<dgm:colorsDef xmlns:dgm="http://schemas.openxmlformats.org/drawingml/2006/diagram" xmlns:a="http://schemas.openxmlformats.org/drawingml/2006/main" uniqueId="urn:microsoft.com/office/officeart/2005/8/colors/accent1_2">
+  <dgm:title val=""/>
+  <dgm:desc val=""/>
+  <dgm:catLst>
+    <dgm:cat type="accent1" pri="11200"/>
+  </dgm:catLst>
+  <dgm:styleLbl name="node0">
+    <dgm:fillClrLst meth="repeat">
+      <a:schemeClr val="accent1"/>
+    </dgm:fillClrLst>
+    <dgm:linClrLst meth="repeat">
+      <a:schemeClr val="lt1"/>
+    </dgm:linClrLst>
+    <dgm:effectClrLst/>
+    <dgm:txLinClrLst/>
+    <dgm:txFillClrLst/>
+    <dgm:txEffectClrLst/>
+  </dgm:styleLbl>
+  <dgm:styleLbl name="alignNode1">
+    <dgm:fillClrLst meth="repeat">
+      <a:schemeClr val="accent1"/>
+    </dgm:fillClrLst>
+    <dgm:linClrLst meth="repeat">
+      <a:schemeClr val="accent1"/>
+    </dgm:linClrLst>
+    <dgm:effectClrLst/>
+    <dgm:txLinClrLst/>
+    <dgm:txFillClrLst/>
+    <dgm:txEffectClrLst/>
+  </dgm:styleLbl>
+  <dgm:styleLbl name="node1">
+    <dgm:fillClrLst meth="repeat">
+      <a:schemeClr val="accent1"/>
+    </dgm:fillClrLst>
+    <dgm:linClrLst meth="repeat">
+      <a:schemeClr val="lt1"/>
+    </dgm:linClrLst>
+    <dgm:effectClrLst/>
+    <dgm:txLinClrLst/>
+    <dgm:txFillClrLst/>
+    <dgm:txEffectClrLst/>
+  </dgm:styleLbl>
+  <dgm:styleLbl name="lnNode1">
+    <dgm:fillClrLst meth="repeat">
+      <a:schemeClr val="accent1"/>
+    </dgm:fillClrLst>
+    <dgm:linClrLst meth="repeat">
+      <a:schemeClr val="lt1"/>
+    </dgm:linClrLst>
+    <dgm:effectClrLst/>
+    <dgm:txLinClrLst/>
+    <dgm:txFillClrLst/>
+    <dgm:txEffectClrLst/>
+  </dgm:styleLbl>
+  <dgm:styleLbl name="vennNode1">
+    <dgm:fillClrLst meth="repeat">
+      <a:schemeClr val="accent1">
+        <a:alpha val="50000"/>
+      </a:schemeClr>
+    </dgm:fillClrLst>
+    <dgm:linClrLst meth="repeat">
+      <a:schemeClr val="lt1"/>
+    </dgm:linClrLst>
+    <dgm:effectClrLst/>
+    <dgm:txLinClrLst/>
+    <dgm:txFillClrLst/>
+    <dgm:txEffectClrLst/>
+  </dgm:styleLbl>
+  <dgm:styleLbl name="node2">
+    <dgm:fillClrLst meth="repeat">
+      <a:schemeClr val="accent1"/>
+    </dgm:fillClrLst>
+    <dgm:linClrLst meth="repeat">
+      <a:schemeClr val="lt1"/>
+    </dgm:linClrLst>
+    <dgm:effectClrLst/>
+    <dgm:txLinClrLst/>
+    <dgm:txFillClrLst/>
+    <dgm:txEffectClrLst/>
+  </dgm:styleLbl>
+  <dgm:styleLbl name="node3">
+    <dgm:fillClrLst meth="repeat">
+      <a:schemeClr val="accent1"/>
+    </dgm:fillClrLst>
+    <dgm:linClrLst meth="repeat">
+      <a:schemeClr val="lt1"/>
+    </dgm:linClrLst>
+    <dgm:effectClrLst/>
+    <dgm:txLinClrLst/>
+    <dgm:txFillClrLst/>
+    <dgm:txEffectClrLst/>
+  </dgm:styleLbl>
+  <dgm:styleLbl name="node4">
+    <dgm:fillClrLst meth="repeat">
+      <a:schemeClr val="accent1"/>
+    </dgm:fillClrLst>
+    <dgm:linClrLst meth="repeat">
+      <a:schemeClr val="lt1"/>
+    </dgm:linClrLst>
+    <dgm:effectClrLst/>
+    <dgm:txLinClrLst/>
+    <dgm:txFillClrLst/>
+    <dgm:txEffectClrLst/>
+  </dgm:styleLbl>
+  <dgm:styleLbl name="fgImgPlace1">
+    <dgm:fillClrLst meth="repeat">
+      <a:schemeClr val="accent1">
+        <a:tint val="50000"/>
+      </a:schemeClr>
+    </dgm:fillClrLst>
+    <dgm:linClrLst meth="repeat">
+      <a:schemeClr val="lt1"/>
+    </dgm:linClrLst>
+    <dgm:effectClrLst/>
+    <dgm:txLinClrLst/>
+    <dgm:txFillClrLst meth="repeat">
+      <a:schemeClr val="lt1"/>
+    </dgm:txFillClrLst>
+    <dgm:txEffectClrLst/>
+  </dgm:styleLbl>
+  <dgm:styleLbl name="alignImgPlace1">
+    <dgm:fillClrLst meth="repeat">
+      <a:schemeClr val="accent1">
+        <a:tint val="50000"/>
+      </a:schemeClr>
+    </dgm:fillClrLst>
+    <dgm:linClrLst meth="repeat">
+      <a:schemeClr val="lt1"/>
+    </dgm:linClrLst>
+    <dgm:effectClrLst/>
+    <dgm:txLinClrLst/>
+    <dgm:txFillClrLst meth="repeat">
+      <a:schemeClr val="lt1"/>
+    </dgm:txFillClrLst>
+    <dgm:txEffectClrLst/>
+  </dgm:styleLbl>
+  <dgm:styleLbl name="bgImgPlace1">
+    <dgm:fillClrLst meth="repeat">
+      <a:schemeClr val="accent1">
+        <a:tint val="50000"/>
+      </a:schemeClr>
+    </dgm:fillClrLst>
+    <dgm:linClrLst meth="repeat">
+      <a:schemeClr val="lt1"/>
+    </dgm:linClrLst>
+    <dgm:effectClrLst/>
+    <dgm:txLinClrLst/>
+    <dgm:txFillClrLst meth="repeat">
+      <a:schemeClr val="lt1"/>
+    </dgm:txFillClrLst>
+    <dgm:txEffectClrLst/>
+  </dgm:styleLbl>
+  <dgm:styleLbl name="sibTrans2D1">
+    <dgm:fillClrLst meth="repeat">
+      <a:schemeClr val="accent1">
+        <a:tint val="60000"/>
+      </a:schemeClr>
+    </dgm:fillClrLst>
+    <dgm:linClrLst meth="repeat">
+      <a:schemeClr val="accent1">
+        <a:tint val="60000"/>
+      </a:schemeClr>
+    </dgm:linClrLst>
+    <dgm:effectClrLst/>
+    <dgm:txLinClrLst/>
+    <dgm:txFillClrLst/>
+    <dgm:txEffectClrLst/>
+  </dgm:styleLbl>
+  <dgm:styleLbl name="fgSibTrans2D1">
+    <dgm:fillClrLst meth="repeat">
+      <a:schemeClr val="accent1">
+        <a:tint val="60000"/>
+      </a:schemeClr>
+    </dgm:fillClrLst>
+    <dgm:linClrLst meth="repeat">
+      <a:schemeClr val="accent1">
+        <a:tint val="60000"/>
+      </a:schemeClr>
+    </dgm:linClrLst>
+    <dgm:effectClrLst/>
+    <dgm:txLinClrLst/>
+    <dgm:txFillClrLst/>
+    <dgm:txEffectClrLst/>
+  </dgm:styleLbl>
+  <dgm:styleLbl name="bgSibTrans2D1">
+    <dgm:fillClrLst meth="repeat">
+      <a:schemeClr val="accent1">
+        <a:tint val="60000"/>
+      </a:schemeClr>
+    </dgm:fillClrLst>
+    <dgm:linClrLst meth="repeat">
+      <a:schemeClr val="accent1">
+        <a:tint val="60000"/>
+      </a:schemeClr>
+    </dgm:linClrLst>
+    <dgm:effectClrLst/>
+    <dgm:txLinClrLst/>
+    <dgm:txFillClrLst/>
+    <dgm:txEffectClrLst/>
+  </dgm:styleLbl>
+  <dgm:styleLbl name="sibTrans1D1">
+    <dgm:fillClrLst meth="repeat">
+      <a:schemeClr val="accent1"/>
+    </dgm:fillClrLst>
+    <dgm:linClrLst meth="repeat">
+      <a:schemeClr val="accent1"/>
+    </dgm:linClrLst>
+    <dgm:effectClrLst/>
+    <dgm:txLinClrLst/>
+    <dgm:txFillClrLst meth="repeat">
+      <a:schemeClr val="tx1"/>
+    </dgm:txFillClrLst>
+    <dgm:txEffectClrLst/>
+  </dgm:styleLbl>
+  <dgm:styleLbl name="callout">
+    <dgm:fillClrLst meth="repeat">
+      <a:schemeClr val="accent1"/>
+    </dgm:fillClrLst>
+    <dgm:linClrLst meth="repeat">
+      <a:schemeClr val="accent1">
+        <a:tint val="50000"/>
+      </a:schemeClr>
+    </dgm:linClrLst>
+    <dgm:effectClrLst/>
+    <dgm:txLinClrLst/>
+    <dgm:txFillClrLst meth="repeat">
+      <a:schemeClr val="tx1"/>
+    </dgm:txFillClrLst>
+    <dgm:txEffectClrLst/>
+  </dgm:styleLbl>
+  <dgm:styleLbl name="asst0">
+    <dgm:fillClrLst meth="repeat">
+      <a:schemeClr val="accent1"/>
+    </dgm:fillClrLst>
+    <dgm:linClrLst meth="repeat">
+      <a:schemeClr val="lt1"/>
+    </dgm:linClrLst>
+    <dgm:effectClrLst/>
+    <dgm:txLinClrLst/>
+    <dgm:txFillClrLst/>
+    <dgm:txEffectClrLst/>
+  </dgm:styleLbl>
+  <dgm:styleLbl name="asst1">
+    <dgm:fillClrLst meth="repeat">
+      <a:schemeClr val="accent1"/>
+    </dgm:fillClrLst>
+    <dgm:linClrLst meth="repeat">
+      <a:schemeClr val="lt1"/>
+    </dgm:linClrLst>
+    <dgm:effectClrLst/>
+    <dgm:txLinClrLst/>
+    <dgm:txFillClrLst/>
+    <dgm:txEffectClrLst/>
+  </dgm:styleLbl>
+  <dgm:styleLbl name="asst2">
+    <dgm:fillClrLst meth="repeat">
+      <a:schemeClr val="accent1"/>
+    </dgm:fillClrLst>
+    <dgm:linClrLst meth="repeat">
+      <a:schemeClr val="lt1"/>
+    </dgm:linClrLst>
+    <dgm:effectClrLst/>
+    <dgm:txLinClrLst/>
+    <dgm:txFillClrLst/>
+    <dgm:txEffectClrLst/>
+  </dgm:styleLbl>
+  <dgm:styleLbl name="asst3">
+    <dgm:fillClrLst meth="repeat">
+      <a:schemeClr val="accent1"/>
+    </dgm:fillClrLst>
+    <dgm:linClrLst meth="repeat">
+      <a:schemeClr val="lt1"/>
+    </dgm:linClrLst>
+    <dgm:effectClrLst/>
+    <dgm:txLinClrLst/>
+    <dgm:txFillClrLst/>
+    <dgm:txEffectClrLst/>
+  </dgm:styleLbl>
+  <dgm:styleLbl name="asst4">
+    <dgm:fillClrLst meth="repeat">
+      <a:schemeClr val="accent1"/>
+    </dgm:fillClrLst>
+    <dgm:linClrLst meth="repeat">
+      <a:schemeClr val="lt1"/>
+    </dgm:linClrLst>
+    <dgm:effectClrLst/>
+    <dgm:txLinClrLst/>
+    <dgm:txFillClrLst/>
+    <dgm:txEffectClrLst/>
+  </dgm:styleLbl>
+  <dgm:styleLbl name="parChTrans2D1">
+    <dgm:fillClrLst meth="repeat">
+      <a:schemeClr val="accent1">
+        <a:tint val="60000"/>
+      </a:schemeClr>
+    </dgm:fillClrLst>
+    <dgm:linClrLst meth="repeat">
+      <a:schemeClr val="accent1">
+        <a:tint val="60000"/>
+      </a:schemeClr>
+    </dgm:linClrLst>
+    <dgm:effectClrLst/>
+    <dgm:txLinClrLst/>
+    <dgm:txFillClrLst meth="repeat">
+      <a:schemeClr val="lt1"/>
+    </dgm:txFillClrLst>
+    <dgm:txEffectClrLst/>
+  </dgm:styleLbl>
+  <dgm:styleLbl name="parChTrans2D2">
+    <dgm:fillClrLst meth="repeat">
+      <a:schemeClr val="accent1"/>
+    </dgm:fillClrLst>
+    <dgm:linClrLst meth="repeat">
+      <a:schemeClr val="accent1"/>
+    </dgm:linClrLst>
+    <dgm:effectClrLst/>
+    <dgm:txLinClrLst/>
+    <dgm:txFillClrLst meth="repeat">
+      <a:schemeClr val="lt1"/>
+    </dgm:txFillClrLst>
+    <dgm:txEffectClrLst/>
+  </dgm:styleLbl>
+  <dgm:styleLbl name="parChTrans2D3">
+    <dgm:fillClrLst meth="repeat">
+      <a:schemeClr val="accent1"/>
+    </dgm:fillClrLst>
+    <dgm:linClrLst meth="repeat">
+      <a:schemeClr val="accent1"/>
+    </dgm:linClrLst>
+    <dgm:effectClrLst/>
+    <dgm:txLinClrLst/>
+    <dgm:txFillClrLst meth="repeat">
+      <a:schemeClr val="lt1"/>
+    </dgm:txFillClrLst>
+    <dgm:txEffectClrLst/>
+  </dgm:styleLbl>
+  <dgm:styleLbl name="parChTrans2D4">
+    <dgm:fillClrLst meth="repeat">
+      <a:schemeClr val="accent1"/>
+    </dgm:fillClrLst>
+    <dgm:linClrLst meth="repeat">
+      <a:schemeClr val="accent1"/>
+    </dgm:linClrLst>
+    <dgm:effectClrLst/>
+    <dgm:txLinClrLst/>
+    <dgm:txFillClrLst meth="repeat">
+      <a:schemeClr val="lt1"/>
+    </dgm:txFillClrLst>
+    <dgm:txEffectClrLst/>
+  </dgm:styleLbl>
+  <dgm:styleLbl name="parChTrans1D1">
+    <dgm:fillClrLst meth="repeat">
+      <a:schemeClr val="accent1"/>
+    </dgm:fillClrLst>
+    <dgm:linClrLst meth="repeat">
+      <a:schemeClr val="accent1">
+        <a:shade val="60000"/>
+      </a:schemeClr>
+    </dgm:linClrLst>
+    <dgm:effectClrLst/>
+    <dgm:txLinClrLst/>
+    <dgm:txFillClrLst meth="repeat">
+      <a:schemeClr val="tx1"/>
+    </dgm:txFillClrLst>
+    <dgm:txEffectClrLst/>
+  </dgm:styleLbl>
+  <dgm:styleLbl name="parChTrans1D2">
+    <dgm:fillClrLst meth="repeat">
+      <a:schemeClr val="accent1"/>
+    </dgm:fillClrLst>
+    <dgm:linClrLst meth="repeat">
+      <a:schemeClr val="accent1">
+        <a:shade val="60000"/>
+      </a:schemeClr>
+    </dgm:linClrLst>
+    <dgm:effectClrLst/>
+    <dgm:txLinClrLst/>
+    <dgm:txFillClrLst meth="repeat">
+      <a:schemeClr val="tx1"/>
+    </dgm:txFillClrLst>
+    <dgm:txEffectClrLst/>
+  </dgm:styleLbl>
+  <dgm:styleLbl name="parChTrans1D3">
+    <dgm:fillClrLst meth="repeat">
+      <a:schemeClr val="accent1"/>
+    </dgm:fillClrLst>
+    <dgm:linClrLst meth="repeat">
+      <a:schemeClr val="accent1">
+        <a:shade val="80000"/>
+      </a:schemeClr>
+    </dgm:linClrLst>
+    <dgm:effectClrLst/>
+    <dgm:txLinClrLst/>
+    <dgm:txFillClrLst meth="repeat">
+      <a:schemeClr val="tx1"/>
+    </dgm:txFillClrLst>
+    <dgm:txEffectClrLst/>
+  </dgm:styleLbl>
+  <dgm:styleLbl name="parChTrans1D4">
+    <dgm:fillClrLst meth="repeat">
+      <a:schemeClr val="accent1"/>
+    </dgm:fillClrLst>
+    <dgm:linClrLst meth="repeat">
+      <a:schemeClr val="accent1">
+        <a:shade val="80000"/>
+      </a:schemeClr>
+    </dgm:linClrLst>
+    <dgm:effectClrLst/>
+    <dgm:txLinClrLst/>
+    <dgm:txFillClrLst meth="repeat">
+      <a:schemeClr val="tx1"/>
+    </dgm:txFillClrLst>
+    <dgm:txEffectClrLst/>
+  </dgm:styleLbl>
+  <dgm:styleLbl name="fgAcc1">
+    <dgm:fillClrLst meth="repeat">
+      <a:schemeClr val="lt1">
+        <a:alpha val="90000"/>
+      </a:schemeClr>
+    </dgm:fillClrLst>
+    <dgm:linClrLst meth="repeat">
+      <a:schemeClr val="accent1"/>
+    </dgm:linClrLst>
+    <dgm:effectClrLst/>
+    <dgm:txLinClrLst/>
+    <dgm:txFillClrLst meth="repeat">
+      <a:schemeClr val="dk1"/>
+    </dgm:txFillClrLst>
+    <dgm:txEffectClrLst/>
+  </dgm:styleLbl>
+  <dgm:styleLbl name="conFgAcc1">
+    <dgm:fillClrLst meth="repeat">
+      <a:schemeClr val="lt1">
+        <a:alpha val="90000"/>
+      </a:schemeClr>
+    </dgm:fillClrLst>
+    <dgm:linClrLst meth="repeat">
+      <a:schemeClr val="accent1"/>
+    </dgm:linClrLst>
+    <dgm:effectClrLst/>
+    <dgm:txLinClrLst/>
+    <dgm:txFillClrLst meth="repeat">
+      <a:schemeClr val="dk1"/>
+    </dgm:txFillClrLst>
+    <dgm:txEffectClrLst/>
+  </dgm:styleLbl>
+  <dgm:styleLbl name="alignAcc1">
+    <dgm:fillClrLst meth="repeat">
+      <a:schemeClr val="lt1">
+        <a:alpha val="90000"/>
+      </a:schemeClr>
+    </dgm:fillClrLst>
+    <dgm:linClrLst meth="repeat">
+      <a:schemeClr val="accent1"/>
+    </dgm:linClrLst>
+    <dgm:effectClrLst/>
+    <dgm:txLinClrLst/>
+    <dgm:txFillClrLst meth="repeat">
+      <a:schemeClr val="dk1"/>
+    </dgm:txFillClrLst>
+    <dgm:txEffectClrLst/>
+  </dgm:styleLbl>
+  <dgm:styleLbl name="trAlignAcc1">
+    <dgm:fillClrLst meth="repeat">
+      <a:schemeClr val="lt1">
+        <a:alpha val="40000"/>
+      </a:schemeClr>
+    </dgm:fillClrLst>
+    <dgm:linClrLst meth="repeat">
+      <a:schemeClr val="accent1"/>
+    </dgm:linClrLst>
+    <dgm:effectClrLst/>
+    <dgm:txLinClrLst/>
+    <dgm:txFillClrLst meth="repeat">
+      <a:schemeClr val="dk1"/>
+    </dgm:txFillClrLst>
+    <dgm:txEffectClrLst/>
+  </dgm:styleLbl>
+  <dgm:styleLbl name="bgAcc1">
+    <dgm:fillClrLst meth="repeat">
+      <a:schemeClr val="lt1">
+        <a:alpha val="90000"/>
+      </a:schemeClr>
+    </dgm:fillClrLst>
+    <dgm:linClrLst meth="repeat">
+      <a:schemeClr val="accent1"/>
+    </dgm:linClrLst>
+    <dgm:effectClrLst/>
+    <dgm:txLinClrLst/>
+    <dgm:txFillClrLst meth="repeat">
+      <a:schemeClr val="dk1"/>
+    </dgm:txFillClrLst>
+    <dgm:txEffectClrLst/>
+  </dgm:styleLbl>
+  <dgm:styleLbl name="solidFgAcc1">
+    <dgm:fillClrLst meth="repeat">
+      <a:schemeClr val="lt1"/>
+    </dgm:fillClrLst>
+    <dgm:linClrLst meth="repeat">
+      <a:schemeClr val="accent1"/>
+    </dgm:linClrLst>
+    <dgm:effectClrLst/>
+    <dgm:txLinClrLst/>
+    <dgm:txFillClrLst meth="repeat">
+      <a:schemeClr val="dk1"/>
+    </dgm:txFillClrLst>
+    <dgm:txEffectClrLst/>
+  </dgm:styleLbl>
+  <dgm:styleLbl name="solidAlignAcc1">
+    <dgm:fillClrLst meth="repeat">
+      <a:schemeClr val="lt1"/>
+    </dgm:fillClrLst>
+    <dgm:linClrLst meth="repeat">
+      <a:schemeClr val="accent1"/>
+    </dgm:linClrLst>
+    <dgm:effectClrLst/>
+    <dgm:txLinClrLst/>
+    <dgm:txFillClrLst meth="repeat">
+      <a:schemeClr val="dk1"/>
+    </dgm:txFillClrLst>
+    <dgm:txEffectClrLst/>
+  </dgm:styleLbl>
+  <dgm:styleLbl name="solidBgAcc1">
+    <dgm:fillClrLst meth="repeat">
+      <a:schemeClr val="lt1"/>
+    </dgm:fillClrLst>
+    <dgm:linClrLst meth="repeat">
+      <a:schemeClr val="accent1"/>
+    </dgm:linClrLst>
+    <dgm:effectClrLst/>
+    <dgm:txLinClrLst/>
+    <dgm:txFillClrLst meth="repeat">
+      <a:schemeClr val="dk1"/>
+    </dgm:txFillClrLst>
+    <dgm:txEffectClrLst/>
+  </dgm:styleLbl>
+  <dgm:styleLbl name="fgAccFollowNode1">
+    <dgm:fillClrLst meth="repeat">
+      <a:schemeClr val="accent1">
+        <a:alpha val="90000"/>
+        <a:tint val="40000"/>
+      </a:schemeClr>
+    </dgm:fillClrLst>
+    <dgm:linClrLst meth="repeat">
+      <a:schemeClr val="accent1">
+        <a:alpha val="90000"/>
+        <a:tint val="40000"/>
+      </a:schemeClr>
+    </dgm:linClrLst>
+    <dgm:effectClrLst/>
+    <dgm:txLinClrLst/>
+    <dgm:txFillClrLst meth="repeat">
+      <a:schemeClr val="dk1"/>
+    </dgm:txFillClrLst>
+    <dgm:txEffectClrLst/>
+  </dgm:styleLbl>
+  <dgm:styleLbl name="alignAccFollowNode1">
+    <dgm:fillClrLst meth="repeat">
+      <a:schemeClr val="accent1">
+        <a:alpha val="90000"/>
+        <a:tint val="40000"/>
+      </a:schemeClr>
+    </dgm:fillClrLst>
+    <dgm:linClrLst meth="repeat">
+      <a:schemeClr val="accent1">
+        <a:alpha val="90000"/>
+        <a:tint val="40000"/>
+      </a:schemeClr>
+    </dgm:linClrLst>
+    <dgm:effectClrLst/>
+    <dgm:txLinClrLst/>
+    <dgm:txFillClrLst meth="repeat">
+      <a:schemeClr val="dk1"/>
+    </dgm:txFillClrLst>
+    <dgm:txEffectClrLst/>
+  </dgm:styleLbl>
+  <dgm:styleLbl name="bgAccFollowNode1">
+    <dgm:fillClrLst meth="repeat">
+      <a:schemeClr val="accent1">
+        <a:alpha val="90000"/>
+        <a:tint val="40000"/>
+      </a:schemeClr>
+    </dgm:fillClrLst>
+    <dgm:linClrLst meth="repeat">
+      <a:schemeClr val="accent1">
+        <a:alpha val="90000"/>
+        <a:tint val="40000"/>
+      </a:schemeClr>
+    </dgm:linClrLst>
+    <dgm:effectClrLst/>
+    <dgm:txLinClrLst/>
+    <dgm:txFillClrLst meth="repeat">
+      <a:schemeClr val="dk1"/>
+    </dgm:txFillClrLst>
+    <dgm:txEffectClrLst/>
+  </dgm:styleLbl>
+  <dgm:styleLbl name="fgAcc0">
+    <dgm:fillClrLst meth="repeat">
+      <a:schemeClr val="lt1">
+        <a:alpha val="90000"/>
+      </a:schemeClr>
+    </dgm:fillClrLst>
+    <dgm:linClrLst meth="repeat">
+      <a:schemeClr val="accent1"/>
+    </dgm:linClrLst>
+    <dgm:effectClrLst/>
+    <dgm:txLinClrLst/>
+    <dgm:txFillClrLst meth="repeat">
+      <a:schemeClr val="dk1"/>
+    </dgm:txFillClrLst>
+    <dgm:txEffectClrLst/>
+  </dgm:styleLbl>
+  <dgm:styleLbl name="fgAcc2">
+    <dgm:fillClrLst meth="repeat">
+      <a:schemeClr val="lt1">
+        <a:alpha val="90000"/>
+      </a:schemeClr>
+    </dgm:fillClrLst>
+    <dgm:linClrLst meth="repeat">
+      <a:schemeClr val="accent1"/>
+    </dgm:linClrLst>
+    <dgm:effectClrLst/>
+    <dgm:txLinClrLst/>
+    <dgm:txFillClrLst meth="repeat">
+      <a:schemeClr val="dk1"/>
+    </dgm:txFillClrLst>
+    <dgm:txEffectClrLst/>
+  </dgm:styleLbl>
+  <dgm:styleLbl name="fgAcc3">
+    <dgm:fillClrLst meth="repeat">
+      <a:schemeClr val="lt1">
+        <a:alpha val="90000"/>
+      </a:schemeClr>
+    </dgm:fillClrLst>
+    <dgm:linClrLst meth="repeat">
+      <a:schemeClr val="accent1"/>
+    </dgm:linClrLst>
+    <dgm:effectClrLst/>
+    <dgm:txLinClrLst/>
+    <dgm:txFillClrLst meth="repeat">
+      <a:schemeClr val="dk1"/>
+    </dgm:txFillClrLst>
+    <dgm:txEffectClrLst/>
+  </dgm:styleLbl>
+  <dgm:styleLbl name="fgAcc4">
+    <dgm:fillClrLst meth="repeat">
+      <a:schemeClr val="lt1">
+        <a:alpha val="90000"/>
+      </a:schemeClr>
+    </dgm:fillClrLst>
+    <dgm:linClrLst meth="repeat">
+      <a:schemeClr val="accent1"/>
+    </dgm:linClrLst>
+    <dgm:effectClrLst/>
+    <dgm:txLinClrLst/>
+    <dgm:txFillClrLst meth="repeat">
+      <a:schemeClr val="dk1"/>
+    </dgm:txFillClrLst>
+    <dgm:txEffectClrLst/>
+  </dgm:styleLbl>
+  <dgm:styleLbl name="bgShp">
+    <dgm:fillClrLst meth="repeat">
+      <a:schemeClr val="accent1">
+        <a:tint val="40000"/>
+      </a:schemeClr>
+    </dgm:fillClrLst>
+    <dgm:linClrLst meth="repeat">
+      <a:schemeClr val="accent1"/>
+    </dgm:linClrLst>
+    <dgm:effectClrLst/>
+    <dgm:txLinClrLst/>
+    <dgm:txFillClrLst meth="repeat">
+      <a:schemeClr val="dk1"/>
+    </dgm:txFillClrLst>
+    <dgm:txEffectClrLst/>
+  </dgm:styleLbl>
+  <dgm:styleLbl name="dkBgShp">
+    <dgm:fillClrLst meth="repeat">
+      <a:schemeClr val="accent1">
+        <a:shade val="80000"/>
+      </a:schemeClr>
+    </dgm:fillClrLst>
+    <dgm:linClrLst meth="repeat">
+      <a:schemeClr val="accent1"/>
+    </dgm:linClrLst>
+    <dgm:effectClrLst/>
+    <dgm:txLinClrLst/>
+    <dgm:txFillClrLst meth="repeat">
+      <a:schemeClr val="lt1"/>
+    </dgm:txFillClrLst>
+    <dgm:txEffectClrLst/>
+  </dgm:styleLbl>
+  <dgm:styleLbl name="trBgShp">
+    <dgm:fillClrLst meth="repeat">
+      <a:schemeClr val="accent1">
+        <a:tint val="50000"/>
+        <a:alpha val="40000"/>
+      </a:schemeClr>
+    </dgm:fillClrLst>
+    <dgm:linClrLst meth="repeat">
+      <a:schemeClr val="accent1"/>
+    </dgm:linClrLst>
+    <dgm:effectClrLst/>
+    <dgm:txLinClrLst/>
+    <dgm:txFillClrLst meth="repeat">
+      <a:schemeClr val="lt1"/>
+    </dgm:txFillClrLst>
+    <dgm:txEffectClrLst/>
+  </dgm:styleLbl>
+  <dgm:styleLbl name="fgShp">
+    <dgm:fillClrLst meth="repeat">
+      <a:schemeClr val="accent1">
+        <a:tint val="60000"/>
+      </a:schemeClr>
+    </dgm:fillClrLst>
+    <dgm:linClrLst meth="repeat">
+      <a:schemeClr val="lt1"/>
+    </dgm:linClrLst>
+    <dgm:effectClrLst/>
+    <dgm:txLinClrLst/>
+    <dgm:txFillClrLst meth="repeat">
+      <a:schemeClr val="dk1"/>
+    </dgm:txFillClrLst>
+    <dgm:txEffectClrLst/>
+  </dgm:styleLbl>
+  <dgm:styleLbl name="revTx">
+    <dgm:fillClrLst meth="repeat">
+      <a:schemeClr val="lt1">
+        <a:alpha val="0"/>
+      </a:schemeClr>
+    </dgm:fillClrLst>
+    <dgm:linClrLst meth="repeat">
+      <a:schemeClr val="dk1">
+        <a:alpha val="0"/>
+      </a:schemeClr>
+    </dgm:linClrLst>
+    <dgm:effectClrLst/>
+    <dgm:txLinClrLst/>
+    <dgm:txFillClrLst meth="repeat">
+      <a:schemeClr val="tx1"/>
+    </dgm:txFillClrLst>
+    <dgm:txEffectClrLst/>
+  </dgm:styleLbl>
+</dgm:colorsDef>
+</file>
+
+<file path=ppt/diagrams/data1.xml><?xml version="1.0" encoding="utf-8"?>
+<dgm:dataModel xmlns:dgm="http://schemas.openxmlformats.org/drawingml/2006/diagram" xmlns:a="http://schemas.openxmlformats.org/drawingml/2006/main">
+  <dgm:ptLst>
+    <dgm:pt modelId="{F7B21DE9-774C-42CB-898D-90F8C767BE4A}" type="doc">
+      <dgm:prSet loTypeId="urn:microsoft.com/office/officeart/2005/8/layout/chevron1" loCatId="process" qsTypeId="urn:microsoft.com/office/officeart/2005/8/quickstyle/simple1" qsCatId="simple" csTypeId="urn:microsoft.com/office/officeart/2005/8/colors/accent1_2" csCatId="accent1" phldr="1"/>
+      <dgm:spPr/>
+    </dgm:pt>
+    <dgm:pt modelId="{7B4BD394-0CB5-42A8-8795-6007BD68BD5E}">
+      <dgm:prSet phldrT="[文本]"/>
+      <dgm:spPr/>
+      <dgm:t>
+        <a:bodyPr/>
+        <a:lstStyle/>
+        <a:p>
+          <a:r>
+            <a:rPr lang="zh-CN" altLang="en-US" b="0" i="0"/>
+            <a:t>架构</a:t>
+          </a:r>
+          <a:endParaRPr lang="zh-CN" altLang="en-US" dirty="0"/>
+        </a:p>
+      </dgm:t>
+    </dgm:pt>
+    <dgm:pt modelId="{79559B38-27D2-4A15-9C81-BF9511EA025F}" type="parTrans" cxnId="{F2A68293-CEE3-416B-A554-12AFA16B881A}">
+      <dgm:prSet/>
+      <dgm:spPr/>
+      <dgm:t>
+        <a:bodyPr/>
+        <a:lstStyle/>
+        <a:p>
+          <a:endParaRPr lang="zh-CN" altLang="en-US"/>
+        </a:p>
+      </dgm:t>
+    </dgm:pt>
+    <dgm:pt modelId="{5122A951-C8A8-4FD5-BB80-2C286853F360}" type="sibTrans" cxnId="{F2A68293-CEE3-416B-A554-12AFA16B881A}">
+      <dgm:prSet/>
+      <dgm:spPr/>
+      <dgm:t>
+        <a:bodyPr/>
+        <a:lstStyle/>
+        <a:p>
+          <a:endParaRPr lang="zh-CN" altLang="en-US"/>
+        </a:p>
+      </dgm:t>
+    </dgm:pt>
+    <dgm:pt modelId="{AC9116F4-F1AF-4688-BD8B-4E5615C6C76C}">
+      <dgm:prSet phldrT="[文本]"/>
+      <dgm:spPr/>
+      <dgm:t>
+        <a:bodyPr/>
+        <a:lstStyle/>
+        <a:p>
+          <a:r>
+            <a:rPr lang="zh-CN" altLang="en-US" b="0" i="0" dirty="0"/>
+            <a:t>角色</a:t>
+          </a:r>
+          <a:endParaRPr lang="zh-CN" altLang="en-US" dirty="0"/>
+        </a:p>
+      </dgm:t>
+    </dgm:pt>
+    <dgm:pt modelId="{149EE4E4-AB9A-4585-B7CD-1D5DE0762BF5}" type="parTrans" cxnId="{AB85F143-A950-47AE-9DCA-EA75205289DF}">
+      <dgm:prSet/>
+      <dgm:spPr/>
+      <dgm:t>
+        <a:bodyPr/>
+        <a:lstStyle/>
+        <a:p>
+          <a:endParaRPr lang="zh-CN" altLang="en-US"/>
+        </a:p>
+      </dgm:t>
+    </dgm:pt>
+    <dgm:pt modelId="{382F1009-0FEF-47B6-B473-E692F9E7672C}" type="sibTrans" cxnId="{AB85F143-A950-47AE-9DCA-EA75205289DF}">
+      <dgm:prSet/>
+      <dgm:spPr/>
+      <dgm:t>
+        <a:bodyPr/>
+        <a:lstStyle/>
+        <a:p>
+          <a:endParaRPr lang="zh-CN" altLang="en-US"/>
+        </a:p>
+      </dgm:t>
+    </dgm:pt>
+    <dgm:pt modelId="{1DA46DA6-176B-4941-B9BE-42E0CF3C8304}">
+      <dgm:prSet phldrT="[文本]"/>
+      <dgm:spPr/>
+      <dgm:t>
+        <a:bodyPr/>
+        <a:lstStyle/>
+        <a:p>
+          <a:r>
+            <a:rPr lang="zh-CN" altLang="en-US" b="0" i="0" dirty="0"/>
+            <a:t>角色之间的关系</a:t>
+          </a:r>
+          <a:endParaRPr lang="zh-CN" altLang="en-US" dirty="0"/>
+        </a:p>
+      </dgm:t>
+    </dgm:pt>
+    <dgm:pt modelId="{D1339E8E-78F7-4DF6-B961-11E444A1B00E}" type="parTrans" cxnId="{0BED3EB5-E8E4-4281-97BB-A889B1982C58}">
+      <dgm:prSet/>
+      <dgm:spPr/>
+      <dgm:t>
+        <a:bodyPr/>
+        <a:lstStyle/>
+        <a:p>
+          <a:endParaRPr lang="zh-CN" altLang="en-US"/>
+        </a:p>
+      </dgm:t>
+    </dgm:pt>
+    <dgm:pt modelId="{DB247524-E12A-488D-AB48-895EE387E391}" type="sibTrans" cxnId="{0BED3EB5-E8E4-4281-97BB-A889B1982C58}">
+      <dgm:prSet/>
+      <dgm:spPr/>
+      <dgm:t>
+        <a:bodyPr/>
+        <a:lstStyle/>
+        <a:p>
+          <a:endParaRPr lang="zh-CN" altLang="en-US"/>
+        </a:p>
+      </dgm:t>
+    </dgm:pt>
+    <dgm:pt modelId="{5F91D832-77D5-495A-8DBA-C24B84DB0E90}">
+      <dgm:prSet phldrT="[文本]"/>
+      <dgm:spPr/>
+      <dgm:t>
+        <a:bodyPr/>
+        <a:lstStyle/>
+        <a:p>
+          <a:r>
+            <a:rPr lang="zh-CN" altLang="en-US" b="0" i="0" dirty="0"/>
+            <a:t>角色承担的职责</a:t>
+          </a:r>
+          <a:endParaRPr lang="zh-CN" altLang="en-US" dirty="0"/>
+        </a:p>
+      </dgm:t>
+    </dgm:pt>
+    <dgm:pt modelId="{4C07B90E-1FD3-49BE-BF1A-9D163209D752}" type="parTrans" cxnId="{33025A3B-F8D0-4297-9748-9378E675F4BB}">
+      <dgm:prSet/>
+      <dgm:spPr/>
+      <dgm:t>
+        <a:bodyPr/>
+        <a:lstStyle/>
+        <a:p>
+          <a:endParaRPr lang="zh-CN" altLang="en-US"/>
+        </a:p>
+      </dgm:t>
+    </dgm:pt>
+    <dgm:pt modelId="{FA9F8B1B-12A5-45F6-AC65-2ABB71311779}" type="sibTrans" cxnId="{33025A3B-F8D0-4297-9748-9378E675F4BB}">
+      <dgm:prSet/>
+      <dgm:spPr/>
+      <dgm:t>
+        <a:bodyPr/>
+        <a:lstStyle/>
+        <a:p>
+          <a:endParaRPr lang="zh-CN" altLang="en-US"/>
+        </a:p>
+      </dgm:t>
+    </dgm:pt>
+    <dgm:pt modelId="{82223557-FAA4-436F-9182-26C50426D982}">
+      <dgm:prSet phldrT="[文本]"/>
+      <dgm:spPr/>
+      <dgm:t>
+        <a:bodyPr/>
+        <a:lstStyle/>
+        <a:p>
+          <a:r>
+            <a:rPr lang="zh-CN" altLang="en-US" b="0" i="0" dirty="0"/>
+            <a:t>履行职责时触发的事件</a:t>
+          </a:r>
+          <a:endParaRPr lang="zh-CN" altLang="en-US" dirty="0"/>
+        </a:p>
+      </dgm:t>
+    </dgm:pt>
+    <dgm:pt modelId="{6229BFE3-536D-4E82-9A39-B45D3978F113}" type="parTrans" cxnId="{915E1415-A019-4F86-899F-5E4017ADFF10}">
+      <dgm:prSet/>
+      <dgm:spPr/>
+      <dgm:t>
+        <a:bodyPr/>
+        <a:lstStyle/>
+        <a:p>
+          <a:endParaRPr lang="zh-CN" altLang="en-US"/>
+        </a:p>
+      </dgm:t>
+    </dgm:pt>
+    <dgm:pt modelId="{42EA4005-D761-4576-AEE1-C7927D0BCDBB}" type="sibTrans" cxnId="{915E1415-A019-4F86-899F-5E4017ADFF10}">
+      <dgm:prSet/>
+      <dgm:spPr/>
+      <dgm:t>
+        <a:bodyPr/>
+        <a:lstStyle/>
+        <a:p>
+          <a:endParaRPr lang="zh-CN" altLang="en-US"/>
+        </a:p>
+      </dgm:t>
+    </dgm:pt>
+    <dgm:pt modelId="{1C598AF1-A120-4D6B-90DF-73E7FCE83F81}" type="pres">
+      <dgm:prSet presAssocID="{F7B21DE9-774C-42CB-898D-90F8C767BE4A}" presName="Name0" presStyleCnt="0">
+        <dgm:presLayoutVars>
+          <dgm:dir/>
+          <dgm:animLvl val="lvl"/>
+          <dgm:resizeHandles val="exact"/>
+        </dgm:presLayoutVars>
+      </dgm:prSet>
+      <dgm:spPr/>
+    </dgm:pt>
+    <dgm:pt modelId="{3C89A16F-C64F-4749-9D03-94121214DD6E}" type="pres">
+      <dgm:prSet presAssocID="{7B4BD394-0CB5-42A8-8795-6007BD68BD5E}" presName="parTxOnly" presStyleLbl="node1" presStyleIdx="0" presStyleCnt="5">
+        <dgm:presLayoutVars>
+          <dgm:chMax val="0"/>
+          <dgm:chPref val="0"/>
+          <dgm:bulletEnabled val="1"/>
+        </dgm:presLayoutVars>
+      </dgm:prSet>
+      <dgm:spPr/>
+    </dgm:pt>
+    <dgm:pt modelId="{37236517-F9F9-4113-BA6C-A87EB9872F3E}" type="pres">
+      <dgm:prSet presAssocID="{5122A951-C8A8-4FD5-BB80-2C286853F360}" presName="parTxOnlySpace" presStyleCnt="0"/>
+      <dgm:spPr/>
+    </dgm:pt>
+    <dgm:pt modelId="{EF98CF2F-3649-43EC-B900-73667C58B788}" type="pres">
+      <dgm:prSet presAssocID="{AC9116F4-F1AF-4688-BD8B-4E5615C6C76C}" presName="parTxOnly" presStyleLbl="node1" presStyleIdx="1" presStyleCnt="5">
+        <dgm:presLayoutVars>
+          <dgm:chMax val="0"/>
+          <dgm:chPref val="0"/>
+          <dgm:bulletEnabled val="1"/>
+        </dgm:presLayoutVars>
+      </dgm:prSet>
+      <dgm:spPr/>
+    </dgm:pt>
+    <dgm:pt modelId="{438940CD-12CC-46D3-91C1-62E962B9934C}" type="pres">
+      <dgm:prSet presAssocID="{382F1009-0FEF-47B6-B473-E692F9E7672C}" presName="parTxOnlySpace" presStyleCnt="0"/>
+      <dgm:spPr/>
+    </dgm:pt>
+    <dgm:pt modelId="{212A8098-6820-478B-9507-9B6EE763A8F7}" type="pres">
+      <dgm:prSet presAssocID="{1DA46DA6-176B-4941-B9BE-42E0CF3C8304}" presName="parTxOnly" presStyleLbl="node1" presStyleIdx="2" presStyleCnt="5">
+        <dgm:presLayoutVars>
+          <dgm:chMax val="0"/>
+          <dgm:chPref val="0"/>
+          <dgm:bulletEnabled val="1"/>
+        </dgm:presLayoutVars>
+      </dgm:prSet>
+      <dgm:spPr/>
+    </dgm:pt>
+    <dgm:pt modelId="{673DE2D1-B286-444D-84FD-210A4FF52B46}" type="pres">
+      <dgm:prSet presAssocID="{DB247524-E12A-488D-AB48-895EE387E391}" presName="parTxOnlySpace" presStyleCnt="0"/>
+      <dgm:spPr/>
+    </dgm:pt>
+    <dgm:pt modelId="{92BAE13D-6371-45CC-9B0A-2D246E4FCD93}" type="pres">
+      <dgm:prSet presAssocID="{5F91D832-77D5-495A-8DBA-C24B84DB0E90}" presName="parTxOnly" presStyleLbl="node1" presStyleIdx="3" presStyleCnt="5">
+        <dgm:presLayoutVars>
+          <dgm:chMax val="0"/>
+          <dgm:chPref val="0"/>
+          <dgm:bulletEnabled val="1"/>
+        </dgm:presLayoutVars>
+      </dgm:prSet>
+      <dgm:spPr/>
+    </dgm:pt>
+    <dgm:pt modelId="{CFE76E81-665E-44C8-BC76-0E74CC8C6933}" type="pres">
+      <dgm:prSet presAssocID="{FA9F8B1B-12A5-45F6-AC65-2ABB71311779}" presName="parTxOnlySpace" presStyleCnt="0"/>
+      <dgm:spPr/>
+    </dgm:pt>
+    <dgm:pt modelId="{F4C1C4F5-3C33-42C1-B008-8EBF2A4DF664}" type="pres">
+      <dgm:prSet presAssocID="{82223557-FAA4-436F-9182-26C50426D982}" presName="parTxOnly" presStyleLbl="node1" presStyleIdx="4" presStyleCnt="5">
+        <dgm:presLayoutVars>
+          <dgm:chMax val="0"/>
+          <dgm:chPref val="0"/>
+          <dgm:bulletEnabled val="1"/>
+        </dgm:presLayoutVars>
+      </dgm:prSet>
+      <dgm:spPr/>
+    </dgm:pt>
+  </dgm:ptLst>
+  <dgm:cxnLst>
+    <dgm:cxn modelId="{915E1415-A019-4F86-899F-5E4017ADFF10}" srcId="{F7B21DE9-774C-42CB-898D-90F8C767BE4A}" destId="{82223557-FAA4-436F-9182-26C50426D982}" srcOrd="4" destOrd="0" parTransId="{6229BFE3-536D-4E82-9A39-B45D3978F113}" sibTransId="{42EA4005-D761-4576-AEE1-C7927D0BCDBB}"/>
+    <dgm:cxn modelId="{3DF7A021-8EA7-4F74-A313-56E5C2191118}" type="presOf" srcId="{7B4BD394-0CB5-42A8-8795-6007BD68BD5E}" destId="{3C89A16F-C64F-4749-9D03-94121214DD6E}" srcOrd="0" destOrd="0" presId="urn:microsoft.com/office/officeart/2005/8/layout/chevron1"/>
+    <dgm:cxn modelId="{71C9A325-C896-4D65-999C-4490D147FE22}" type="presOf" srcId="{AC9116F4-F1AF-4688-BD8B-4E5615C6C76C}" destId="{EF98CF2F-3649-43EC-B900-73667C58B788}" srcOrd="0" destOrd="0" presId="urn:microsoft.com/office/officeart/2005/8/layout/chevron1"/>
+    <dgm:cxn modelId="{33025A3B-F8D0-4297-9748-9378E675F4BB}" srcId="{F7B21DE9-774C-42CB-898D-90F8C767BE4A}" destId="{5F91D832-77D5-495A-8DBA-C24B84DB0E90}" srcOrd="3" destOrd="0" parTransId="{4C07B90E-1FD3-49BE-BF1A-9D163209D752}" sibTransId="{FA9F8B1B-12A5-45F6-AC65-2ABB71311779}"/>
+    <dgm:cxn modelId="{AB85F143-A950-47AE-9DCA-EA75205289DF}" srcId="{F7B21DE9-774C-42CB-898D-90F8C767BE4A}" destId="{AC9116F4-F1AF-4688-BD8B-4E5615C6C76C}" srcOrd="1" destOrd="0" parTransId="{149EE4E4-AB9A-4585-B7CD-1D5DE0762BF5}" sibTransId="{382F1009-0FEF-47B6-B473-E692F9E7672C}"/>
+    <dgm:cxn modelId="{36BCA268-5CB9-47EF-BCC6-137CB077B3C7}" type="presOf" srcId="{82223557-FAA4-436F-9182-26C50426D982}" destId="{F4C1C4F5-3C33-42C1-B008-8EBF2A4DF664}" srcOrd="0" destOrd="0" presId="urn:microsoft.com/office/officeart/2005/8/layout/chevron1"/>
+    <dgm:cxn modelId="{93E44274-D14E-4D8E-B415-724CACA557AB}" type="presOf" srcId="{5F91D832-77D5-495A-8DBA-C24B84DB0E90}" destId="{92BAE13D-6371-45CC-9B0A-2D246E4FCD93}" srcOrd="0" destOrd="0" presId="urn:microsoft.com/office/officeart/2005/8/layout/chevron1"/>
+    <dgm:cxn modelId="{F2A68293-CEE3-416B-A554-12AFA16B881A}" srcId="{F7B21DE9-774C-42CB-898D-90F8C767BE4A}" destId="{7B4BD394-0CB5-42A8-8795-6007BD68BD5E}" srcOrd="0" destOrd="0" parTransId="{79559B38-27D2-4A15-9C81-BF9511EA025F}" sibTransId="{5122A951-C8A8-4FD5-BB80-2C286853F360}"/>
+    <dgm:cxn modelId="{0BED3EB5-E8E4-4281-97BB-A889B1982C58}" srcId="{F7B21DE9-774C-42CB-898D-90F8C767BE4A}" destId="{1DA46DA6-176B-4941-B9BE-42E0CF3C8304}" srcOrd="2" destOrd="0" parTransId="{D1339E8E-78F7-4DF6-B961-11E444A1B00E}" sibTransId="{DB247524-E12A-488D-AB48-895EE387E391}"/>
+    <dgm:cxn modelId="{BADED0E9-5C9A-40F3-8A56-F6A06813FE1B}" type="presOf" srcId="{1DA46DA6-176B-4941-B9BE-42E0CF3C8304}" destId="{212A8098-6820-478B-9507-9B6EE763A8F7}" srcOrd="0" destOrd="0" presId="urn:microsoft.com/office/officeart/2005/8/layout/chevron1"/>
+    <dgm:cxn modelId="{DBA558F0-BCFC-4AF9-B5AF-DDEE2E3E218A}" type="presOf" srcId="{F7B21DE9-774C-42CB-898D-90F8C767BE4A}" destId="{1C598AF1-A120-4D6B-90DF-73E7FCE83F81}" srcOrd="0" destOrd="0" presId="urn:microsoft.com/office/officeart/2005/8/layout/chevron1"/>
+    <dgm:cxn modelId="{20EE739F-F15D-48DA-BA8D-D65C95E6FEF8}" type="presParOf" srcId="{1C598AF1-A120-4D6B-90DF-73E7FCE83F81}" destId="{3C89A16F-C64F-4749-9D03-94121214DD6E}" srcOrd="0" destOrd="0" presId="urn:microsoft.com/office/officeart/2005/8/layout/chevron1"/>
+    <dgm:cxn modelId="{F65827C7-C8E1-4E56-BFCD-43F74955AB1B}" type="presParOf" srcId="{1C598AF1-A120-4D6B-90DF-73E7FCE83F81}" destId="{37236517-F9F9-4113-BA6C-A87EB9872F3E}" srcOrd="1" destOrd="0" presId="urn:microsoft.com/office/officeart/2005/8/layout/chevron1"/>
+    <dgm:cxn modelId="{C77C894E-32C5-46DC-AD52-332B9691CD3A}" type="presParOf" srcId="{1C598AF1-A120-4D6B-90DF-73E7FCE83F81}" destId="{EF98CF2F-3649-43EC-B900-73667C58B788}" srcOrd="2" destOrd="0" presId="urn:microsoft.com/office/officeart/2005/8/layout/chevron1"/>
+    <dgm:cxn modelId="{9AE83306-BD6F-4CA1-A64B-4A675D215DA7}" type="presParOf" srcId="{1C598AF1-A120-4D6B-90DF-73E7FCE83F81}" destId="{438940CD-12CC-46D3-91C1-62E962B9934C}" srcOrd="3" destOrd="0" presId="urn:microsoft.com/office/officeart/2005/8/layout/chevron1"/>
+    <dgm:cxn modelId="{C1CD2A7A-4D7B-4957-9EFB-E2291B8023B4}" type="presParOf" srcId="{1C598AF1-A120-4D6B-90DF-73E7FCE83F81}" destId="{212A8098-6820-478B-9507-9B6EE763A8F7}" srcOrd="4" destOrd="0" presId="urn:microsoft.com/office/officeart/2005/8/layout/chevron1"/>
+    <dgm:cxn modelId="{1E9CCC8D-0446-49DB-8145-13741725900A}" type="presParOf" srcId="{1C598AF1-A120-4D6B-90DF-73E7FCE83F81}" destId="{673DE2D1-B286-444D-84FD-210A4FF52B46}" srcOrd="5" destOrd="0" presId="urn:microsoft.com/office/officeart/2005/8/layout/chevron1"/>
+    <dgm:cxn modelId="{21DAEF8D-1D3A-44D5-B1CE-E075CC7A0064}" type="presParOf" srcId="{1C598AF1-A120-4D6B-90DF-73E7FCE83F81}" destId="{92BAE13D-6371-45CC-9B0A-2D246E4FCD93}" srcOrd="6" destOrd="0" presId="urn:microsoft.com/office/officeart/2005/8/layout/chevron1"/>
+    <dgm:cxn modelId="{1525D412-A1E0-4FE4-B032-837632A74512}" type="presParOf" srcId="{1C598AF1-A120-4D6B-90DF-73E7FCE83F81}" destId="{CFE76E81-665E-44C8-BC76-0E74CC8C6933}" srcOrd="7" destOrd="0" presId="urn:microsoft.com/office/officeart/2005/8/layout/chevron1"/>
+    <dgm:cxn modelId="{B620F6D6-D014-4548-87EC-6B44B575E98B}" type="presParOf" srcId="{1C598AF1-A120-4D6B-90DF-73E7FCE83F81}" destId="{F4C1C4F5-3C33-42C1-B008-8EBF2A4DF664}" srcOrd="8" destOrd="0" presId="urn:microsoft.com/office/officeart/2005/8/layout/chevron1"/>
+  </dgm:cxnLst>
+  <dgm:bg/>
+  <dgm:whole/>
+  <dgm:extLst>
+    <a:ext uri="http://schemas.microsoft.com/office/drawing/2008/diagram">
+      <dsp:dataModelExt xmlns:dsp="http://schemas.microsoft.com/office/drawing/2008/diagram" relId="rId6" minVer="http://schemas.openxmlformats.org/drawingml/2006/diagram"/>
+    </a:ext>
+  </dgm:extLst>
+</dgm:dataModel>
+</file>
+
+<file path=ppt/diagrams/drawing1.xml><?xml version="1.0" encoding="utf-8"?>
+<dsp:drawing xmlns:dgm="http://schemas.openxmlformats.org/drawingml/2006/diagram" xmlns:dsp="http://schemas.microsoft.com/office/drawing/2008/diagram" xmlns:a="http://schemas.openxmlformats.org/drawingml/2006/main">
+  <dsp:spTree>
+    <dsp:nvGrpSpPr>
+      <dsp:cNvPr id="0" name=""/>
+      <dsp:cNvGrpSpPr/>
+    </dsp:nvGrpSpPr>
+    <dsp:grpSpPr/>
+    <dsp:sp modelId="{3C89A16F-C64F-4749-9D03-94121214DD6E}">
+      <dsp:nvSpPr>
+        <dsp:cNvPr id="0" name=""/>
+        <dsp:cNvSpPr/>
+      </dsp:nvSpPr>
+      <dsp:spPr>
+        <a:xfrm>
+          <a:off x="1984" y="128809"/>
+          <a:ext cx="1766093" cy="706437"/>
+        </a:xfrm>
+        <a:prstGeom prst="chevron">
+          <a:avLst/>
+        </a:prstGeom>
+        <a:solidFill>
+          <a:schemeClr val="accent1">
+            <a:hueOff val="0"/>
+            <a:satOff val="0"/>
+            <a:lumOff val="0"/>
+            <a:alphaOff val="0"/>
+          </a:schemeClr>
+        </a:solidFill>
+        <a:ln w="12700" cap="flat" cmpd="sng" algn="ctr">
+          <a:solidFill>
+            <a:schemeClr val="lt1">
+              <a:hueOff val="0"/>
+              <a:satOff val="0"/>
+              <a:lumOff val="0"/>
+              <a:alphaOff val="0"/>
+            </a:schemeClr>
+          </a:solidFill>
+          <a:prstDash val="solid"/>
+          <a:miter lim="800000"/>
+        </a:ln>
+        <a:effectLst/>
+      </dsp:spPr>
+      <dsp:style>
+        <a:lnRef idx="2">
+          <a:scrgbClr r="0" g="0" b="0"/>
+        </a:lnRef>
+        <a:fillRef idx="1">
+          <a:scrgbClr r="0" g="0" b="0"/>
+        </a:fillRef>
+        <a:effectRef idx="0">
+          <a:scrgbClr r="0" g="0" b="0"/>
+        </a:effectRef>
+        <a:fontRef idx="minor">
+          <a:schemeClr val="lt1"/>
+        </a:fontRef>
+      </dsp:style>
+      <dsp:txBody>
+        <a:bodyPr spcFirstLastPara="0" vert="horz" wrap="square" lIns="60008" tIns="20003" rIns="20003" bIns="20003" numCol="1" spcCol="1270" anchor="ctr" anchorCtr="0">
+          <a:noAutofit/>
+        </a:bodyPr>
+        <a:lstStyle/>
+        <a:p>
+          <a:pPr marL="0" lvl="0" indent="0" algn="ctr" defTabSz="666750">
+            <a:lnSpc>
+              <a:spcPct val="90000"/>
+            </a:lnSpc>
+            <a:spcBef>
+              <a:spcPct val="0"/>
+            </a:spcBef>
+            <a:spcAft>
+              <a:spcPct val="35000"/>
+            </a:spcAft>
+            <a:buNone/>
+          </a:pPr>
+          <a:r>
+            <a:rPr lang="zh-CN" altLang="en-US" sz="1500" b="0" i="0" kern="1200"/>
+            <a:t>架构</a:t>
+          </a:r>
+          <a:endParaRPr lang="zh-CN" altLang="en-US" sz="1500" kern="1200" dirty="0"/>
+        </a:p>
+      </dsp:txBody>
+      <dsp:txXfrm>
+        <a:off x="355203" y="128809"/>
+        <a:ext cx="1059656" cy="706437"/>
+      </dsp:txXfrm>
+    </dsp:sp>
+    <dsp:sp modelId="{EF98CF2F-3649-43EC-B900-73667C58B788}">
+      <dsp:nvSpPr>
+        <dsp:cNvPr id="0" name=""/>
+        <dsp:cNvSpPr/>
+      </dsp:nvSpPr>
+      <dsp:spPr>
+        <a:xfrm>
+          <a:off x="1591468" y="128809"/>
+          <a:ext cx="1766093" cy="706437"/>
+        </a:xfrm>
+        <a:prstGeom prst="chevron">
+          <a:avLst/>
+        </a:prstGeom>
+        <a:solidFill>
+          <a:schemeClr val="accent1">
+            <a:hueOff val="0"/>
+            <a:satOff val="0"/>
+            <a:lumOff val="0"/>
+            <a:alphaOff val="0"/>
+          </a:schemeClr>
+        </a:solidFill>
+        <a:ln w="12700" cap="flat" cmpd="sng" algn="ctr">
+          <a:solidFill>
+            <a:schemeClr val="lt1">
+              <a:hueOff val="0"/>
+              <a:satOff val="0"/>
+              <a:lumOff val="0"/>
+              <a:alphaOff val="0"/>
+            </a:schemeClr>
+          </a:solidFill>
+          <a:prstDash val="solid"/>
+          <a:miter lim="800000"/>
+        </a:ln>
+        <a:effectLst/>
+      </dsp:spPr>
+      <dsp:style>
+        <a:lnRef idx="2">
+          <a:scrgbClr r="0" g="0" b="0"/>
+        </a:lnRef>
+        <a:fillRef idx="1">
+          <a:scrgbClr r="0" g="0" b="0"/>
+        </a:fillRef>
+        <a:effectRef idx="0">
+          <a:scrgbClr r="0" g="0" b="0"/>
+        </a:effectRef>
+        <a:fontRef idx="minor">
+          <a:schemeClr val="lt1"/>
+        </a:fontRef>
+      </dsp:style>
+      <dsp:txBody>
+        <a:bodyPr spcFirstLastPara="0" vert="horz" wrap="square" lIns="60008" tIns="20003" rIns="20003" bIns="20003" numCol="1" spcCol="1270" anchor="ctr" anchorCtr="0">
+          <a:noAutofit/>
+        </a:bodyPr>
+        <a:lstStyle/>
+        <a:p>
+          <a:pPr marL="0" lvl="0" indent="0" algn="ctr" defTabSz="666750">
+            <a:lnSpc>
+              <a:spcPct val="90000"/>
+            </a:lnSpc>
+            <a:spcBef>
+              <a:spcPct val="0"/>
+            </a:spcBef>
+            <a:spcAft>
+              <a:spcPct val="35000"/>
+            </a:spcAft>
+            <a:buNone/>
+          </a:pPr>
+          <a:r>
+            <a:rPr lang="zh-CN" altLang="en-US" sz="1500" b="0" i="0" kern="1200" dirty="0"/>
+            <a:t>角色</a:t>
+          </a:r>
+          <a:endParaRPr lang="zh-CN" altLang="en-US" sz="1500" kern="1200" dirty="0"/>
+        </a:p>
+      </dsp:txBody>
+      <dsp:txXfrm>
+        <a:off x="1944687" y="128809"/>
+        <a:ext cx="1059656" cy="706437"/>
+      </dsp:txXfrm>
+    </dsp:sp>
+    <dsp:sp modelId="{212A8098-6820-478B-9507-9B6EE763A8F7}">
+      <dsp:nvSpPr>
+        <dsp:cNvPr id="0" name=""/>
+        <dsp:cNvSpPr/>
+      </dsp:nvSpPr>
+      <dsp:spPr>
+        <a:xfrm>
+          <a:off x="3180953" y="128809"/>
+          <a:ext cx="1766093" cy="706437"/>
+        </a:xfrm>
+        <a:prstGeom prst="chevron">
+          <a:avLst/>
+        </a:prstGeom>
+        <a:solidFill>
+          <a:schemeClr val="accent1">
+            <a:hueOff val="0"/>
+            <a:satOff val="0"/>
+            <a:lumOff val="0"/>
+            <a:alphaOff val="0"/>
+          </a:schemeClr>
+        </a:solidFill>
+        <a:ln w="12700" cap="flat" cmpd="sng" algn="ctr">
+          <a:solidFill>
+            <a:schemeClr val="lt1">
+              <a:hueOff val="0"/>
+              <a:satOff val="0"/>
+              <a:lumOff val="0"/>
+              <a:alphaOff val="0"/>
+            </a:schemeClr>
+          </a:solidFill>
+          <a:prstDash val="solid"/>
+          <a:miter lim="800000"/>
+        </a:ln>
+        <a:effectLst/>
+      </dsp:spPr>
+      <dsp:style>
+        <a:lnRef idx="2">
+          <a:scrgbClr r="0" g="0" b="0"/>
+        </a:lnRef>
+        <a:fillRef idx="1">
+          <a:scrgbClr r="0" g="0" b="0"/>
+        </a:fillRef>
+        <a:effectRef idx="0">
+          <a:scrgbClr r="0" g="0" b="0"/>
+        </a:effectRef>
+        <a:fontRef idx="minor">
+          <a:schemeClr val="lt1"/>
+        </a:fontRef>
+      </dsp:style>
+      <dsp:txBody>
+        <a:bodyPr spcFirstLastPara="0" vert="horz" wrap="square" lIns="60008" tIns="20003" rIns="20003" bIns="20003" numCol="1" spcCol="1270" anchor="ctr" anchorCtr="0">
+          <a:noAutofit/>
+        </a:bodyPr>
+        <a:lstStyle/>
+        <a:p>
+          <a:pPr marL="0" lvl="0" indent="0" algn="ctr" defTabSz="666750">
+            <a:lnSpc>
+              <a:spcPct val="90000"/>
+            </a:lnSpc>
+            <a:spcBef>
+              <a:spcPct val="0"/>
+            </a:spcBef>
+            <a:spcAft>
+              <a:spcPct val="35000"/>
+            </a:spcAft>
+            <a:buNone/>
+          </a:pPr>
+          <a:r>
+            <a:rPr lang="zh-CN" altLang="en-US" sz="1500" b="0" i="0" kern="1200" dirty="0"/>
+            <a:t>角色之间的关系</a:t>
+          </a:r>
+          <a:endParaRPr lang="zh-CN" altLang="en-US" sz="1500" kern="1200" dirty="0"/>
+        </a:p>
+      </dsp:txBody>
+      <dsp:txXfrm>
+        <a:off x="3534172" y="128809"/>
+        <a:ext cx="1059656" cy="706437"/>
+      </dsp:txXfrm>
+    </dsp:sp>
+    <dsp:sp modelId="{92BAE13D-6371-45CC-9B0A-2D246E4FCD93}">
+      <dsp:nvSpPr>
+        <dsp:cNvPr id="0" name=""/>
+        <dsp:cNvSpPr/>
+      </dsp:nvSpPr>
+      <dsp:spPr>
+        <a:xfrm>
+          <a:off x="4770437" y="128809"/>
+          <a:ext cx="1766093" cy="706437"/>
+        </a:xfrm>
+        <a:prstGeom prst="chevron">
+          <a:avLst/>
+        </a:prstGeom>
+        <a:solidFill>
+          <a:schemeClr val="accent1">
+            <a:hueOff val="0"/>
+            <a:satOff val="0"/>
+            <a:lumOff val="0"/>
+            <a:alphaOff val="0"/>
+          </a:schemeClr>
+        </a:solidFill>
+        <a:ln w="12700" cap="flat" cmpd="sng" algn="ctr">
+          <a:solidFill>
+            <a:schemeClr val="lt1">
+              <a:hueOff val="0"/>
+              <a:satOff val="0"/>
+              <a:lumOff val="0"/>
+              <a:alphaOff val="0"/>
+            </a:schemeClr>
+          </a:solidFill>
+          <a:prstDash val="solid"/>
+          <a:miter lim="800000"/>
+        </a:ln>
+        <a:effectLst/>
+      </dsp:spPr>
+      <dsp:style>
+        <a:lnRef idx="2">
+          <a:scrgbClr r="0" g="0" b="0"/>
+        </a:lnRef>
+        <a:fillRef idx="1">
+          <a:scrgbClr r="0" g="0" b="0"/>
+        </a:fillRef>
+        <a:effectRef idx="0">
+          <a:scrgbClr r="0" g="0" b="0"/>
+        </a:effectRef>
+        <a:fontRef idx="minor">
+          <a:schemeClr val="lt1"/>
+        </a:fontRef>
+      </dsp:style>
+      <dsp:txBody>
+        <a:bodyPr spcFirstLastPara="0" vert="horz" wrap="square" lIns="60008" tIns="20003" rIns="20003" bIns="20003" numCol="1" spcCol="1270" anchor="ctr" anchorCtr="0">
+          <a:noAutofit/>
+        </a:bodyPr>
+        <a:lstStyle/>
+        <a:p>
+          <a:pPr marL="0" lvl="0" indent="0" algn="ctr" defTabSz="666750">
+            <a:lnSpc>
+              <a:spcPct val="90000"/>
+            </a:lnSpc>
+            <a:spcBef>
+              <a:spcPct val="0"/>
+            </a:spcBef>
+            <a:spcAft>
+              <a:spcPct val="35000"/>
+            </a:spcAft>
+            <a:buNone/>
+          </a:pPr>
+          <a:r>
+            <a:rPr lang="zh-CN" altLang="en-US" sz="1500" b="0" i="0" kern="1200" dirty="0"/>
+            <a:t>角色承担的职责</a:t>
+          </a:r>
+          <a:endParaRPr lang="zh-CN" altLang="en-US" sz="1500" kern="1200" dirty="0"/>
+        </a:p>
+      </dsp:txBody>
+      <dsp:txXfrm>
+        <a:off x="5123656" y="128809"/>
+        <a:ext cx="1059656" cy="706437"/>
+      </dsp:txXfrm>
+    </dsp:sp>
+    <dsp:sp modelId="{F4C1C4F5-3C33-42C1-B008-8EBF2A4DF664}">
+      <dsp:nvSpPr>
+        <dsp:cNvPr id="0" name=""/>
+        <dsp:cNvSpPr/>
+      </dsp:nvSpPr>
+      <dsp:spPr>
+        <a:xfrm>
+          <a:off x="6359921" y="128809"/>
+          <a:ext cx="1766093" cy="706437"/>
+        </a:xfrm>
+        <a:prstGeom prst="chevron">
+          <a:avLst/>
+        </a:prstGeom>
+        <a:solidFill>
+          <a:schemeClr val="accent1">
+            <a:hueOff val="0"/>
+            <a:satOff val="0"/>
+            <a:lumOff val="0"/>
+            <a:alphaOff val="0"/>
+          </a:schemeClr>
+        </a:solidFill>
+        <a:ln w="12700" cap="flat" cmpd="sng" algn="ctr">
+          <a:solidFill>
+            <a:schemeClr val="lt1">
+              <a:hueOff val="0"/>
+              <a:satOff val="0"/>
+              <a:lumOff val="0"/>
+              <a:alphaOff val="0"/>
+            </a:schemeClr>
+          </a:solidFill>
+          <a:prstDash val="solid"/>
+          <a:miter lim="800000"/>
+        </a:ln>
+        <a:effectLst/>
+      </dsp:spPr>
+      <dsp:style>
+        <a:lnRef idx="2">
+          <a:scrgbClr r="0" g="0" b="0"/>
+        </a:lnRef>
+        <a:fillRef idx="1">
+          <a:scrgbClr r="0" g="0" b="0"/>
+        </a:fillRef>
+        <a:effectRef idx="0">
+          <a:scrgbClr r="0" g="0" b="0"/>
+        </a:effectRef>
+        <a:fontRef idx="minor">
+          <a:schemeClr val="lt1"/>
+        </a:fontRef>
+      </dsp:style>
+      <dsp:txBody>
+        <a:bodyPr spcFirstLastPara="0" vert="horz" wrap="square" lIns="60008" tIns="20003" rIns="20003" bIns="20003" numCol="1" spcCol="1270" anchor="ctr" anchorCtr="0">
+          <a:noAutofit/>
+        </a:bodyPr>
+        <a:lstStyle/>
+        <a:p>
+          <a:pPr marL="0" lvl="0" indent="0" algn="ctr" defTabSz="666750">
+            <a:lnSpc>
+              <a:spcPct val="90000"/>
+            </a:lnSpc>
+            <a:spcBef>
+              <a:spcPct val="0"/>
+            </a:spcBef>
+            <a:spcAft>
+              <a:spcPct val="35000"/>
+            </a:spcAft>
+            <a:buNone/>
+          </a:pPr>
+          <a:r>
+            <a:rPr lang="zh-CN" altLang="en-US" sz="1500" b="0" i="0" kern="1200" dirty="0"/>
+            <a:t>履行职责时触发的事件</a:t>
+          </a:r>
+          <a:endParaRPr lang="zh-CN" altLang="en-US" sz="1500" kern="1200" dirty="0"/>
+        </a:p>
+      </dsp:txBody>
+      <dsp:txXfrm>
+        <a:off x="6713140" y="128809"/>
+        <a:ext cx="1059656" cy="706437"/>
+      </dsp:txXfrm>
+    </dsp:sp>
+  </dsp:spTree>
+</dsp:drawing>
+</file>
+
+<file path=ppt/diagrams/layout1.xml><?xml version="1.0" encoding="utf-8"?>
+<dgm:layoutDef xmlns:dgm="http://schemas.openxmlformats.org/drawingml/2006/diagram" xmlns:a="http://schemas.openxmlformats.org/drawingml/2006/main" uniqueId="urn:microsoft.com/office/officeart/2005/8/layout/chevron1">
+  <dgm:title val=""/>
+  <dgm:desc val=""/>
+  <dgm:catLst>
+    <dgm:cat type="process" pri="9000"/>
+  </dgm:catLst>
+  <dgm:sampData useDef="1">
+    <dgm:dataModel>
+      <dgm:ptLst/>
+      <dgm:bg/>
+      <dgm:whole/>
+    </dgm:dataModel>
+  </dgm:sampData>
+  <dgm:styleData>
+    <dgm:dataModel>
+      <dgm:ptLst>
+        <dgm:pt modelId="0" type="doc"/>
+        <dgm:pt modelId="1"/>
+        <dgm:pt modelId="2"/>
+      </dgm:ptLst>
+      <dgm:cxnLst>
+        <dgm:cxn modelId="3" srcId="0" destId="1" srcOrd="0" destOrd="0"/>
+        <dgm:cxn modelId="4" srcId="0" destId="2" srcOrd="1" destOrd="0"/>
+      </dgm:cxnLst>
+      <dgm:bg/>
+      <dgm:whole/>
+    </dgm:dataModel>
+  </dgm:styleData>
+  <dgm:clrData>
+    <dgm:dataModel>
+      <dgm:ptLst>
+        <dgm:pt modelId="0" type="doc"/>
+        <dgm:pt modelId="1"/>
+        <dgm:pt modelId="2"/>
+        <dgm:pt modelId="3"/>
+        <dgm:pt modelId="4"/>
+      </dgm:ptLst>
+      <dgm:cxnLst>
+        <dgm:cxn modelId="5" srcId="0" destId="1" srcOrd="0" destOrd="0"/>
+        <dgm:cxn modelId="6" srcId="0" destId="2" srcOrd="1" destOrd="0"/>
+        <dgm:cxn modelId="7" srcId="0" destId="3" srcOrd="2" destOrd="0"/>
+        <dgm:cxn modelId="8" srcId="0" destId="4" srcOrd="3" destOrd="0"/>
+      </dgm:cxnLst>
+      <dgm:bg/>
+      <dgm:whole/>
+    </dgm:dataModel>
+  </dgm:clrData>
+  <dgm:layoutNode name="Name0">
+    <dgm:varLst>
+      <dgm:dir/>
+      <dgm:animLvl val="lvl"/>
+      <dgm:resizeHandles val="exact"/>
+    </dgm:varLst>
+    <dgm:choose name="Name1">
+      <dgm:if name="Name2" func="var" arg="dir" op="equ" val="norm">
+        <dgm:alg type="lin"/>
+      </dgm:if>
+      <dgm:else name="Name3">
+        <dgm:alg type="lin">
+          <dgm:param type="linDir" val="fromR"/>
+        </dgm:alg>
+      </dgm:else>
+    </dgm:choose>
+    <dgm:shape xmlns:r="http://schemas.openxmlformats.org/officeDocument/2006/relationships" r:blip="">
+      <dgm:adjLst/>
+    </dgm:shape>
+    <dgm:presOf/>
+    <dgm:choose name="Name4">
+      <dgm:if name="Name5" axis="des" func="maxDepth" op="gte" val="2">
+        <dgm:constrLst>
+          <dgm:constr type="h" for="ch" forName="composite" refType="h"/>
+          <dgm:constr type="w" for="ch" forName="composite" refType="w"/>
+          <dgm:constr type="w" for="des" forName="parTx"/>
+          <dgm:constr type="h" for="des" forName="parTx" op="equ"/>
+          <dgm:constr type="w" for="des" forName="desTx"/>
+          <dgm:constr type="h" for="des" forName="desTx" op="equ"/>
+          <dgm:constr type="primFontSz" for="des" forName="parTx" val="65"/>
+          <dgm:constr type="secFontSz" for="des" forName="desTx" refType="primFontSz" refFor="des" refForName="parTx" op="equ"/>
+          <dgm:constr type="h" for="des" forName="parTx" refType="primFontSz" refFor="des" refForName="parTx" fact="1.5"/>
+          <dgm:constr type="h" for="des" forName="desTx" refType="primFontSz" refFor="des" refForName="parTx" fact="0.5"/>
+          <dgm:constr type="w" for="ch" forName="space" op="equ" val="-6"/>
+        </dgm:constrLst>
+        <dgm:ruleLst>
+          <dgm:rule type="w" for="ch" forName="composite" val="0" fact="NaN" max="NaN"/>
+          <dgm:rule type="primFontSz" for="des" forName="parTx" val="5" fact="NaN" max="NaN"/>
+        </dgm:ruleLst>
+        <dgm:forEach name="Name6" axis="ch" ptType="node">
+          <dgm:layoutNode name="composite">
+            <dgm:alg type="composite"/>
+            <dgm:shape xmlns:r="http://schemas.openxmlformats.org/officeDocument/2006/relationships" r:blip="">
+              <dgm:adjLst/>
+            </dgm:shape>
+            <dgm:presOf/>
+            <dgm:choose name="Name7">
+              <dgm:if name="Name8" func="var" arg="dir" op="equ" val="norm">
+                <dgm:constrLst>
+                  <dgm:constr type="l" for="ch" forName="parTx"/>
+                  <dgm:constr type="w" for="ch" forName="parTx" refType="w"/>
+                  <dgm:constr type="t" for="ch" forName="parTx"/>
+                  <dgm:constr type="l" for="ch" forName="desTx"/>
+                  <dgm:constr type="w" for="ch" forName="desTx" refType="w" refFor="ch" refForName="parTx" fact="0.8"/>
+                  <dgm:constr type="t" for="ch" forName="desTx" refType="h" refFor="ch" refForName="parTx" fact="1.125"/>
+                </dgm:constrLst>
+              </dgm:if>
+              <dgm:else name="Name9">
+                <dgm:constrLst>
+                  <dgm:constr type="l" for="ch" forName="parTx"/>
+                  <dgm:constr type="w" for="ch" forName="parTx" refType="w"/>
+                  <dgm:constr type="t" for="ch" forName="parTx"/>
+                  <dgm:constr type="l" for="ch" forName="desTx" refType="w" fact="0.2"/>
+                  <dgm:constr type="w" for="ch" forName="desTx" refType="w" refFor="ch" refForName="parTx" fact="0.8"/>
+                  <dgm:constr type="t" for="ch" forName="desTx" refType="h" refFor="ch" refForName="parTx" fact="1.125"/>
+                </dgm:constrLst>
+              </dgm:else>
+            </dgm:choose>
+            <dgm:ruleLst>
+              <dgm:rule type="h" val="INF" fact="NaN" max="NaN"/>
+            </dgm:ruleLst>
+            <dgm:layoutNode name="parTx">
+              <dgm:varLst>
+                <dgm:chMax val="0"/>
+                <dgm:chPref val="0"/>
+                <dgm:bulletEnabled val="1"/>
+              </dgm:varLst>
+              <dgm:alg type="tx"/>
+              <dgm:choose name="Name10">
+                <dgm:if name="Name11" func="var" arg="dir" op="equ" val="norm">
+                  <dgm:shape xmlns:r="http://schemas.openxmlformats.org/officeDocument/2006/relationships" type="chevron" r:blip="">
+                    <dgm:adjLst/>
+                  </dgm:shape>
+                </dgm:if>
+                <dgm:else name="Name12">
+                  <dgm:shape xmlns:r="http://schemas.openxmlformats.org/officeDocument/2006/relationships" rot="180" type="chevron" r:blip="">
+                    <dgm:adjLst/>
+                  </dgm:shape>
+                </dgm:else>
+              </dgm:choose>
+              <dgm:presOf axis="self" ptType="node"/>
+              <dgm:choose name="Name13">
+                <dgm:if name="Name14" func="var" arg="dir" op="equ" val="norm">
+                  <dgm:constrLst>
+                    <dgm:constr type="h" refType="w" op="lte" fact="0.4"/>
+                    <dgm:constr type="h"/>
+                    <dgm:constr type="tMarg" refType="primFontSz" fact="0.105"/>
+                    <dgm:constr type="bMarg" refType="primFontSz" fact="0.105"/>
+                    <dgm:constr type="lMarg" refType="primFontSz" fact="0.315"/>
+                    <dgm:constr type="rMarg" refType="primFontSz" fact="0.105"/>
+                  </dgm:constrLst>
+                </dgm:if>
+                <dgm:else name="Name15">
+                  <dgm:constrLst>
+                    <dgm:constr type="h" refType="w" op="lte" fact="0.4"/>
+                    <dgm:constr type="h"/>
+                    <dgm:constr type="tMarg" refType="primFontSz" fact="0.105"/>
+                    <dgm:constr type="bMarg" refType="primFontSz" fact="0.105"/>
+                    <dgm:constr type="lMarg" refType="primFontSz" fact="0.105"/>
+                    <dgm:constr type="rMarg" refType="primFontSz" fact="0.315"/>
+                  </dgm:constrLst>
+                </dgm:else>
+              </dgm:choose>
+              <dgm:ruleLst>
+                <dgm:rule type="h" val="INF" fact="NaN" max="NaN"/>
+              </dgm:ruleLst>
+            </dgm:layoutNode>
+            <dgm:layoutNode name="desTx" styleLbl="revTx">
+              <dgm:varLst>
+                <dgm:bulletEnabled val="1"/>
+              </dgm:varLst>
+              <dgm:alg type="tx">
+                <dgm:param type="stBulletLvl" val="1"/>
+              </dgm:alg>
+              <dgm:choose name="Name16">
+                <dgm:if name="Name17" axis="ch" ptType="node" func="cnt" op="gte" val="1">
+                  <dgm:shape xmlns:r="http://schemas.openxmlformats.org/officeDocument/2006/relationships" type="rect" r:blip="">
+                    <dgm:adjLst/>
+                  </dgm:shape>
+                </dgm:if>
+                <dgm:else name="Name18">
+                  <dgm:shape xmlns:r="http://schemas.openxmlformats.org/officeDocument/2006/relationships" type="rect" r:blip="" hideGeom="1">
+                    <dgm:adjLst/>
+                  </dgm:shape>
+                </dgm:else>
+              </dgm:choose>
+              <dgm:presOf axis="des" ptType="node"/>
+              <dgm:constrLst>
+                <dgm:constr type="secFontSz" val="65"/>
+                <dgm:constr type="primFontSz" refType="secFontSz"/>
+                <dgm:constr type="h"/>
+                <dgm:constr type="tMarg"/>
+                <dgm:constr type="bMarg"/>
+                <dgm:constr type="rMarg"/>
+                <dgm:constr type="lMarg"/>
+              </dgm:constrLst>
+              <dgm:ruleLst>
+                <dgm:rule type="h" val="INF" fact="NaN" max="NaN"/>
+              </dgm:ruleLst>
+            </dgm:layoutNode>
+          </dgm:layoutNode>
+          <dgm:forEach name="Name19" axis="followSib" ptType="sibTrans" cnt="1">
+            <dgm:layoutNode name="space">
+              <dgm:alg type="sp"/>
+              <dgm:shape xmlns:r="http://schemas.openxmlformats.org/officeDocument/2006/relationships" r:blip="">
+                <dgm:adjLst/>
+              </dgm:shape>
+              <dgm:presOf/>
+              <dgm:constrLst/>
+              <dgm:ruleLst/>
+            </dgm:layoutNode>
+          </dgm:forEach>
+        </dgm:forEach>
+      </dgm:if>
+      <dgm:else name="Name20">
+        <dgm:constrLst>
+          <dgm:constr type="w" for="ch" forName="parTxOnly" refType="w"/>
+          <dgm:constr type="h" for="des" forName="parTxOnly" op="equ"/>
+          <dgm:constr type="primFontSz" for="des" forName="parTxOnly" op="equ" val="65"/>
+          <dgm:constr type="w" for="ch" forName="parTxOnlySpace" refType="w" refFor="ch" refForName="parTxOnly" fact="-0.1"/>
+        </dgm:constrLst>
+        <dgm:ruleLst/>
+        <dgm:forEach name="Name21" axis="ch" ptType="node">
+          <dgm:layoutNode name="parTxOnly">
+            <dgm:varLst>
+              <dgm:chMax val="0"/>
+              <dgm:chPref val="0"/>
+              <dgm:bulletEnabled val="1"/>
+            </dgm:varLst>
+            <dgm:alg type="tx"/>
+            <dgm:choose name="Name22">
+              <dgm:if name="Name23" func="var" arg="dir" op="equ" val="norm">
+                <dgm:shape xmlns:r="http://schemas.openxmlformats.org/officeDocument/2006/relationships" type="chevron" r:blip="">
+                  <dgm:adjLst/>
+                </dgm:shape>
+              </dgm:if>
+              <dgm:else name="Name24">
+                <dgm:shape xmlns:r="http://schemas.openxmlformats.org/officeDocument/2006/relationships" rot="180" type="chevron" r:blip="">
+                  <dgm:adjLst/>
+                </dgm:shape>
+              </dgm:else>
+            </dgm:choose>
+            <dgm:presOf axis="self" ptType="node"/>
+            <dgm:choose name="Name25">
+              <dgm:if name="Name26" func="var" arg="dir" op="equ" val="norm">
+                <dgm:constrLst>
+                  <dgm:constr type="h" refType="w" op="equ" fact="0.4"/>
+                  <dgm:constr type="tMarg" refType="primFontSz" fact="0.105"/>
+                  <dgm:constr type="bMarg" refType="primFontSz" fact="0.105"/>
+                  <dgm:constr type="lMarg" refType="primFontSz" fact="0.315"/>
+                  <dgm:constr type="rMarg" refType="primFontSz" fact="0.105"/>
+                </dgm:constrLst>
+              </dgm:if>
+              <dgm:else name="Name27">
+                <dgm:constrLst>
+                  <dgm:constr type="h" refType="w" op="equ" fact="0.4"/>
+                  <dgm:constr type="tMarg" refType="primFontSz" fact="0.105"/>
+                  <dgm:constr type="bMarg" refType="primFontSz" fact="0.105"/>
+                  <dgm:constr type="lMarg" refType="primFontSz" fact="0.105"/>
+                  <dgm:constr type="rMarg" refType="primFontSz" fact="0.315"/>
+                </dgm:constrLst>
+              </dgm:else>
+            </dgm:choose>
+            <dgm:ruleLst>
+              <dgm:rule type="primFontSz" val="5" fact="NaN" max="NaN"/>
+            </dgm:ruleLst>
+          </dgm:layoutNode>
+          <dgm:forEach name="Name28" axis="followSib" ptType="sibTrans" cnt="1">
+            <dgm:layoutNode name="parTxOnlySpace">
+              <dgm:alg type="sp"/>
+              <dgm:shape xmlns:r="http://schemas.openxmlformats.org/officeDocument/2006/relationships" r:blip="">
+                <dgm:adjLst/>
+              </dgm:shape>
+              <dgm:presOf/>
+              <dgm:constrLst/>
+              <dgm:ruleLst/>
+            </dgm:layoutNode>
+          </dgm:forEach>
+        </dgm:forEach>
+      </dgm:else>
+    </dgm:choose>
+  </dgm:layoutNode>
+</dgm:layoutDef>
+</file>
+
+<file path=ppt/diagrams/quickStyle1.xml><?xml version="1.0" encoding="utf-8"?>
+<dgm:styleDef xmlns:dgm="http://schemas.openxmlformats.org/drawingml/2006/diagram" xmlns:a="http://schemas.openxmlformats.org/drawingml/2006/main" uniqueId="urn:microsoft.com/office/officeart/2005/8/quickstyle/simple1">
+  <dgm:title val=""/>
+  <dgm:desc val=""/>
+  <dgm:catLst>
+    <dgm:cat type="simple" pri="10100"/>
+  </dgm:catLst>
+  <dgm:scene3d>
+    <a:camera prst="orthographicFront"/>
+    <a:lightRig rig="threePt" dir="t"/>
+  </dgm:scene3d>
+  <dgm:styleLbl name="node0">
+    <dgm:scene3d>
+      <a:camera prst="orthographicFront"/>
+      <a:lightRig rig="threePt" dir="t"/>
+    </dgm:scene3d>
+    <dgm:sp3d/>
+    <dgm:txPr/>
+    <dgm:style>
+      <a:lnRef idx="2">
+        <a:scrgbClr r="0" g="0" b="0"/>
+      </a:lnRef>
+      <a:fillRef idx="1">
+        <a:scrgbClr r="0" g="0" b="0"/>
+      </a:fillRef>
+      <a:effectRef idx="0">
+        <a:scrgbClr r="0" g="0" b="0"/>
+      </a:effectRef>
+      <a:fontRef idx="minor">
+        <a:schemeClr val="lt1"/>
+      </a:fontRef>
+    </dgm:style>
+  </dgm:styleLbl>
+  <dgm:styleLbl name="lnNode1">
+    <dgm:scene3d>
+      <a:camera prst="orthographicFront"/>
+      <a:lightRig rig="threePt" dir="t"/>
+    </dgm:scene3d>
+    <dgm:sp3d/>
+    <dgm:txPr/>
+    <dgm:style>
+      <a:lnRef idx="2">
+        <a:scrgbClr r="0" g="0" b="0"/>
+      </a:lnRef>
+      <a:fillRef idx="1">
+        <a:scrgbClr r="0" g="0" b="0"/>
+      </a:fillRef>
+      <a:effectRef idx="0">
+        <a:scrgbClr r="0" g="0" b="0"/>
+      </a:effectRef>
+      <a:fontRef idx="minor">
+        <a:schemeClr val="lt1"/>
+      </a:fontRef>
+    </dgm:style>
+  </dgm:styleLbl>
+  <dgm:styleLbl name="vennNode1">
+    <dgm:scene3d>
+      <a:camera prst="orthographicFront"/>
+      <a:lightRig rig="threePt" dir="t"/>
+    </dgm:scene3d>
+    <dgm:sp3d/>
+    <dgm:txPr/>
+    <dgm:style>
+      <a:lnRef idx="2">
+        <a:scrgbClr r="0" g="0" b="0"/>
+      </a:lnRef>
+      <a:fillRef idx="1">
+        <a:scrgbClr r="0" g="0" b="0"/>
+      </a:fillRef>
+      <a:effectRef idx="0">
+        <a:scrgbClr r="0" g="0" b="0"/>
+      </a:effectRef>
+      <a:fontRef idx="minor">
+        <a:schemeClr val="tx1"/>
+      </a:fontRef>
+    </dgm:style>
+  </dgm:styleLbl>
+  <dgm:styleLbl name="alignNode1">
+    <dgm:scene3d>
+      <a:camera prst="orthographicFront"/>
+      <a:lightRig rig="threePt" dir="t"/>
+    </dgm:scene3d>
+    <dgm:sp3d/>
+    <dgm:txPr/>
+    <dgm:style>
+      <a:lnRef idx="2">
+        <a:scrgbClr r="0" g="0" b="0"/>
+      </a:lnRef>
+      <a:fillRef idx="1">
+        <a:scrgbClr r="0" g="0" b="0"/>
+      </a:fillRef>
+      <a:effectRef idx="0">
+        <a:scrgbClr r="0" g="0" b="0"/>
+      </a:effectRef>
+      <a:fontRef idx="minor">
+        <a:schemeClr val="lt1"/>
+      </a:fontRef>
+    </dgm:style>
+  </dgm:styleLbl>
+  <dgm:styleLbl name="node1">
+    <dgm:scene3d>
+      <a:camera prst="orthographicFront"/>
+      <a:lightRig rig="threePt" dir="t"/>
+    </dgm:scene3d>
+    <dgm:sp3d/>
+    <dgm:txPr/>
+    <dgm:style>
+      <a:lnRef idx="2">
+        <a:scrgbClr r="0" g="0" b="0"/>
+      </a:lnRef>
+      <a:fillRef idx="1">
+        <a:scrgbClr r="0" g="0" b="0"/>
+      </a:fillRef>
+      <a:effectRef idx="0">
+        <a:scrgbClr r="0" g="0" b="0"/>
+      </a:effectRef>
+      <a:fontRef idx="minor">
+        <a:schemeClr val="lt1"/>
+      </a:fontRef>
+    </dgm:style>
+  </dgm:styleLbl>
+  <dgm:styleLbl name="node2">
+    <dgm:scene3d>
+      <a:camera prst="orthographicFront"/>
+      <a:lightRig rig="threePt" dir="t"/>
+    </dgm:scene3d>
+    <dgm:sp3d/>
+    <dgm:txPr/>
+    <dgm:style>
+      <a:lnRef idx="2">
+        <a:scrgbClr r="0" g="0" b="0"/>
+      </a:lnRef>
+      <a:fillRef idx="1">
+        <a:scrgbClr r="0" g="0" b="0"/>
+      </a:fillRef>
+      <a:effectRef idx="0">
+        <a:scrgbClr r="0" g="0" b="0"/>
+      </a:effectRef>
+      <a:fontRef idx="minor">
+        <a:schemeClr val="lt1"/>
+      </a:fontRef>
+    </dgm:style>
+  </dgm:styleLbl>
+  <dgm:styleLbl name="node3">
+    <dgm:scene3d>
+      <a:camera prst="orthographicFront"/>
+      <a:lightRig rig="threePt" dir="t"/>
+    </dgm:scene3d>
+    <dgm:sp3d/>
+    <dgm:txPr/>
+    <dgm:style>
+      <a:lnRef idx="2">
+        <a:scrgbClr r="0" g="0" b="0"/>
+      </a:lnRef>
+      <a:fillRef idx="1">
+        <a:scrgbClr r="0" g="0" b="0"/>
+      </a:fillRef>
+      <a:effectRef idx="0">
+        <a:scrgbClr r="0" g="0" b="0"/>
+      </a:effectRef>
+      <a:fontRef idx="minor">
+        <a:schemeClr val="lt1"/>
+      </a:fontRef>
+    </dgm:style>
+  </dgm:styleLbl>
+  <dgm:styleLbl name="node4">
+    <dgm:scene3d>
+      <a:camera prst="orthographicFront"/>
+      <a:lightRig rig="threePt" dir="t"/>
+    </dgm:scene3d>
+    <dgm:sp3d/>
+    <dgm:txPr/>
+    <dgm:style>
+      <a:lnRef idx="2">
+        <a:scrgbClr r="0" g="0" b="0"/>
+      </a:lnRef>
+      <a:fillRef idx="1">
+        <a:scrgbClr r="0" g="0" b="0"/>
+      </a:fillRef>
+      <a:effectRef idx="0">
+        <a:scrgbClr r="0" g="0" b="0"/>
+      </a:effectRef>
+      <a:fontRef idx="minor">
+        <a:schemeClr val="lt1"/>
+      </a:fontRef>
+    </dgm:style>
+  </dgm:styleLbl>
+  <dgm:styleLbl name="fgImgPlace1">
+    <dgm:scene3d>
+      <a:camera prst="orthographicFront"/>
+      <a:lightRig rig="threePt" dir="t"/>
+    </dgm:scene3d>
+    <dgm:sp3d/>
+    <dgm:txPr/>
+    <dgm:style>
+      <a:lnRef idx="2">
+        <a:scrgbClr r="0" g="0" b="0"/>
+      </a:lnRef>
+      <a:fillRef idx="1">
+        <a:scrgbClr r="0" g="0" b="0"/>
+      </a:fillRef>
+      <a:effectRef idx="0">
+        <a:scrgbClr r="0" g="0" b="0"/>
+      </a:effectRef>
+      <a:fontRef idx="minor"/>
+    </dgm:style>
+  </dgm:styleLbl>
+  <dgm:styleLbl name="alignImgPlace1">
+    <dgm:scene3d>
+      <a:camera prst="orthographicFront"/>
+      <a:lightRig rig="threePt" dir="t"/>
+    </dgm:scene3d>
+    <dgm:sp3d/>
+    <dgm:txPr/>
+    <dgm:style>
+      <a:lnRef idx="2">
+        <a:scrgbClr r="0" g="0" b="0"/>
+      </a:lnRef>
+      <a:fillRef idx="1">
+        <a:scrgbClr r="0" g="0" b="0"/>
+      </a:fillRef>
+      <a:effectRef idx="0">
+        <a:scrgbClr r="0" g="0" b="0"/>
+      </a:effectRef>
+      <a:fontRef idx="minor"/>
+    </dgm:style>
+  </dgm:styleLbl>
+  <dgm:styleLbl name="bgImgPlace1">
+    <dgm:scene3d>
+      <a:camera prst="orthographicFront"/>
+      <a:lightRig rig="threePt" dir="t"/>
+    </dgm:scene3d>
+    <dgm:sp3d/>
+    <dgm:txPr/>
+    <dgm:style>
+      <a:lnRef idx="2">
+        <a:scrgbClr r="0" g="0" b="0"/>
+      </a:lnRef>
+      <a:fillRef idx="1">
+        <a:scrgbClr r="0" g="0" b="0"/>
+      </a:fillRef>
+      <a:effectRef idx="0">
+        <a:scrgbClr r="0" g="0" b="0"/>
+      </a:effectRef>
+      <a:fontRef idx="minor"/>
+    </dgm:style>
+  </dgm:styleLbl>
+  <dgm:styleLbl name="sibTrans2D1">
+    <dgm:scene3d>
+      <a:camera prst="orthographicFront"/>
+      <a:lightRig rig="threePt" dir="t"/>
+    </dgm:scene3d>
+    <dgm:sp3d/>
+    <dgm:txPr/>
+    <dgm:style>
+      <a:lnRef idx="0">
+        <a:scrgbClr r="0" g="0" b="0"/>
+      </a:lnRef>
+      <a:fillRef idx="1">
+        <a:scrgbClr r="0" g="0" b="0"/>
+      </a:fillRef>
+      <a:effectRef idx="0">
+        <a:scrgbClr r="0" g="0" b="0"/>
+      </a:effectRef>
+      <a:fontRef idx="minor">
+        <a:schemeClr val="lt1"/>
+      </a:fontRef>
+    </dgm:style>
+  </dgm:styleLbl>
+  <dgm:styleLbl name="fgSibTrans2D1">
+    <dgm:scene3d>
+      <a:camera prst="orthographicFront"/>
+      <a:lightRig rig="threePt" dir="t"/>
+    </dgm:scene3d>
+    <dgm:sp3d/>
+    <dgm:txPr/>
+    <dgm:style>
+      <a:lnRef idx="0">
+        <a:scrgbClr r="0" g="0" b="0"/>
+      </a:lnRef>
+      <a:fillRef idx="1">
+        <a:scrgbClr r="0" g="0" b="0"/>
+      </a:fillRef>
+      <a:effectRef idx="0">
+        <a:scrgbClr r="0" g="0" b="0"/>
+      </a:effectRef>
+      <a:fontRef idx="minor">
+        <a:schemeClr val="lt1"/>
+      </a:fontRef>
+    </dgm:style>
+  </dgm:styleLbl>
+  <dgm:styleLbl name="bgSibTrans2D1">
+    <dgm:scene3d>
+      <a:camera prst="orthographicFront"/>
+      <a:lightRig rig="threePt" dir="t"/>
+    </dgm:scene3d>
+    <dgm:sp3d/>
+    <dgm:txPr/>
+    <dgm:style>
+      <a:lnRef idx="0">
+        <a:scrgbClr r="0" g="0" b="0"/>
+      </a:lnRef>
+      <a:fillRef idx="1">
+        <a:scrgbClr r="0" g="0" b="0"/>
+      </a:fillRef>
+      <a:effectRef idx="0">
+        <a:scrgbClr r="0" g="0" b="0"/>
+      </a:effectRef>
+      <a:fontRef idx="minor">
+        <a:schemeClr val="lt1"/>
+      </a:fontRef>
+    </dgm:style>
+  </dgm:styleLbl>
+  <dgm:styleLbl name="sibTrans1D1">
+    <dgm:scene3d>
+      <a:camera prst="orthographicFront"/>
+      <a:lightRig rig="threePt" dir="t"/>
+    </dgm:scene3d>
+    <dgm:sp3d/>
+    <dgm:txPr/>
+    <dgm:style>
+      <a:lnRef idx="1">
+        <a:scrgbClr r="0" g="0" b="0"/>
+      </a:lnRef>
+      <a:fillRef idx="0">
+        <a:scrgbClr r="0" g="0" b="0"/>
+      </a:fillRef>
+      <a:effectRef idx="0">
+        <a:scrgbClr r="0" g="0" b="0"/>
+      </a:effectRef>
+      <a:fontRef idx="minor"/>
+    </dgm:style>
+  </dgm:styleLbl>
+  <dgm:styleLbl name="callout">
+    <dgm:scene3d>
+      <a:camera prst="orthographicFront"/>
+      <a:lightRig rig="threePt" dir="t"/>
+    </dgm:scene3d>
+    <dgm:sp3d/>
+    <dgm:txPr/>
+    <dgm:style>
+      <a:lnRef idx="2">
+        <a:scrgbClr r="0" g="0" b="0"/>
+      </a:lnRef>
+      <a:fillRef idx="1">
+        <a:scrgbClr r="0" g="0" b="0"/>
+      </a:fillRef>
+      <a:effectRef idx="0">
+        <a:scrgbClr r="0" g="0" b="0"/>
+      </a:effectRef>
+      <a:fontRef idx="minor"/>
+    </dgm:style>
+  </dgm:styleLbl>
+  <dgm:styleLbl name="asst0">
+    <dgm:scene3d>
+      <a:camera prst="orthographicFront"/>
+      <a:lightRig rig="threePt" dir="t"/>
+    </dgm:scene3d>
+    <dgm:sp3d/>
+    <dgm:txPr/>
+    <dgm:style>
+      <a:lnRef idx="2">
+        <a:scrgbClr r="0" g="0" b="0"/>
+      </a:lnRef>
+      <a:fillRef idx="1">
+        <a:scrgbClr r="0" g="0" b="0"/>
+      </a:fillRef>
+      <a:effectRef idx="0">
+        <a:scrgbClr r="0" g="0" b="0"/>
+      </a:effectRef>
+      <a:fontRef idx="minor">
+        <a:schemeClr val="lt1"/>
+      </a:fontRef>
+    </dgm:style>
+  </dgm:styleLbl>
+  <dgm:styleLbl name="asst1">
+    <dgm:scene3d>
+      <a:camera prst="orthographicFront"/>
+      <a:lightRig rig="threePt" dir="t"/>
+    </dgm:scene3d>
+    <dgm:sp3d/>
+    <dgm:txPr/>
+    <dgm:style>
+      <a:lnRef idx="2">
+        <a:scrgbClr r="0" g="0" b="0"/>
+      </a:lnRef>
+      <a:fillRef idx="1">
+        <a:scrgbClr r="0" g="0" b="0"/>
+      </a:fillRef>
+      <a:effectRef idx="0">
+        <a:scrgbClr r="0" g="0" b="0"/>
+      </a:effectRef>
+      <a:fontRef idx="minor">
+        <a:schemeClr val="lt1"/>
+      </a:fontRef>
+    </dgm:style>
+  </dgm:styleLbl>
+  <dgm:styleLbl name="asst2">
+    <dgm:scene3d>
+      <a:camera prst="orthographicFront"/>
+      <a:lightRig rig="threePt" dir="t"/>
+    </dgm:scene3d>
+    <dgm:sp3d/>
+    <dgm:txPr/>
+    <dgm:style>
+      <a:lnRef idx="2">
+        <a:scrgbClr r="0" g="0" b="0"/>
+      </a:lnRef>
+      <a:fillRef idx="1">
+        <a:scrgbClr r="0" g="0" b="0"/>
+      </a:fillRef>
+      <a:effectRef idx="0">
+        <a:scrgbClr r="0" g="0" b="0"/>
+      </a:effectRef>
+      <a:fontRef idx="minor">
+        <a:schemeClr val="lt1"/>
+      </a:fontRef>
+    </dgm:style>
+  </dgm:styleLbl>
+  <dgm:styleLbl name="asst3">
+    <dgm:scene3d>
+      <a:camera prst="orthographicFront"/>
+      <a:lightRig rig="threePt" dir="t"/>
+    </dgm:scene3d>
+    <dgm:sp3d/>
+    <dgm:txPr/>
+    <dgm:style>
+      <a:lnRef idx="2">
+        <a:scrgbClr r="0" g="0" b="0"/>
+      </a:lnRef>
+      <a:fillRef idx="1">
+        <a:scrgbClr r="0" g="0" b="0"/>
+      </a:fillRef>
+      <a:effectRef idx="0">
+        <a:scrgbClr r="0" g="0" b="0"/>
+      </a:effectRef>
+      <a:fontRef idx="minor">
+        <a:schemeClr val="lt1"/>
+      </a:fontRef>
+    </dgm:style>
+  </dgm:styleLbl>
+  <dgm:styleLbl name="asst4">
+    <dgm:scene3d>
+      <a:camera prst="orthographicFront"/>
+      <a:lightRig rig="threePt" dir="t"/>
+    </dgm:scene3d>
+    <dgm:sp3d/>
+    <dgm:txPr/>
+    <dgm:style>
+      <a:lnRef idx="2">
+        <a:scrgbClr r="0" g="0" b="0"/>
+      </a:lnRef>
+      <a:fillRef idx="1">
+        <a:scrgbClr r="0" g="0" b="0"/>
+      </a:fillRef>
+      <a:effectRef idx="0">
+        <a:scrgbClr r="0" g="0" b="0"/>
+      </a:effectRef>
+      <a:fontRef idx="minor">
+        <a:schemeClr val="lt1"/>
+      </a:fontRef>
+    </dgm:style>
+  </dgm:styleLbl>
+  <dgm:styleLbl name="parChTrans2D1">
+    <dgm:scene3d>
+      <a:camera prst="orthographicFront"/>
+      <a:lightRig rig="threePt" dir="t"/>
+    </dgm:scene3d>
+    <dgm:sp3d/>
+    <dgm:txPr/>
+    <dgm:style>
+      <a:lnRef idx="2">
+        <a:scrgbClr r="0" g="0" b="0"/>
+      </a:lnRef>
+      <a:fillRef idx="1">
+        <a:scrgbClr r="0" g="0" b="0"/>
+      </a:fillRef>
+      <a:effectRef idx="0">
+        <a:scrgbClr r="0" g="0" b="0"/>
+      </a:effectRef>
+      <a:fontRef idx="minor">
+        <a:schemeClr val="lt1"/>
+      </a:fontRef>
+    </dgm:style>
+  </dgm:styleLbl>
+  <dgm:styleLbl name="parChTrans2D2">
+    <dgm:scene3d>
+      <a:camera prst="orthographicFront"/>
+      <a:lightRig rig="threePt" dir="t"/>
+    </dgm:scene3d>
+    <dgm:sp3d/>
+    <dgm:txPr/>
+    <dgm:style>
+      <a:lnRef idx="2">
+        <a:scrgbClr r="0" g="0" b="0"/>
+      </a:lnRef>
+      <a:fillRef idx="1">
+        <a:scrgbClr r="0" g="0" b="0"/>
+      </a:fillRef>
+      <a:effectRef idx="0">
+        <a:scrgbClr r="0" g="0" b="0"/>
+      </a:effectRef>
+      <a:fontRef idx="minor">
+        <a:schemeClr val="lt1"/>
+      </a:fontRef>
+    </dgm:style>
+  </dgm:styleLbl>
+  <dgm:styleLbl name="parChTrans2D3">
+    <dgm:scene3d>
+      <a:camera prst="orthographicFront"/>
+      <a:lightRig rig="threePt" dir="t"/>
+    </dgm:scene3d>
+    <dgm:sp3d/>
+    <dgm:txPr/>
+    <dgm:style>
+      <a:lnRef idx="2">
+        <a:scrgbClr r="0" g="0" b="0"/>
+      </a:lnRef>
+      <a:fillRef idx="1">
+        <a:scrgbClr r="0" g="0" b="0"/>
+      </a:fillRef>
+      <a:effectRef idx="0">
+        <a:scrgbClr r="0" g="0" b="0"/>
+      </a:effectRef>
+      <a:fontRef idx="minor">
+        <a:schemeClr val="lt1"/>
+      </a:fontRef>
+    </dgm:style>
+  </dgm:styleLbl>
+  <dgm:styleLbl name="parChTrans2D4">
+    <dgm:scene3d>
+      <a:camera prst="orthographicFront"/>
+      <a:lightRig rig="threePt" dir="t"/>
+    </dgm:scene3d>
+    <dgm:sp3d/>
+    <dgm:txPr/>
+    <dgm:style>
+      <a:lnRef idx="2">
+        <a:scrgbClr r="0" g="0" b="0"/>
+      </a:lnRef>
+      <a:fillRef idx="1">
+        <a:scrgbClr r="0" g="0" b="0"/>
+      </a:fillRef>
+      <a:effectRef idx="0">
+        <a:scrgbClr r="0" g="0" b="0"/>
+      </a:effectRef>
+      <a:fontRef idx="minor">
+        <a:schemeClr val="lt1"/>
+      </a:fontRef>
+    </dgm:style>
+  </dgm:styleLbl>
+  <dgm:styleLbl name="parChTrans1D1">
+    <dgm:scene3d>
+      <a:camera prst="orthographicFront"/>
+      <a:lightRig rig="threePt" dir="t"/>
+    </dgm:scene3d>
+    <dgm:sp3d/>
+    <dgm:txPr/>
+    <dgm:style>
+      <a:lnRef idx="2">
+        <a:scrgbClr r="0" g="0" b="0"/>
+      </a:lnRef>
+      <a:fillRef idx="0">
+        <a:scrgbClr r="0" g="0" b="0"/>
+      </a:fillRef>
+      <a:effectRef idx="0">
+        <a:scrgbClr r="0" g="0" b="0"/>
+      </a:effectRef>
+      <a:fontRef idx="minor"/>
+    </dgm:style>
+  </dgm:styleLbl>
+  <dgm:styleLbl name="parChTrans1D2">
+    <dgm:scene3d>
+      <a:camera prst="orthographicFront"/>
+      <a:lightRig rig="threePt" dir="t"/>
+    </dgm:scene3d>
+    <dgm:sp3d/>
+    <dgm:txPr/>
+    <dgm:style>
+      <a:lnRef idx="2">
+        <a:scrgbClr r="0" g="0" b="0"/>
+      </a:lnRef>
+      <a:fillRef idx="0">
+        <a:scrgbClr r="0" g="0" b="0"/>
+      </a:fillRef>
+      <a:effectRef idx="0">
+        <a:scrgbClr r="0" g="0" b="0"/>
+      </a:effectRef>
+      <a:fontRef idx="minor"/>
+    </dgm:style>
+  </dgm:styleLbl>
+  <dgm:styleLbl name="parChTrans1D3">
+    <dgm:scene3d>
+      <a:camera prst="orthographicFront"/>
+      <a:lightRig rig="threePt" dir="t"/>
+    </dgm:scene3d>
+    <dgm:sp3d/>
+    <dgm:txPr/>
+    <dgm:style>
+      <a:lnRef idx="2">
+        <a:scrgbClr r="0" g="0" b="0"/>
+      </a:lnRef>
+      <a:fillRef idx="0">
+        <a:scrgbClr r="0" g="0" b="0"/>
+      </a:fillRef>
+      <a:effectRef idx="0">
+        <a:scrgbClr r="0" g="0" b="0"/>
+      </a:effectRef>
+      <a:fontRef idx="minor"/>
+    </dgm:style>
+  </dgm:styleLbl>
+  <dgm:styleLbl name="parChTrans1D4">
+    <dgm:scene3d>
+      <a:camera prst="orthographicFront"/>
+      <a:lightRig rig="threePt" dir="t"/>
+    </dgm:scene3d>
+    <dgm:sp3d/>
+    <dgm:txPr/>
+    <dgm:style>
+      <a:lnRef idx="2">
+        <a:scrgbClr r="0" g="0" b="0"/>
+      </a:lnRef>
+      <a:fillRef idx="0">
+        <a:scrgbClr r="0" g="0" b="0"/>
+      </a:fillRef>
+      <a:effectRef idx="0">
+        <a:scrgbClr r="0" g="0" b="0"/>
+      </a:effectRef>
+      <a:fontRef idx="minor"/>
+    </dgm:style>
+  </dgm:styleLbl>
+  <dgm:styleLbl name="fgAcc1">
+    <dgm:scene3d>
+      <a:camera prst="orthographicFront"/>
+      <a:lightRig rig="threePt" dir="t"/>
+    </dgm:scene3d>
+    <dgm:sp3d/>
+    <dgm:txPr/>
+    <dgm:style>
+      <a:lnRef idx="2">
+        <a:scrgbClr r="0" g="0" b="0"/>
+      </a:lnRef>
+      <a:fillRef idx="1">
+        <a:scrgbClr r="0" g="0" b="0"/>
+      </a:fillRef>
+      <a:effectRef idx="0">
+        <a:scrgbClr r="0" g="0" b="0"/>
+      </a:effectRef>
+      <a:fontRef idx="minor"/>
+    </dgm:style>
+  </dgm:styleLbl>
+  <dgm:styleLbl name="conFgAcc1">
+    <dgm:scene3d>
+      <a:camera prst="orthographicFront"/>
+      <a:lightRig rig="threePt" dir="t"/>
+    </dgm:scene3d>
+    <dgm:sp3d/>
+    <dgm:txPr/>
+    <dgm:style>
+      <a:lnRef idx="2">
+        <a:scrgbClr r="0" g="0" b="0"/>
+      </a:lnRef>
+      <a:fillRef idx="1">
+        <a:scrgbClr r="0" g="0" b="0"/>
+      </a:fillRef>
+      <a:effectRef idx="0">
+        <a:scrgbClr r="0" g="0" b="0"/>
+      </a:effectRef>
+      <a:fontRef idx="minor"/>
+    </dgm:style>
+  </dgm:styleLbl>
+  <dgm:styleLbl name="alignAcc1">
+    <dgm:scene3d>
+      <a:camera prst="orthographicFront"/>
+      <a:lightRig rig="threePt" dir="t"/>
+    </dgm:scene3d>
+    <dgm:sp3d/>
+    <dgm:txPr/>
+    <dgm:style>
+      <a:lnRef idx="2">
+        <a:scrgbClr r="0" g="0" b="0"/>
+      </a:lnRef>
+      <a:fillRef idx="1">
+        <a:scrgbClr r="0" g="0" b="0"/>
+      </a:fillRef>
+      <a:effectRef idx="0">
+        <a:scrgbClr r="0" g="0" b="0"/>
+      </a:effectRef>
+      <a:fontRef idx="minor"/>
+    </dgm:style>
+  </dgm:styleLbl>
+  <dgm:styleLbl name="trAlignAcc1">
+    <dgm:scene3d>
+      <a:camera prst="orthographicFront"/>
+      <a:lightRig rig="threePt" dir="t"/>
+    </dgm:scene3d>
+    <dgm:sp3d/>
+    <dgm:txPr/>
+    <dgm:style>
+      <a:lnRef idx="1">
+        <a:scrgbClr r="0" g="0" b="0"/>
+      </a:lnRef>
+      <a:fillRef idx="1">
+        <a:scrgbClr r="0" g="0" b="0"/>
+      </a:fillRef>
+      <a:effectRef idx="0">
+        <a:scrgbClr r="0" g="0" b="0"/>
+      </a:effectRef>
+      <a:fontRef idx="minor"/>
+    </dgm:style>
+  </dgm:styleLbl>
+  <dgm:styleLbl name="bgAcc1">
+    <dgm:scene3d>
+      <a:camera prst="orthographicFront"/>
+      <a:lightRig rig="threePt" dir="t"/>
+    </dgm:scene3d>
+    <dgm:sp3d/>
+    <dgm:txPr/>
+    <dgm:style>
+      <a:lnRef idx="2">
+        <a:scrgbClr r="0" g="0" b="0"/>
+      </a:lnRef>
+      <a:fillRef idx="1">
+        <a:scrgbClr r="0" g="0" b="0"/>
+      </a:fillRef>
+      <a:effectRef idx="0">
+        <a:scrgbClr r="0" g="0" b="0"/>
+      </a:effectRef>
+      <a:fontRef idx="minor"/>
+    </dgm:style>
+  </dgm:styleLbl>
+  <dgm:styleLbl name="solidFgAcc1">
+    <dgm:scene3d>
+      <a:camera prst="orthographicFront"/>
+      <a:lightRig rig="threePt" dir="t"/>
+    </dgm:scene3d>
+    <dgm:sp3d/>
+    <dgm:txPr/>
+    <dgm:style>
+      <a:lnRef idx="2">
+        <a:scrgbClr r="0" g="0" b="0"/>
+      </a:lnRef>
+      <a:fillRef idx="1">
+        <a:scrgbClr r="0" g="0" b="0"/>
+      </a:fillRef>
+      <a:effectRef idx="0">
+        <a:scrgbClr r="0" g="0" b="0"/>
+      </a:effectRef>
+      <a:fontRef idx="minor"/>
+    </dgm:style>
+  </dgm:styleLbl>
+  <dgm:styleLbl name="solidAlignAcc1">
+    <dgm:scene3d>
+      <a:camera prst="orthographicFront"/>
+      <a:lightRig rig="threePt" dir="t"/>
+    </dgm:scene3d>
+    <dgm:sp3d/>
+    <dgm:txPr/>
+    <dgm:style>
+      <a:lnRef idx="2">
+        <a:scrgbClr r="0" g="0" b="0"/>
+      </a:lnRef>
+      <a:fillRef idx="1">
+        <a:scrgbClr r="0" g="0" b="0"/>
+      </a:fillRef>
+      <a:effectRef idx="0">
+        <a:scrgbClr r="0" g="0" b="0"/>
+      </a:effectRef>
+      <a:fontRef idx="minor"/>
+    </dgm:style>
+  </dgm:styleLbl>
+  <dgm:styleLbl name="solidBgAcc1">
+    <dgm:scene3d>
+      <a:camera prst="orthographicFront"/>
+      <a:lightRig rig="threePt" dir="t"/>
+    </dgm:scene3d>
+    <dgm:sp3d/>
+    <dgm:txPr/>
+    <dgm:style>
+      <a:lnRef idx="2">
+        <a:scrgbClr r="0" g="0" b="0"/>
+      </a:lnRef>
+      <a:fillRef idx="1">
+        <a:scrgbClr r="0" g="0" b="0"/>
+      </a:fillRef>
+      <a:effectRef idx="0">
+        <a:scrgbClr r="0" g="0" b="0"/>
+      </a:effectRef>
+      <a:fontRef idx="minor"/>
+    </dgm:style>
+  </dgm:styleLbl>
+  <dgm:styleLbl name="fgAccFollowNode1">
+    <dgm:scene3d>
+      <a:camera prst="orthographicFront"/>
+      <a:lightRig rig="threePt" dir="t"/>
+    </dgm:scene3d>
+    <dgm:sp3d/>
+    <dgm:txPr/>
+    <dgm:style>
+      <a:lnRef idx="2">
+        <a:scrgbClr r="0" g="0" b="0"/>
+      </a:lnRef>
+      <a:fillRef idx="1">
+        <a:scrgbClr r="0" g="0" b="0"/>
+      </a:fillRef>
+      <a:effectRef idx="0">
+        <a:scrgbClr r="0" g="0" b="0"/>
+      </a:effectRef>
+      <a:fontRef idx="minor"/>
+    </dgm:style>
+  </dgm:styleLbl>
+  <dgm:styleLbl name="alignAccFollowNode1">
+    <dgm:scene3d>
+      <a:camera prst="orthographicFront"/>
+      <a:lightRig rig="threePt" dir="t"/>
+    </dgm:scene3d>
+    <dgm:sp3d/>
+    <dgm:txPr/>
+    <dgm:style>
+      <a:lnRef idx="2">
+        <a:scrgbClr r="0" g="0" b="0"/>
+      </a:lnRef>
+      <a:fillRef idx="1">
+        <a:scrgbClr r="0" g="0" b="0"/>
+      </a:fillRef>
+      <a:effectRef idx="0">
+        <a:scrgbClr r="0" g="0" b="0"/>
+      </a:effectRef>
+      <a:fontRef idx="minor"/>
+    </dgm:style>
+  </dgm:styleLbl>
+  <dgm:styleLbl name="bgAccFollowNode1">
+    <dgm:scene3d>
+      <a:camera prst="orthographicFront"/>
+      <a:lightRig rig="threePt" dir="t"/>
+    </dgm:scene3d>
+    <dgm:sp3d/>
+    <dgm:txPr/>
+    <dgm:style>
+      <a:lnRef idx="2">
+        <a:scrgbClr r="0" g="0" b="0"/>
+      </a:lnRef>
+      <a:fillRef idx="1">
+        <a:scrgbClr r="0" g="0" b="0"/>
+      </a:fillRef>
+      <a:effectRef idx="0">
+        <a:scrgbClr r="0" g="0" b="0"/>
+      </a:effectRef>
+      <a:fontRef idx="minor"/>
+    </dgm:style>
+  </dgm:styleLbl>
+  <dgm:styleLbl name="fgAcc0">
+    <dgm:scene3d>
+      <a:camera prst="orthographicFront"/>
+      <a:lightRig rig="threePt" dir="t"/>
+    </dgm:scene3d>
+    <dgm:sp3d/>
+    <dgm:txPr/>
+    <dgm:style>
+      <a:lnRef idx="2">
+        <a:scrgbClr r="0" g="0" b="0"/>
+      </a:lnRef>
+      <a:fillRef idx="1">
+        <a:scrgbClr r="0" g="0" b="0"/>
+      </a:fillRef>
+      <a:effectRef idx="0">
+        <a:scrgbClr r="0" g="0" b="0"/>
+      </a:effectRef>
+      <a:fontRef idx="minor"/>
+    </dgm:style>
+  </dgm:styleLbl>
+  <dgm:styleLbl name="fgAcc2">
+    <dgm:scene3d>
+      <a:camera prst="orthographicFront"/>
+      <a:lightRig rig="threePt" dir="t"/>
+    </dgm:scene3d>
+    <dgm:sp3d/>
+    <dgm:txPr/>
+    <dgm:style>
+      <a:lnRef idx="2">
+        <a:scrgbClr r="0" g="0" b="0"/>
+      </a:lnRef>
+      <a:fillRef idx="1">
+        <a:scrgbClr r="0" g="0" b="0"/>
+      </a:fillRef>
+      <a:effectRef idx="0">
+        <a:scrgbClr r="0" g="0" b="0"/>
+      </a:effectRef>
+      <a:fontRef idx="minor"/>
+    </dgm:style>
+  </dgm:styleLbl>
+  <dgm:styleLbl name="fgAcc3">
+    <dgm:scene3d>
+      <a:camera prst="orthographicFront"/>
+      <a:lightRig rig="threePt" dir="t"/>
+    </dgm:scene3d>
+    <dgm:sp3d/>
+    <dgm:txPr/>
+    <dgm:style>
+      <a:lnRef idx="2">
+        <a:scrgbClr r="0" g="0" b="0"/>
+      </a:lnRef>
+      <a:fillRef idx="1">
+        <a:scrgbClr r="0" g="0" b="0"/>
+      </a:fillRef>
+      <a:effectRef idx="0">
+        <a:scrgbClr r="0" g="0" b="0"/>
+      </a:effectRef>
+      <a:fontRef idx="minor"/>
+    </dgm:style>
+  </dgm:styleLbl>
+  <dgm:styleLbl name="fgAcc4">
+    <dgm:scene3d>
+      <a:camera prst="orthographicFront"/>
+      <a:lightRig rig="threePt" dir="t"/>
+    </dgm:scene3d>
+    <dgm:sp3d/>
+    <dgm:txPr/>
+    <dgm:style>
+      <a:lnRef idx="2">
+        <a:scrgbClr r="0" g="0" b="0"/>
+      </a:lnRef>
+      <a:fillRef idx="1">
+        <a:scrgbClr r="0" g="0" b="0"/>
+      </a:fillRef>
+      <a:effectRef idx="0">
+        <a:scrgbClr r="0" g="0" b="0"/>
+      </a:effectRef>
+      <a:fontRef idx="minor"/>
+    </dgm:style>
+  </dgm:styleLbl>
+  <dgm:styleLbl name="bgShp">
+    <dgm:scene3d>
+      <a:camera prst="orthographicFront"/>
+      <a:lightRig rig="threePt" dir="t"/>
+    </dgm:scene3d>
+    <dgm:sp3d/>
+    <dgm:txPr/>
+    <dgm:style>
+      <a:lnRef idx="0">
+        <a:scrgbClr r="0" g="0" b="0"/>
+      </a:lnRef>
+      <a:fillRef idx="1">
+        <a:scrgbClr r="0" g="0" b="0"/>
+      </a:fillRef>
+      <a:effectRef idx="0">
+        <a:scrgbClr r="0" g="0" b="0"/>
+      </a:effectRef>
+      <a:fontRef idx="minor"/>
+    </dgm:style>
+  </dgm:styleLbl>
+  <dgm:styleLbl name="dkBgShp">
+    <dgm:scene3d>
+      <a:camera prst="orthographicFront"/>
+      <a:lightRig rig="threePt" dir="t"/>
+    </dgm:scene3d>
+    <dgm:sp3d/>
+    <dgm:txPr/>
+    <dgm:style>
+      <a:lnRef idx="0">
+        <a:scrgbClr r="0" g="0" b="0"/>
+      </a:lnRef>
+      <a:fillRef idx="1">
+        <a:scrgbClr r="0" g="0" b="0"/>
+      </a:fillRef>
+      <a:effectRef idx="0">
+        <a:scrgbClr r="0" g="0" b="0"/>
+      </a:effectRef>
+      <a:fontRef idx="minor"/>
+    </dgm:style>
+  </dgm:styleLbl>
+  <dgm:styleLbl name="trBgShp">
+    <dgm:scene3d>
+      <a:camera prst="orthographicFront"/>
+      <a:lightRig rig="threePt" dir="t"/>
+    </dgm:scene3d>
+    <dgm:sp3d/>
+    <dgm:txPr/>
+    <dgm:style>
+      <a:lnRef idx="0">
+        <a:scrgbClr r="0" g="0" b="0"/>
+      </a:lnRef>
+      <a:fillRef idx="1">
+        <a:scrgbClr r="0" g="0" b="0"/>
+      </a:fillRef>
+      <a:effectRef idx="0">
+        <a:scrgbClr r="0" g="0" b="0"/>
+      </a:effectRef>
+      <a:fontRef idx="minor"/>
+    </dgm:style>
+  </dgm:styleLbl>
+  <dgm:styleLbl name="fgShp">
+    <dgm:scene3d>
+      <a:camera prst="orthographicFront"/>
+      <a:lightRig rig="threePt" dir="t"/>
+    </dgm:scene3d>
+    <dgm:sp3d/>
+    <dgm:txPr/>
+    <dgm:style>
+      <a:lnRef idx="2">
+        <a:scrgbClr r="0" g="0" b="0"/>
+      </a:lnRef>
+      <a:fillRef idx="1">
+        <a:scrgbClr r="0" g="0" b="0"/>
+      </a:fillRef>
+      <a:effectRef idx="0">
+        <a:scrgbClr r="0" g="0" b="0"/>
+      </a:effectRef>
+      <a:fontRef idx="minor"/>
+    </dgm:style>
+  </dgm:styleLbl>
+  <dgm:styleLbl name="revTx">
+    <dgm:scene3d>
+      <a:camera prst="orthographicFront"/>
+      <a:lightRig rig="threePt" dir="t"/>
+    </dgm:scene3d>
+    <dgm:sp3d/>
+    <dgm:txPr/>
+    <dgm:style>
+      <a:lnRef idx="0">
+        <a:scrgbClr r="0" g="0" b="0"/>
+      </a:lnRef>
+      <a:fillRef idx="0">
+        <a:scrgbClr r="0" g="0" b="0"/>
+      </a:fillRef>
+      <a:effectRef idx="0">
+        <a:scrgbClr r="0" g="0" b="0"/>
+      </a:effectRef>
+      <a:fontRef idx="minor"/>
+    </dgm:style>
+  </dgm:styleLbl>
+</dgm:styleDef>
+</file>
+
 <file path=ppt/slideLayouts/slideLayout1.xml><?xml version="1.0" encoding="utf-8"?>
 <p:sldLayout xmlns:a="http://schemas.openxmlformats.org/drawingml/2006/main" xmlns:r="http://schemas.openxmlformats.org/officeDocument/2006/relationships" xmlns:p="http://schemas.openxmlformats.org/presentationml/2006/main" type="title" preserve="1">
   <p:cSld name="标题幻灯片">
@@ -271,7 +3037,7 @@
           <a:p>
             <a:fld id="{D1FC40BD-DF71-48B5-9F6E-F69B92E103E9}" type="datetimeFigureOut">
               <a:rPr lang="zh-CN" altLang="en-US" smtClean="0"/>
-              <a:t>2021/1/25</a:t>
+              <a:t>2021/1/26</a:t>
             </a:fld>
             <a:endParaRPr lang="zh-CN" altLang="en-US"/>
           </a:p>
@@ -441,7 +3207,7 @@
           <a:p>
             <a:fld id="{D1FC40BD-DF71-48B5-9F6E-F69B92E103E9}" type="datetimeFigureOut">
               <a:rPr lang="zh-CN" altLang="en-US" smtClean="0"/>
-              <a:t>2021/1/25</a:t>
+              <a:t>2021/1/26</a:t>
             </a:fld>
             <a:endParaRPr lang="zh-CN" altLang="en-US"/>
           </a:p>
@@ -621,7 +3387,7 @@
           <a:p>
             <a:fld id="{D1FC40BD-DF71-48B5-9F6E-F69B92E103E9}" type="datetimeFigureOut">
               <a:rPr lang="zh-CN" altLang="en-US" smtClean="0"/>
-              <a:t>2021/1/25</a:t>
+              <a:t>2021/1/26</a:t>
             </a:fld>
             <a:endParaRPr lang="zh-CN" altLang="en-US"/>
           </a:p>
@@ -791,7 +3557,7 @@
           <a:p>
             <a:fld id="{D1FC40BD-DF71-48B5-9F6E-F69B92E103E9}" type="datetimeFigureOut">
               <a:rPr lang="zh-CN" altLang="en-US" smtClean="0"/>
-              <a:t>2021/1/25</a:t>
+              <a:t>2021/1/26</a:t>
             </a:fld>
             <a:endParaRPr lang="zh-CN" altLang="en-US"/>
           </a:p>
@@ -1037,7 +3803,7 @@
           <a:p>
             <a:fld id="{D1FC40BD-DF71-48B5-9F6E-F69B92E103E9}" type="datetimeFigureOut">
               <a:rPr lang="zh-CN" altLang="en-US" smtClean="0"/>
-              <a:t>2021/1/25</a:t>
+              <a:t>2021/1/26</a:t>
             </a:fld>
             <a:endParaRPr lang="zh-CN" altLang="en-US"/>
           </a:p>
@@ -1269,7 +4035,7 @@
           <a:p>
             <a:fld id="{D1FC40BD-DF71-48B5-9F6E-F69B92E103E9}" type="datetimeFigureOut">
               <a:rPr lang="zh-CN" altLang="en-US" smtClean="0"/>
-              <a:t>2021/1/25</a:t>
+              <a:t>2021/1/26</a:t>
             </a:fld>
             <a:endParaRPr lang="zh-CN" altLang="en-US"/>
           </a:p>
@@ -1636,7 +4402,7 @@
           <a:p>
             <a:fld id="{D1FC40BD-DF71-48B5-9F6E-F69B92E103E9}" type="datetimeFigureOut">
               <a:rPr lang="zh-CN" altLang="en-US" smtClean="0"/>
-              <a:t>2021/1/25</a:t>
+              <a:t>2021/1/26</a:t>
             </a:fld>
             <a:endParaRPr lang="zh-CN" altLang="en-US"/>
           </a:p>
@@ -1754,7 +4520,7 @@
           <a:p>
             <a:fld id="{D1FC40BD-DF71-48B5-9F6E-F69B92E103E9}" type="datetimeFigureOut">
               <a:rPr lang="zh-CN" altLang="en-US" smtClean="0"/>
-              <a:t>2021/1/25</a:t>
+              <a:t>2021/1/26</a:t>
             </a:fld>
             <a:endParaRPr lang="zh-CN" altLang="en-US"/>
           </a:p>
@@ -1849,7 +4615,7 @@
           <a:p>
             <a:fld id="{D1FC40BD-DF71-48B5-9F6E-F69B92E103E9}" type="datetimeFigureOut">
               <a:rPr lang="zh-CN" altLang="en-US" smtClean="0"/>
-              <a:t>2021/1/25</a:t>
+              <a:t>2021/1/26</a:t>
             </a:fld>
             <a:endParaRPr lang="zh-CN" altLang="en-US"/>
           </a:p>
@@ -2126,7 +4892,7 @@
           <a:p>
             <a:fld id="{D1FC40BD-DF71-48B5-9F6E-F69B92E103E9}" type="datetimeFigureOut">
               <a:rPr lang="zh-CN" altLang="en-US" smtClean="0"/>
-              <a:t>2021/1/25</a:t>
+              <a:t>2021/1/26</a:t>
             </a:fld>
             <a:endParaRPr lang="zh-CN" altLang="en-US"/>
           </a:p>
@@ -2383,7 +5149,7 @@
           <a:p>
             <a:fld id="{D1FC40BD-DF71-48B5-9F6E-F69B92E103E9}" type="datetimeFigureOut">
               <a:rPr lang="zh-CN" altLang="en-US" smtClean="0"/>
-              <a:t>2021/1/25</a:t>
+              <a:t>2021/1/26</a:t>
             </a:fld>
             <a:endParaRPr lang="zh-CN" altLang="en-US"/>
           </a:p>
@@ -2596,7 +5362,7 @@
           <a:p>
             <a:fld id="{D1FC40BD-DF71-48B5-9F6E-F69B92E103E9}" type="datetimeFigureOut">
               <a:rPr lang="zh-CN" altLang="en-US" smtClean="0"/>
-              <a:t>2021/1/25</a:t>
+              <a:t>2021/1/26</a:t>
             </a:fld>
             <a:endParaRPr lang="zh-CN" altLang="en-US"/>
           </a:p>
@@ -3184,12 +5950,113 @@
               <a:t>Chain Code</a:t>
             </a:r>
           </a:p>
-        </p:txBody>
-      </p:sp>
+          <a:p>
+            <a:r>
+              <a:rPr lang="en-US" altLang="zh-CN" dirty="0"/>
+              <a:t>Ledger</a:t>
+            </a:r>
+          </a:p>
+          <a:p>
+            <a:pPr lvl="1"/>
+            <a:r>
+              <a:rPr lang="en-US" altLang="zh-CN" dirty="0"/>
+              <a:t>Blockchain</a:t>
+            </a:r>
+          </a:p>
+          <a:p>
+            <a:pPr lvl="1"/>
+            <a:r>
+              <a:rPr lang="en-US" altLang="zh-CN" dirty="0"/>
+              <a:t>World State DB</a:t>
+            </a:r>
+          </a:p>
+        </p:txBody>
+      </p:sp>
+      <p:sp>
+        <p:nvSpPr>
+          <p:cNvPr id="4" name="AutoShape 2" descr="ledger.ledger">
+            <a:extLst>
+              <a:ext uri="{FF2B5EF4-FFF2-40B4-BE49-F238E27FC236}">
+                <a16:creationId xmlns:a16="http://schemas.microsoft.com/office/drawing/2014/main" id="{792CE1B9-CC83-4E0B-A866-D7C75362C0D5}"/>
+              </a:ext>
+            </a:extLst>
+          </p:cNvPr>
+          <p:cNvSpPr>
+            <a:spLocks noChangeAspect="1" noChangeArrowheads="1"/>
+          </p:cNvSpPr>
+          <p:nvPr/>
+        </p:nvSpPr>
+        <p:spPr bwMode="auto">
+          <a:xfrm>
+            <a:off x="5943600" y="3276600"/>
+            <a:ext cx="304800" cy="304800"/>
+          </a:xfrm>
+          <a:prstGeom prst="rect">
+            <a:avLst/>
+          </a:prstGeom>
+          <a:noFill/>
+          <a:extLst>
+            <a:ext uri="{909E8E84-426E-40DD-AFC4-6F175D3DCCD1}">
+              <a14:hiddenFill xmlns:a14="http://schemas.microsoft.com/office/drawing/2010/main">
+                <a:solidFill>
+                  <a:srgbClr val="FFFFFF"/>
+                </a:solidFill>
+              </a14:hiddenFill>
+            </a:ext>
+          </a:extLst>
+        </p:spPr>
+        <p:txBody>
+          <a:bodyPr vert="horz" wrap="square" lIns="91440" tIns="45720" rIns="91440" bIns="45720" numCol="1" anchor="t" anchorCtr="0" compatLnSpc="1">
+            <a:prstTxWarp prst="textNoShape">
+              <a:avLst/>
+            </a:prstTxWarp>
+          </a:bodyPr>
+          <a:lstStyle/>
+          <a:p>
+            <a:endParaRPr lang="zh-CN" altLang="en-US"/>
+          </a:p>
+        </p:txBody>
+      </p:sp>
+      <p:pic>
+        <p:nvPicPr>
+          <p:cNvPr id="8" name="图片 7">
+            <a:extLst>
+              <a:ext uri="{FF2B5EF4-FFF2-40B4-BE49-F238E27FC236}">
+                <a16:creationId xmlns:a16="http://schemas.microsoft.com/office/drawing/2014/main" id="{DB288511-4D5B-4FB3-AD5E-0548D59B15AC}"/>
+              </a:ext>
+            </a:extLst>
+          </p:cNvPr>
+          <p:cNvPicPr>
+            <a:picLocks noChangeAspect="1"/>
+          </p:cNvPicPr>
+          <p:nvPr/>
+        </p:nvPicPr>
+        <p:blipFill>
+          <a:blip r:embed="rId2">
+            <a:extLst>
+              <a:ext uri="{28A0092B-C50C-407E-A947-70E740481C1C}">
+                <a14:useLocalDpi xmlns:a14="http://schemas.microsoft.com/office/drawing/2010/main" val="0"/>
+              </a:ext>
+            </a:extLst>
+          </a:blip>
+          <a:stretch>
+            <a:fillRect/>
+          </a:stretch>
+        </p:blipFill>
+        <p:spPr>
+          <a:xfrm>
+            <a:off x="3937991" y="1690688"/>
+            <a:ext cx="8032498" cy="3604326"/>
+          </a:xfrm>
+          <a:prstGeom prst="rect">
+            <a:avLst/>
+          </a:prstGeom>
+        </p:spPr>
+      </p:pic>
     </p:spTree>
     <p:extLst>
       <p:ext uri="{BB962C8B-B14F-4D97-AF65-F5344CB8AC3E}">
-        <p14:creationId xmlns:p14="http://schemas.microsoft.com/office/powerpoint/2010/main" val="3571862158"/>
+        <p14:creationId xmlns:p14="http://schemas.microsoft.com/office/powerpoint/2010/main" val="3171075019"/>
       </p:ext>
     </p:extLst>
   </p:cSld>
@@ -3270,29 +6137,117 @@
           <a:p>
             <a:r>
               <a:rPr lang="en-US" altLang="zh-CN" dirty="0"/>
-              <a:t>Ledger</a:t>
+              <a:t>Gossip Protocol</a:t>
+            </a:r>
+          </a:p>
+          <a:p>
+            <a:r>
+              <a:rPr lang="en-US" altLang="zh-CN" dirty="0"/>
+              <a:t>Private Data</a:t>
             </a:r>
           </a:p>
           <a:p>
             <a:pPr lvl="1"/>
             <a:r>
               <a:rPr lang="en-US" altLang="zh-CN" dirty="0"/>
-              <a:t>Blockchain</a:t>
+              <a:t>Private Block</a:t>
             </a:r>
           </a:p>
           <a:p>
             <a:pPr lvl="1"/>
             <a:r>
               <a:rPr lang="en-US" altLang="zh-CN" dirty="0"/>
-              <a:t>World State DB</a:t>
-            </a:r>
-          </a:p>
-        </p:txBody>
-      </p:sp>
+              <a:t>Private DB</a:t>
+            </a:r>
+            <a:endParaRPr lang="zh-CN" altLang="en-US" dirty="0"/>
+          </a:p>
+        </p:txBody>
+      </p:sp>
+      <p:sp>
+        <p:nvSpPr>
+          <p:cNvPr id="4" name="AutoShape 2" descr="ledger.ledger">
+            <a:extLst>
+              <a:ext uri="{FF2B5EF4-FFF2-40B4-BE49-F238E27FC236}">
+                <a16:creationId xmlns:a16="http://schemas.microsoft.com/office/drawing/2014/main" id="{792CE1B9-CC83-4E0B-A866-D7C75362C0D5}"/>
+              </a:ext>
+            </a:extLst>
+          </p:cNvPr>
+          <p:cNvSpPr>
+            <a:spLocks noChangeAspect="1" noChangeArrowheads="1"/>
+          </p:cNvSpPr>
+          <p:nvPr/>
+        </p:nvSpPr>
+        <p:spPr bwMode="auto">
+          <a:xfrm>
+            <a:off x="5943600" y="3276600"/>
+            <a:ext cx="304800" cy="304800"/>
+          </a:xfrm>
+          <a:prstGeom prst="rect">
+            <a:avLst/>
+          </a:prstGeom>
+          <a:noFill/>
+          <a:extLst>
+            <a:ext uri="{909E8E84-426E-40DD-AFC4-6F175D3DCCD1}">
+              <a14:hiddenFill xmlns:a14="http://schemas.microsoft.com/office/drawing/2010/main">
+                <a:solidFill>
+                  <a:srgbClr val="FFFFFF"/>
+                </a:solidFill>
+              </a14:hiddenFill>
+            </a:ext>
+          </a:extLst>
+        </p:spPr>
+        <p:txBody>
+          <a:bodyPr vert="horz" wrap="square" lIns="91440" tIns="45720" rIns="91440" bIns="45720" numCol="1" anchor="t" anchorCtr="0" compatLnSpc="1">
+            <a:prstTxWarp prst="textNoShape">
+              <a:avLst/>
+            </a:prstTxWarp>
+          </a:bodyPr>
+          <a:lstStyle/>
+          <a:p>
+            <a:endParaRPr lang="zh-CN" altLang="en-US"/>
+          </a:p>
+        </p:txBody>
+      </p:sp>
+      <p:pic>
+        <p:nvPicPr>
+          <p:cNvPr id="6" name="图片 5" descr="图示&#10;&#10;描述已自动生成">
+            <a:extLst>
+              <a:ext uri="{FF2B5EF4-FFF2-40B4-BE49-F238E27FC236}">
+                <a16:creationId xmlns:a16="http://schemas.microsoft.com/office/drawing/2014/main" id="{D1AC2F0C-F9B9-4838-845D-A95C77880CE5}"/>
+              </a:ext>
+            </a:extLst>
+          </p:cNvPr>
+          <p:cNvPicPr>
+            <a:picLocks noChangeAspect="1"/>
+          </p:cNvPicPr>
+          <p:nvPr/>
+        </p:nvPicPr>
+        <p:blipFill>
+          <a:blip r:embed="rId2">
+            <a:extLst>
+              <a:ext uri="{28A0092B-C50C-407E-A947-70E740481C1C}">
+                <a14:useLocalDpi xmlns:a14="http://schemas.microsoft.com/office/drawing/2010/main" val="0"/>
+              </a:ext>
+            </a:extLst>
+          </a:blip>
+          <a:stretch>
+            <a:fillRect/>
+          </a:stretch>
+        </p:blipFill>
+        <p:spPr>
+          <a:xfrm>
+            <a:off x="4022124" y="1690688"/>
+            <a:ext cx="7735712" cy="4351338"/>
+          </a:xfrm>
+          <a:prstGeom prst="rect">
+            <a:avLst/>
+          </a:prstGeom>
+        </p:spPr>
+      </p:pic>
     </p:spTree>
     <p:extLst>
       <p:ext uri="{BB962C8B-B14F-4D97-AF65-F5344CB8AC3E}">
-        <p14:creationId xmlns:p14="http://schemas.microsoft.com/office/powerpoint/2010/main" val="3171075019"/>
+        <p14:creationId xmlns:p14="http://schemas.microsoft.com/office/powerpoint/2010/main" val="3898230834"/>
       </p:ext>
     </p:extLst>
   </p:cSld>
@@ -3342,7 +6297,11 @@
           <a:p>
             <a:r>
               <a:rPr lang="en-US" altLang="zh-CN" dirty="0"/>
-              <a:t>1. Peer</a:t>
+              <a:t>2. </a:t>
+            </a:r>
+            <a:r>
+              <a:rPr lang="en-US" altLang="zh-CN" dirty="0" err="1"/>
+              <a:t>Orderer</a:t>
             </a:r>
             <a:endParaRPr lang="zh-CN" altLang="en-US" dirty="0"/>
           </a:p>
@@ -3366,35 +6325,24 @@
         </p:nvSpPr>
         <p:spPr/>
         <p:txBody>
-          <a:bodyPr>
-            <a:normAutofit/>
-          </a:bodyPr>
+          <a:bodyPr/>
           <a:lstStyle/>
           <a:p>
             <a:r>
               <a:rPr lang="en-US" altLang="zh-CN" dirty="0"/>
-              <a:t>Ledger</a:t>
-            </a:r>
-          </a:p>
-          <a:p>
-            <a:pPr lvl="1"/>
+              <a:t>What</a:t>
+            </a:r>
+          </a:p>
+          <a:p>
             <a:r>
               <a:rPr lang="en-US" altLang="zh-CN" dirty="0"/>
-              <a:t>Private Data</a:t>
-            </a:r>
-          </a:p>
-          <a:p>
-            <a:pPr lvl="2"/>
+              <a:t>Why</a:t>
+            </a:r>
+          </a:p>
+          <a:p>
             <a:r>
               <a:rPr lang="en-US" altLang="zh-CN" dirty="0"/>
-              <a:t>Private Block</a:t>
-            </a:r>
-          </a:p>
-          <a:p>
-            <a:pPr lvl="2"/>
-            <a:r>
-              <a:rPr lang="en-US" altLang="zh-CN" dirty="0"/>
-              <a:t>Private DB</a:t>
+              <a:t>How</a:t>
             </a:r>
             <a:endParaRPr lang="zh-CN" altLang="en-US" dirty="0"/>
           </a:p>
@@ -3403,7 +6351,7 @@
     </p:spTree>
     <p:extLst>
       <p:ext uri="{BB962C8B-B14F-4D97-AF65-F5344CB8AC3E}">
-        <p14:creationId xmlns:p14="http://schemas.microsoft.com/office/powerpoint/2010/main" val="3019408843"/>
+        <p14:creationId xmlns:p14="http://schemas.microsoft.com/office/powerpoint/2010/main" val="2814125316"/>
       </p:ext>
     </p:extLst>
   </p:cSld>
@@ -3453,7 +6401,11 @@
           <a:p>
             <a:r>
               <a:rPr lang="en-US" altLang="zh-CN" dirty="0"/>
-              <a:t>1. Peer</a:t>
+              <a:t>2. </a:t>
+            </a:r>
+            <a:r>
+              <a:rPr lang="en-US" altLang="zh-CN" dirty="0" err="1"/>
+              <a:t>Orderer</a:t>
             </a:r>
             <a:endParaRPr lang="zh-CN" altLang="en-US" dirty="0"/>
           </a:p>
@@ -3477,14 +6429,33 @@
         </p:nvSpPr>
         <p:spPr/>
         <p:txBody>
-          <a:bodyPr>
-            <a:normAutofit/>
-          </a:bodyPr>
+          <a:bodyPr/>
           <a:lstStyle/>
           <a:p>
             <a:r>
               <a:rPr lang="en-US" altLang="zh-CN" dirty="0"/>
-              <a:t>Gossip Protocol</a:t>
+              <a:t>Order Proxy</a:t>
+            </a:r>
+          </a:p>
+          <a:p>
+            <a:pPr lvl="1"/>
+            <a:r>
+              <a:rPr lang="en-US" altLang="zh-CN" dirty="0"/>
+              <a:t>Solo</a:t>
+            </a:r>
+          </a:p>
+          <a:p>
+            <a:pPr lvl="1"/>
+            <a:r>
+              <a:rPr lang="en-US" altLang="zh-CN" dirty="0"/>
+              <a:t>Kafka</a:t>
+            </a:r>
+          </a:p>
+          <a:p>
+            <a:pPr lvl="1"/>
+            <a:r>
+              <a:rPr lang="en-US" altLang="zh-CN" dirty="0"/>
+              <a:t>Raft</a:t>
             </a:r>
             <a:endParaRPr lang="zh-CN" altLang="en-US" dirty="0"/>
           </a:p>
@@ -3493,7 +6464,7 @@
     </p:spTree>
     <p:extLst>
       <p:ext uri="{BB962C8B-B14F-4D97-AF65-F5344CB8AC3E}">
-        <p14:creationId xmlns:p14="http://schemas.microsoft.com/office/powerpoint/2010/main" val="4232179613"/>
+        <p14:creationId xmlns:p14="http://schemas.microsoft.com/office/powerpoint/2010/main" val="2572309467"/>
       </p:ext>
     </p:extLst>
   </p:cSld>
@@ -3543,11 +6514,7 @@
           <a:p>
             <a:r>
               <a:rPr lang="en-US" altLang="zh-CN" dirty="0"/>
-              <a:t>2. </a:t>
-            </a:r>
-            <a:r>
-              <a:rPr lang="en-US" altLang="zh-CN" dirty="0" err="1"/>
-              <a:t>Orderer</a:t>
+              <a:t>3. CA</a:t>
             </a:r>
             <a:endParaRPr lang="zh-CN" altLang="en-US" dirty="0"/>
           </a:p>
@@ -3576,16 +6543,41 @@
           <a:p>
             <a:r>
               <a:rPr lang="en-US" altLang="zh-CN" dirty="0"/>
-              <a:t>【】</a:t>
-            </a:r>
-            <a:endParaRPr lang="zh-CN" altLang="en-US" dirty="0"/>
+              <a:t>CA Server</a:t>
+            </a:r>
+          </a:p>
+          <a:p>
+            <a:pPr lvl="1"/>
+            <a:r>
+              <a:rPr lang="en-US" altLang="zh-CN" dirty="0"/>
+              <a:t>Root CA</a:t>
+            </a:r>
+          </a:p>
+          <a:p>
+            <a:pPr lvl="1"/>
+            <a:r>
+              <a:rPr lang="en-US" altLang="zh-CN" dirty="0"/>
+              <a:t>Intermediate CA</a:t>
+            </a:r>
+          </a:p>
+          <a:p>
+            <a:r>
+              <a:rPr lang="en-US" altLang="zh-CN" dirty="0"/>
+              <a:t>CA Client</a:t>
+            </a:r>
+          </a:p>
+          <a:p>
+            <a:r>
+              <a:rPr lang="en-US" altLang="zh-CN" dirty="0"/>
+              <a:t>MSP</a:t>
+            </a:r>
           </a:p>
         </p:txBody>
       </p:sp>
     </p:spTree>
     <p:extLst>
       <p:ext uri="{BB962C8B-B14F-4D97-AF65-F5344CB8AC3E}">
-        <p14:creationId xmlns:p14="http://schemas.microsoft.com/office/powerpoint/2010/main" val="2814125316"/>
+        <p14:creationId xmlns:p14="http://schemas.microsoft.com/office/powerpoint/2010/main" val="3649070300"/>
       </p:ext>
     </p:extLst>
   </p:cSld>
@@ -3635,11 +6627,7 @@
           <a:p>
             <a:r>
               <a:rPr lang="en-US" altLang="zh-CN" dirty="0"/>
-              <a:t>2. </a:t>
-            </a:r>
-            <a:r>
-              <a:rPr lang="en-US" altLang="zh-CN" dirty="0" err="1"/>
-              <a:t>Orderer</a:t>
+              <a:t>4. Client</a:t>
             </a:r>
             <a:endParaRPr lang="zh-CN" altLang="en-US" dirty="0"/>
           </a:p>
@@ -3668,7 +6656,13 @@
           <a:p>
             <a:r>
               <a:rPr lang="en-US" altLang="zh-CN" dirty="0"/>
-              <a:t>Order Proxy</a:t>
+              <a:t>SDK</a:t>
+            </a:r>
+          </a:p>
+          <a:p>
+            <a:r>
+              <a:rPr lang="en-US" altLang="zh-CN" dirty="0"/>
+              <a:t>Application</a:t>
             </a:r>
             <a:endParaRPr lang="zh-CN" altLang="en-US" dirty="0"/>
           </a:p>
@@ -3677,7 +6671,7 @@
     </p:spTree>
     <p:extLst>
       <p:ext uri="{BB962C8B-B14F-4D97-AF65-F5344CB8AC3E}">
-        <p14:creationId xmlns:p14="http://schemas.microsoft.com/office/powerpoint/2010/main" val="2572309467"/>
+        <p14:creationId xmlns:p14="http://schemas.microsoft.com/office/powerpoint/2010/main" val="2632436869"/>
       </p:ext>
     </p:extLst>
   </p:cSld>
@@ -3709,7 +6703,7 @@
           <p:cNvPr id="2" name="标题 1">
             <a:extLst>
               <a:ext uri="{FF2B5EF4-FFF2-40B4-BE49-F238E27FC236}">
-                <a16:creationId xmlns:a16="http://schemas.microsoft.com/office/drawing/2014/main" id="{59E53C8E-1407-48C7-BC53-331B3B3C2F84}"/>
+                <a16:creationId xmlns:a16="http://schemas.microsoft.com/office/drawing/2014/main" id="{696A5807-AB6E-4F45-99F4-9C05A7BD8CDB}"/>
               </a:ext>
             </a:extLst>
           </p:cNvPr>
@@ -3717,68 +6711,33 @@
             <a:spLocks noGrp="1"/>
           </p:cNvSpPr>
           <p:nvPr>
-            <p:ph type="title"/>
-          </p:nvPr>
-        </p:nvSpPr>
-        <p:spPr/>
-        <p:txBody>
-          <a:bodyPr/>
+            <p:ph type="ctrTitle"/>
+          </p:nvPr>
+        </p:nvSpPr>
+        <p:spPr>
+          <a:xfrm>
+            <a:off x="600173" y="2910526"/>
+            <a:ext cx="10991654" cy="1036948"/>
+          </a:xfrm>
+        </p:spPr>
+        <p:txBody>
+          <a:bodyPr>
+            <a:normAutofit/>
+          </a:bodyPr>
           <a:lstStyle/>
           <a:p>
             <a:r>
               <a:rPr lang="en-US" altLang="zh-CN" dirty="0"/>
-              <a:t>3. CA</a:t>
+              <a:t>Part 3: Relationship</a:t>
             </a:r>
             <a:endParaRPr lang="zh-CN" altLang="en-US" dirty="0"/>
-          </a:p>
-        </p:txBody>
-      </p:sp>
-      <p:sp>
-        <p:nvSpPr>
-          <p:cNvPr id="3" name="内容占位符 2">
-            <a:extLst>
-              <a:ext uri="{FF2B5EF4-FFF2-40B4-BE49-F238E27FC236}">
-                <a16:creationId xmlns:a16="http://schemas.microsoft.com/office/drawing/2014/main" id="{1A9EC2D7-6463-4A6F-90EE-399D9456DD0A}"/>
-              </a:ext>
-            </a:extLst>
-          </p:cNvPr>
-          <p:cNvSpPr>
-            <a:spLocks noGrp="1"/>
-          </p:cNvSpPr>
-          <p:nvPr>
-            <p:ph idx="1"/>
-          </p:nvPr>
-        </p:nvSpPr>
-        <p:spPr/>
-        <p:txBody>
-          <a:bodyPr/>
-          <a:lstStyle/>
-          <a:p>
-            <a:r>
-              <a:rPr lang="en-US" altLang="zh-CN" dirty="0"/>
-              <a:t>CA Server</a:t>
-            </a:r>
-          </a:p>
-          <a:p>
-            <a:pPr lvl="1"/>
-            <a:r>
-              <a:rPr lang="en-US" altLang="zh-CN" dirty="0"/>
-              <a:t>Root CA</a:t>
-            </a:r>
-          </a:p>
-          <a:p>
-            <a:pPr lvl="1"/>
-            <a:r>
-              <a:rPr lang="en-US" altLang="zh-CN" dirty="0"/>
-              <a:t>Intermediate CA</a:t>
-            </a:r>
           </a:p>
         </p:txBody>
       </p:sp>
     </p:spTree>
     <p:extLst>
       <p:ext uri="{BB962C8B-B14F-4D97-AF65-F5344CB8AC3E}">
-        <p14:creationId xmlns:p14="http://schemas.microsoft.com/office/powerpoint/2010/main" val="3649070300"/>
+        <p14:creationId xmlns:p14="http://schemas.microsoft.com/office/powerpoint/2010/main" val="2168299143"/>
       </p:ext>
     </p:extLst>
   </p:cSld>
@@ -3810,528 +6769,6 @@
           <p:cNvPr id="2" name="标题 1">
             <a:extLst>
               <a:ext uri="{FF2B5EF4-FFF2-40B4-BE49-F238E27FC236}">
-                <a16:creationId xmlns:a16="http://schemas.microsoft.com/office/drawing/2014/main" id="{59E53C8E-1407-48C7-BC53-331B3B3C2F84}"/>
-              </a:ext>
-            </a:extLst>
-          </p:cNvPr>
-          <p:cNvSpPr>
-            <a:spLocks noGrp="1"/>
-          </p:cNvSpPr>
-          <p:nvPr>
-            <p:ph type="title"/>
-          </p:nvPr>
-        </p:nvSpPr>
-        <p:spPr/>
-        <p:txBody>
-          <a:bodyPr/>
-          <a:lstStyle/>
-          <a:p>
-            <a:r>
-              <a:rPr lang="en-US" altLang="zh-CN" dirty="0"/>
-              <a:t>3. CA</a:t>
-            </a:r>
-            <a:endParaRPr lang="zh-CN" altLang="en-US" dirty="0"/>
-          </a:p>
-        </p:txBody>
-      </p:sp>
-      <p:sp>
-        <p:nvSpPr>
-          <p:cNvPr id="3" name="内容占位符 2">
-            <a:extLst>
-              <a:ext uri="{FF2B5EF4-FFF2-40B4-BE49-F238E27FC236}">
-                <a16:creationId xmlns:a16="http://schemas.microsoft.com/office/drawing/2014/main" id="{1A9EC2D7-6463-4A6F-90EE-399D9456DD0A}"/>
-              </a:ext>
-            </a:extLst>
-          </p:cNvPr>
-          <p:cNvSpPr>
-            <a:spLocks noGrp="1"/>
-          </p:cNvSpPr>
-          <p:nvPr>
-            <p:ph idx="1"/>
-          </p:nvPr>
-        </p:nvSpPr>
-        <p:spPr/>
-        <p:txBody>
-          <a:bodyPr/>
-          <a:lstStyle/>
-          <a:p>
-            <a:r>
-              <a:rPr lang="en-US" altLang="zh-CN" dirty="0"/>
-              <a:t>CA Client</a:t>
-            </a:r>
-          </a:p>
-        </p:txBody>
-      </p:sp>
-    </p:spTree>
-    <p:extLst>
-      <p:ext uri="{BB962C8B-B14F-4D97-AF65-F5344CB8AC3E}">
-        <p14:creationId xmlns:p14="http://schemas.microsoft.com/office/powerpoint/2010/main" val="207023413"/>
-      </p:ext>
-    </p:extLst>
-  </p:cSld>
-  <p:clrMapOvr>
-    <a:masterClrMapping/>
-  </p:clrMapOvr>
-</p:sld>
-</file>
-
-<file path=ppt/slides/slide18.xml><?xml version="1.0" encoding="utf-8"?>
-<p:sld xmlns:a="http://schemas.openxmlformats.org/drawingml/2006/main" xmlns:r="http://schemas.openxmlformats.org/officeDocument/2006/relationships" xmlns:p="http://schemas.openxmlformats.org/presentationml/2006/main">
-  <p:cSld>
-    <p:spTree>
-      <p:nvGrpSpPr>
-        <p:cNvPr id="1" name=""/>
-        <p:cNvGrpSpPr/>
-        <p:nvPr/>
-      </p:nvGrpSpPr>
-      <p:grpSpPr>
-        <a:xfrm>
-          <a:off x="0" y="0"/>
-          <a:ext cx="0" cy="0"/>
-          <a:chOff x="0" y="0"/>
-          <a:chExt cx="0" cy="0"/>
-        </a:xfrm>
-      </p:grpSpPr>
-      <p:sp>
-        <p:nvSpPr>
-          <p:cNvPr id="2" name="标题 1">
-            <a:extLst>
-              <a:ext uri="{FF2B5EF4-FFF2-40B4-BE49-F238E27FC236}">
-                <a16:creationId xmlns:a16="http://schemas.microsoft.com/office/drawing/2014/main" id="{59E53C8E-1407-48C7-BC53-331B3B3C2F84}"/>
-              </a:ext>
-            </a:extLst>
-          </p:cNvPr>
-          <p:cNvSpPr>
-            <a:spLocks noGrp="1"/>
-          </p:cNvSpPr>
-          <p:nvPr>
-            <p:ph type="title"/>
-          </p:nvPr>
-        </p:nvSpPr>
-        <p:spPr/>
-        <p:txBody>
-          <a:bodyPr/>
-          <a:lstStyle/>
-          <a:p>
-            <a:r>
-              <a:rPr lang="en-US" altLang="zh-CN" dirty="0"/>
-              <a:t>3. CA</a:t>
-            </a:r>
-            <a:endParaRPr lang="zh-CN" altLang="en-US" dirty="0"/>
-          </a:p>
-        </p:txBody>
-      </p:sp>
-      <p:sp>
-        <p:nvSpPr>
-          <p:cNvPr id="3" name="内容占位符 2">
-            <a:extLst>
-              <a:ext uri="{FF2B5EF4-FFF2-40B4-BE49-F238E27FC236}">
-                <a16:creationId xmlns:a16="http://schemas.microsoft.com/office/drawing/2014/main" id="{1A9EC2D7-6463-4A6F-90EE-399D9456DD0A}"/>
-              </a:ext>
-            </a:extLst>
-          </p:cNvPr>
-          <p:cNvSpPr>
-            <a:spLocks noGrp="1"/>
-          </p:cNvSpPr>
-          <p:nvPr>
-            <p:ph idx="1"/>
-          </p:nvPr>
-        </p:nvSpPr>
-        <p:spPr/>
-        <p:txBody>
-          <a:bodyPr/>
-          <a:lstStyle/>
-          <a:p>
-            <a:r>
-              <a:rPr lang="en-US" altLang="zh-CN" dirty="0"/>
-              <a:t>MSP</a:t>
-            </a:r>
-          </a:p>
-        </p:txBody>
-      </p:sp>
-    </p:spTree>
-    <p:extLst>
-      <p:ext uri="{BB962C8B-B14F-4D97-AF65-F5344CB8AC3E}">
-        <p14:creationId xmlns:p14="http://schemas.microsoft.com/office/powerpoint/2010/main" val="147809833"/>
-      </p:ext>
-    </p:extLst>
-  </p:cSld>
-  <p:clrMapOvr>
-    <a:masterClrMapping/>
-  </p:clrMapOvr>
-</p:sld>
-</file>
-
-<file path=ppt/slides/slide19.xml><?xml version="1.0" encoding="utf-8"?>
-<p:sld xmlns:a="http://schemas.openxmlformats.org/drawingml/2006/main" xmlns:r="http://schemas.openxmlformats.org/officeDocument/2006/relationships" xmlns:p="http://schemas.openxmlformats.org/presentationml/2006/main">
-  <p:cSld>
-    <p:spTree>
-      <p:nvGrpSpPr>
-        <p:cNvPr id="1" name=""/>
-        <p:cNvGrpSpPr/>
-        <p:nvPr/>
-      </p:nvGrpSpPr>
-      <p:grpSpPr>
-        <a:xfrm>
-          <a:off x="0" y="0"/>
-          <a:ext cx="0" cy="0"/>
-          <a:chOff x="0" y="0"/>
-          <a:chExt cx="0" cy="0"/>
-        </a:xfrm>
-      </p:grpSpPr>
-      <p:sp>
-        <p:nvSpPr>
-          <p:cNvPr id="2" name="标题 1">
-            <a:extLst>
-              <a:ext uri="{FF2B5EF4-FFF2-40B4-BE49-F238E27FC236}">
-                <a16:creationId xmlns:a16="http://schemas.microsoft.com/office/drawing/2014/main" id="{59E53C8E-1407-48C7-BC53-331B3B3C2F84}"/>
-              </a:ext>
-            </a:extLst>
-          </p:cNvPr>
-          <p:cNvSpPr>
-            <a:spLocks noGrp="1"/>
-          </p:cNvSpPr>
-          <p:nvPr>
-            <p:ph type="title"/>
-          </p:nvPr>
-        </p:nvSpPr>
-        <p:spPr/>
-        <p:txBody>
-          <a:bodyPr/>
-          <a:lstStyle/>
-          <a:p>
-            <a:r>
-              <a:rPr lang="en-US" altLang="zh-CN" dirty="0"/>
-              <a:t>4. Client</a:t>
-            </a:r>
-            <a:endParaRPr lang="zh-CN" altLang="en-US" dirty="0"/>
-          </a:p>
-        </p:txBody>
-      </p:sp>
-      <p:sp>
-        <p:nvSpPr>
-          <p:cNvPr id="3" name="内容占位符 2">
-            <a:extLst>
-              <a:ext uri="{FF2B5EF4-FFF2-40B4-BE49-F238E27FC236}">
-                <a16:creationId xmlns:a16="http://schemas.microsoft.com/office/drawing/2014/main" id="{1A9EC2D7-6463-4A6F-90EE-399D9456DD0A}"/>
-              </a:ext>
-            </a:extLst>
-          </p:cNvPr>
-          <p:cNvSpPr>
-            <a:spLocks noGrp="1"/>
-          </p:cNvSpPr>
-          <p:nvPr>
-            <p:ph idx="1"/>
-          </p:nvPr>
-        </p:nvSpPr>
-        <p:spPr/>
-        <p:txBody>
-          <a:bodyPr/>
-          <a:lstStyle/>
-          <a:p>
-            <a:r>
-              <a:rPr lang="en-US" altLang="zh-CN" dirty="0"/>
-              <a:t>Application</a:t>
-            </a:r>
-            <a:endParaRPr lang="zh-CN" altLang="en-US" dirty="0"/>
-          </a:p>
-        </p:txBody>
-      </p:sp>
-    </p:spTree>
-    <p:extLst>
-      <p:ext uri="{BB962C8B-B14F-4D97-AF65-F5344CB8AC3E}">
-        <p14:creationId xmlns:p14="http://schemas.microsoft.com/office/powerpoint/2010/main" val="2632436869"/>
-      </p:ext>
-    </p:extLst>
-  </p:cSld>
-  <p:clrMapOvr>
-    <a:masterClrMapping/>
-  </p:clrMapOvr>
-</p:sld>
-</file>
-
-<file path=ppt/slides/slide2.xml><?xml version="1.0" encoding="utf-8"?>
-<p:sld xmlns:a="http://schemas.openxmlformats.org/drawingml/2006/main" xmlns:r="http://schemas.openxmlformats.org/officeDocument/2006/relationships" xmlns:p="http://schemas.openxmlformats.org/presentationml/2006/main">
-  <p:cSld>
-    <p:spTree>
-      <p:nvGrpSpPr>
-        <p:cNvPr id="1" name=""/>
-        <p:cNvGrpSpPr/>
-        <p:nvPr/>
-      </p:nvGrpSpPr>
-      <p:grpSpPr>
-        <a:xfrm>
-          <a:off x="0" y="0"/>
-          <a:ext cx="0" cy="0"/>
-          <a:chOff x="0" y="0"/>
-          <a:chExt cx="0" cy="0"/>
-        </a:xfrm>
-      </p:grpSpPr>
-      <p:sp>
-        <p:nvSpPr>
-          <p:cNvPr id="2" name="标题 1">
-            <a:extLst>
-              <a:ext uri="{FF2B5EF4-FFF2-40B4-BE49-F238E27FC236}">
-                <a16:creationId xmlns:a16="http://schemas.microsoft.com/office/drawing/2014/main" id="{1AFCDE6B-7737-486C-9FD6-45EB60958887}"/>
-              </a:ext>
-            </a:extLst>
-          </p:cNvPr>
-          <p:cNvSpPr>
-            <a:spLocks noGrp="1"/>
-          </p:cNvSpPr>
-          <p:nvPr>
-            <p:ph type="title"/>
-          </p:nvPr>
-        </p:nvSpPr>
-        <p:spPr/>
-        <p:txBody>
-          <a:bodyPr/>
-          <a:lstStyle/>
-          <a:p>
-            <a:r>
-              <a:rPr lang="en-US" altLang="zh-CN" dirty="0"/>
-              <a:t>Content</a:t>
-            </a:r>
-            <a:endParaRPr lang="zh-CN" altLang="en-US" dirty="0"/>
-          </a:p>
-        </p:txBody>
-      </p:sp>
-      <p:sp>
-        <p:nvSpPr>
-          <p:cNvPr id="3" name="内容占位符 2">
-            <a:extLst>
-              <a:ext uri="{FF2B5EF4-FFF2-40B4-BE49-F238E27FC236}">
-                <a16:creationId xmlns:a16="http://schemas.microsoft.com/office/drawing/2014/main" id="{57BDFA4D-BDFA-44D4-AFC0-D9158C90CC8A}"/>
-              </a:ext>
-            </a:extLst>
-          </p:cNvPr>
-          <p:cNvSpPr>
-            <a:spLocks noGrp="1"/>
-          </p:cNvSpPr>
-          <p:nvPr>
-            <p:ph idx="1"/>
-          </p:nvPr>
-        </p:nvSpPr>
-        <p:spPr/>
-        <p:txBody>
-          <a:bodyPr/>
-          <a:lstStyle/>
-          <a:p>
-            <a:r>
-              <a:rPr lang="en-US" altLang="zh-CN" dirty="0"/>
-              <a:t>Architecture Overview </a:t>
-            </a:r>
-          </a:p>
-          <a:p>
-            <a:r>
-              <a:rPr lang="en-US" altLang="zh-CN" dirty="0"/>
-              <a:t>Roles</a:t>
-            </a:r>
-          </a:p>
-          <a:p>
-            <a:r>
-              <a:rPr lang="en-US" altLang="zh-CN" dirty="0"/>
-              <a:t>Relationship</a:t>
-            </a:r>
-          </a:p>
-          <a:p>
-            <a:r>
-              <a:rPr lang="en-US" altLang="zh-CN" dirty="0"/>
-              <a:t>Conclusion</a:t>
-            </a:r>
-            <a:endParaRPr lang="zh-CN" altLang="en-US" dirty="0"/>
-          </a:p>
-        </p:txBody>
-      </p:sp>
-    </p:spTree>
-    <p:extLst>
-      <p:ext uri="{BB962C8B-B14F-4D97-AF65-F5344CB8AC3E}">
-        <p14:creationId xmlns:p14="http://schemas.microsoft.com/office/powerpoint/2010/main" val="1026712134"/>
-      </p:ext>
-    </p:extLst>
-  </p:cSld>
-  <p:clrMapOvr>
-    <a:masterClrMapping/>
-  </p:clrMapOvr>
-</p:sld>
-</file>
-
-<file path=ppt/slides/slide20.xml><?xml version="1.0" encoding="utf-8"?>
-<p:sld xmlns:a="http://schemas.openxmlformats.org/drawingml/2006/main" xmlns:r="http://schemas.openxmlformats.org/officeDocument/2006/relationships" xmlns:p="http://schemas.openxmlformats.org/presentationml/2006/main">
-  <p:cSld>
-    <p:spTree>
-      <p:nvGrpSpPr>
-        <p:cNvPr id="1" name=""/>
-        <p:cNvGrpSpPr/>
-        <p:nvPr/>
-      </p:nvGrpSpPr>
-      <p:grpSpPr>
-        <a:xfrm>
-          <a:off x="0" y="0"/>
-          <a:ext cx="0" cy="0"/>
-          <a:chOff x="0" y="0"/>
-          <a:chExt cx="0" cy="0"/>
-        </a:xfrm>
-      </p:grpSpPr>
-      <p:sp>
-        <p:nvSpPr>
-          <p:cNvPr id="2" name="标题 1">
-            <a:extLst>
-              <a:ext uri="{FF2B5EF4-FFF2-40B4-BE49-F238E27FC236}">
-                <a16:creationId xmlns:a16="http://schemas.microsoft.com/office/drawing/2014/main" id="{59E53C8E-1407-48C7-BC53-331B3B3C2F84}"/>
-              </a:ext>
-            </a:extLst>
-          </p:cNvPr>
-          <p:cNvSpPr>
-            <a:spLocks noGrp="1"/>
-          </p:cNvSpPr>
-          <p:nvPr>
-            <p:ph type="title"/>
-          </p:nvPr>
-        </p:nvSpPr>
-        <p:spPr/>
-        <p:txBody>
-          <a:bodyPr/>
-          <a:lstStyle/>
-          <a:p>
-            <a:r>
-              <a:rPr lang="en-US" altLang="zh-CN" dirty="0"/>
-              <a:t>4. Client</a:t>
-            </a:r>
-            <a:endParaRPr lang="zh-CN" altLang="en-US" dirty="0"/>
-          </a:p>
-        </p:txBody>
-      </p:sp>
-      <p:sp>
-        <p:nvSpPr>
-          <p:cNvPr id="3" name="内容占位符 2">
-            <a:extLst>
-              <a:ext uri="{FF2B5EF4-FFF2-40B4-BE49-F238E27FC236}">
-                <a16:creationId xmlns:a16="http://schemas.microsoft.com/office/drawing/2014/main" id="{1A9EC2D7-6463-4A6F-90EE-399D9456DD0A}"/>
-              </a:ext>
-            </a:extLst>
-          </p:cNvPr>
-          <p:cNvSpPr>
-            <a:spLocks noGrp="1"/>
-          </p:cNvSpPr>
-          <p:nvPr>
-            <p:ph idx="1"/>
-          </p:nvPr>
-        </p:nvSpPr>
-        <p:spPr/>
-        <p:txBody>
-          <a:bodyPr/>
-          <a:lstStyle/>
-          <a:p>
-            <a:r>
-              <a:rPr lang="en-US" altLang="zh-CN" dirty="0"/>
-              <a:t>SDK</a:t>
-            </a:r>
-            <a:endParaRPr lang="zh-CN" altLang="en-US" dirty="0"/>
-          </a:p>
-        </p:txBody>
-      </p:sp>
-    </p:spTree>
-    <p:extLst>
-      <p:ext uri="{BB962C8B-B14F-4D97-AF65-F5344CB8AC3E}">
-        <p14:creationId xmlns:p14="http://schemas.microsoft.com/office/powerpoint/2010/main" val="3429407026"/>
-      </p:ext>
-    </p:extLst>
-  </p:cSld>
-  <p:clrMapOvr>
-    <a:masterClrMapping/>
-  </p:clrMapOvr>
-</p:sld>
-</file>
-
-<file path=ppt/slides/slide21.xml><?xml version="1.0" encoding="utf-8"?>
-<p:sld xmlns:a="http://schemas.openxmlformats.org/drawingml/2006/main" xmlns:r="http://schemas.openxmlformats.org/officeDocument/2006/relationships" xmlns:p="http://schemas.openxmlformats.org/presentationml/2006/main">
-  <p:cSld>
-    <p:spTree>
-      <p:nvGrpSpPr>
-        <p:cNvPr id="1" name=""/>
-        <p:cNvGrpSpPr/>
-        <p:nvPr/>
-      </p:nvGrpSpPr>
-      <p:grpSpPr>
-        <a:xfrm>
-          <a:off x="0" y="0"/>
-          <a:ext cx="0" cy="0"/>
-          <a:chOff x="0" y="0"/>
-          <a:chExt cx="0" cy="0"/>
-        </a:xfrm>
-      </p:grpSpPr>
-      <p:sp>
-        <p:nvSpPr>
-          <p:cNvPr id="2" name="标题 1">
-            <a:extLst>
-              <a:ext uri="{FF2B5EF4-FFF2-40B4-BE49-F238E27FC236}">
-                <a16:creationId xmlns:a16="http://schemas.microsoft.com/office/drawing/2014/main" id="{696A5807-AB6E-4F45-99F4-9C05A7BD8CDB}"/>
-              </a:ext>
-            </a:extLst>
-          </p:cNvPr>
-          <p:cNvSpPr>
-            <a:spLocks noGrp="1"/>
-          </p:cNvSpPr>
-          <p:nvPr>
-            <p:ph type="ctrTitle"/>
-          </p:nvPr>
-        </p:nvSpPr>
-        <p:spPr>
-          <a:xfrm>
-            <a:off x="600173" y="2910526"/>
-            <a:ext cx="10991654" cy="1036948"/>
-          </a:xfrm>
-        </p:spPr>
-        <p:txBody>
-          <a:bodyPr>
-            <a:normAutofit/>
-          </a:bodyPr>
-          <a:lstStyle/>
-          <a:p>
-            <a:r>
-              <a:rPr lang="en-US" altLang="zh-CN" dirty="0"/>
-              <a:t>Part 3: Relationship</a:t>
-            </a:r>
-            <a:endParaRPr lang="zh-CN" altLang="en-US" dirty="0"/>
-          </a:p>
-        </p:txBody>
-      </p:sp>
-    </p:spTree>
-    <p:extLst>
-      <p:ext uri="{BB962C8B-B14F-4D97-AF65-F5344CB8AC3E}">
-        <p14:creationId xmlns:p14="http://schemas.microsoft.com/office/powerpoint/2010/main" val="2168299143"/>
-      </p:ext>
-    </p:extLst>
-  </p:cSld>
-  <p:clrMapOvr>
-    <a:masterClrMapping/>
-  </p:clrMapOvr>
-</p:sld>
-</file>
-
-<file path=ppt/slides/slide22.xml><?xml version="1.0" encoding="utf-8"?>
-<p:sld xmlns:a="http://schemas.openxmlformats.org/drawingml/2006/main" xmlns:r="http://schemas.openxmlformats.org/officeDocument/2006/relationships" xmlns:p="http://schemas.openxmlformats.org/presentationml/2006/main">
-  <p:cSld>
-    <p:spTree>
-      <p:nvGrpSpPr>
-        <p:cNvPr id="1" name=""/>
-        <p:cNvGrpSpPr/>
-        <p:nvPr/>
-      </p:nvGrpSpPr>
-      <p:grpSpPr>
-        <a:xfrm>
-          <a:off x="0" y="0"/>
-          <a:ext cx="0" cy="0"/>
-          <a:chOff x="0" y="0"/>
-          <a:chExt cx="0" cy="0"/>
-        </a:xfrm>
-      </p:grpSpPr>
-      <p:sp>
-        <p:nvSpPr>
-          <p:cNvPr id="2" name="标题 1">
-            <a:extLst>
-              <a:ext uri="{FF2B5EF4-FFF2-40B4-BE49-F238E27FC236}">
                 <a16:creationId xmlns:a16="http://schemas.microsoft.com/office/drawing/2014/main" id="{B18E5749-3309-40D0-9D48-3E5BAA273743}"/>
               </a:ext>
             </a:extLst>
@@ -4410,7 +6847,7 @@
 </p:sld>
 </file>
 
-<file path=ppt/slides/slide23.xml><?xml version="1.0" encoding="utf-8"?>
+<file path=ppt/slides/slide18.xml><?xml version="1.0" encoding="utf-8"?>
 <p:sld xmlns:a="http://schemas.openxmlformats.org/drawingml/2006/main" xmlns:r="http://schemas.openxmlformats.org/officeDocument/2006/relationships" xmlns:p="http://schemas.openxmlformats.org/presentationml/2006/main">
   <p:cSld>
     <p:spTree>
@@ -4503,7 +6940,7 @@
 </p:sld>
 </file>
 
-<file path=ppt/slides/slide24.xml><?xml version="1.0" encoding="utf-8"?>
+<file path=ppt/slides/slide19.xml><?xml version="1.0" encoding="utf-8"?>
 <p:sld xmlns:a="http://schemas.openxmlformats.org/drawingml/2006/main" xmlns:r="http://schemas.openxmlformats.org/officeDocument/2006/relationships" xmlns:p="http://schemas.openxmlformats.org/presentationml/2006/main">
   <p:cSld>
     <p:spTree>
@@ -4587,7 +7024,7 @@
 </p:sld>
 </file>
 
-<file path=ppt/slides/slide25.xml><?xml version="1.0" encoding="utf-8"?>
+<file path=ppt/slides/slide2.xml><?xml version="1.0" encoding="utf-8"?>
 <p:sld xmlns:a="http://schemas.openxmlformats.org/drawingml/2006/main" xmlns:r="http://schemas.openxmlformats.org/officeDocument/2006/relationships" xmlns:p="http://schemas.openxmlformats.org/presentationml/2006/main">
   <p:cSld>
     <p:spTree>
@@ -4609,6 +7046,112 @@
           <p:cNvPr id="2" name="标题 1">
             <a:extLst>
               <a:ext uri="{FF2B5EF4-FFF2-40B4-BE49-F238E27FC236}">
+                <a16:creationId xmlns:a16="http://schemas.microsoft.com/office/drawing/2014/main" id="{1AFCDE6B-7737-486C-9FD6-45EB60958887}"/>
+              </a:ext>
+            </a:extLst>
+          </p:cNvPr>
+          <p:cNvSpPr>
+            <a:spLocks noGrp="1"/>
+          </p:cNvSpPr>
+          <p:nvPr>
+            <p:ph type="title"/>
+          </p:nvPr>
+        </p:nvSpPr>
+        <p:spPr/>
+        <p:txBody>
+          <a:bodyPr/>
+          <a:lstStyle/>
+          <a:p>
+            <a:r>
+              <a:rPr lang="en-US" altLang="zh-CN" dirty="0"/>
+              <a:t>Content</a:t>
+            </a:r>
+            <a:endParaRPr lang="zh-CN" altLang="en-US" dirty="0"/>
+          </a:p>
+        </p:txBody>
+      </p:sp>
+      <p:sp>
+        <p:nvSpPr>
+          <p:cNvPr id="3" name="内容占位符 2">
+            <a:extLst>
+              <a:ext uri="{FF2B5EF4-FFF2-40B4-BE49-F238E27FC236}">
+                <a16:creationId xmlns:a16="http://schemas.microsoft.com/office/drawing/2014/main" id="{57BDFA4D-BDFA-44D4-AFC0-D9158C90CC8A}"/>
+              </a:ext>
+            </a:extLst>
+          </p:cNvPr>
+          <p:cNvSpPr>
+            <a:spLocks noGrp="1"/>
+          </p:cNvSpPr>
+          <p:nvPr>
+            <p:ph idx="1"/>
+          </p:nvPr>
+        </p:nvSpPr>
+        <p:spPr/>
+        <p:txBody>
+          <a:bodyPr/>
+          <a:lstStyle/>
+          <a:p>
+            <a:r>
+              <a:rPr lang="en-US" altLang="zh-CN" dirty="0"/>
+              <a:t>Architecture Overview </a:t>
+            </a:r>
+          </a:p>
+          <a:p>
+            <a:r>
+              <a:rPr lang="en-US" altLang="zh-CN" dirty="0"/>
+              <a:t>Roles</a:t>
+            </a:r>
+          </a:p>
+          <a:p>
+            <a:r>
+              <a:rPr lang="en-US" altLang="zh-CN" dirty="0"/>
+              <a:t>Relationship</a:t>
+            </a:r>
+          </a:p>
+          <a:p>
+            <a:r>
+              <a:rPr lang="en-US" altLang="zh-CN" dirty="0"/>
+              <a:t>Conclusion</a:t>
+            </a:r>
+            <a:endParaRPr lang="zh-CN" altLang="en-US" dirty="0"/>
+          </a:p>
+        </p:txBody>
+      </p:sp>
+    </p:spTree>
+    <p:extLst>
+      <p:ext uri="{BB962C8B-B14F-4D97-AF65-F5344CB8AC3E}">
+        <p14:creationId xmlns:p14="http://schemas.microsoft.com/office/powerpoint/2010/main" val="1026712134"/>
+      </p:ext>
+    </p:extLst>
+  </p:cSld>
+  <p:clrMapOvr>
+    <a:masterClrMapping/>
+  </p:clrMapOvr>
+</p:sld>
+</file>
+
+<file path=ppt/slides/slide20.xml><?xml version="1.0" encoding="utf-8"?>
+<p:sld xmlns:a="http://schemas.openxmlformats.org/drawingml/2006/main" xmlns:r="http://schemas.openxmlformats.org/officeDocument/2006/relationships" xmlns:p="http://schemas.openxmlformats.org/presentationml/2006/main">
+  <p:cSld>
+    <p:spTree>
+      <p:nvGrpSpPr>
+        <p:cNvPr id="1" name=""/>
+        <p:cNvGrpSpPr/>
+        <p:nvPr/>
+      </p:nvGrpSpPr>
+      <p:grpSpPr>
+        <a:xfrm>
+          <a:off x="0" y="0"/>
+          <a:ext cx="0" cy="0"/>
+          <a:chOff x="0" y="0"/>
+          <a:chExt cx="0" cy="0"/>
+        </a:xfrm>
+      </p:grpSpPr>
+      <p:sp>
+        <p:nvSpPr>
+          <p:cNvPr id="2" name="标题 1">
+            <a:extLst>
+              <a:ext uri="{FF2B5EF4-FFF2-40B4-BE49-F238E27FC236}">
                 <a16:creationId xmlns:a16="http://schemas.microsoft.com/office/drawing/2014/main" id="{5B5BD595-6FDE-4046-9128-0F88029BEAB5}"/>
               </a:ext>
             </a:extLst>
@@ -4671,7 +7214,7 @@
 </p:sld>
 </file>
 
-<file path=ppt/slides/slide26.xml><?xml version="1.0" encoding="utf-8"?>
+<file path=ppt/slides/slide21.xml><?xml version="1.0" encoding="utf-8"?>
 <p:sld xmlns:a="http://schemas.openxmlformats.org/drawingml/2006/main" xmlns:r="http://schemas.openxmlformats.org/officeDocument/2006/relationships" xmlns:p="http://schemas.openxmlformats.org/presentationml/2006/main">
   <p:cSld>
     <p:spTree>
@@ -4736,7 +7279,7 @@
 </p:sld>
 </file>
 
-<file path=ppt/slides/slide27.xml><?xml version="1.0" encoding="utf-8"?>
+<file path=ppt/slides/slide22.xml><?xml version="1.0" encoding="utf-8"?>
 <p:sld xmlns:a="http://schemas.openxmlformats.org/drawingml/2006/main" xmlns:r="http://schemas.openxmlformats.org/officeDocument/2006/relationships" xmlns:p="http://schemas.openxmlformats.org/presentationml/2006/main">
   <p:cSld>
     <p:spTree>
@@ -4802,87 +7345,7 @@
 </p:sld>
 </file>
 
-<file path=ppt/slides/slide28.xml><?xml version="1.0" encoding="utf-8"?>
-<p:sld xmlns:a="http://schemas.openxmlformats.org/drawingml/2006/main" xmlns:r="http://schemas.openxmlformats.org/officeDocument/2006/relationships" xmlns:p="http://schemas.openxmlformats.org/presentationml/2006/main">
-  <p:cSld>
-    <p:spTree>
-      <p:nvGrpSpPr>
-        <p:cNvPr id="1" name=""/>
-        <p:cNvGrpSpPr/>
-        <p:nvPr/>
-      </p:nvGrpSpPr>
-      <p:grpSpPr>
-        <a:xfrm>
-          <a:off x="0" y="0"/>
-          <a:ext cx="0" cy="0"/>
-          <a:chOff x="0" y="0"/>
-          <a:chExt cx="0" cy="0"/>
-        </a:xfrm>
-      </p:grpSpPr>
-      <p:sp>
-        <p:nvSpPr>
-          <p:cNvPr id="2" name="标题 1">
-            <a:extLst>
-              <a:ext uri="{FF2B5EF4-FFF2-40B4-BE49-F238E27FC236}">
-                <a16:creationId xmlns:a16="http://schemas.microsoft.com/office/drawing/2014/main" id="{CA7A440B-0107-47E9-B9B0-FBE8FC629893}"/>
-              </a:ext>
-            </a:extLst>
-          </p:cNvPr>
-          <p:cNvSpPr>
-            <a:spLocks noGrp="1"/>
-          </p:cNvSpPr>
-          <p:nvPr>
-            <p:ph type="title"/>
-          </p:nvPr>
-        </p:nvSpPr>
-        <p:spPr/>
-        <p:txBody>
-          <a:bodyPr/>
-          <a:lstStyle/>
-          <a:p>
-            <a:endParaRPr lang="zh-CN" altLang="en-US"/>
-          </a:p>
-        </p:txBody>
-      </p:sp>
-      <p:sp>
-        <p:nvSpPr>
-          <p:cNvPr id="3" name="内容占位符 2">
-            <a:extLst>
-              <a:ext uri="{FF2B5EF4-FFF2-40B4-BE49-F238E27FC236}">
-                <a16:creationId xmlns:a16="http://schemas.microsoft.com/office/drawing/2014/main" id="{119A45B3-732F-4A23-9448-263E08E0F288}"/>
-              </a:ext>
-            </a:extLst>
-          </p:cNvPr>
-          <p:cNvSpPr>
-            <a:spLocks noGrp="1"/>
-          </p:cNvSpPr>
-          <p:nvPr>
-            <p:ph idx="1"/>
-          </p:nvPr>
-        </p:nvSpPr>
-        <p:spPr/>
-        <p:txBody>
-          <a:bodyPr/>
-          <a:lstStyle/>
-          <a:p>
-            <a:endParaRPr lang="zh-CN" altLang="en-US"/>
-          </a:p>
-        </p:txBody>
-      </p:sp>
-    </p:spTree>
-    <p:extLst>
-      <p:ext uri="{BB962C8B-B14F-4D97-AF65-F5344CB8AC3E}">
-        <p14:creationId xmlns:p14="http://schemas.microsoft.com/office/powerpoint/2010/main" val="1647399641"/>
-      </p:ext>
-    </p:extLst>
-  </p:cSld>
-  <p:clrMapOvr>
-    <a:masterClrMapping/>
-  </p:clrMapOvr>
-</p:sld>
-</file>
-
-<file path=ppt/slides/slide29.xml><?xml version="1.0" encoding="utf-8"?>
+<file path=ppt/slides/slide23.xml><?xml version="1.0" encoding="utf-8"?>
 <p:sld xmlns:a="http://schemas.openxmlformats.org/drawingml/2006/main" xmlns:r="http://schemas.openxmlformats.org/officeDocument/2006/relationships" xmlns:p="http://schemas.openxmlformats.org/presentationml/2006/main">
   <p:cSld>
     <p:spTree>
@@ -5036,8 +7499,8 @@
           </a:p>
           <a:p>
             <a:r>
-              <a:rPr lang="zh-CN" altLang="en-US"/>
-              <a:t>思路清晰（图）</a:t>
+              <a:rPr lang="zh-CN" altLang="en-US" dirty="0"/>
+              <a:t>思路清晰</a:t>
             </a:r>
             <a:endParaRPr lang="en-US" altLang="zh-CN" dirty="0"/>
           </a:p>
@@ -5056,6 +7519,34 @@
           </a:p>
         </p:txBody>
       </p:sp>
+      <p:graphicFrame>
+        <p:nvGraphicFramePr>
+          <p:cNvPr id="4" name="图示 3">
+            <a:extLst>
+              <a:ext uri="{FF2B5EF4-FFF2-40B4-BE49-F238E27FC236}">
+                <a16:creationId xmlns:a16="http://schemas.microsoft.com/office/drawing/2014/main" id="{EDCA3C96-402E-4F41-8E4B-FD28A8F3068C}"/>
+              </a:ext>
+            </a:extLst>
+          </p:cNvPr>
+          <p:cNvGraphicFramePr/>
+          <p:nvPr>
+            <p:extLst>
+              <p:ext uri="{D42A27DB-BD31-4B8C-83A1-F6EECF244321}">
+                <p14:modId xmlns:p14="http://schemas.microsoft.com/office/powerpoint/2010/main" val="54056349"/>
+              </p:ext>
+            </p:extLst>
+          </p:nvPr>
+        </p:nvGraphicFramePr>
+        <p:xfrm>
+          <a:off x="3413760" y="3714271"/>
+          <a:ext cx="8128000" cy="964056"/>
+        </p:xfrm>
+        <a:graphic>
+          <a:graphicData uri="http://schemas.openxmlformats.org/drawingml/2006/diagram">
+            <dgm:relIds xmlns:dgm="http://schemas.openxmlformats.org/drawingml/2006/diagram" xmlns:r="http://schemas.openxmlformats.org/officeDocument/2006/relationships" r:dm="rId2" r:lo="rId3" r:qs="rId4" r:cs="rId5"/>
+          </a:graphicData>
+        </a:graphic>
+      </p:graphicFrame>
     </p:spTree>
     <p:extLst>
       <p:ext uri="{BB962C8B-B14F-4D97-AF65-F5344CB8AC3E}">
@@ -5631,23 +8122,6 @@
               <a:buNone/>
             </a:pPr>
             <a:endParaRPr lang="en-US" altLang="zh-CN" i="1" dirty="0"/>
-          </a:p>
-          <a:p>
-            <a:pPr marL="457200" lvl="1" indent="0">
-              <a:buNone/>
-            </a:pPr>
-            <a:r>
-              <a:rPr lang="en-US" altLang="zh-CN" dirty="0"/>
-              <a:t>【</a:t>
-            </a:r>
-            <a:r>
-              <a:rPr lang="zh-CN" altLang="en-US" dirty="0"/>
-              <a:t>策略实例</a:t>
-            </a:r>
-            <a:r>
-              <a:rPr lang="en-US" altLang="zh-CN" dirty="0"/>
-              <a:t>】</a:t>
-            </a:r>
           </a:p>
         </p:txBody>
       </p:sp>
